--- a/08_Manipulators/08_Manipulators.pptx
+++ b/08_Manipulators/08_Manipulators.pptx
@@ -4036,7 +4036,7 @@
           <p:nvPr userDrawn="1"/>
         </p:nvPicPr>
         <p:blipFill>
-          <a:blip r:embed="rId2"/>
+          <a:blip r:embed="rId2" cstate="print"/>
           <a:srcRect/>
           <a:stretch>
             <a:fillRect/>
@@ -4475,7 +4475,7 @@
           <p:nvPr userDrawn="1"/>
         </p:nvPicPr>
         <p:blipFill>
-          <a:blip r:embed="rId2"/>
+          <a:blip r:embed="rId2" cstate="print"/>
           <a:srcRect/>
           <a:stretch>
             <a:fillRect/>
@@ -7604,7 +7604,7 @@
           <p:nvPr userDrawn="1"/>
         </p:nvPicPr>
         <p:blipFill>
-          <a:blip r:embed="rId13"/>
+          <a:blip r:embed="rId13" cstate="print"/>
           <a:srcRect/>
           <a:stretch>
             <a:fillRect/>
@@ -8315,7 +8315,7 @@
           <p:nvPr userDrawn="1"/>
         </p:nvPicPr>
         <p:blipFill>
-          <a:blip r:embed="rId13"/>
+          <a:blip r:embed="rId13" cstate="print"/>
           <a:srcRect/>
           <a:stretch>
             <a:fillRect/>
@@ -8812,7 +8812,7 @@
           <p:nvPr/>
         </p:nvPicPr>
         <p:blipFill>
-          <a:blip r:embed="rId3"/>
+          <a:blip r:embed="rId3" cstate="print"/>
           <a:srcRect/>
           <a:stretch>
             <a:fillRect/>
@@ -8910,30 +8910,33 @@
           <a:p>
             <a:pPr eaLnBrk="0" hangingPunct="0"/>
             <a:r>
-              <a:rPr lang="en-US" sz="2000">
+              <a:rPr lang="en-US" sz="2000" b="1" i="1" dirty="0" smtClean="0">
                 <a:solidFill>
                   <a:schemeClr val="bg1"/>
                 </a:solidFill>
               </a:rPr>
-              <a:t>Naiqi Weng</a:t>
-            </a:r>
-            <a:endParaRPr lang="en-US" sz="2000" b="1">
-              <a:solidFill>
-                <a:schemeClr val="bg1"/>
-              </a:solidFill>
-            </a:endParaRPr>
+              <a:t>Kristine Middlemiss, </a:t>
+            </a:r>
+            <a:r>
+              <a:rPr lang="en-US" sz="2000" i="1" dirty="0" smtClean="0">
+                <a:solidFill>
+                  <a:schemeClr val="bg1"/>
+                </a:solidFill>
+              </a:rPr>
+              <a:t>Developer Consultant</a:t>
+            </a:r>
           </a:p>
           <a:p>
             <a:pPr eaLnBrk="0" hangingPunct="0"/>
             <a:r>
-              <a:rPr lang="en-US" sz="1600">
+              <a:rPr lang="en-US" sz="2000" i="1" smtClean="0">
                 <a:solidFill>
                   <a:schemeClr val="bg1"/>
                 </a:solidFill>
               </a:rPr>
-              <a:t>Developer Consultant, ADN</a:t>
-            </a:r>
-            <a:endParaRPr lang="en-US">
+              <a:t>Autodesk Developer Network (ADN)</a:t>
+            </a:r>
+            <a:endParaRPr lang="en-US" sz="2000" i="1" dirty="0">
               <a:solidFill>
                 <a:schemeClr val="bg1"/>
               </a:solidFill>
@@ -9659,9 +9662,22 @@
           <a:p>
             <a:r>
               <a:rPr lang="en-US" sz="1400" dirty="0" smtClean="0">
-                <a:latin typeface="Calibri" pitchFamily="34" charset="0"/>
-              </a:rPr>
-              <a:t>	</a:t>
+                <a:solidFill>
+                  <a:srgbClr val="FFFF00"/>
+                </a:solidFill>
+                <a:latin typeface="Calibri" pitchFamily="34" charset="0"/>
+              </a:rPr>
+              <a:t>	def</a:t>
+            </a:r>
+            <a:r>
+              <a:rPr lang="en-US" sz="1400" dirty="0" smtClean="0">
+                <a:solidFill>
+                  <a:srgbClr val="FFFF00"/>
+                </a:solidFill>
+                <a:latin typeface="Calibri" pitchFamily="34" charset="0"/>
+                <a:cs typeface="Courier New" pitchFamily="49" charset="0"/>
+              </a:rPr>
+              <a:t> </a:t>
             </a:r>
             <a:r>
               <a:rPr lang="en-US" sz="1400" dirty="0" err="1" smtClean="0">
@@ -9671,7 +9687,7 @@
                 <a:latin typeface="Calibri" pitchFamily="34" charset="0"/>
                 <a:cs typeface="Courier New" pitchFamily="49" charset="0"/>
               </a:rPr>
-              <a:t>MStatus</a:t>
+              <a:t>initializePlugin</a:t>
             </a:r>
             <a:r>
               <a:rPr lang="en-US" sz="1400" dirty="0" smtClean="0">
@@ -9681,7 +9697,7 @@
                 <a:latin typeface="Calibri" pitchFamily="34" charset="0"/>
                 <a:cs typeface="Courier New" pitchFamily="49" charset="0"/>
               </a:rPr>
-              <a:t> </a:t>
+              <a:t>(</a:t>
             </a:r>
             <a:r>
               <a:rPr lang="en-US" sz="1400" dirty="0" err="1" smtClean="0">
@@ -9691,7 +9707,7 @@
                 <a:latin typeface="Calibri" pitchFamily="34" charset="0"/>
                 <a:cs typeface="Courier New" pitchFamily="49" charset="0"/>
               </a:rPr>
-              <a:t>initializePlugin</a:t>
+              <a:t>obj</a:t>
             </a:r>
             <a:r>
               <a:rPr lang="en-US" sz="1400" dirty="0" smtClean="0">
@@ -9701,7 +9717,31 @@
                 <a:latin typeface="Calibri" pitchFamily="34" charset="0"/>
                 <a:cs typeface="Courier New" pitchFamily="49" charset="0"/>
               </a:rPr>
-              <a:t>(</a:t>
+              <a:t>):</a:t>
+            </a:r>
+          </a:p>
+          <a:p>
+            <a:r>
+              <a:rPr lang="en-US" sz="1400" dirty="0" smtClean="0">
+                <a:solidFill>
+                  <a:srgbClr val="FFFF00"/>
+                </a:solidFill>
+                <a:latin typeface="Calibri" pitchFamily="34" charset="0"/>
+                <a:cs typeface="Courier New" pitchFamily="49" charset="0"/>
+              </a:rPr>
+              <a:t>	    ...</a:t>
+            </a:r>
+          </a:p>
+          <a:p>
+            <a:r>
+              <a:rPr lang="en-US" sz="1400" dirty="0" smtClean="0">
+                <a:solidFill>
+                  <a:srgbClr val="FFFF00"/>
+                </a:solidFill>
+                <a:latin typeface="Calibri" pitchFamily="34" charset="0"/>
+                <a:cs typeface="Courier New" pitchFamily="49" charset="0"/>
+              </a:rPr>
+              <a:t>	    </a:t>
             </a:r>
             <a:r>
               <a:rPr lang="en-US" sz="1400" dirty="0" err="1" smtClean="0">
@@ -9711,7 +9751,7 @@
                 <a:latin typeface="Calibri" pitchFamily="34" charset="0"/>
                 <a:cs typeface="Courier New" pitchFamily="49" charset="0"/>
               </a:rPr>
-              <a:t>MObject</a:t>
+              <a:t>plugin.registerNode</a:t>
             </a:r>
             <a:r>
               <a:rPr lang="en-US" sz="1400" dirty="0" smtClean="0">
@@ -9721,7 +9761,7 @@
                 <a:latin typeface="Calibri" pitchFamily="34" charset="0"/>
                 <a:cs typeface="Courier New" pitchFamily="49" charset="0"/>
               </a:rPr>
-              <a:t> </a:t>
+              <a:t>( "</a:t>
             </a:r>
             <a:r>
               <a:rPr lang="en-US" sz="1400" dirty="0" err="1" smtClean="0">
@@ -9731,7 +9771,7 @@
                 <a:latin typeface="Calibri" pitchFamily="34" charset="0"/>
                 <a:cs typeface="Courier New" pitchFamily="49" charset="0"/>
               </a:rPr>
-              <a:t>obj</a:t>
+              <a:t>arrowLocatorManip</a:t>
             </a:r>
             <a:r>
               <a:rPr lang="en-US" sz="1400" dirty="0" smtClean="0">
@@ -9741,10 +9781,18 @@
                 <a:latin typeface="Calibri" pitchFamily="34" charset="0"/>
                 <a:cs typeface="Courier New" pitchFamily="49" charset="0"/>
               </a:rPr>
-              <a:t>) { </a:t>
-            </a:r>
-          </a:p>
-          <a:p>
+              <a:t>", </a:t>
+            </a:r>
+            <a:r>
+              <a:rPr lang="en-US" sz="1400" dirty="0" err="1" smtClean="0">
+                <a:solidFill>
+                  <a:srgbClr val="FFFF00"/>
+                </a:solidFill>
+                <a:latin typeface="Calibri" pitchFamily="34" charset="0"/>
+                <a:cs typeface="Courier New" pitchFamily="49" charset="0"/>
+              </a:rPr>
+              <a:t>arrowLocatorManip</a:t>
+            </a:r>
             <a:r>
               <a:rPr lang="en-US" sz="1400" dirty="0" smtClean="0">
                 <a:solidFill>
@@ -9753,10 +9801,18 @@
                 <a:latin typeface="Calibri" pitchFamily="34" charset="0"/>
                 <a:cs typeface="Courier New" pitchFamily="49" charset="0"/>
               </a:rPr>
-              <a:t>	...</a:t>
-            </a:r>
-          </a:p>
-          <a:p>
+              <a:t>::id, </a:t>
+            </a:r>
+            <a:r>
+              <a:rPr lang="en-US" sz="1400" dirty="0" err="1" smtClean="0">
+                <a:solidFill>
+                  <a:srgbClr val="FFFF00"/>
+                </a:solidFill>
+                <a:latin typeface="Calibri" pitchFamily="34" charset="0"/>
+                <a:cs typeface="Courier New" pitchFamily="49" charset="0"/>
+              </a:rPr>
+              <a:t>arrowLocatorManip_creator</a:t>
+            </a:r>
             <a:r>
               <a:rPr lang="en-US" sz="1400" dirty="0" smtClean="0">
                 <a:solidFill>
@@ -9765,7 +9821,19 @@
                 <a:latin typeface="Calibri" pitchFamily="34" charset="0"/>
                 <a:cs typeface="Courier New" pitchFamily="49" charset="0"/>
               </a:rPr>
-              <a:t>	</a:t>
+              <a:t>,</a:t>
+            </a:r>
+          </a:p>
+          <a:p>
+            <a:r>
+              <a:rPr lang="en-US" sz="1400" dirty="0" smtClean="0">
+                <a:solidFill>
+                  <a:srgbClr val="FFFF00"/>
+                </a:solidFill>
+                <a:latin typeface="Calibri" pitchFamily="34" charset="0"/>
+                <a:cs typeface="Courier New" pitchFamily="49" charset="0"/>
+              </a:rPr>
+              <a:t>		</a:t>
             </a:r>
             <a:r>
               <a:rPr lang="en-US" sz="1400" dirty="0" err="1" smtClean="0">
@@ -9775,7 +9843,7 @@
                 <a:latin typeface="Calibri" pitchFamily="34" charset="0"/>
                 <a:cs typeface="Courier New" pitchFamily="49" charset="0"/>
               </a:rPr>
-              <a:t>plugin.registerNode</a:t>
+              <a:t>arrowLocatorManip_initialize</a:t>
             </a:r>
             <a:r>
               <a:rPr lang="en-US" sz="1400" dirty="0" smtClean="0">
@@ -9785,7 +9853,7 @@
                 <a:latin typeface="Calibri" pitchFamily="34" charset="0"/>
                 <a:cs typeface="Courier New" pitchFamily="49" charset="0"/>
               </a:rPr>
-              <a:t>( "</a:t>
+              <a:t>, </a:t>
             </a:r>
             <a:r>
               <a:rPr lang="en-US" sz="1400" dirty="0" err="1" smtClean="0">
@@ -9795,7 +9863,7 @@
                 <a:latin typeface="Calibri" pitchFamily="34" charset="0"/>
                 <a:cs typeface="Courier New" pitchFamily="49" charset="0"/>
               </a:rPr>
-              <a:t>arrowLocatorManip</a:t>
+              <a:t>OpenMayaMPx.MPxNode</a:t>
             </a:r>
             <a:r>
               <a:rPr lang="en-US" sz="1400" dirty="0" smtClean="0">
@@ -9805,7 +9873,7 @@
                 <a:latin typeface="Calibri" pitchFamily="34" charset="0"/>
                 <a:cs typeface="Courier New" pitchFamily="49" charset="0"/>
               </a:rPr>
-              <a:t>", </a:t>
+              <a:t>::</a:t>
             </a:r>
             <a:r>
               <a:rPr lang="en-US" sz="1400" dirty="0" err="1" smtClean="0">
@@ -9815,7 +9883,7 @@
                 <a:latin typeface="Calibri" pitchFamily="34" charset="0"/>
                 <a:cs typeface="Courier New" pitchFamily="49" charset="0"/>
               </a:rPr>
-              <a:t>arrowLocatorManip</a:t>
+              <a:t>kManipContainer</a:t>
             </a:r>
             <a:r>
               <a:rPr lang="en-US" sz="1400" dirty="0" smtClean="0">
@@ -9825,137 +9893,28 @@
                 <a:latin typeface="Calibri" pitchFamily="34" charset="0"/>
                 <a:cs typeface="Courier New" pitchFamily="49" charset="0"/>
               </a:rPr>
-              <a:t>::id, </a:t>
-            </a:r>
-            <a:r>
-              <a:rPr lang="en-US" sz="1400" dirty="0" err="1" smtClean="0">
+              <a:t> )</a:t>
+            </a:r>
+          </a:p>
+          <a:p>
+            <a:r>
+              <a:rPr lang="en-US" sz="1400" dirty="0" smtClean="0">
                 <a:solidFill>
                   <a:srgbClr val="FFFF00"/>
                 </a:solidFill>
                 <a:latin typeface="Calibri" pitchFamily="34" charset="0"/>
                 <a:cs typeface="Courier New" pitchFamily="49" charset="0"/>
               </a:rPr>
-              <a:t>arrowLocatorManip</a:t>
-            </a:r>
-            <a:r>
-              <a:rPr lang="en-US" sz="1400" dirty="0" smtClean="0">
-                <a:solidFill>
-                  <a:srgbClr val="FFFF00"/>
-                </a:solidFill>
-                <a:latin typeface="Calibri" pitchFamily="34" charset="0"/>
-                <a:cs typeface="Courier New" pitchFamily="49" charset="0"/>
-              </a:rPr>
-              <a:t>::creator,</a:t>
-            </a:r>
-          </a:p>
-          <a:p>
-            <a:r>
-              <a:rPr lang="en-US" sz="1400" dirty="0" smtClean="0">
-                <a:solidFill>
-                  <a:srgbClr val="FFFF00"/>
-                </a:solidFill>
-                <a:latin typeface="Calibri" pitchFamily="34" charset="0"/>
-                <a:cs typeface="Courier New" pitchFamily="49" charset="0"/>
-              </a:rPr>
-              <a:t>		</a:t>
-            </a:r>
-            <a:r>
-              <a:rPr lang="en-US" sz="1400" dirty="0" err="1" smtClean="0">
-                <a:solidFill>
-                  <a:srgbClr val="FFFF00"/>
-                </a:solidFill>
-                <a:latin typeface="Calibri" pitchFamily="34" charset="0"/>
-                <a:cs typeface="Courier New" pitchFamily="49" charset="0"/>
-              </a:rPr>
-              <a:t>arrowLocatorManip</a:t>
-            </a:r>
-            <a:r>
-              <a:rPr lang="en-US" sz="1400" dirty="0" smtClean="0">
-                <a:solidFill>
-                  <a:srgbClr val="FFFF00"/>
-                </a:solidFill>
-                <a:latin typeface="Calibri" pitchFamily="34" charset="0"/>
-                <a:cs typeface="Courier New" pitchFamily="49" charset="0"/>
-              </a:rPr>
-              <a:t>::initialize, </a:t>
-            </a:r>
-            <a:r>
-              <a:rPr lang="en-US" sz="1400" dirty="0" err="1" smtClean="0">
-                <a:solidFill>
-                  <a:srgbClr val="FFFF00"/>
-                </a:solidFill>
-                <a:latin typeface="Calibri" pitchFamily="34" charset="0"/>
-                <a:cs typeface="Courier New" pitchFamily="49" charset="0"/>
-              </a:rPr>
-              <a:t>MPxNode</a:t>
-            </a:r>
-            <a:r>
-              <a:rPr lang="en-US" sz="1400" dirty="0" smtClean="0">
-                <a:solidFill>
-                  <a:srgbClr val="FFFF00"/>
-                </a:solidFill>
-                <a:latin typeface="Calibri" pitchFamily="34" charset="0"/>
-                <a:cs typeface="Courier New" pitchFamily="49" charset="0"/>
-              </a:rPr>
-              <a:t>::</a:t>
-            </a:r>
-            <a:r>
-              <a:rPr lang="en-US" sz="1400" dirty="0" err="1" smtClean="0">
-                <a:solidFill>
-                  <a:srgbClr val="FFFF00"/>
-                </a:solidFill>
-                <a:latin typeface="Calibri" pitchFamily="34" charset="0"/>
-                <a:cs typeface="Courier New" pitchFamily="49" charset="0"/>
-              </a:rPr>
-              <a:t>kManipContainer</a:t>
-            </a:r>
-            <a:r>
-              <a:rPr lang="en-US" sz="1400" dirty="0" smtClean="0">
-                <a:solidFill>
-                  <a:srgbClr val="FFFF00"/>
-                </a:solidFill>
-                <a:latin typeface="Calibri" pitchFamily="34" charset="0"/>
-                <a:cs typeface="Courier New" pitchFamily="49" charset="0"/>
-              </a:rPr>
-              <a:t> );</a:t>
-            </a:r>
-          </a:p>
-          <a:p>
-            <a:r>
-              <a:rPr lang="en-US" sz="1400" dirty="0" smtClean="0">
-                <a:solidFill>
-                  <a:srgbClr val="FFFF00"/>
-                </a:solidFill>
-                <a:latin typeface="Calibri" pitchFamily="34" charset="0"/>
-                <a:cs typeface="Courier New" pitchFamily="49" charset="0"/>
-              </a:rPr>
-              <a:t>	... </a:t>
-            </a:r>
-          </a:p>
-          <a:p>
-            <a:r>
-              <a:rPr lang="en-US" sz="1400" dirty="0" smtClean="0">
-                <a:solidFill>
-                  <a:srgbClr val="FFFF00"/>
-                </a:solidFill>
-                <a:latin typeface="Calibri" pitchFamily="34" charset="0"/>
-                <a:cs typeface="Courier New" pitchFamily="49" charset="0"/>
-              </a:rPr>
-              <a:t>} </a:t>
-            </a:r>
+              <a:t>	   ... </a:t>
+            </a:r>
+          </a:p>
+          <a:p>
             <a:endParaRPr lang="en-US" sz="1400" dirty="0" smtClean="0">
               <a:latin typeface="Calibri" pitchFamily="34" charset="0"/>
             </a:endParaRPr>
           </a:p>
           <a:p>
-            <a:pPr>
-              <a:buFontTx/>
-              <a:buChar char="•"/>
-            </a:pPr>
-            <a:r>
-              <a:rPr lang="en-US" sz="2800" dirty="0" smtClean="0"/>
-              <a:t>Add OpenMayaUI.lib and opengl32.lib (optional) into linking libraries</a:t>
-            </a:r>
+            <a:endParaRPr lang="en-US" sz="1600" dirty="0" smtClean="0"/>
           </a:p>
           <a:p>
             <a:pPr>
@@ -9964,13 +9923,6 @@
             </a:pPr>
             <a:endParaRPr lang="en-US" sz="1600" dirty="0" smtClean="0"/>
           </a:p>
-          <a:p>
-            <a:pPr>
-              <a:buFontTx/>
-              <a:buChar char="•"/>
-            </a:pPr>
-            <a:endParaRPr lang="en-US" sz="1600" dirty="0" smtClean="0"/>
-          </a:p>
         </p:txBody>
       </p:sp>
       <p:sp>
@@ -9984,7 +9936,7 @@
         <p:spPr bwMode="auto">
           <a:xfrm>
             <a:off x="3352800" y="3505200"/>
-            <a:ext cx="2209800" cy="330587"/>
+            <a:ext cx="3429000" cy="330587"/>
           </a:xfrm>
           <a:prstGeom prst="roundRect">
             <a:avLst>
@@ -10316,49 +10268,6 @@
                                   </p:childTnLst>
                                 </p:cTn>
                               </p:par>
-                              <p:par>
-                                <p:cTn id="25" presetID="3" presetClass="entr" presetSubtype="10" fill="hold" nodeType="withEffect">
-                                  <p:stCondLst>
-                                    <p:cond delay="0"/>
-                                  </p:stCondLst>
-                                  <p:childTnLst>
-                                    <p:set>
-                                      <p:cBhvr>
-                                        <p:cTn id="26" dur="1" fill="hold">
-                                          <p:stCondLst>
-                                            <p:cond delay="0"/>
-                                          </p:stCondLst>
-                                        </p:cTn>
-                                        <p:tgtEl>
-                                          <p:spTgt spid="55299">
-                                            <p:txEl>
-                                              <p:pRg st="7" end="7"/>
-                                            </p:txEl>
-                                          </p:spTgt>
-                                        </p:tgtEl>
-                                        <p:attrNameLst>
-                                          <p:attrName>style.visibility</p:attrName>
-                                        </p:attrNameLst>
-                                      </p:cBhvr>
-                                      <p:to>
-                                        <p:strVal val="visible"/>
-                                      </p:to>
-                                    </p:set>
-                                    <p:animEffect transition="in" filter="blinds(horizontal)">
-                                      <p:cBhvr>
-                                        <p:cTn id="27" dur="500"/>
-                                        <p:tgtEl>
-                                          <p:spTgt spid="55299">
-                                            <p:txEl>
-                                              <p:pRg st="7" end="7"/>
-                                            </p:txEl>
-                                          </p:spTgt>
-                                        </p:tgtEl>
-                                      </p:cBhvr>
-                                    </p:animEffect>
-                                  </p:childTnLst>
-                                </p:cTn>
-                              </p:par>
                             </p:childTnLst>
                           </p:cTn>
                         </p:par>
@@ -10366,26 +10275,26 @@
                     </p:cTn>
                   </p:par>
                   <p:par>
-                    <p:cTn id="28" fill="hold">
+                    <p:cTn id="25" fill="hold">
                       <p:stCondLst>
                         <p:cond delay="indefinite"/>
                       </p:stCondLst>
                       <p:childTnLst>
                         <p:par>
-                          <p:cTn id="29" fill="hold">
+                          <p:cTn id="26" fill="hold">
                             <p:stCondLst>
                               <p:cond delay="0"/>
                             </p:stCondLst>
                             <p:childTnLst>
                               <p:par>
-                                <p:cTn id="30" presetID="3" presetClass="entr" presetSubtype="10" fill="hold" grpId="0" nodeType="clickEffect">
+                                <p:cTn id="27" presetID="3" presetClass="entr" presetSubtype="10" fill="hold" grpId="0" nodeType="clickEffect">
                                   <p:stCondLst>
                                     <p:cond delay="0"/>
                                   </p:stCondLst>
                                   <p:childTnLst>
                                     <p:set>
                                       <p:cBhvr>
-                                        <p:cTn id="31" dur="1" fill="hold">
+                                        <p:cTn id="28" dur="1" fill="hold">
                                           <p:stCondLst>
                                             <p:cond delay="0"/>
                                           </p:stCondLst>
@@ -10403,70 +10312,9 @@
                                     </p:set>
                                     <p:animEffect transition="in" filter="blinds(horizontal)">
                                       <p:cBhvr>
-                                        <p:cTn id="32" dur="500"/>
+                                        <p:cTn id="29" dur="500"/>
                                         <p:tgtEl>
                                           <p:spTgt spid="4"/>
-                                        </p:tgtEl>
-                                      </p:cBhvr>
-                                    </p:animEffect>
-                                  </p:childTnLst>
-                                </p:cTn>
-                              </p:par>
-                            </p:childTnLst>
-                          </p:cTn>
-                        </p:par>
-                      </p:childTnLst>
-                    </p:cTn>
-                  </p:par>
-                  <p:par>
-                    <p:cTn id="33" fill="hold">
-                      <p:stCondLst>
-                        <p:cond delay="indefinite"/>
-                      </p:stCondLst>
-                      <p:childTnLst>
-                        <p:par>
-                          <p:cTn id="34" fill="hold">
-                            <p:stCondLst>
-                              <p:cond delay="0"/>
-                            </p:stCondLst>
-                            <p:childTnLst>
-                              <p:par>
-                                <p:cTn id="35" presetID="3" presetClass="entr" presetSubtype="10" fill="hold" nodeType="clickEffect">
-                                  <p:stCondLst>
-                                    <p:cond delay="0"/>
-                                  </p:stCondLst>
-                                  <p:childTnLst>
-                                    <p:set>
-                                      <p:cBhvr>
-                                        <p:cTn id="36" dur="1" fill="hold">
-                                          <p:stCondLst>
-                                            <p:cond delay="0"/>
-                                          </p:stCondLst>
-                                        </p:cTn>
-                                        <p:tgtEl>
-                                          <p:spTgt spid="55299">
-                                            <p:txEl>
-                                              <p:pRg st="8" end="8"/>
-                                            </p:txEl>
-                                          </p:spTgt>
-                                        </p:tgtEl>
-                                        <p:attrNameLst>
-                                          <p:attrName>style.visibility</p:attrName>
-                                        </p:attrNameLst>
-                                      </p:cBhvr>
-                                      <p:to>
-                                        <p:strVal val="visible"/>
-                                      </p:to>
-                                    </p:set>
-                                    <p:animEffect transition="in" filter="blinds(horizontal)">
-                                      <p:cBhvr>
-                                        <p:cTn id="37" dur="500"/>
-                                        <p:tgtEl>
-                                          <p:spTgt spid="55299">
-                                            <p:txEl>
-                                              <p:pRg st="8" end="8"/>
-                                            </p:txEl>
-                                          </p:spTgt>
                                         </p:tgtEl>
                                       </p:cBhvr>
                                     </p:animEffect>
@@ -10541,11 +10389,7 @@
           <a:p>
             <a:r>
               <a:rPr lang="en-US" dirty="0" smtClean="0"/>
-              <a:t>Example: </a:t>
-            </a:r>
-            <a:r>
-              <a:rPr lang="en-US" dirty="0" err="1" smtClean="0"/>
-              <a:t>arrowLocatorManip</a:t>
+              <a:t>Example: arrowLocatorManip.py</a:t>
             </a:r>
             <a:endParaRPr lang="en-US" dirty="0"/>
           </a:p>
@@ -10573,7 +10417,7 @@
                 </a:solidFill>
                 <a:latin typeface="Calibri" pitchFamily="34" charset="0"/>
               </a:rPr>
-              <a:t>class </a:t>
+              <a:t>def </a:t>
             </a:r>
             <a:r>
               <a:rPr lang="en-US" sz="1400" dirty="0" err="1" smtClean="0">
@@ -10591,7 +10435,7 @@
                 </a:solidFill>
                 <a:latin typeface="Calibri" pitchFamily="34" charset="0"/>
               </a:rPr>
-              <a:t> : public </a:t>
+              <a:t> (</a:t>
             </a:r>
             <a:r>
               <a:rPr lang="en-US" sz="1400" dirty="0" err="1" smtClean="0">
@@ -10600,8 +10444,19 @@
                 </a:solidFill>
                 <a:latin typeface="Calibri" pitchFamily="34" charset="0"/>
               </a:rPr>
-              <a:t>MPxManipContainer</a:t>
-            </a:r>
+              <a:t>OpenMayaMPx.MPxManipContainer</a:t>
+            </a:r>
+            <a:r>
+              <a:rPr lang="en-US" sz="1400" dirty="0" smtClean="0">
+                <a:solidFill>
+                  <a:srgbClr val="FFFF00"/>
+                </a:solidFill>
+                <a:latin typeface="Calibri" pitchFamily="34" charset="0"/>
+              </a:rPr>
+              <a:t>):</a:t>
+            </a:r>
+          </a:p>
+          <a:p>
             <a:endParaRPr lang="en-US" sz="1400" dirty="0" smtClean="0">
               <a:solidFill>
                 <a:srgbClr val="FFFF00"/>
@@ -10617,7 +10472,7 @@
                 </a:solidFill>
                 <a:latin typeface="Calibri" pitchFamily="34" charset="0"/>
               </a:rPr>
-              <a:t>{</a:t>
+              <a:t>	def __init__(self):</a:t>
             </a:r>
           </a:p>
           <a:p>
@@ -10628,10 +10483,17 @@
                 </a:solidFill>
                 <a:latin typeface="Calibri" pitchFamily="34" charset="0"/>
               </a:rPr>
-              <a:t>public:</a:t>
-            </a:r>
-          </a:p>
-          <a:p>
+              <a:t>		 </a:t>
+            </a:r>
+            <a:r>
+              <a:rPr lang="en-US" sz="1400" dirty="0" err="1" smtClean="0">
+                <a:solidFill>
+                  <a:srgbClr val="FFFF00"/>
+                </a:solidFill>
+                <a:latin typeface="Calibri" pitchFamily="34" charset="0"/>
+              </a:rPr>
+              <a:t>OpenMayaMPx.MPxManipContainer.__init</a:t>
+            </a:r>
             <a:r>
               <a:rPr lang="en-US" sz="1400" dirty="0" smtClean="0">
                 <a:solidFill>
@@ -10639,54 +10501,7 @@
                 </a:solidFill>
                 <a:latin typeface="Calibri" pitchFamily="34" charset="0"/>
               </a:rPr>
-              <a:t>	</a:t>
-            </a:r>
-            <a:r>
-              <a:rPr lang="en-US" sz="1400" dirty="0" err="1" smtClean="0">
-                <a:solidFill>
-                  <a:srgbClr val="FFFF00"/>
-                </a:solidFill>
-                <a:latin typeface="Calibri" pitchFamily="34" charset="0"/>
-              </a:rPr>
-              <a:t>arrowLocatorManip</a:t>
-            </a:r>
-            <a:r>
-              <a:rPr lang="en-US" sz="1400" dirty="0" smtClean="0">
-                <a:solidFill>
-                  <a:srgbClr val="FFFF00"/>
-                </a:solidFill>
-                <a:latin typeface="Calibri" pitchFamily="34" charset="0"/>
-              </a:rPr>
-              <a:t>();</a:t>
-            </a:r>
-          </a:p>
-          <a:p>
-            <a:r>
-              <a:rPr lang="en-US" sz="1400" dirty="0" smtClean="0">
-                <a:solidFill>
-                  <a:srgbClr val="FFFF00"/>
-                </a:solidFill>
-                <a:latin typeface="Calibri" pitchFamily="34" charset="0"/>
-              </a:rPr>
-              <a:t>	virtual	~</a:t>
-            </a:r>
-            <a:r>
-              <a:rPr lang="en-US" sz="1400" dirty="0" err="1" smtClean="0">
-                <a:solidFill>
-                  <a:srgbClr val="FFFF00"/>
-                </a:solidFill>
-                <a:latin typeface="Calibri" pitchFamily="34" charset="0"/>
-              </a:rPr>
-              <a:t>arrowLocatorManip</a:t>
-            </a:r>
-            <a:r>
-              <a:rPr lang="en-US" sz="1400" dirty="0" smtClean="0">
-                <a:solidFill>
-                  <a:srgbClr val="FFFF00"/>
-                </a:solidFill>
-                <a:latin typeface="Calibri" pitchFamily="34" charset="0"/>
-              </a:rPr>
-              <a:t>(); </a:t>
+              <a:t>__(self)</a:t>
             </a:r>
           </a:p>
           <a:p>
@@ -10705,10 +10520,17 @@
                 </a:solidFill>
                 <a:latin typeface="Calibri" pitchFamily="34" charset="0"/>
               </a:rPr>
-              <a:t>	static  void*	creator();</a:t>
-            </a:r>
-          </a:p>
-          <a:p>
+              <a:t>	def </a:t>
+            </a:r>
+            <a:r>
+              <a:rPr lang="en-US" sz="1400" dirty="0" err="1" smtClean="0">
+                <a:solidFill>
+                  <a:srgbClr val="FFFF00"/>
+                </a:solidFill>
+                <a:latin typeface="Calibri" pitchFamily="34" charset="0"/>
+              </a:rPr>
+              <a:t>createChildren</a:t>
+            </a:r>
             <a:r>
               <a:rPr lang="en-US" sz="1400" dirty="0" smtClean="0">
                 <a:solidFill>
@@ -10716,7 +10538,18 @@
                 </a:solidFill>
                 <a:latin typeface="Calibri" pitchFamily="34" charset="0"/>
               </a:rPr>
-              <a:t>	static  </a:t>
+              <a:t>(self):</a:t>
+            </a:r>
+          </a:p>
+          <a:p>
+            <a:r>
+              <a:rPr lang="en-US" sz="1400" dirty="0" smtClean="0">
+                <a:solidFill>
+                  <a:srgbClr val="FFFF00"/>
+                </a:solidFill>
+                <a:latin typeface="Calibri" pitchFamily="34" charset="0"/>
+              </a:rPr>
+              <a:t>	def </a:t>
             </a:r>
             <a:r>
               <a:rPr lang="en-US" sz="1400" dirty="0" err="1" smtClean="0">
@@ -10725,7 +10558,7 @@
                 </a:solidFill>
                 <a:latin typeface="Calibri" pitchFamily="34" charset="0"/>
               </a:rPr>
-              <a:t>MStatus</a:t>
+              <a:t>connectToDependNode</a:t>
             </a:r>
             <a:r>
               <a:rPr lang="en-US" sz="1400" dirty="0" smtClean="0">
@@ -10734,10 +10567,17 @@
                 </a:solidFill>
                 <a:latin typeface="Calibri" pitchFamily="34" charset="0"/>
               </a:rPr>
-              <a:t>	initialize();</a:t>
-            </a:r>
-          </a:p>
-          <a:p>
+              <a:t>(self, </a:t>
+            </a:r>
+            <a:r>
+              <a:rPr lang="en-US" sz="1400" dirty="0" err="1" smtClean="0">
+                <a:solidFill>
+                  <a:srgbClr val="FFFF00"/>
+                </a:solidFill>
+                <a:latin typeface="Calibri" pitchFamily="34" charset="0"/>
+              </a:rPr>
+              <a:t>dependNode</a:t>
+            </a:r>
             <a:r>
               <a:rPr lang="en-US" sz="1400" dirty="0" smtClean="0">
                 <a:solidFill>
@@ -10745,17 +10585,10 @@
                 </a:solidFill>
                 <a:latin typeface="Calibri" pitchFamily="34" charset="0"/>
               </a:rPr>
-              <a:t>	virtual </a:t>
-            </a:r>
-            <a:r>
-              <a:rPr lang="en-US" sz="1400" dirty="0" err="1" smtClean="0">
-                <a:solidFill>
-                  <a:srgbClr val="FFFF00"/>
-                </a:solidFill>
-                <a:latin typeface="Calibri" pitchFamily="34" charset="0"/>
-              </a:rPr>
-              <a:t>MStatus</a:t>
-            </a:r>
+              <a:t>):</a:t>
+            </a:r>
+          </a:p>
+          <a:p>
             <a:r>
               <a:rPr lang="en-US" sz="1400" dirty="0" smtClean="0">
                 <a:solidFill>
@@ -10763,173 +10596,7 @@
                 </a:solidFill>
                 <a:latin typeface="Calibri" pitchFamily="34" charset="0"/>
               </a:rPr>
-              <a:t>	</a:t>
-            </a:r>
-            <a:r>
-              <a:rPr lang="en-US" sz="1400" dirty="0" err="1" smtClean="0">
-                <a:solidFill>
-                  <a:srgbClr val="FFFF00"/>
-                </a:solidFill>
-                <a:latin typeface="Calibri" pitchFamily="34" charset="0"/>
-              </a:rPr>
-              <a:t>createChildren</a:t>
-            </a:r>
-            <a:r>
-              <a:rPr lang="en-US" sz="1400" dirty="0" smtClean="0">
-                <a:solidFill>
-                  <a:srgbClr val="FFFF00"/>
-                </a:solidFill>
-                <a:latin typeface="Calibri" pitchFamily="34" charset="0"/>
-              </a:rPr>
-              <a:t>();</a:t>
-            </a:r>
-          </a:p>
-          <a:p>
-            <a:r>
-              <a:rPr lang="en-US" sz="1400" dirty="0" smtClean="0">
-                <a:solidFill>
-                  <a:srgbClr val="FFFF00"/>
-                </a:solidFill>
-                <a:latin typeface="Calibri" pitchFamily="34" charset="0"/>
-              </a:rPr>
-              <a:t>	virtual </a:t>
-            </a:r>
-            <a:r>
-              <a:rPr lang="en-US" sz="1400" dirty="0" err="1" smtClean="0">
-                <a:solidFill>
-                  <a:srgbClr val="FFFF00"/>
-                </a:solidFill>
-                <a:latin typeface="Calibri" pitchFamily="34" charset="0"/>
-              </a:rPr>
-              <a:t>MStatus</a:t>
-            </a:r>
-            <a:r>
-              <a:rPr lang="en-US" sz="1400" dirty="0" smtClean="0">
-                <a:solidFill>
-                  <a:srgbClr val="FFFF00"/>
-                </a:solidFill>
-                <a:latin typeface="Calibri" pitchFamily="34" charset="0"/>
-              </a:rPr>
-              <a:t>	</a:t>
-            </a:r>
-            <a:r>
-              <a:rPr lang="en-US" sz="1400" dirty="0" err="1" smtClean="0">
-                <a:solidFill>
-                  <a:srgbClr val="FFFF00"/>
-                </a:solidFill>
-                <a:latin typeface="Calibri" pitchFamily="34" charset="0"/>
-              </a:rPr>
-              <a:t>connectToDependNode</a:t>
-            </a:r>
-            <a:r>
-              <a:rPr lang="en-US" sz="1400" dirty="0" smtClean="0">
-                <a:solidFill>
-                  <a:srgbClr val="FFFF00"/>
-                </a:solidFill>
-                <a:latin typeface="Calibri" pitchFamily="34" charset="0"/>
-              </a:rPr>
-              <a:t>(const </a:t>
-            </a:r>
-            <a:r>
-              <a:rPr lang="en-US" sz="1400" dirty="0" err="1" smtClean="0">
-                <a:solidFill>
-                  <a:srgbClr val="FFFF00"/>
-                </a:solidFill>
-                <a:latin typeface="Calibri" pitchFamily="34" charset="0"/>
-              </a:rPr>
-              <a:t>MObject</a:t>
-            </a:r>
-            <a:r>
-              <a:rPr lang="en-US" sz="1400" dirty="0" smtClean="0">
-                <a:solidFill>
-                  <a:srgbClr val="FFFF00"/>
-                </a:solidFill>
-                <a:latin typeface="Calibri" pitchFamily="34" charset="0"/>
-              </a:rPr>
-              <a:t> &amp;</a:t>
-            </a:r>
-            <a:r>
-              <a:rPr lang="en-US" sz="1400" dirty="0" err="1" smtClean="0">
-                <a:solidFill>
-                  <a:srgbClr val="FFFF00"/>
-                </a:solidFill>
-                <a:latin typeface="Calibri" pitchFamily="34" charset="0"/>
-              </a:rPr>
-              <a:t>dependNode</a:t>
-            </a:r>
-            <a:r>
-              <a:rPr lang="en-US" sz="1400" dirty="0" smtClean="0">
-                <a:solidFill>
-                  <a:srgbClr val="FFFF00"/>
-                </a:solidFill>
-                <a:latin typeface="Calibri" pitchFamily="34" charset="0"/>
-              </a:rPr>
-              <a:t>);</a:t>
-            </a:r>
-          </a:p>
-          <a:p>
-            <a:r>
-              <a:rPr lang="en-US" sz="1400" dirty="0" smtClean="0">
-                <a:solidFill>
-                  <a:srgbClr val="FFFF00"/>
-                </a:solidFill>
-                <a:latin typeface="Calibri" pitchFamily="34" charset="0"/>
-              </a:rPr>
-              <a:t>	virtual void	draw(M3dView &amp;view, const </a:t>
-            </a:r>
-            <a:r>
-              <a:rPr lang="en-US" sz="1400" dirty="0" err="1" smtClean="0">
-                <a:solidFill>
-                  <a:srgbClr val="FFFF00"/>
-                </a:solidFill>
-                <a:latin typeface="Calibri" pitchFamily="34" charset="0"/>
-              </a:rPr>
-              <a:t>MDagPath</a:t>
-            </a:r>
-            <a:r>
-              <a:rPr lang="en-US" sz="1400" dirty="0" smtClean="0">
-                <a:solidFill>
-                  <a:srgbClr val="FFFF00"/>
-                </a:solidFill>
-                <a:latin typeface="Calibri" pitchFamily="34" charset="0"/>
-              </a:rPr>
-              <a:t> &amp;path, M3dView::</a:t>
-            </a:r>
-            <a:r>
-              <a:rPr lang="en-US" sz="1400" dirty="0" err="1" smtClean="0">
-                <a:solidFill>
-                  <a:srgbClr val="FFFF00"/>
-                </a:solidFill>
-                <a:latin typeface="Calibri" pitchFamily="34" charset="0"/>
-              </a:rPr>
-              <a:t>DisplayStyle</a:t>
-            </a:r>
-            <a:r>
-              <a:rPr lang="en-US" sz="1400" dirty="0" smtClean="0">
-                <a:solidFill>
-                  <a:srgbClr val="FFFF00"/>
-                </a:solidFill>
-                <a:latin typeface="Calibri" pitchFamily="34" charset="0"/>
-              </a:rPr>
-              <a:t> style, M3dView::</a:t>
-            </a:r>
-            <a:r>
-              <a:rPr lang="en-US" sz="1400" dirty="0" err="1" smtClean="0">
-                <a:solidFill>
-                  <a:srgbClr val="FFFF00"/>
-                </a:solidFill>
-                <a:latin typeface="Calibri" pitchFamily="34" charset="0"/>
-              </a:rPr>
-              <a:t>DisplayStatus</a:t>
-            </a:r>
-            <a:r>
-              <a:rPr lang="en-US" sz="1400" dirty="0" smtClean="0">
-                <a:solidFill>
-                  <a:srgbClr val="FFFF00"/>
-                </a:solidFill>
-                <a:latin typeface="Calibri" pitchFamily="34" charset="0"/>
-              </a:rPr>
-              <a:t> status);</a:t>
+              <a:t>	def draw(self, view, path, style, status):</a:t>
             </a:r>
           </a:p>
           <a:p>
@@ -10941,109 +10608,59 @@
             </a:endParaRPr>
           </a:p>
           <a:p>
-            <a:r>
-              <a:rPr lang="en-US" sz="1400" dirty="0" smtClean="0">
-                <a:solidFill>
-                  <a:srgbClr val="FFFF00"/>
-                </a:solidFill>
-                <a:latin typeface="Calibri" pitchFamily="34" charset="0"/>
-              </a:rPr>
-              <a:t>public:</a:t>
-            </a:r>
-          </a:p>
-          <a:p>
-            <a:r>
-              <a:rPr lang="en-US" sz="1400" dirty="0" smtClean="0">
-                <a:solidFill>
-                  <a:srgbClr val="FFFF00"/>
-                </a:solidFill>
-                <a:latin typeface="Calibri" pitchFamily="34" charset="0"/>
-              </a:rPr>
-              <a:t>	static	</a:t>
-            </a:r>
-            <a:r>
-              <a:rPr lang="en-US" sz="1400" dirty="0" err="1" smtClean="0">
-                <a:solidFill>
-                  <a:srgbClr val="FFFF00"/>
-                </a:solidFill>
-                <a:latin typeface="Calibri" pitchFamily="34" charset="0"/>
-              </a:rPr>
-              <a:t>MTypeId</a:t>
-            </a:r>
-            <a:r>
-              <a:rPr lang="en-US" sz="1400" dirty="0" smtClean="0">
-                <a:solidFill>
-                  <a:srgbClr val="FFFF00"/>
-                </a:solidFill>
-                <a:latin typeface="Calibri" pitchFamily="34" charset="0"/>
-              </a:rPr>
-              <a:t>		id;</a:t>
-            </a:r>
-          </a:p>
-          <a:p>
-            <a:r>
-              <a:rPr lang="en-US" sz="1400" dirty="0" smtClean="0">
-                <a:solidFill>
-                  <a:srgbClr val="FFFF00"/>
-                </a:solidFill>
-                <a:latin typeface="Calibri" pitchFamily="34" charset="0"/>
-              </a:rPr>
-              <a:t>	static  </a:t>
-            </a:r>
-            <a:r>
-              <a:rPr lang="en-US" sz="1400" dirty="0" err="1" smtClean="0">
-                <a:solidFill>
-                  <a:srgbClr val="FFFF00"/>
-                </a:solidFill>
-                <a:latin typeface="Calibri" pitchFamily="34" charset="0"/>
-              </a:rPr>
-              <a:t>MDagPath</a:t>
-            </a:r>
-            <a:r>
-              <a:rPr lang="en-US" sz="1400" dirty="0" smtClean="0">
-                <a:solidFill>
-                  <a:srgbClr val="FFFF00"/>
-                </a:solidFill>
-                <a:latin typeface="Calibri" pitchFamily="34" charset="0"/>
-              </a:rPr>
-              <a:t>	</a:t>
-            </a:r>
-            <a:r>
-              <a:rPr lang="en-US" sz="1400" dirty="0" err="1" smtClean="0">
-                <a:solidFill>
-                  <a:srgbClr val="FFFF00"/>
-                </a:solidFill>
-                <a:latin typeface="Calibri" pitchFamily="34" charset="0"/>
-              </a:rPr>
-              <a:t>fDiscManip</a:t>
-            </a:r>
-            <a:r>
-              <a:rPr lang="en-US" sz="1400" dirty="0" smtClean="0">
-                <a:solidFill>
-                  <a:srgbClr val="FFFF00"/>
-                </a:solidFill>
-                <a:latin typeface="Calibri" pitchFamily="34" charset="0"/>
-              </a:rPr>
-              <a:t>;</a:t>
-            </a:r>
-          </a:p>
-          <a:p>
-            <a:r>
-              <a:rPr lang="en-US" sz="1400" dirty="0" smtClean="0">
-                <a:solidFill>
-                  <a:srgbClr val="FFFF00"/>
-                </a:solidFill>
-                <a:latin typeface="Calibri" pitchFamily="34" charset="0"/>
-              </a:rPr>
-              <a:t>};</a:t>
-            </a:r>
-            <a:endParaRPr lang="en-US" sz="1400" dirty="0">
+            <a:endParaRPr lang="en-US" sz="1400" dirty="0" smtClean="0">
               <a:solidFill>
                 <a:srgbClr val="FFFF00"/>
               </a:solidFill>
               <a:latin typeface="Calibri" pitchFamily="34" charset="0"/>
             </a:endParaRPr>
           </a:p>
+          <a:p>
+            <a:endParaRPr lang="en-US" sz="1400" dirty="0" smtClean="0">
+              <a:solidFill>
+                <a:srgbClr val="FFFF00"/>
+              </a:solidFill>
+              <a:latin typeface="Calibri" pitchFamily="34" charset="0"/>
+            </a:endParaRPr>
+          </a:p>
+          <a:p>
+            <a:r>
+              <a:rPr lang="en-US" sz="1400" dirty="0" err="1" smtClean="0">
+                <a:solidFill>
+                  <a:srgbClr val="FFFF00"/>
+                </a:solidFill>
+                <a:latin typeface="Calibri" pitchFamily="34" charset="0"/>
+              </a:rPr>
+              <a:t>fDiscManip</a:t>
+            </a:r>
+            <a:r>
+              <a:rPr lang="en-US" sz="1400" dirty="0" smtClean="0">
+                <a:solidFill>
+                  <a:srgbClr val="FFFF00"/>
+                </a:solidFill>
+                <a:latin typeface="Calibri" pitchFamily="34" charset="0"/>
+              </a:rPr>
+              <a:t> = </a:t>
+            </a:r>
+            <a:r>
+              <a:rPr lang="en-US" sz="1400" dirty="0" err="1" smtClean="0">
+                <a:solidFill>
+                  <a:srgbClr val="FFFF00"/>
+                </a:solidFill>
+                <a:latin typeface="Calibri" pitchFamily="34" charset="0"/>
+              </a:rPr>
+              <a:t>OpenMaya.MDagPath</a:t>
+            </a:r>
+            <a:r>
+              <a:rPr lang="en-US" sz="1400" dirty="0" smtClean="0">
+                <a:solidFill>
+                  <a:srgbClr val="FFFF00"/>
+                </a:solidFill>
+                <a:latin typeface="Calibri" pitchFamily="34" charset="0"/>
+              </a:rPr>
+              <a:t>()</a:t>
+            </a:r>
+          </a:p>
         </p:txBody>
       </p:sp>
       <p:sp>
@@ -11056,7 +10673,7 @@
         </p:nvSpPr>
         <p:spPr bwMode="auto">
           <a:xfrm>
-            <a:off x="533400" y="3657600"/>
+            <a:off x="533400" y="2743200"/>
             <a:ext cx="7543800" cy="1011624"/>
           </a:xfrm>
           <a:prstGeom prst="roundRect">
@@ -11875,7 +11492,7 @@
             </a:r>
             <a:r>
               <a:rPr lang="en-US" sz="2200" dirty="0" smtClean="0"/>
-              <a:t>::</a:t>
+              <a:t>.</a:t>
             </a:r>
             <a:r>
               <a:rPr lang="en-CA" sz="2200" dirty="0" err="1" smtClean="0"/>
@@ -11897,13 +11514,22 @@
           </a:p>
           <a:p>
             <a:r>
+              <a:rPr lang="en-US" sz="1600" dirty="0" smtClean="0">
+                <a:solidFill>
+                  <a:srgbClr val="FFFF00"/>
+                </a:solidFill>
+                <a:latin typeface="Calibri" pitchFamily="34" charset="0"/>
+              </a:rPr>
+              <a:t>def </a:t>
+            </a:r>
+            <a:r>
               <a:rPr lang="en-US" sz="1600" dirty="0" err="1" smtClean="0">
                 <a:solidFill>
                   <a:srgbClr val="FFFF00"/>
                 </a:solidFill>
                 <a:latin typeface="Calibri" pitchFamily="34" charset="0"/>
               </a:rPr>
-              <a:t>MStatus</a:t>
+              <a:t>createChildren</a:t>
             </a:r>
             <a:r>
               <a:rPr lang="en-US" sz="1600" dirty="0" smtClean="0">
@@ -11911,8 +11537,33 @@
                   <a:srgbClr val="FFFF00"/>
                 </a:solidFill>
                 <a:latin typeface="Calibri" pitchFamily="34" charset="0"/>
-              </a:rPr>
-              <a:t> </a:t>
+                <a:cs typeface="Courier New" pitchFamily="49" charset="0"/>
+              </a:rPr>
+              <a:t>(self):</a:t>
+            </a:r>
+          </a:p>
+          <a:p>
+            <a:r>
+              <a:rPr lang="en-US" sz="1600" dirty="0" smtClean="0">
+                <a:solidFill>
+                  <a:srgbClr val="FFFF00"/>
+                </a:solidFill>
+                <a:latin typeface="Calibri" pitchFamily="34" charset="0"/>
+                <a:cs typeface="Courier New" pitchFamily="49" charset="0"/>
+              </a:rPr>
+              <a:t>	...</a:t>
+            </a:r>
+          </a:p>
+          <a:p>
+            <a:r>
+              <a:rPr lang="en-US" sz="1600" dirty="0" smtClean="0">
+                <a:solidFill>
+                  <a:srgbClr val="FFFF00"/>
+                </a:solidFill>
+                <a:latin typeface="Calibri" pitchFamily="34" charset="0"/>
+                <a:cs typeface="Courier New" pitchFamily="49" charset="0"/>
+              </a:rPr>
+              <a:t>	</a:t>
             </a:r>
             <a:r>
               <a:rPr lang="en-US" sz="1600" dirty="0" err="1" smtClean="0">
@@ -11920,8 +11571,9 @@
                   <a:srgbClr val="FFFF00"/>
                 </a:solidFill>
                 <a:latin typeface="Calibri" pitchFamily="34" charset="0"/>
-              </a:rPr>
-              <a:t>arrowLocatorManip</a:t>
+                <a:cs typeface="Courier New" pitchFamily="49" charset="0"/>
+              </a:rPr>
+              <a:t>manipName</a:t>
             </a:r>
             <a:r>
               <a:rPr lang="en-US" sz="1600" dirty="0" smtClean="0">
@@ -11929,8 +11581,9 @@
                   <a:srgbClr val="FFFF00"/>
                 </a:solidFill>
                 <a:latin typeface="Calibri" pitchFamily="34" charset="0"/>
-              </a:rPr>
-              <a:t>::</a:t>
+                <a:cs typeface="Courier New" pitchFamily="49" charset="0"/>
+              </a:rPr>
+              <a:t> ="</a:t>
             </a:r>
             <a:r>
               <a:rPr lang="en-US" sz="1600" dirty="0" err="1" smtClean="0">
@@ -11938,8 +11591,9 @@
                   <a:srgbClr val="FFFF00"/>
                 </a:solidFill>
                 <a:latin typeface="Calibri" pitchFamily="34" charset="0"/>
-              </a:rPr>
-              <a:t>createChildren</a:t>
+                <a:cs typeface="Courier New" pitchFamily="49" charset="0"/>
+              </a:rPr>
+              <a:t>angleManip</a:t>
             </a:r>
             <a:r>
               <a:rPr lang="en-US" sz="1600" dirty="0" smtClean="0">
@@ -11949,7 +11603,7 @@
                 <a:latin typeface="Calibri" pitchFamily="34" charset="0"/>
                 <a:cs typeface="Courier New" pitchFamily="49" charset="0"/>
               </a:rPr>
-              <a:t>() { </a:t>
+              <a:t>"</a:t>
             </a:r>
           </a:p>
           <a:p>
@@ -11961,10 +11615,18 @@
                 <a:latin typeface="Calibri" pitchFamily="34" charset="0"/>
                 <a:cs typeface="Courier New" pitchFamily="49" charset="0"/>
               </a:rPr>
-              <a:t>	...</a:t>
-            </a:r>
-          </a:p>
-          <a:p>
+              <a:t>	</a:t>
+            </a:r>
+            <a:r>
+              <a:rPr lang="en-US" sz="1600" dirty="0" err="1" smtClean="0">
+                <a:solidFill>
+                  <a:srgbClr val="FFFF00"/>
+                </a:solidFill>
+                <a:latin typeface="Calibri" pitchFamily="34" charset="0"/>
+                <a:cs typeface="Courier New" pitchFamily="49" charset="0"/>
+              </a:rPr>
+              <a:t>angleName</a:t>
+            </a:r>
             <a:r>
               <a:rPr lang="en-US" sz="1600" dirty="0" smtClean="0">
                 <a:solidFill>
@@ -11973,6 +11635,38 @@
                 <a:latin typeface="Calibri" pitchFamily="34" charset="0"/>
                 <a:cs typeface="Courier New" pitchFamily="49" charset="0"/>
               </a:rPr>
+              <a:t> ="</a:t>
+            </a:r>
+            <a:r>
+              <a:rPr lang="en-US" sz="1600" dirty="0" err="1" smtClean="0">
+                <a:solidFill>
+                  <a:srgbClr val="FFFF00"/>
+                </a:solidFill>
+                <a:latin typeface="Calibri" pitchFamily="34" charset="0"/>
+                <a:cs typeface="Courier New" pitchFamily="49" charset="0"/>
+              </a:rPr>
+              <a:t>yRotation</a:t>
+            </a:r>
+            <a:r>
+              <a:rPr lang="en-US" sz="1600" dirty="0" smtClean="0">
+                <a:solidFill>
+                  <a:srgbClr val="FFFF00"/>
+                </a:solidFill>
+                <a:latin typeface="Calibri" pitchFamily="34" charset="0"/>
+                <a:cs typeface="Courier New" pitchFamily="49" charset="0"/>
+              </a:rPr>
+              <a:t>"</a:t>
+            </a:r>
+          </a:p>
+          <a:p>
+            <a:r>
+              <a:rPr lang="en-US" sz="1600" dirty="0" smtClean="0">
+                <a:solidFill>
+                  <a:srgbClr val="FFFF00"/>
+                </a:solidFill>
+                <a:latin typeface="Calibri" pitchFamily="34" charset="0"/>
+                <a:cs typeface="Courier New" pitchFamily="49" charset="0"/>
+              </a:rPr>
               <a:t>	</a:t>
             </a:r>
             <a:r>
@@ -11983,7 +11677,7 @@
                 <a:latin typeface="Calibri" pitchFamily="34" charset="0"/>
                 <a:cs typeface="Courier New" pitchFamily="49" charset="0"/>
               </a:rPr>
-              <a:t>MString</a:t>
+              <a:t>fDiscManip</a:t>
             </a:r>
             <a:r>
               <a:rPr lang="en-US" sz="1600" dirty="0" smtClean="0">
@@ -11993,7 +11687,7 @@
                 <a:latin typeface="Calibri" pitchFamily="34" charset="0"/>
                 <a:cs typeface="Courier New" pitchFamily="49" charset="0"/>
               </a:rPr>
-              <a:t> </a:t>
+              <a:t> = </a:t>
             </a:r>
             <a:r>
               <a:rPr lang="en-US" sz="1600" dirty="0" err="1" smtClean="0">
@@ -12003,7 +11697,7 @@
                 <a:latin typeface="Calibri" pitchFamily="34" charset="0"/>
                 <a:cs typeface="Courier New" pitchFamily="49" charset="0"/>
               </a:rPr>
-              <a:t>manipName</a:t>
+              <a:t>self.addDiscManip</a:t>
             </a:r>
             <a:r>
               <a:rPr lang="en-US" sz="1600" dirty="0" smtClean="0">
@@ -12013,7 +11707,7 @@
                 <a:latin typeface="Calibri" pitchFamily="34" charset="0"/>
                 <a:cs typeface="Courier New" pitchFamily="49" charset="0"/>
               </a:rPr>
-              <a:t>("</a:t>
+              <a:t>(</a:t>
             </a:r>
             <a:r>
               <a:rPr lang="en-US" sz="1600" dirty="0" err="1" smtClean="0">
@@ -12023,7 +11717,7 @@
                 <a:latin typeface="Calibri" pitchFamily="34" charset="0"/>
                 <a:cs typeface="Courier New" pitchFamily="49" charset="0"/>
               </a:rPr>
-              <a:t>angleManip</a:t>
+              <a:t>manipName,angleName</a:t>
             </a:r>
             <a:r>
               <a:rPr lang="en-US" sz="1600" dirty="0" smtClean="0">
@@ -12033,151 +11727,7 @@
                 <a:latin typeface="Calibri" pitchFamily="34" charset="0"/>
                 <a:cs typeface="Courier New" pitchFamily="49" charset="0"/>
               </a:rPr>
-              <a:t>");</a:t>
-            </a:r>
-          </a:p>
-          <a:p>
-            <a:r>
-              <a:rPr lang="en-US" sz="1600" dirty="0" smtClean="0">
-                <a:solidFill>
-                  <a:srgbClr val="FFFF00"/>
-                </a:solidFill>
-                <a:latin typeface="Calibri" pitchFamily="34" charset="0"/>
-                <a:cs typeface="Courier New" pitchFamily="49" charset="0"/>
-              </a:rPr>
-              <a:t>	</a:t>
-            </a:r>
-            <a:r>
-              <a:rPr lang="en-US" sz="1600" dirty="0" err="1" smtClean="0">
-                <a:solidFill>
-                  <a:srgbClr val="FFFF00"/>
-                </a:solidFill>
-                <a:latin typeface="Calibri" pitchFamily="34" charset="0"/>
-                <a:cs typeface="Courier New" pitchFamily="49" charset="0"/>
-              </a:rPr>
-              <a:t>MString</a:t>
-            </a:r>
-            <a:r>
-              <a:rPr lang="en-US" sz="1600" dirty="0" smtClean="0">
-                <a:solidFill>
-                  <a:srgbClr val="FFFF00"/>
-                </a:solidFill>
-                <a:latin typeface="Calibri" pitchFamily="34" charset="0"/>
-                <a:cs typeface="Courier New" pitchFamily="49" charset="0"/>
-              </a:rPr>
-              <a:t> </a:t>
-            </a:r>
-            <a:r>
-              <a:rPr lang="en-US" sz="1600" dirty="0" err="1" smtClean="0">
-                <a:solidFill>
-                  <a:srgbClr val="FFFF00"/>
-                </a:solidFill>
-                <a:latin typeface="Calibri" pitchFamily="34" charset="0"/>
-                <a:cs typeface="Courier New" pitchFamily="49" charset="0"/>
-              </a:rPr>
-              <a:t>angleName</a:t>
-            </a:r>
-            <a:r>
-              <a:rPr lang="en-US" sz="1600" dirty="0" smtClean="0">
-                <a:solidFill>
-                  <a:srgbClr val="FFFF00"/>
-                </a:solidFill>
-                <a:latin typeface="Calibri" pitchFamily="34" charset="0"/>
-                <a:cs typeface="Courier New" pitchFamily="49" charset="0"/>
-              </a:rPr>
-              <a:t>("</a:t>
-            </a:r>
-            <a:r>
-              <a:rPr lang="en-US" sz="1600" dirty="0" err="1" smtClean="0">
-                <a:solidFill>
-                  <a:srgbClr val="FFFF00"/>
-                </a:solidFill>
-                <a:latin typeface="Calibri" pitchFamily="34" charset="0"/>
-                <a:cs typeface="Courier New" pitchFamily="49" charset="0"/>
-              </a:rPr>
-              <a:t>yRotation</a:t>
-            </a:r>
-            <a:r>
-              <a:rPr lang="en-US" sz="1600" dirty="0" smtClean="0">
-                <a:solidFill>
-                  <a:srgbClr val="FFFF00"/>
-                </a:solidFill>
-                <a:latin typeface="Calibri" pitchFamily="34" charset="0"/>
-                <a:cs typeface="Courier New" pitchFamily="49" charset="0"/>
-              </a:rPr>
-              <a:t>");</a:t>
-            </a:r>
-          </a:p>
-          <a:p>
-            <a:r>
-              <a:rPr lang="en-US" sz="1600" dirty="0" smtClean="0">
-                <a:solidFill>
-                  <a:srgbClr val="FFFF00"/>
-                </a:solidFill>
-                <a:latin typeface="Calibri" pitchFamily="34" charset="0"/>
-                <a:cs typeface="Courier New" pitchFamily="49" charset="0"/>
-              </a:rPr>
-              <a:t>	</a:t>
-            </a:r>
-            <a:r>
-              <a:rPr lang="en-US" sz="1600" dirty="0" err="1" smtClean="0">
-                <a:solidFill>
-                  <a:srgbClr val="FFFF00"/>
-                </a:solidFill>
-                <a:latin typeface="Calibri" pitchFamily="34" charset="0"/>
-                <a:cs typeface="Courier New" pitchFamily="49" charset="0"/>
-              </a:rPr>
-              <a:t>fDiscManip</a:t>
-            </a:r>
-            <a:r>
-              <a:rPr lang="en-US" sz="1600" dirty="0" smtClean="0">
-                <a:solidFill>
-                  <a:srgbClr val="FFFF00"/>
-                </a:solidFill>
-                <a:latin typeface="Calibri" pitchFamily="34" charset="0"/>
-                <a:cs typeface="Courier New" pitchFamily="49" charset="0"/>
-              </a:rPr>
-              <a:t> = </a:t>
-            </a:r>
-            <a:r>
-              <a:rPr lang="en-US" sz="1600" dirty="0" err="1" smtClean="0">
-                <a:solidFill>
-                  <a:srgbClr val="FFFF00"/>
-                </a:solidFill>
-                <a:latin typeface="Calibri" pitchFamily="34" charset="0"/>
-                <a:cs typeface="Courier New" pitchFamily="49" charset="0"/>
-              </a:rPr>
-              <a:t>addDiscManip</a:t>
-            </a:r>
-            <a:r>
-              <a:rPr lang="en-US" sz="1600" dirty="0" smtClean="0">
-                <a:solidFill>
-                  <a:srgbClr val="FFFF00"/>
-                </a:solidFill>
-                <a:latin typeface="Calibri" pitchFamily="34" charset="0"/>
-                <a:cs typeface="Courier New" pitchFamily="49" charset="0"/>
-              </a:rPr>
-              <a:t>(</a:t>
-            </a:r>
-            <a:r>
-              <a:rPr lang="en-US" sz="1600" dirty="0" err="1" smtClean="0">
-                <a:solidFill>
-                  <a:srgbClr val="FFFF00"/>
-                </a:solidFill>
-                <a:latin typeface="Calibri" pitchFamily="34" charset="0"/>
-                <a:cs typeface="Courier New" pitchFamily="49" charset="0"/>
-              </a:rPr>
-              <a:t>manipName,angleName</a:t>
-            </a:r>
-            <a:r>
-              <a:rPr lang="en-US" sz="1600" dirty="0" smtClean="0">
-                <a:solidFill>
-                  <a:srgbClr val="FFFF00"/>
-                </a:solidFill>
-                <a:latin typeface="Calibri" pitchFamily="34" charset="0"/>
-                <a:cs typeface="Courier New" pitchFamily="49" charset="0"/>
-              </a:rPr>
-              <a:t>); 	</a:t>
+              <a:t>)	</a:t>
             </a:r>
           </a:p>
           <a:p>
@@ -12208,7 +11758,7 @@
                 <a:latin typeface="Calibri" pitchFamily="34" charset="0"/>
                 <a:cs typeface="Courier New" pitchFamily="49" charset="0"/>
               </a:rPr>
-              <a:t>MPoint</a:t>
+              <a:t>startPoint</a:t>
             </a:r>
             <a:r>
               <a:rPr lang="en-US" sz="1600" dirty="0" smtClean="0">
@@ -12218,7 +11768,7 @@
                 <a:latin typeface="Calibri" pitchFamily="34" charset="0"/>
                 <a:cs typeface="Courier New" pitchFamily="49" charset="0"/>
               </a:rPr>
-              <a:t> </a:t>
+              <a:t> = </a:t>
             </a:r>
             <a:r>
               <a:rPr lang="en-US" sz="1600" dirty="0" err="1" smtClean="0">
@@ -12228,6 +11778,182 @@
                 <a:latin typeface="Calibri" pitchFamily="34" charset="0"/>
                 <a:cs typeface="Courier New" pitchFamily="49" charset="0"/>
               </a:rPr>
+              <a:t>OpenMaya.MPoint</a:t>
+            </a:r>
+            <a:r>
+              <a:rPr lang="en-US" sz="1600" dirty="0" smtClean="0">
+                <a:solidFill>
+                  <a:srgbClr val="FFFF00"/>
+                </a:solidFill>
+                <a:latin typeface="Calibri" pitchFamily="34" charset="0"/>
+                <a:cs typeface="Courier New" pitchFamily="49" charset="0"/>
+              </a:rPr>
+              <a:t>(0,0,0)</a:t>
+            </a:r>
+          </a:p>
+          <a:p>
+            <a:r>
+              <a:rPr lang="en-US" sz="1600" dirty="0" smtClean="0">
+                <a:solidFill>
+                  <a:srgbClr val="FFFF00"/>
+                </a:solidFill>
+                <a:latin typeface="Calibri" pitchFamily="34" charset="0"/>
+                <a:cs typeface="Courier New" pitchFamily="49" charset="0"/>
+              </a:rPr>
+              <a:t>	</a:t>
+            </a:r>
+            <a:r>
+              <a:rPr lang="en-US" sz="1600" dirty="0" err="1" smtClean="0">
+                <a:solidFill>
+                  <a:srgbClr val="FFFF00"/>
+                </a:solidFill>
+                <a:latin typeface="Calibri" pitchFamily="34" charset="0"/>
+                <a:cs typeface="Courier New" pitchFamily="49" charset="0"/>
+              </a:rPr>
+              <a:t>startAngle</a:t>
+            </a:r>
+            <a:r>
+              <a:rPr lang="en-US" sz="1600" dirty="0" smtClean="0">
+                <a:solidFill>
+                  <a:srgbClr val="FFFF00"/>
+                </a:solidFill>
+                <a:latin typeface="Calibri" pitchFamily="34" charset="0"/>
+                <a:cs typeface="Courier New" pitchFamily="49" charset="0"/>
+              </a:rPr>
+              <a:t> = </a:t>
+            </a:r>
+            <a:r>
+              <a:rPr lang="en-US" sz="1600" dirty="0" err="1" smtClean="0">
+                <a:solidFill>
+                  <a:srgbClr val="FFFF00"/>
+                </a:solidFill>
+                <a:latin typeface="Calibri" pitchFamily="34" charset="0"/>
+                <a:cs typeface="Courier New" pitchFamily="49" charset="0"/>
+              </a:rPr>
+              <a:t>OpenMaya.MAngle</a:t>
+            </a:r>
+            <a:r>
+              <a:rPr lang="en-US" sz="1600" dirty="0" smtClean="0">
+                <a:solidFill>
+                  <a:srgbClr val="FFFF00"/>
+                </a:solidFill>
+                <a:latin typeface="Calibri" pitchFamily="34" charset="0"/>
+                <a:cs typeface="Courier New" pitchFamily="49" charset="0"/>
+              </a:rPr>
+              <a:t>(0.0,OpenMaya.MAngle.kDegrees)</a:t>
+            </a:r>
+          </a:p>
+          <a:p>
+            <a:r>
+              <a:rPr lang="en-US" sz="1600" dirty="0" smtClean="0">
+                <a:solidFill>
+                  <a:srgbClr val="FFFF00"/>
+                </a:solidFill>
+                <a:latin typeface="Calibri" pitchFamily="34" charset="0"/>
+                <a:cs typeface="Courier New" pitchFamily="49" charset="0"/>
+              </a:rPr>
+              <a:t>	</a:t>
+            </a:r>
+            <a:r>
+              <a:rPr lang="en-US" sz="1600" dirty="0" err="1" smtClean="0">
+                <a:solidFill>
+                  <a:srgbClr val="FFFF00"/>
+                </a:solidFill>
+                <a:latin typeface="Calibri" pitchFamily="34" charset="0"/>
+                <a:cs typeface="Courier New" pitchFamily="49" charset="0"/>
+              </a:rPr>
+              <a:t>fnDisc</a:t>
+            </a:r>
+            <a:r>
+              <a:rPr lang="en-US" sz="1600" dirty="0" smtClean="0">
+                <a:solidFill>
+                  <a:srgbClr val="FFFF00"/>
+                </a:solidFill>
+                <a:latin typeface="Calibri" pitchFamily="34" charset="0"/>
+                <a:cs typeface="Courier New" pitchFamily="49" charset="0"/>
+              </a:rPr>
+              <a:t> = </a:t>
+            </a:r>
+            <a:r>
+              <a:rPr lang="en-US" sz="1600" dirty="0" err="1" smtClean="0">
+                <a:solidFill>
+                  <a:srgbClr val="FFFF00"/>
+                </a:solidFill>
+                <a:latin typeface="Calibri" pitchFamily="34" charset="0"/>
+                <a:cs typeface="Courier New" pitchFamily="49" charset="0"/>
+              </a:rPr>
+              <a:t>OpenMayaUI.MFnDiscManip</a:t>
+            </a:r>
+            <a:r>
+              <a:rPr lang="en-US" sz="1600" dirty="0" smtClean="0">
+                <a:solidFill>
+                  <a:srgbClr val="FFFF00"/>
+                </a:solidFill>
+                <a:latin typeface="Calibri" pitchFamily="34" charset="0"/>
+                <a:cs typeface="Courier New" pitchFamily="49" charset="0"/>
+              </a:rPr>
+              <a:t> (</a:t>
+            </a:r>
+            <a:r>
+              <a:rPr lang="en-US" sz="1600" dirty="0" err="1" smtClean="0">
+                <a:solidFill>
+                  <a:srgbClr val="FFFF00"/>
+                </a:solidFill>
+                <a:latin typeface="Calibri" pitchFamily="34" charset="0"/>
+                <a:cs typeface="Courier New" pitchFamily="49" charset="0"/>
+              </a:rPr>
+              <a:t>fDiscManip</a:t>
+            </a:r>
+            <a:r>
+              <a:rPr lang="en-US" sz="1600" dirty="0" smtClean="0">
+                <a:solidFill>
+                  <a:srgbClr val="FFFF00"/>
+                </a:solidFill>
+                <a:latin typeface="Calibri" pitchFamily="34" charset="0"/>
+                <a:cs typeface="Courier New" pitchFamily="49" charset="0"/>
+              </a:rPr>
+              <a:t>)</a:t>
+            </a:r>
+          </a:p>
+          <a:p>
+            <a:r>
+              <a:rPr lang="en-US" sz="1600" dirty="0" smtClean="0">
+                <a:solidFill>
+                  <a:srgbClr val="FFFF00"/>
+                </a:solidFill>
+                <a:latin typeface="Calibri" pitchFamily="34" charset="0"/>
+                <a:cs typeface="Courier New" pitchFamily="49" charset="0"/>
+              </a:rPr>
+              <a:t>	</a:t>
+            </a:r>
+            <a:r>
+              <a:rPr lang="en-US" sz="1600" dirty="0" err="1" smtClean="0">
+                <a:solidFill>
+                  <a:srgbClr val="FFFF00"/>
+                </a:solidFill>
+                <a:latin typeface="Calibri" pitchFamily="34" charset="0"/>
+                <a:cs typeface="Courier New" pitchFamily="49" charset="0"/>
+              </a:rPr>
+              <a:t>fnDisc.setCenterPoint</a:t>
+            </a:r>
+            <a:r>
+              <a:rPr lang="en-US" sz="1600" dirty="0" smtClean="0">
+                <a:solidFill>
+                  <a:srgbClr val="FFFF00"/>
+                </a:solidFill>
+                <a:latin typeface="Calibri" pitchFamily="34" charset="0"/>
+                <a:cs typeface="Courier New" pitchFamily="49" charset="0"/>
+              </a:rPr>
+              <a:t>(</a:t>
+            </a:r>
+            <a:r>
+              <a:rPr lang="en-US" sz="1600" dirty="0" err="1" smtClean="0">
+                <a:solidFill>
+                  <a:srgbClr val="FFFF00"/>
+                </a:solidFill>
+                <a:latin typeface="Calibri" pitchFamily="34" charset="0"/>
+                <a:cs typeface="Courier New" pitchFamily="49" charset="0"/>
+              </a:rPr>
               <a:t>startPoint</a:t>
             </a:r>
             <a:r>
@@ -12238,7 +11964,7 @@
                 <a:latin typeface="Calibri" pitchFamily="34" charset="0"/>
                 <a:cs typeface="Courier New" pitchFamily="49" charset="0"/>
               </a:rPr>
-              <a:t>(0.0, 0.0, 0.0);</a:t>
+              <a:t>)</a:t>
             </a:r>
           </a:p>
           <a:p>
@@ -12260,7 +11986,7 @@
                 <a:latin typeface="Calibri" pitchFamily="34" charset="0"/>
                 <a:cs typeface="Courier New" pitchFamily="49" charset="0"/>
               </a:rPr>
-              <a:t>MAngle</a:t>
+              <a:t>fnDisc.setAngle</a:t>
             </a:r>
             <a:r>
               <a:rPr lang="en-US" sz="1600" dirty="0" smtClean="0">
@@ -12270,7 +11996,7 @@
                 <a:latin typeface="Calibri" pitchFamily="34" charset="0"/>
                 <a:cs typeface="Courier New" pitchFamily="49" charset="0"/>
               </a:rPr>
-              <a:t> </a:t>
+              <a:t>(</a:t>
             </a:r>
             <a:r>
               <a:rPr lang="en-US" sz="1600" dirty="0" err="1" smtClean="0">
@@ -12290,228 +12016,29 @@
                 <a:latin typeface="Calibri" pitchFamily="34" charset="0"/>
                 <a:cs typeface="Courier New" pitchFamily="49" charset="0"/>
               </a:rPr>
-              <a:t>(0.0,MAngle::</a:t>
-            </a:r>
-            <a:r>
-              <a:rPr lang="en-US" sz="1600" dirty="0" err="1" smtClean="0">
+              <a:t>)</a:t>
+            </a:r>
+          </a:p>
+          <a:p>
+            <a:r>
+              <a:rPr lang="en-US" sz="1600" dirty="0" smtClean="0">
                 <a:solidFill>
                   <a:srgbClr val="FFFF00"/>
                 </a:solidFill>
                 <a:latin typeface="Calibri" pitchFamily="34" charset="0"/>
                 <a:cs typeface="Courier New" pitchFamily="49" charset="0"/>
               </a:rPr>
-              <a:t>kDegrees</a:t>
-            </a:r>
-            <a:r>
-              <a:rPr lang="en-US" sz="1600" dirty="0" smtClean="0">
-                <a:solidFill>
-                  <a:srgbClr val="FFFF00"/>
-                </a:solidFill>
-                <a:latin typeface="Calibri" pitchFamily="34" charset="0"/>
-                <a:cs typeface="Courier New" pitchFamily="49" charset="0"/>
-              </a:rPr>
-              <a:t>);</a:t>
-            </a:r>
-          </a:p>
-          <a:p>
-            <a:r>
-              <a:rPr lang="en-US" sz="1600" dirty="0" smtClean="0">
-                <a:solidFill>
-                  <a:srgbClr val="FFFF00"/>
-                </a:solidFill>
-                <a:latin typeface="Calibri" pitchFamily="34" charset="0"/>
-                <a:cs typeface="Courier New" pitchFamily="49" charset="0"/>
-              </a:rPr>
-              <a:t>	</a:t>
-            </a:r>
-            <a:r>
-              <a:rPr lang="en-US" sz="1600" dirty="0" err="1" smtClean="0">
-                <a:solidFill>
-                  <a:srgbClr val="FFFF00"/>
-                </a:solidFill>
-                <a:latin typeface="Calibri" pitchFamily="34" charset="0"/>
-                <a:cs typeface="Courier New" pitchFamily="49" charset="0"/>
-              </a:rPr>
-              <a:t>MFnDiscManip</a:t>
-            </a:r>
-            <a:r>
-              <a:rPr lang="en-US" sz="1600" dirty="0" smtClean="0">
-                <a:solidFill>
-                  <a:srgbClr val="FFFF00"/>
-                </a:solidFill>
-                <a:latin typeface="Calibri" pitchFamily="34" charset="0"/>
-                <a:cs typeface="Courier New" pitchFamily="49" charset="0"/>
-              </a:rPr>
-              <a:t> </a:t>
-            </a:r>
-            <a:r>
-              <a:rPr lang="en-US" sz="1600" dirty="0" err="1" smtClean="0">
-                <a:solidFill>
-                  <a:srgbClr val="FFFF00"/>
-                </a:solidFill>
-                <a:latin typeface="Calibri" pitchFamily="34" charset="0"/>
-                <a:cs typeface="Courier New" pitchFamily="49" charset="0"/>
-              </a:rPr>
-              <a:t>fnDisc</a:t>
-            </a:r>
-            <a:r>
-              <a:rPr lang="en-US" sz="1600" dirty="0" smtClean="0">
-                <a:solidFill>
-                  <a:srgbClr val="FFFF00"/>
-                </a:solidFill>
-                <a:latin typeface="Calibri" pitchFamily="34" charset="0"/>
-                <a:cs typeface="Courier New" pitchFamily="49" charset="0"/>
-              </a:rPr>
-              <a:t>(</a:t>
-            </a:r>
-            <a:r>
-              <a:rPr lang="en-US" sz="1600" dirty="0" err="1" smtClean="0">
-                <a:solidFill>
-                  <a:srgbClr val="FFFF00"/>
-                </a:solidFill>
-                <a:latin typeface="Calibri" pitchFamily="34" charset="0"/>
-                <a:cs typeface="Courier New" pitchFamily="49" charset="0"/>
-              </a:rPr>
-              <a:t>fDiscManip,&amp;status</a:t>
-            </a:r>
-            <a:r>
-              <a:rPr lang="en-US" sz="1600" dirty="0" smtClean="0">
-                <a:solidFill>
-                  <a:srgbClr val="FFFF00"/>
-                </a:solidFill>
-                <a:latin typeface="Calibri" pitchFamily="34" charset="0"/>
-                <a:cs typeface="Courier New" pitchFamily="49" charset="0"/>
-              </a:rPr>
-              <a:t>);</a:t>
-            </a:r>
-          </a:p>
-          <a:p>
-            <a:r>
-              <a:rPr lang="en-US" sz="1600" dirty="0" smtClean="0">
-                <a:solidFill>
-                  <a:srgbClr val="FFFF00"/>
-                </a:solidFill>
-                <a:latin typeface="Calibri" pitchFamily="34" charset="0"/>
-                <a:cs typeface="Courier New" pitchFamily="49" charset="0"/>
-              </a:rPr>
-              <a:t>	</a:t>
-            </a:r>
-            <a:r>
-              <a:rPr lang="en-US" sz="1600" dirty="0" err="1" smtClean="0">
-                <a:solidFill>
-                  <a:srgbClr val="FFFF00"/>
-                </a:solidFill>
-                <a:latin typeface="Calibri" pitchFamily="34" charset="0"/>
-                <a:cs typeface="Courier New" pitchFamily="49" charset="0"/>
-              </a:rPr>
-              <a:t>fnDisc.setCenterPoint</a:t>
-            </a:r>
-            <a:r>
-              <a:rPr lang="en-US" sz="1600" dirty="0" smtClean="0">
-                <a:solidFill>
-                  <a:srgbClr val="FFFF00"/>
-                </a:solidFill>
-                <a:latin typeface="Calibri" pitchFamily="34" charset="0"/>
-                <a:cs typeface="Courier New" pitchFamily="49" charset="0"/>
-              </a:rPr>
-              <a:t>(</a:t>
-            </a:r>
-            <a:r>
-              <a:rPr lang="en-US" sz="1600" dirty="0" err="1" smtClean="0">
-                <a:solidFill>
-                  <a:srgbClr val="FFFF00"/>
-                </a:solidFill>
-                <a:latin typeface="Calibri" pitchFamily="34" charset="0"/>
-                <a:cs typeface="Courier New" pitchFamily="49" charset="0"/>
-              </a:rPr>
-              <a:t>startPoint</a:t>
-            </a:r>
-            <a:r>
-              <a:rPr lang="en-US" sz="1600" dirty="0" smtClean="0">
-                <a:solidFill>
-                  <a:srgbClr val="FFFF00"/>
-                </a:solidFill>
-                <a:latin typeface="Calibri" pitchFamily="34" charset="0"/>
-                <a:cs typeface="Courier New" pitchFamily="49" charset="0"/>
-              </a:rPr>
-              <a:t>);</a:t>
-            </a:r>
-          </a:p>
-          <a:p>
-            <a:r>
-              <a:rPr lang="en-US" sz="1600" dirty="0" smtClean="0">
-                <a:solidFill>
-                  <a:srgbClr val="FFFF00"/>
-                </a:solidFill>
-                <a:latin typeface="Calibri" pitchFamily="34" charset="0"/>
-                <a:cs typeface="Courier New" pitchFamily="49" charset="0"/>
-              </a:rPr>
-              <a:t>	</a:t>
-            </a:r>
-            <a:r>
-              <a:rPr lang="en-US" sz="1600" dirty="0" err="1" smtClean="0">
-                <a:solidFill>
-                  <a:srgbClr val="FFFF00"/>
-                </a:solidFill>
-                <a:latin typeface="Calibri" pitchFamily="34" charset="0"/>
-                <a:cs typeface="Courier New" pitchFamily="49" charset="0"/>
-              </a:rPr>
-              <a:t>fnDisc.setAngle</a:t>
-            </a:r>
-            <a:r>
-              <a:rPr lang="en-US" sz="1600" dirty="0" smtClean="0">
-                <a:solidFill>
-                  <a:srgbClr val="FFFF00"/>
-                </a:solidFill>
-                <a:latin typeface="Calibri" pitchFamily="34" charset="0"/>
-                <a:cs typeface="Courier New" pitchFamily="49" charset="0"/>
-              </a:rPr>
-              <a:t>(</a:t>
-            </a:r>
-            <a:r>
-              <a:rPr lang="en-US" sz="1600" dirty="0" err="1" smtClean="0">
-                <a:solidFill>
-                  <a:srgbClr val="FFFF00"/>
-                </a:solidFill>
-                <a:latin typeface="Calibri" pitchFamily="34" charset="0"/>
-                <a:cs typeface="Courier New" pitchFamily="49" charset="0"/>
-              </a:rPr>
-              <a:t>startAngle</a:t>
-            </a:r>
-            <a:r>
-              <a:rPr lang="en-US" sz="1600" dirty="0" smtClean="0">
-                <a:solidFill>
-                  <a:srgbClr val="FFFF00"/>
-                </a:solidFill>
-                <a:latin typeface="Calibri" pitchFamily="34" charset="0"/>
-                <a:cs typeface="Courier New" pitchFamily="49" charset="0"/>
-              </a:rPr>
-              <a:t>);</a:t>
-            </a:r>
-          </a:p>
-          <a:p>
-            <a:r>
-              <a:rPr lang="en-US" sz="1600" dirty="0" smtClean="0">
-                <a:solidFill>
-                  <a:srgbClr val="FFFF00"/>
-                </a:solidFill>
-                <a:latin typeface="Calibri" pitchFamily="34" charset="0"/>
-                <a:cs typeface="Courier New" pitchFamily="49" charset="0"/>
-              </a:rPr>
               <a:t>       ... </a:t>
             </a:r>
           </a:p>
           <a:p>
-            <a:r>
-              <a:rPr lang="en-US" sz="1600" dirty="0" smtClean="0">
-                <a:solidFill>
-                  <a:srgbClr val="FFFF00"/>
-                </a:solidFill>
-                <a:latin typeface="Calibri" pitchFamily="34" charset="0"/>
-                <a:cs typeface="Courier New" pitchFamily="49" charset="0"/>
-              </a:rPr>
-              <a:t>} </a:t>
-            </a:r>
+            <a:endParaRPr lang="en-US" sz="1600" dirty="0" smtClean="0">
+              <a:solidFill>
+                <a:srgbClr val="FFFF00"/>
+              </a:solidFill>
+              <a:latin typeface="Calibri" pitchFamily="34" charset="0"/>
+              <a:cs typeface="Courier New" pitchFamily="49" charset="0"/>
+            </a:endParaRPr>
           </a:p>
         </p:txBody>
       </p:sp>
@@ -12526,7 +12053,7 @@
         <p:spPr bwMode="auto">
           <a:xfrm>
             <a:off x="1752600" y="3505200"/>
-            <a:ext cx="3581400" cy="330587"/>
+            <a:ext cx="3733800" cy="330587"/>
           </a:xfrm>
           <a:prstGeom prst="roundRect">
             <a:avLst>
@@ -13179,49 +12706,6 @@
                                           <p:spTgt spid="57347">
                                             <p:txEl>
                                               <p:pRg st="12" end="12"/>
-                                            </p:txEl>
-                                          </p:spTgt>
-                                        </p:tgtEl>
-                                      </p:cBhvr>
-                                    </p:animEffect>
-                                  </p:childTnLst>
-                                </p:cTn>
-                              </p:par>
-                              <p:par>
-                                <p:cTn id="50" presetID="3" presetClass="entr" presetSubtype="10" fill="hold" nodeType="withEffect">
-                                  <p:stCondLst>
-                                    <p:cond delay="0"/>
-                                  </p:stCondLst>
-                                  <p:childTnLst>
-                                    <p:set>
-                                      <p:cBhvr>
-                                        <p:cTn id="51" dur="1" fill="hold">
-                                          <p:stCondLst>
-                                            <p:cond delay="0"/>
-                                          </p:stCondLst>
-                                        </p:cTn>
-                                        <p:tgtEl>
-                                          <p:spTgt spid="57347">
-                                            <p:txEl>
-                                              <p:pRg st="14" end="14"/>
-                                            </p:txEl>
-                                          </p:spTgt>
-                                        </p:tgtEl>
-                                        <p:attrNameLst>
-                                          <p:attrName>style.visibility</p:attrName>
-                                        </p:attrNameLst>
-                                      </p:cBhvr>
-                                      <p:to>
-                                        <p:strVal val="visible"/>
-                                      </p:to>
-                                    </p:set>
-                                    <p:animEffect transition="in" filter="blinds(horizontal)">
-                                      <p:cBhvr>
-                                        <p:cTn id="52" dur="500"/>
-                                        <p:tgtEl>
-                                          <p:spTgt spid="57347">
-                                            <p:txEl>
-                                              <p:pRg st="14" end="14"/>
                                             </p:txEl>
                                           </p:spTgt>
                                         </p:tgtEl>
@@ -20117,11 +19601,7 @@
           <a:p>
             <a:r>
               <a:rPr lang="en-US" dirty="0" smtClean="0"/>
-              <a:t>Example: </a:t>
-            </a:r>
-            <a:r>
-              <a:rPr lang="en-US" dirty="0" err="1" smtClean="0"/>
-              <a:t>arrowLocatorManip</a:t>
+              <a:t>Example: arrowLocatorManip.py</a:t>
             </a:r>
             <a:endParaRPr lang="en-US" dirty="0"/>
           </a:p>
@@ -20137,19 +19617,33 @@
             <p:ph idx="1"/>
           </p:nvPr>
         </p:nvSpPr>
-        <p:spPr/>
+        <p:spPr>
+          <a:xfrm>
+            <a:off x="319088" y="1416050"/>
+            <a:ext cx="8215312" cy="5119688"/>
+          </a:xfrm>
+        </p:spPr>
         <p:txBody>
           <a:bodyPr/>
           <a:lstStyle/>
           <a:p>
             <a:r>
+              <a:rPr lang="en-US" sz="1400" dirty="0" smtClean="0">
+                <a:solidFill>
+                  <a:srgbClr val="FFFF00"/>
+                </a:solidFill>
+                <a:latin typeface="Calibri" pitchFamily="34" charset="0"/>
+              </a:rPr>
+              <a:t>def </a:t>
+            </a:r>
+            <a:r>
               <a:rPr lang="en-US" sz="1400" dirty="0" err="1" smtClean="0">
                 <a:solidFill>
                   <a:srgbClr val="FFFF00"/>
                 </a:solidFill>
                 <a:latin typeface="Calibri" pitchFamily="34" charset="0"/>
               </a:rPr>
-              <a:t>MStatus</a:t>
+              <a:t>connectToDependNode</a:t>
             </a:r>
             <a:r>
               <a:rPr lang="en-US" sz="1400" dirty="0" smtClean="0">
@@ -20158,7 +19652,7 @@
                 </a:solidFill>
                 <a:latin typeface="Calibri" pitchFamily="34" charset="0"/>
               </a:rPr>
-              <a:t> </a:t>
+              <a:t>(self, </a:t>
             </a:r>
             <a:r>
               <a:rPr lang="en-US" sz="1400" dirty="0" err="1" smtClean="0">
@@ -20167,7 +19661,7 @@
                 </a:solidFill>
                 <a:latin typeface="Calibri" pitchFamily="34" charset="0"/>
               </a:rPr>
-              <a:t>arrowLocatorManip</a:t>
+              <a:t>dependNode</a:t>
             </a:r>
             <a:r>
               <a:rPr lang="en-US" sz="1400" dirty="0" smtClean="0">
@@ -20176,137 +19670,7 @@
                 </a:solidFill>
                 <a:latin typeface="Calibri" pitchFamily="34" charset="0"/>
               </a:rPr>
-              <a:t>::</a:t>
-            </a:r>
-            <a:r>
-              <a:rPr lang="en-US" sz="1400" dirty="0" err="1" smtClean="0">
-                <a:solidFill>
-                  <a:srgbClr val="FFFF00"/>
-                </a:solidFill>
-                <a:latin typeface="Calibri" pitchFamily="34" charset="0"/>
-              </a:rPr>
-              <a:t>connectToDependNode</a:t>
-            </a:r>
-            <a:r>
-              <a:rPr lang="en-US" sz="1400" dirty="0" smtClean="0">
-                <a:solidFill>
-                  <a:srgbClr val="FFFF00"/>
-                </a:solidFill>
-                <a:latin typeface="Calibri" pitchFamily="34" charset="0"/>
-              </a:rPr>
-              <a:t>(const </a:t>
-            </a:r>
-            <a:r>
-              <a:rPr lang="en-US" sz="1400" dirty="0" err="1" smtClean="0">
-                <a:solidFill>
-                  <a:srgbClr val="FFFF00"/>
-                </a:solidFill>
-                <a:latin typeface="Calibri" pitchFamily="34" charset="0"/>
-              </a:rPr>
-              <a:t>MObject</a:t>
-            </a:r>
-            <a:r>
-              <a:rPr lang="en-US" sz="1400" dirty="0" smtClean="0">
-                <a:solidFill>
-                  <a:srgbClr val="FFFF00"/>
-                </a:solidFill>
-                <a:latin typeface="Calibri" pitchFamily="34" charset="0"/>
-              </a:rPr>
-              <a:t> &amp;</a:t>
-            </a:r>
-            <a:r>
-              <a:rPr lang="en-US" sz="1400" dirty="0" err="1" smtClean="0">
-                <a:solidFill>
-                  <a:srgbClr val="FFFF00"/>
-                </a:solidFill>
-                <a:latin typeface="Calibri" pitchFamily="34" charset="0"/>
-              </a:rPr>
-              <a:t>dependNode</a:t>
-            </a:r>
-            <a:r>
-              <a:rPr lang="en-US" sz="1400" dirty="0" smtClean="0">
-                <a:solidFill>
-                  <a:srgbClr val="FFFF00"/>
-                </a:solidFill>
-                <a:latin typeface="Calibri" pitchFamily="34" charset="0"/>
-              </a:rPr>
               <a:t>)</a:t>
-            </a:r>
-          </a:p>
-          <a:p>
-            <a:r>
-              <a:rPr lang="en-US" sz="1400" dirty="0" smtClean="0">
-                <a:solidFill>
-                  <a:srgbClr val="FFFF00"/>
-                </a:solidFill>
-                <a:latin typeface="Calibri" pitchFamily="34" charset="0"/>
-              </a:rPr>
-              <a:t>{</a:t>
-            </a:r>
-          </a:p>
-          <a:p>
-            <a:r>
-              <a:rPr lang="en-US" sz="1400" dirty="0" smtClean="0">
-                <a:solidFill>
-                  <a:srgbClr val="FFFF00"/>
-                </a:solidFill>
-                <a:latin typeface="Calibri" pitchFamily="34" charset="0"/>
-              </a:rPr>
-              <a:t>	</a:t>
-            </a:r>
-            <a:r>
-              <a:rPr lang="en-US" sz="1400" dirty="0" err="1" smtClean="0">
-                <a:solidFill>
-                  <a:srgbClr val="FFFF00"/>
-                </a:solidFill>
-                <a:latin typeface="Calibri" pitchFamily="34" charset="0"/>
-              </a:rPr>
-              <a:t>MStatus</a:t>
-            </a:r>
-            <a:r>
-              <a:rPr lang="en-US" sz="1400" dirty="0" smtClean="0">
-                <a:solidFill>
-                  <a:srgbClr val="FFFF00"/>
-                </a:solidFill>
-                <a:latin typeface="Calibri" pitchFamily="34" charset="0"/>
-              </a:rPr>
-              <a:t> status = </a:t>
-            </a:r>
-            <a:r>
-              <a:rPr lang="en-US" sz="1400" dirty="0" err="1" smtClean="0">
-                <a:solidFill>
-                  <a:srgbClr val="FFFF00"/>
-                </a:solidFill>
-                <a:latin typeface="Calibri" pitchFamily="34" charset="0"/>
-              </a:rPr>
-              <a:t>MStatus</a:t>
-            </a:r>
-            <a:r>
-              <a:rPr lang="en-US" sz="1400" dirty="0" smtClean="0">
-                <a:solidFill>
-                  <a:srgbClr val="FFFF00"/>
-                </a:solidFill>
-                <a:latin typeface="Calibri" pitchFamily="34" charset="0"/>
-              </a:rPr>
-              <a:t>::</a:t>
-            </a:r>
-            <a:r>
-              <a:rPr lang="en-US" sz="1400" dirty="0" err="1" smtClean="0">
-                <a:solidFill>
-                  <a:srgbClr val="FFFF00"/>
-                </a:solidFill>
-                <a:latin typeface="Calibri" pitchFamily="34" charset="0"/>
-              </a:rPr>
-              <a:t>kSuccess</a:t>
-            </a:r>
-            <a:r>
-              <a:rPr lang="en-US" sz="1400" dirty="0" smtClean="0">
-                <a:solidFill>
-                  <a:srgbClr val="FFFF00"/>
-                </a:solidFill>
-                <a:latin typeface="Calibri" pitchFamily="34" charset="0"/>
-              </a:rPr>
-              <a:t>;</a:t>
             </a:r>
           </a:p>
           <a:p>
@@ -20325,7 +19689,7 @@
                 </a:solidFill>
                 <a:latin typeface="Calibri" pitchFamily="34" charset="0"/>
               </a:rPr>
-              <a:t>	//Connect the plug with </a:t>
+              <a:t>	#Connect the plug with </a:t>
             </a:r>
             <a:r>
               <a:rPr lang="en-US" sz="1400" dirty="0" err="1" smtClean="0">
@@ -20360,7 +19724,7 @@
                 </a:solidFill>
                 <a:latin typeface="Calibri" pitchFamily="34" charset="0"/>
               </a:rPr>
-              <a:t>MFnDependencyNode</a:t>
+              <a:t>fnDepNode</a:t>
             </a:r>
             <a:r>
               <a:rPr lang="en-US" sz="1400" dirty="0" smtClean="0">
@@ -20369,7 +19733,7 @@
                 </a:solidFill>
                 <a:latin typeface="Calibri" pitchFamily="34" charset="0"/>
               </a:rPr>
-              <a:t> </a:t>
+              <a:t> = </a:t>
             </a:r>
             <a:r>
               <a:rPr lang="en-US" sz="1400" dirty="0" err="1" smtClean="0">
@@ -20378,7 +19742,7 @@
                 </a:solidFill>
                 <a:latin typeface="Calibri" pitchFamily="34" charset="0"/>
               </a:rPr>
-              <a:t>fnDepNode</a:t>
+              <a:t>OpenMaya.MFnDependencyNode</a:t>
             </a:r>
             <a:r>
               <a:rPr lang="en-US" sz="1400" dirty="0" smtClean="0">
@@ -20387,7 +19751,7 @@
                 </a:solidFill>
                 <a:latin typeface="Calibri" pitchFamily="34" charset="0"/>
               </a:rPr>
-              <a:t>(</a:t>
+              <a:t> (</a:t>
             </a:r>
             <a:r>
               <a:rPr lang="en-US" sz="1400" dirty="0" err="1" smtClean="0">
@@ -20405,7 +19769,7 @@
                 </a:solidFill>
                 <a:latin typeface="Calibri" pitchFamily="34" charset="0"/>
               </a:rPr>
-              <a:t>);</a:t>
+              <a:t>)</a:t>
             </a:r>
           </a:p>
           <a:p>
@@ -20425,7 +19789,7 @@
                 </a:solidFill>
                 <a:latin typeface="Calibri" pitchFamily="34" charset="0"/>
               </a:rPr>
-              <a:t>MPlug</a:t>
+              <a:t>rotationPlug</a:t>
             </a:r>
             <a:r>
               <a:rPr lang="en-US" sz="1400" dirty="0" smtClean="0">
@@ -20434,7 +19798,7 @@
                 </a:solidFill>
                 <a:latin typeface="Calibri" pitchFamily="34" charset="0"/>
               </a:rPr>
-              <a:t> </a:t>
+              <a:t> = </a:t>
             </a:r>
             <a:r>
               <a:rPr lang="en-US" sz="1400" dirty="0" err="1" smtClean="0">
@@ -20443,7 +19807,7 @@
                 </a:solidFill>
                 <a:latin typeface="Calibri" pitchFamily="34" charset="0"/>
               </a:rPr>
-              <a:t>rotationPlug</a:t>
+              <a:t>fnDepNode.findPlug</a:t>
             </a:r>
             <a:r>
               <a:rPr lang="en-US" sz="1400" dirty="0" smtClean="0">
@@ -20452,7 +19816,7 @@
                 </a:solidFill>
                 <a:latin typeface="Calibri" pitchFamily="34" charset="0"/>
               </a:rPr>
-              <a:t> = </a:t>
+              <a:t>("</a:t>
             </a:r>
             <a:r>
               <a:rPr lang="en-US" sz="1400" dirty="0" err="1" smtClean="0">
@@ -20461,7 +19825,7 @@
                 </a:solidFill>
                 <a:latin typeface="Calibri" pitchFamily="34" charset="0"/>
               </a:rPr>
-              <a:t>fnDepNode.findPlug</a:t>
+              <a:t>windDirection</a:t>
             </a:r>
             <a:r>
               <a:rPr lang="en-US" sz="1400" dirty="0" smtClean="0">
@@ -20470,43 +19834,7 @@
                 </a:solidFill>
                 <a:latin typeface="Calibri" pitchFamily="34" charset="0"/>
               </a:rPr>
-              <a:t>(</a:t>
-            </a:r>
-            <a:r>
-              <a:rPr lang="en-US" sz="1400" dirty="0" err="1" smtClean="0">
-                <a:solidFill>
-                  <a:srgbClr val="FFFF00"/>
-                </a:solidFill>
-                <a:latin typeface="Calibri" pitchFamily="34" charset="0"/>
-              </a:rPr>
-              <a:t>MString</a:t>
-            </a:r>
-            <a:r>
-              <a:rPr lang="en-US" sz="1400" dirty="0" smtClean="0">
-                <a:solidFill>
-                  <a:srgbClr val="FFFF00"/>
-                </a:solidFill>
-                <a:latin typeface="Calibri" pitchFamily="34" charset="0"/>
-              </a:rPr>
-              <a:t>("</a:t>
-            </a:r>
-            <a:r>
-              <a:rPr lang="en-US" sz="1400" dirty="0" err="1" smtClean="0">
-                <a:solidFill>
-                  <a:srgbClr val="FFFF00"/>
-                </a:solidFill>
-                <a:latin typeface="Calibri" pitchFamily="34" charset="0"/>
-              </a:rPr>
-              <a:t>windDirection</a:t>
-            </a:r>
-            <a:r>
-              <a:rPr lang="en-US" sz="1400" dirty="0" smtClean="0">
-                <a:solidFill>
-                  <a:srgbClr val="FFFF00"/>
-                </a:solidFill>
-                <a:latin typeface="Calibri" pitchFamily="34" charset="0"/>
-              </a:rPr>
-              <a:t>"),&amp;status);</a:t>
+              <a:t>”)</a:t>
             </a:r>
           </a:p>
           <a:p>
@@ -20534,7 +19862,7 @@
                 </a:solidFill>
                 <a:latin typeface="Calibri" pitchFamily="34" charset="0"/>
               </a:rPr>
-              <a:t>MFnDiscManip</a:t>
+              <a:t>fnDisc</a:t>
             </a:r>
             <a:r>
               <a:rPr lang="en-US" sz="1400" dirty="0" smtClean="0">
@@ -20543,7 +19871,7 @@
                 </a:solidFill>
                 <a:latin typeface="Calibri" pitchFamily="34" charset="0"/>
               </a:rPr>
-              <a:t> </a:t>
+              <a:t> = </a:t>
             </a:r>
             <a:r>
               <a:rPr lang="en-US" sz="1400" dirty="0" err="1" smtClean="0">
@@ -20552,7 +19880,7 @@
                 </a:solidFill>
                 <a:latin typeface="Calibri" pitchFamily="34" charset="0"/>
               </a:rPr>
-              <a:t>fnDisc</a:t>
+              <a:t>OpenMayaUI.MFnDiscManip</a:t>
             </a:r>
             <a:r>
               <a:rPr lang="en-US" sz="1400" dirty="0" smtClean="0">
@@ -20561,6 +19889,53 @@
                 </a:solidFill>
                 <a:latin typeface="Calibri" pitchFamily="34" charset="0"/>
               </a:rPr>
+              <a:t> (</a:t>
+            </a:r>
+            <a:r>
+              <a:rPr lang="en-US" sz="1400" dirty="0" err="1" smtClean="0">
+                <a:solidFill>
+                  <a:srgbClr val="FFFF00"/>
+                </a:solidFill>
+                <a:latin typeface="Calibri" pitchFamily="34" charset="0"/>
+              </a:rPr>
+              <a:t>fDiscManip</a:t>
+            </a:r>
+            <a:r>
+              <a:rPr lang="en-US" sz="1400" dirty="0" smtClean="0">
+                <a:solidFill>
+                  <a:srgbClr val="FFFF00"/>
+                </a:solidFill>
+                <a:latin typeface="Calibri" pitchFamily="34" charset="0"/>
+              </a:rPr>
+              <a:t>)</a:t>
+            </a:r>
+          </a:p>
+          <a:p>
+            <a:r>
+              <a:rPr lang="en-US" sz="1400" dirty="0" smtClean="0">
+                <a:solidFill>
+                  <a:srgbClr val="FFFF00"/>
+                </a:solidFill>
+                <a:latin typeface="Calibri" pitchFamily="34" charset="0"/>
+              </a:rPr>
+              <a:t>	</a:t>
+            </a:r>
+            <a:r>
+              <a:rPr lang="en-US" sz="1400" dirty="0" err="1" smtClean="0">
+                <a:solidFill>
+                  <a:srgbClr val="FFFF00"/>
+                </a:solidFill>
+                <a:latin typeface="Calibri" pitchFamily="34" charset="0"/>
+              </a:rPr>
+              <a:t>fnDisc.connectToAnglePlug</a:t>
+            </a:r>
+            <a:r>
+              <a:rPr lang="en-US" sz="1400" dirty="0" smtClean="0">
+                <a:solidFill>
+                  <a:srgbClr val="FFFF00"/>
+                </a:solidFill>
+                <a:latin typeface="Calibri" pitchFamily="34" charset="0"/>
+              </a:rPr>
               <a:t>(</a:t>
             </a:r>
             <a:r>
@@ -20570,7 +19945,7 @@
                 </a:solidFill>
                 <a:latin typeface="Calibri" pitchFamily="34" charset="0"/>
               </a:rPr>
-              <a:t>fDiscManip,&amp;status</a:t>
+              <a:t>rotationPlug</a:t>
             </a:r>
             <a:r>
               <a:rPr lang="en-US" sz="1400" dirty="0" smtClean="0">
@@ -20579,54 +19954,7 @@
                 </a:solidFill>
                 <a:latin typeface="Calibri" pitchFamily="34" charset="0"/>
               </a:rPr>
-              <a:t>);</a:t>
-            </a:r>
-          </a:p>
-          <a:p>
-            <a:r>
-              <a:rPr lang="en-US" sz="1400" dirty="0" smtClean="0">
-                <a:solidFill>
-                  <a:srgbClr val="FFFF00"/>
-                </a:solidFill>
-                <a:latin typeface="Calibri" pitchFamily="34" charset="0"/>
-              </a:rPr>
-              <a:t>	status = </a:t>
-            </a:r>
-            <a:r>
-              <a:rPr lang="en-US" sz="1400" dirty="0" err="1" smtClean="0">
-                <a:solidFill>
-                  <a:srgbClr val="FFFF00"/>
-                </a:solidFill>
-                <a:latin typeface="Calibri" pitchFamily="34" charset="0"/>
-              </a:rPr>
-              <a:t>fnDisc.connectToAnglePlug</a:t>
-            </a:r>
-            <a:r>
-              <a:rPr lang="en-US" sz="1400" dirty="0" smtClean="0">
-                <a:solidFill>
-                  <a:srgbClr val="FFFF00"/>
-                </a:solidFill>
-                <a:latin typeface="Calibri" pitchFamily="34" charset="0"/>
-              </a:rPr>
-              <a:t>(</a:t>
-            </a:r>
-            <a:r>
-              <a:rPr lang="en-US" sz="1400" dirty="0" err="1" smtClean="0">
-                <a:solidFill>
-                  <a:srgbClr val="FFFF00"/>
-                </a:solidFill>
-                <a:latin typeface="Calibri" pitchFamily="34" charset="0"/>
-              </a:rPr>
-              <a:t>rotationPlug</a:t>
-            </a:r>
-            <a:r>
-              <a:rPr lang="en-US" sz="1400" dirty="0" smtClean="0">
-                <a:solidFill>
-                  <a:srgbClr val="FFFF00"/>
-                </a:solidFill>
-                <a:latin typeface="Calibri" pitchFamily="34" charset="0"/>
-              </a:rPr>
-              <a:t>);</a:t>
+              <a:t>)</a:t>
             </a:r>
           </a:p>
           <a:p>
@@ -20645,7 +19973,7 @@
                 </a:solidFill>
                 <a:latin typeface="Calibri" pitchFamily="34" charset="0"/>
               </a:rPr>
-              <a:t>	status = </a:t>
+              <a:t>	</a:t>
             </a:r>
             <a:r>
               <a:rPr lang="en-US" sz="1400" dirty="0" err="1" smtClean="0">
@@ -20654,7 +19982,7 @@
                 </a:solidFill>
                 <a:latin typeface="Calibri" pitchFamily="34" charset="0"/>
               </a:rPr>
-              <a:t>finishAddingManips</a:t>
+              <a:t>OpenMayaMPx.MPxManipulatorNode.finishAddingManips</a:t>
             </a:r>
             <a:r>
               <a:rPr lang="en-US" sz="1400" dirty="0" smtClean="0">
@@ -20663,7 +19991,7 @@
                 </a:solidFill>
                 <a:latin typeface="Calibri" pitchFamily="34" charset="0"/>
               </a:rPr>
-              <a:t>();</a:t>
+              <a:t>(self)</a:t>
             </a:r>
           </a:p>
           <a:p>
@@ -20674,7 +20002,7 @@
                 </a:solidFill>
                 <a:latin typeface="Calibri" pitchFamily="34" charset="0"/>
               </a:rPr>
-              <a:t>	status = </a:t>
+              <a:t>	</a:t>
             </a:r>
             <a:r>
               <a:rPr lang="en-US" sz="1400" dirty="0" err="1" smtClean="0">
@@ -20683,7 +20011,7 @@
                 </a:solidFill>
                 <a:latin typeface="Calibri" pitchFamily="34" charset="0"/>
               </a:rPr>
-              <a:t>MPxManipContainer</a:t>
+              <a:t>OpenMayaMPx.MPxManipulatorNode.connectToDependNode</a:t>
             </a:r>
             <a:r>
               <a:rPr lang="en-US" sz="1400" dirty="0" smtClean="0">
@@ -20692,7 +20020,7 @@
                 </a:solidFill>
                 <a:latin typeface="Calibri" pitchFamily="34" charset="0"/>
               </a:rPr>
-              <a:t>::</a:t>
+              <a:t>(self, </a:t>
             </a:r>
             <a:r>
               <a:rPr lang="en-US" sz="1400" dirty="0" err="1" smtClean="0">
@@ -20701,7 +20029,7 @@
                 </a:solidFill>
                 <a:latin typeface="Calibri" pitchFamily="34" charset="0"/>
               </a:rPr>
-              <a:t>connectToDependNode</a:t>
+              <a:t>dependNode</a:t>
             </a:r>
             <a:r>
               <a:rPr lang="en-US" sz="1400" dirty="0" smtClean="0">
@@ -20710,54 +20038,8 @@
                 </a:solidFill>
                 <a:latin typeface="Calibri" pitchFamily="34" charset="0"/>
               </a:rPr>
-              <a:t>(</a:t>
-            </a:r>
-            <a:r>
-              <a:rPr lang="en-US" sz="1400" dirty="0" err="1" smtClean="0">
-                <a:solidFill>
-                  <a:srgbClr val="FFFF00"/>
-                </a:solidFill>
-                <a:latin typeface="Calibri" pitchFamily="34" charset="0"/>
-              </a:rPr>
-              <a:t>dependNode</a:t>
-            </a:r>
-            <a:r>
-              <a:rPr lang="en-US" sz="1400" dirty="0" smtClean="0">
-                <a:solidFill>
-                  <a:srgbClr val="FFFF00"/>
-                </a:solidFill>
-                <a:latin typeface="Calibri" pitchFamily="34" charset="0"/>
-              </a:rPr>
-              <a:t>);</a:t>
-            </a:r>
-          </a:p>
-          <a:p>
-            <a:r>
-              <a:rPr lang="en-US" sz="1400" dirty="0" smtClean="0">
-                <a:solidFill>
-                  <a:srgbClr val="FFFF00"/>
-                </a:solidFill>
-                <a:latin typeface="Calibri" pitchFamily="34" charset="0"/>
-              </a:rPr>
-              <a:t>	return status;</a:t>
-            </a:r>
-          </a:p>
-          <a:p>
-            <a:r>
-              <a:rPr lang="en-US" sz="1400" dirty="0" smtClean="0">
-                <a:solidFill>
-                  <a:srgbClr val="FFFF00"/>
-                </a:solidFill>
-                <a:latin typeface="Calibri" pitchFamily="34" charset="0"/>
-              </a:rPr>
-              <a:t>}</a:t>
-            </a:r>
-            <a:endParaRPr lang="en-US" sz="1400" dirty="0">
-              <a:solidFill>
-                <a:srgbClr val="FFFF00"/>
-              </a:solidFill>
-              <a:latin typeface="Calibri" pitchFamily="34" charset="0"/>
-            </a:endParaRPr>
+              <a:t>)</a:t>
+            </a:r>
           </a:p>
         </p:txBody>
       </p:sp>
@@ -20771,8 +20053,8 @@
         </p:nvSpPr>
         <p:spPr bwMode="auto">
           <a:xfrm>
-            <a:off x="4191000" y="1416050"/>
-            <a:ext cx="2362200" cy="330587"/>
+            <a:off x="2667000" y="1416050"/>
+            <a:ext cx="1143000" cy="330587"/>
           </a:xfrm>
           <a:prstGeom prst="roundRect">
             <a:avLst>
@@ -20810,8 +20092,8 @@
         </p:nvSpPr>
         <p:spPr bwMode="auto">
           <a:xfrm>
-            <a:off x="609600" y="4449519"/>
-            <a:ext cx="2209800" cy="330587"/>
+            <a:off x="609600" y="3839919"/>
+            <a:ext cx="4800600" cy="330587"/>
           </a:xfrm>
           <a:prstGeom prst="roundRect">
             <a:avLst>
@@ -20849,8 +20131,8 @@
         </p:nvSpPr>
         <p:spPr bwMode="auto">
           <a:xfrm>
-            <a:off x="609600" y="4780106"/>
-            <a:ext cx="5105400" cy="330587"/>
+            <a:off x="609600" y="4170506"/>
+            <a:ext cx="6096000" cy="330587"/>
           </a:xfrm>
           <a:prstGeom prst="roundRect">
             <a:avLst>
@@ -20888,7 +20170,7 @@
         </p:nvSpPr>
         <p:spPr bwMode="auto">
           <a:xfrm>
-            <a:off x="1714500" y="3886200"/>
+            <a:off x="1066800" y="3276600"/>
             <a:ext cx="2628900" cy="330587"/>
           </a:xfrm>
           <a:prstGeom prst="roundRect">
@@ -21333,11 +20615,7 @@
           <a:p>
             <a:r>
               <a:rPr lang="en-US" dirty="0" smtClean="0"/>
-              <a:t>Example: </a:t>
-            </a:r>
-            <a:r>
-              <a:rPr lang="en-US" dirty="0" err="1" smtClean="0"/>
-              <a:t>arrowLocatorManip</a:t>
+              <a:t>Example: arrowLocatorManip.py</a:t>
             </a:r>
             <a:endParaRPr lang="en-US" dirty="0"/>
           </a:p>
@@ -24021,28 +23299,37 @@
             </a:pPr>
             <a:r>
               <a:rPr lang="en-US" dirty="0" err="1" smtClean="0"/>
-              <a:t>addManipToPlugConversionCallback</a:t>
+              <a:t>addManipToPlugConversion</a:t>
             </a:r>
             <a:r>
               <a:rPr lang="en-US" dirty="0" smtClean="0"/>
               <a:t> (</a:t>
             </a:r>
             <a:r>
+              <a:rPr lang="en-US" dirty="0" smtClean="0"/>
+              <a:t>unsigned </a:t>
+            </a:r>
+            <a:r>
               <a:rPr lang="en-US" dirty="0" err="1" smtClean="0"/>
-              <a:t>MPlug</a:t>
+              <a:t>int</a:t>
             </a:r>
             <a:r>
               <a:rPr lang="en-US" dirty="0" smtClean="0"/>
-              <a:t> &amp;plug, </a:t>
+              <a:t> </a:t>
             </a:r>
             <a:r>
               <a:rPr lang="en-US" dirty="0" err="1" smtClean="0"/>
-              <a:t>manipToPlugConversionCallback</a:t>
+              <a:t>manipIndex</a:t>
             </a:r>
             <a:r>
               <a:rPr lang="en-US" dirty="0" smtClean="0"/>
-              <a:t> callback)</a:t>
-            </a:r>
+              <a:t> </a:t>
+            </a:r>
+            <a:r>
+              <a:rPr lang="en-US" dirty="0" smtClean="0"/>
+              <a:t>)</a:t>
+            </a:r>
+            <a:endParaRPr lang="en-US" dirty="0" smtClean="0"/>
           </a:p>
           <a:p>
             <a:pPr lvl="3"/>
@@ -24051,6 +23338,52 @@
               <a:t>	</a:t>
             </a:r>
             <a:endParaRPr lang="en-US" sz="1400" dirty="0" smtClean="0"/>
+          </a:p>
+          <a:p>
+            <a:pPr lvl="2">
+              <a:buFont typeface="Arial" charset="0"/>
+              <a:buChar char="•"/>
+            </a:pPr>
+            <a:r>
+              <a:rPr lang="en-US" dirty="0" err="1" smtClean="0"/>
+              <a:t>plugToManip</a:t>
+            </a:r>
+            <a:endParaRPr lang="en-US" dirty="0" smtClean="0"/>
+          </a:p>
+          <a:p>
+            <a:pPr lvl="3">
+              <a:buFont typeface="Arial" charset="0"/>
+              <a:buChar char="•"/>
+            </a:pPr>
+            <a:r>
+              <a:rPr lang="en-US" dirty="0" err="1" smtClean="0"/>
+              <a:t>addPlugToManipConversion</a:t>
+            </a:r>
+            <a:r>
+              <a:rPr lang="en-US" dirty="0" smtClean="0"/>
+              <a:t> </a:t>
+            </a:r>
+            <a:r>
+              <a:rPr lang="en-US" dirty="0" smtClean="0"/>
+              <a:t>(unsigned </a:t>
+            </a:r>
+            <a:r>
+              <a:rPr lang="en-US" dirty="0" err="1" smtClean="0"/>
+              <a:t>int</a:t>
+            </a:r>
+            <a:r>
+              <a:rPr lang="en-US" dirty="0" smtClean="0"/>
+              <a:t> </a:t>
+            </a:r>
+            <a:r>
+              <a:rPr lang="en-US" dirty="0" err="1" smtClean="0"/>
+              <a:t>manipIndex</a:t>
+            </a:r>
+            <a:r>
+              <a:rPr lang="en-US" dirty="0" smtClean="0"/>
+              <a:t>)</a:t>
+            </a:r>
+            <a:endParaRPr lang="en-US" dirty="0" smtClean="0"/>
           </a:p>
           <a:p>
             <a:pPr lvl="3">
@@ -24065,61 +23398,37 @@
               <a:buChar char="•"/>
             </a:pPr>
             <a:r>
+              <a:rPr lang="en-US" dirty="0" smtClean="0"/>
+              <a:t>The converter must be implemented in the </a:t>
+            </a:r>
+            <a:r>
               <a:rPr lang="en-US" dirty="0" err="1" smtClean="0"/>
-              <a:t>plugToManip</a:t>
-            </a:r>
-            <a:endParaRPr lang="en-US" dirty="0" smtClean="0"/>
-          </a:p>
-          <a:p>
-            <a:pPr lvl="3">
-              <a:buFont typeface="Arial" charset="0"/>
-              <a:buChar char="•"/>
-            </a:pPr>
+              <a:t>manipToPlugConversion</a:t>
+            </a:r>
+            <a:r>
+              <a:rPr lang="en-US" dirty="0" smtClean="0"/>
+              <a:t>() </a:t>
+            </a:r>
+            <a:r>
+              <a:rPr lang="en-US" dirty="0" smtClean="0"/>
+              <a:t>and </a:t>
+            </a:r>
             <a:r>
               <a:rPr lang="en-US" dirty="0" err="1" smtClean="0"/>
-              <a:t>addPlugToManipConversionCallback</a:t>
+              <a:t>plugToManipConversion</a:t>
             </a:r>
             <a:r>
               <a:rPr lang="en-US" dirty="0" smtClean="0"/>
-              <a:t> (unsigned </a:t>
-            </a:r>
-            <a:r>
-              <a:rPr lang="en-US" dirty="0" err="1" smtClean="0"/>
-              <a:t>int</a:t>
+              <a:t> virtual </a:t>
             </a:r>
             <a:r>
               <a:rPr lang="en-US" dirty="0" smtClean="0"/>
-              <a:t> </a:t>
-            </a:r>
-            <a:r>
-              <a:rPr lang="en-US" dirty="0" err="1" smtClean="0"/>
-              <a:t>manipIndex</a:t>
+              <a:t>method of </a:t>
             </a:r>
             <a:r>
               <a:rPr lang="en-US" dirty="0" smtClean="0"/>
-              <a:t>, </a:t>
-            </a:r>
-            <a:r>
-              <a:rPr lang="en-US" dirty="0" err="1" smtClean="0"/>
-              <a:t>plugToManipConversionCallback</a:t>
-            </a:r>
-            <a:r>
-              <a:rPr lang="en-US" dirty="0" smtClean="0"/>
-              <a:t> callback)</a:t>
-            </a:r>
-          </a:p>
-          <a:p>
-            <a:pPr lvl="3">
-              <a:buFont typeface="Arial" charset="0"/>
-              <a:buChar char="•"/>
-            </a:pPr>
-            <a:endParaRPr lang="en-US" dirty="0" smtClean="0"/>
-          </a:p>
-          <a:p>
-            <a:pPr lvl="3">
-              <a:buFont typeface="Arial" charset="0"/>
-              <a:buChar char="•"/>
-            </a:pPr>
+              <a:t>these classes</a:t>
+            </a:r>
             <a:endParaRPr lang="en-US" dirty="0" smtClean="0"/>
           </a:p>
           <a:p>
@@ -24147,7 +23456,7 @@
         </p:nvSpPr>
         <p:spPr>
           <a:xfrm>
-            <a:off x="1295400" y="3812976"/>
+            <a:off x="1295400" y="3505200"/>
             <a:ext cx="2286000" cy="307777"/>
           </a:xfrm>
           <a:prstGeom prst="rect">
@@ -24185,7 +23494,7 @@
         </p:nvSpPr>
         <p:spPr>
           <a:xfrm>
-            <a:off x="1295400" y="5410200"/>
+            <a:off x="1295400" y="4495800"/>
             <a:ext cx="2286000" cy="307777"/>
           </a:xfrm>
           <a:prstGeom prst="rect">
@@ -24223,7 +23532,7 @@
         </p:nvSpPr>
         <p:spPr>
           <a:xfrm>
-            <a:off x="3810000" y="5410200"/>
+            <a:off x="3810000" y="4495800"/>
             <a:ext cx="2286000" cy="307777"/>
           </a:xfrm>
           <a:prstGeom prst="rect">
@@ -24261,7 +23570,7 @@
         </p:nvSpPr>
         <p:spPr>
           <a:xfrm>
-            <a:off x="3657600" y="3812976"/>
+            <a:off x="3657600" y="3505200"/>
             <a:ext cx="2286000" cy="307777"/>
           </a:xfrm>
           <a:prstGeom prst="rect">
@@ -24299,7 +23608,7 @@
         </p:nvCxnSpPr>
         <p:spPr>
           <a:xfrm>
-            <a:off x="3276600" y="3962400"/>
+            <a:off x="3276600" y="3654624"/>
             <a:ext cx="381000" cy="1588"/>
           </a:xfrm>
           <a:prstGeom prst="straightConnector1">
@@ -24336,7 +23645,7 @@
         </p:nvCxnSpPr>
         <p:spPr>
           <a:xfrm>
-            <a:off x="3276600" y="5562600"/>
+            <a:off x="3276600" y="4648200"/>
             <a:ext cx="381000" cy="1588"/>
           </a:xfrm>
           <a:prstGeom prst="straightConnector1">
@@ -24375,8 +23684,8 @@
         </p:nvSpPr>
         <p:spPr bwMode="auto">
           <a:xfrm>
-            <a:off x="1295400" y="3414285"/>
-            <a:ext cx="4267200" cy="398691"/>
+            <a:off x="4191000" y="3124200"/>
+            <a:ext cx="2743200" cy="398691"/>
           </a:xfrm>
           <a:prstGeom prst="roundRect">
             <a:avLst>
@@ -24414,8 +23723,8 @@
         </p:nvSpPr>
         <p:spPr bwMode="auto">
           <a:xfrm>
-            <a:off x="1295400" y="5011509"/>
-            <a:ext cx="4267200" cy="398691"/>
+            <a:off x="4191000" y="4401909"/>
+            <a:ext cx="2743200" cy="398691"/>
           </a:xfrm>
           <a:prstGeom prst="roundRect">
             <a:avLst>
@@ -24950,7 +24259,7 @@
                                         <p:tgtEl>
                                           <p:spTgt spid="61443">
                                             <p:txEl>
-                                              <p:pRg st="7" end="7"/>
+                                              <p:pRg st="6" end="6"/>
                                             </p:txEl>
                                           </p:spTgt>
                                         </p:tgtEl>
@@ -24968,7 +24277,7 @@
                                         <p:tgtEl>
                                           <p:spTgt spid="61443">
                                             <p:txEl>
-                                              <p:pRg st="7" end="7"/>
+                                              <p:pRg st="6" end="6"/>
                                             </p:txEl>
                                           </p:spTgt>
                                         </p:tgtEl>
@@ -24993,7 +24302,7 @@
                                         <p:tgtEl>
                                           <p:spTgt spid="61443">
                                             <p:txEl>
-                                              <p:pRg st="8" end="8"/>
+                                              <p:pRg st="7" end="7"/>
                                             </p:txEl>
                                           </p:spTgt>
                                         </p:tgtEl>
@@ -25011,7 +24320,50 @@
                                         <p:tgtEl>
                                           <p:spTgt spid="61443">
                                             <p:txEl>
-                                              <p:pRg st="8" end="8"/>
+                                              <p:pRg st="7" end="7"/>
+                                            </p:txEl>
+                                          </p:spTgt>
+                                        </p:tgtEl>
+                                      </p:cBhvr>
+                                    </p:animEffect>
+                                  </p:childTnLst>
+                                </p:cTn>
+                              </p:par>
+                              <p:par>
+                                <p:cTn id="50" presetID="3" presetClass="entr" presetSubtype="10" fill="hold" nodeType="withEffect">
+                                  <p:stCondLst>
+                                    <p:cond delay="0"/>
+                                  </p:stCondLst>
+                                  <p:childTnLst>
+                                    <p:set>
+                                      <p:cBhvr>
+                                        <p:cTn id="51" dur="1" fill="hold">
+                                          <p:stCondLst>
+                                            <p:cond delay="0"/>
+                                          </p:stCondLst>
+                                        </p:cTn>
+                                        <p:tgtEl>
+                                          <p:spTgt spid="61443">
+                                            <p:txEl>
+                                              <p:pRg st="9" end="9"/>
+                                            </p:txEl>
+                                          </p:spTgt>
+                                        </p:tgtEl>
+                                        <p:attrNameLst>
+                                          <p:attrName>style.visibility</p:attrName>
+                                        </p:attrNameLst>
+                                      </p:cBhvr>
+                                      <p:to>
+                                        <p:strVal val="visible"/>
+                                      </p:to>
+                                    </p:set>
+                                    <p:animEffect transition="in" filter="blinds(horizontal)">
+                                      <p:cBhvr>
+                                        <p:cTn id="52" dur="500"/>
+                                        <p:tgtEl>
+                                          <p:spTgt spid="61443">
+                                            <p:txEl>
+                                              <p:pRg st="9" end="9"/>
                                             </p:txEl>
                                           </p:spTgt>
                                         </p:tgtEl>
@@ -25027,26 +24379,26 @@
                     </p:cTn>
                   </p:par>
                   <p:par>
-                    <p:cTn id="50" fill="hold">
+                    <p:cTn id="53" fill="hold">
                       <p:stCondLst>
                         <p:cond delay="indefinite"/>
                       </p:stCondLst>
                       <p:childTnLst>
                         <p:par>
-                          <p:cTn id="51" fill="hold">
+                          <p:cTn id="54" fill="hold">
                             <p:stCondLst>
                               <p:cond delay="0"/>
                             </p:stCondLst>
                             <p:childTnLst>
                               <p:par>
-                                <p:cTn id="52" presetID="3" presetClass="entr" presetSubtype="10" fill="hold" grpId="0" nodeType="clickEffect">
+                                <p:cTn id="55" presetID="3" presetClass="entr" presetSubtype="10" fill="hold" grpId="0" nodeType="clickEffect">
                                   <p:stCondLst>
                                     <p:cond delay="0"/>
                                   </p:stCondLst>
                                   <p:childTnLst>
                                     <p:set>
                                       <p:cBhvr>
-                                        <p:cTn id="53" dur="1" fill="hold">
+                                        <p:cTn id="56" dur="1" fill="hold">
                                           <p:stCondLst>
                                             <p:cond delay="0"/>
                                           </p:stCondLst>
@@ -25064,7 +24416,7 @@
                                     </p:set>
                                     <p:animEffect transition="in" filter="blinds(horizontal)">
                                       <p:cBhvr>
-                                        <p:cTn id="54" dur="500"/>
+                                        <p:cTn id="57" dur="500"/>
                                         <p:tgtEl>
                                           <p:spTgt spid="15"/>
                                         </p:tgtEl>
@@ -25080,26 +24432,26 @@
                     </p:cTn>
                   </p:par>
                   <p:par>
-                    <p:cTn id="55" fill="hold">
+                    <p:cTn id="58" fill="hold">
                       <p:stCondLst>
                         <p:cond delay="indefinite"/>
                       </p:stCondLst>
                       <p:childTnLst>
                         <p:par>
-                          <p:cTn id="56" fill="hold">
+                          <p:cTn id="59" fill="hold">
                             <p:stCondLst>
                               <p:cond delay="0"/>
                             </p:stCondLst>
                             <p:childTnLst>
                               <p:par>
-                                <p:cTn id="57" presetID="3" presetClass="entr" presetSubtype="10" fill="hold" grpId="0" nodeType="clickEffect">
+                                <p:cTn id="60" presetID="3" presetClass="entr" presetSubtype="10" fill="hold" grpId="0" nodeType="clickEffect">
                                   <p:stCondLst>
                                     <p:cond delay="0"/>
                                   </p:stCondLst>
                                   <p:childTnLst>
                                     <p:set>
                                       <p:cBhvr>
-                                        <p:cTn id="58" dur="1" fill="hold">
+                                        <p:cTn id="61" dur="1" fill="hold">
                                           <p:stCondLst>
                                             <p:cond delay="0"/>
                                           </p:stCondLst>
@@ -25117,7 +24469,7 @@
                                     </p:set>
                                     <p:animEffect transition="in" filter="blinds(horizontal)">
                                       <p:cBhvr>
-                                        <p:cTn id="59" dur="500"/>
+                                        <p:cTn id="62" dur="500"/>
                                         <p:tgtEl>
                                           <p:spTgt spid="5"/>
                                         </p:tgtEl>
@@ -25127,14 +24479,14 @@
                                 </p:cTn>
                               </p:par>
                               <p:par>
-                                <p:cTn id="60" presetID="3" presetClass="entr" presetSubtype="10" fill="hold" grpId="0" nodeType="withEffect">
+                                <p:cTn id="63" presetID="3" presetClass="entr" presetSubtype="10" fill="hold" grpId="0" nodeType="withEffect">
                                   <p:stCondLst>
                                     <p:cond delay="0"/>
                                   </p:stCondLst>
                                   <p:childTnLst>
                                     <p:set>
                                       <p:cBhvr>
-                                        <p:cTn id="61" dur="1" fill="hold">
+                                        <p:cTn id="64" dur="1" fill="hold">
                                           <p:stCondLst>
                                             <p:cond delay="0"/>
                                           </p:stCondLst>
@@ -25152,7 +24504,7 @@
                                     </p:set>
                                     <p:animEffect transition="in" filter="blinds(horizontal)">
                                       <p:cBhvr>
-                                        <p:cTn id="62" dur="500"/>
+                                        <p:cTn id="65" dur="500"/>
                                         <p:tgtEl>
                                           <p:spTgt spid="6"/>
                                         </p:tgtEl>
@@ -25162,14 +24514,14 @@
                                 </p:cTn>
                               </p:par>
                               <p:par>
-                                <p:cTn id="63" presetID="3" presetClass="entr" presetSubtype="10" fill="hold" nodeType="withEffect">
+                                <p:cTn id="66" presetID="3" presetClass="entr" presetSubtype="10" fill="hold" nodeType="withEffect">
                                   <p:stCondLst>
                                     <p:cond delay="0"/>
                                   </p:stCondLst>
                                   <p:childTnLst>
                                     <p:set>
                                       <p:cBhvr>
-                                        <p:cTn id="64" dur="1" fill="hold">
+                                        <p:cTn id="67" dur="1" fill="hold">
                                           <p:stCondLst>
                                             <p:cond delay="0"/>
                                           </p:stCondLst>
@@ -25187,7 +24539,7 @@
                                     </p:set>
                                     <p:animEffect transition="in" filter="blinds(horizontal)">
                                       <p:cBhvr>
-                                        <p:cTn id="65" dur="500"/>
+                                        <p:cTn id="68" dur="500"/>
                                         <p:tgtEl>
                                           <p:spTgt spid="13"/>
                                         </p:tgtEl>
@@ -25203,26 +24555,26 @@
                     </p:cTn>
                   </p:par>
                   <p:par>
-                    <p:cTn id="66" fill="hold">
+                    <p:cTn id="69" fill="hold">
                       <p:stCondLst>
                         <p:cond delay="indefinite"/>
                       </p:stCondLst>
                       <p:childTnLst>
                         <p:par>
-                          <p:cTn id="67" fill="hold">
+                          <p:cTn id="70" fill="hold">
                             <p:stCondLst>
                               <p:cond delay="0"/>
                             </p:stCondLst>
                             <p:childTnLst>
                               <p:par>
-                                <p:cTn id="68" presetID="3" presetClass="entr" presetSubtype="10" fill="hold" nodeType="clickEffect">
+                                <p:cTn id="71" presetID="3" presetClass="entr" presetSubtype="10" fill="hold" nodeType="clickEffect">
                                   <p:stCondLst>
                                     <p:cond delay="0"/>
                                   </p:stCondLst>
                                   <p:childTnLst>
                                     <p:set>
                                       <p:cBhvr>
-                                        <p:cTn id="69" dur="1" fill="hold">
+                                        <p:cTn id="72" dur="1" fill="hold">
                                           <p:stCondLst>
                                             <p:cond delay="0"/>
                                           </p:stCondLst>
@@ -25230,7 +24582,7 @@
                                         <p:tgtEl>
                                           <p:spTgt spid="61443">
                                             <p:txEl>
-                                              <p:pRg st="11" end="11"/>
+                                              <p:pRg st="10" end="10"/>
                                             </p:txEl>
                                           </p:spTgt>
                                         </p:tgtEl>
@@ -25244,11 +24596,11 @@
                                     </p:set>
                                     <p:animEffect transition="in" filter="blinds(horizontal)">
                                       <p:cBhvr>
-                                        <p:cTn id="70" dur="500"/>
+                                        <p:cTn id="73" dur="500"/>
                                         <p:tgtEl>
                                           <p:spTgt spid="61443">
                                             <p:txEl>
-                                              <p:pRg st="11" end="11"/>
+                                              <p:pRg st="10" end="10"/>
                                             </p:txEl>
                                           </p:spTgt>
                                         </p:tgtEl>
@@ -25330,7 +24682,7 @@
           <a:p>
             <a:r>
               <a:rPr lang="en-US" dirty="0" err="1" smtClean="0"/>
-              <a:t>Example:arrowLocatorManip</a:t>
+              <a:t>Example:arrowLocatorManip.py</a:t>
             </a:r>
             <a:r>
               <a:rPr lang="en-US" dirty="0" smtClean="0"/>
@@ -25353,7 +24705,7 @@
         <p:spPr>
           <a:xfrm>
             <a:off x="152400" y="1416050"/>
-            <a:ext cx="8610600" cy="5119688"/>
+            <a:ext cx="8839200" cy="5119688"/>
           </a:xfrm>
         </p:spPr>
         <p:txBody>
@@ -25361,13 +24713,22 @@
           <a:lstStyle/>
           <a:p>
             <a:r>
+              <a:rPr lang="en-US" sz="1400" dirty="0" smtClean="0">
+                <a:solidFill>
+                  <a:srgbClr val="FFFF00"/>
+                </a:solidFill>
+                <a:latin typeface="Calibri" pitchFamily="34" charset="0"/>
+              </a:rPr>
+              <a:t>def </a:t>
+            </a:r>
+            <a:r>
               <a:rPr lang="en-US" sz="1400" dirty="0" err="1" smtClean="0">
                 <a:solidFill>
                   <a:srgbClr val="FFFF00"/>
                 </a:solidFill>
                 <a:latin typeface="Calibri" pitchFamily="34" charset="0"/>
               </a:rPr>
-              <a:t>MStatus</a:t>
+              <a:t>connectToDependNode</a:t>
             </a:r>
             <a:r>
               <a:rPr lang="en-US" sz="1400" dirty="0" smtClean="0">
@@ -25376,7 +24737,7 @@
                 </a:solidFill>
                 <a:latin typeface="Calibri" pitchFamily="34" charset="0"/>
               </a:rPr>
-              <a:t> </a:t>
+              <a:t>(self, </a:t>
             </a:r>
             <a:r>
               <a:rPr lang="en-US" sz="1400" dirty="0" err="1" smtClean="0">
@@ -25385,7 +24746,7 @@
                 </a:solidFill>
                 <a:latin typeface="Calibri" pitchFamily="34" charset="0"/>
               </a:rPr>
-              <a:t>arrowLocatorManip</a:t>
+              <a:t>dependNode</a:t>
             </a:r>
             <a:r>
               <a:rPr lang="en-US" sz="1400" dirty="0" smtClean="0">
@@ -25394,7 +24755,29 @@
                 </a:solidFill>
                 <a:latin typeface="Calibri" pitchFamily="34" charset="0"/>
               </a:rPr>
-              <a:t>::</a:t>
+              <a:t>):</a:t>
+            </a:r>
+          </a:p>
+          <a:p>
+            <a:r>
+              <a:rPr lang="en-US" sz="1400" dirty="0" smtClean="0">
+                <a:solidFill>
+                  <a:srgbClr val="FFFF00"/>
+                </a:solidFill>
+                <a:latin typeface="Calibri" pitchFamily="34" charset="0"/>
+              </a:rPr>
+              <a:t>         ….</a:t>
+            </a:r>
+          </a:p>
+          <a:p>
+            <a:r>
+              <a:rPr lang="en-US" sz="1400" dirty="0" smtClean="0">
+                <a:solidFill>
+                  <a:srgbClr val="FFFF00"/>
+                </a:solidFill>
+                <a:latin typeface="Calibri" pitchFamily="34" charset="0"/>
+              </a:rPr>
+              <a:t>	</a:t>
             </a:r>
             <a:r>
               <a:rPr lang="en-US" sz="1400" dirty="0" err="1" smtClean="0">
@@ -25403,7 +24786,7 @@
                 </a:solidFill>
                 <a:latin typeface="Calibri" pitchFamily="34" charset="0"/>
               </a:rPr>
-              <a:t>connectToDependNode</a:t>
+              <a:t>fnDepNode</a:t>
             </a:r>
             <a:r>
               <a:rPr lang="en-US" sz="1400" dirty="0" smtClean="0">
@@ -25412,7 +24795,7 @@
                 </a:solidFill>
                 <a:latin typeface="Calibri" pitchFamily="34" charset="0"/>
               </a:rPr>
-              <a:t>(const </a:t>
+              <a:t> = </a:t>
             </a:r>
             <a:r>
               <a:rPr lang="en-US" sz="1400" dirty="0" err="1" smtClean="0">
@@ -25421,7 +24804,7 @@
                 </a:solidFill>
                 <a:latin typeface="Calibri" pitchFamily="34" charset="0"/>
               </a:rPr>
-              <a:t>MObject</a:t>
+              <a:t>OpenMaya.MFnDependencyNode</a:t>
             </a:r>
             <a:r>
               <a:rPr lang="en-US" sz="1400" dirty="0" smtClean="0">
@@ -25430,7 +24813,7 @@
                 </a:solidFill>
                 <a:latin typeface="Calibri" pitchFamily="34" charset="0"/>
               </a:rPr>
-              <a:t> &amp;</a:t>
+              <a:t> (</a:t>
             </a:r>
             <a:r>
               <a:rPr lang="en-US" sz="1400" dirty="0" err="1" smtClean="0">
@@ -25459,10 +24842,17 @@
                 </a:solidFill>
                 <a:latin typeface="Calibri" pitchFamily="34" charset="0"/>
               </a:rPr>
-              <a:t>{        ….</a:t>
-            </a:r>
-          </a:p>
-          <a:p>
+              <a:t>	</a:t>
+            </a:r>
+            <a:r>
+              <a:rPr lang="en-US" sz="1400" dirty="0" err="1" smtClean="0">
+                <a:solidFill>
+                  <a:srgbClr val="FFFF00"/>
+                </a:solidFill>
+                <a:latin typeface="Calibri" pitchFamily="34" charset="0"/>
+              </a:rPr>
+              <a:t>rotationPlug</a:t>
+            </a:r>
             <a:r>
               <a:rPr lang="en-US" sz="1400" dirty="0" smtClean="0">
                 <a:solidFill>
@@ -25470,7 +24860,7 @@
                 </a:solidFill>
                 <a:latin typeface="Calibri" pitchFamily="34" charset="0"/>
               </a:rPr>
-              <a:t>	</a:t>
+              <a:t> = </a:t>
             </a:r>
             <a:r>
               <a:rPr lang="en-US" sz="1400" dirty="0" err="1" smtClean="0">
@@ -25479,7 +24869,7 @@
                 </a:solidFill>
                 <a:latin typeface="Calibri" pitchFamily="34" charset="0"/>
               </a:rPr>
-              <a:t>MFnDependencyNode</a:t>
+              <a:t>fnDepNode.findPlug</a:t>
             </a:r>
             <a:r>
               <a:rPr lang="en-US" sz="1400" dirty="0" smtClean="0">
@@ -25488,7 +24878,7 @@
                 </a:solidFill>
                 <a:latin typeface="Calibri" pitchFamily="34" charset="0"/>
               </a:rPr>
-              <a:t> </a:t>
+              <a:t>("</a:t>
             </a:r>
             <a:r>
               <a:rPr lang="en-US" sz="1400" dirty="0" err="1" smtClean="0">
@@ -25497,7 +24887,7 @@
                 </a:solidFill>
                 <a:latin typeface="Calibri" pitchFamily="34" charset="0"/>
               </a:rPr>
-              <a:t>fnDepNode</a:t>
+              <a:t>windDirection</a:t>
             </a:r>
             <a:r>
               <a:rPr lang="en-US" sz="1400" dirty="0" smtClean="0">
@@ -25506,126 +24896,7 @@
                 </a:solidFill>
                 <a:latin typeface="Calibri" pitchFamily="34" charset="0"/>
               </a:rPr>
-              <a:t>(</a:t>
-            </a:r>
-            <a:r>
-              <a:rPr lang="en-US" sz="1400" dirty="0" err="1" smtClean="0">
-                <a:solidFill>
-                  <a:srgbClr val="FFFF00"/>
-                </a:solidFill>
-                <a:latin typeface="Calibri" pitchFamily="34" charset="0"/>
-              </a:rPr>
-              <a:t>dependNode</a:t>
-            </a:r>
-            <a:r>
-              <a:rPr lang="en-US" sz="1400" dirty="0" smtClean="0">
-                <a:solidFill>
-                  <a:srgbClr val="FFFF00"/>
-                </a:solidFill>
-                <a:latin typeface="Calibri" pitchFamily="34" charset="0"/>
-              </a:rPr>
-              <a:t>);</a:t>
-            </a:r>
-          </a:p>
-          <a:p>
-            <a:r>
-              <a:rPr lang="en-US" sz="1400" dirty="0" smtClean="0">
-                <a:solidFill>
-                  <a:srgbClr val="FFFF00"/>
-                </a:solidFill>
-                <a:latin typeface="Calibri" pitchFamily="34" charset="0"/>
-              </a:rPr>
-              <a:t>	</a:t>
-            </a:r>
-            <a:r>
-              <a:rPr lang="en-US" sz="1400" dirty="0" err="1" smtClean="0">
-                <a:solidFill>
-                  <a:srgbClr val="FFFF00"/>
-                </a:solidFill>
-                <a:latin typeface="Calibri" pitchFamily="34" charset="0"/>
-              </a:rPr>
-              <a:t>MPlug</a:t>
-            </a:r>
-            <a:r>
-              <a:rPr lang="en-US" sz="1400" dirty="0" smtClean="0">
-                <a:solidFill>
-                  <a:srgbClr val="FFFF00"/>
-                </a:solidFill>
-                <a:latin typeface="Calibri" pitchFamily="34" charset="0"/>
-              </a:rPr>
-              <a:t> </a:t>
-            </a:r>
-            <a:r>
-              <a:rPr lang="en-US" sz="1400" dirty="0" err="1" smtClean="0">
-                <a:solidFill>
-                  <a:srgbClr val="FFFF00"/>
-                </a:solidFill>
-                <a:latin typeface="Calibri" pitchFamily="34" charset="0"/>
-              </a:rPr>
-              <a:t>rotationPlug</a:t>
-            </a:r>
-            <a:r>
-              <a:rPr lang="en-US" sz="1400" dirty="0" smtClean="0">
-                <a:solidFill>
-                  <a:srgbClr val="FFFF00"/>
-                </a:solidFill>
-                <a:latin typeface="Calibri" pitchFamily="34" charset="0"/>
-              </a:rPr>
-              <a:t> = </a:t>
-            </a:r>
-            <a:r>
-              <a:rPr lang="en-US" sz="1400" dirty="0" err="1" smtClean="0">
-                <a:solidFill>
-                  <a:srgbClr val="FFFF00"/>
-                </a:solidFill>
-                <a:latin typeface="Calibri" pitchFamily="34" charset="0"/>
-              </a:rPr>
-              <a:t>fnDepNode.findPlug</a:t>
-            </a:r>
-            <a:r>
-              <a:rPr lang="en-US" sz="1400" dirty="0" smtClean="0">
-                <a:solidFill>
-                  <a:srgbClr val="FFFF00"/>
-                </a:solidFill>
-                <a:latin typeface="Calibri" pitchFamily="34" charset="0"/>
-              </a:rPr>
-              <a:t>(</a:t>
-            </a:r>
-            <a:r>
-              <a:rPr lang="en-US" sz="1400" dirty="0" err="1" smtClean="0">
-                <a:solidFill>
-                  <a:srgbClr val="FFFF00"/>
-                </a:solidFill>
-                <a:latin typeface="Calibri" pitchFamily="34" charset="0"/>
-              </a:rPr>
-              <a:t>MString</a:t>
-            </a:r>
-            <a:r>
-              <a:rPr lang="en-US" sz="1400" dirty="0" smtClean="0">
-                <a:solidFill>
-                  <a:srgbClr val="FFFF00"/>
-                </a:solidFill>
-                <a:latin typeface="Calibri" pitchFamily="34" charset="0"/>
-              </a:rPr>
-              <a:t>("</a:t>
-            </a:r>
-            <a:r>
-              <a:rPr lang="en-US" sz="1400" dirty="0" err="1" smtClean="0">
-                <a:solidFill>
-                  <a:srgbClr val="FFFF00"/>
-                </a:solidFill>
-                <a:latin typeface="Calibri" pitchFamily="34" charset="0"/>
-              </a:rPr>
-              <a:t>windDirection</a:t>
-            </a:r>
-            <a:r>
-              <a:rPr lang="en-US" sz="1400" dirty="0" smtClean="0">
-                <a:solidFill>
-                  <a:srgbClr val="FFFF00"/>
-                </a:solidFill>
-                <a:latin typeface="Calibri" pitchFamily="34" charset="0"/>
-              </a:rPr>
-              <a:t>"),&amp;status);</a:t>
+              <a:t>")</a:t>
             </a:r>
           </a:p>
           <a:p>
@@ -25653,7 +24924,7 @@
                 </a:solidFill>
                 <a:latin typeface="Calibri" pitchFamily="34" charset="0"/>
               </a:rPr>
-              <a:t>MFnDiscManip</a:t>
+              <a:t>fnDisc</a:t>
             </a:r>
             <a:r>
               <a:rPr lang="en-US" sz="1400" dirty="0" smtClean="0">
@@ -25662,7 +24933,7 @@
                 </a:solidFill>
                 <a:latin typeface="Calibri" pitchFamily="34" charset="0"/>
               </a:rPr>
-              <a:t> </a:t>
+              <a:t> = </a:t>
             </a:r>
             <a:r>
               <a:rPr lang="en-US" sz="1400" dirty="0" err="1" smtClean="0">
@@ -25671,7 +24942,7 @@
                 </a:solidFill>
                 <a:latin typeface="Calibri" pitchFamily="34" charset="0"/>
               </a:rPr>
-              <a:t>fnDisc</a:t>
+              <a:t>OpenMayaUI.MFnDiscManip</a:t>
             </a:r>
             <a:r>
               <a:rPr lang="en-US" sz="1400" dirty="0" smtClean="0">
@@ -25680,6 +24951,53 @@
                 </a:solidFill>
                 <a:latin typeface="Calibri" pitchFamily="34" charset="0"/>
               </a:rPr>
+              <a:t> (</a:t>
+            </a:r>
+            <a:r>
+              <a:rPr lang="en-US" sz="1400" dirty="0" err="1" smtClean="0">
+                <a:solidFill>
+                  <a:srgbClr val="FFFF00"/>
+                </a:solidFill>
+                <a:latin typeface="Calibri" pitchFamily="34" charset="0"/>
+              </a:rPr>
+              <a:t>fDiscManip</a:t>
+            </a:r>
+            <a:r>
+              <a:rPr lang="en-US" sz="1400" dirty="0" smtClean="0">
+                <a:solidFill>
+                  <a:srgbClr val="FFFF00"/>
+                </a:solidFill>
+                <a:latin typeface="Calibri" pitchFamily="34" charset="0"/>
+              </a:rPr>
+              <a:t>)</a:t>
+            </a:r>
+          </a:p>
+          <a:p>
+            <a:r>
+              <a:rPr lang="en-US" sz="1400" dirty="0" smtClean="0">
+                <a:solidFill>
+                  <a:srgbClr val="FFFF00"/>
+                </a:solidFill>
+                <a:latin typeface="Calibri" pitchFamily="34" charset="0"/>
+              </a:rPr>
+              <a:t>	</a:t>
+            </a:r>
+            <a:r>
+              <a:rPr lang="en-US" sz="1400" dirty="0" err="1" smtClean="0">
+                <a:solidFill>
+                  <a:srgbClr val="FFFF00"/>
+                </a:solidFill>
+                <a:latin typeface="Calibri" pitchFamily="34" charset="0"/>
+              </a:rPr>
+              <a:t>fnDisc.connectToAnglePlug</a:t>
+            </a:r>
+            <a:r>
+              <a:rPr lang="en-US" sz="1400" dirty="0" smtClean="0">
+                <a:solidFill>
+                  <a:srgbClr val="FFFF00"/>
+                </a:solidFill>
+                <a:latin typeface="Calibri" pitchFamily="34" charset="0"/>
+              </a:rPr>
               <a:t>(</a:t>
             </a:r>
             <a:r>
@@ -25689,7 +25007,7 @@
                 </a:solidFill>
                 <a:latin typeface="Calibri" pitchFamily="34" charset="0"/>
               </a:rPr>
-              <a:t>fDiscManip,&amp;status</a:t>
+              <a:t>rotationPlug</a:t>
             </a:r>
             <a:r>
               <a:rPr lang="en-US" sz="1400" dirty="0" smtClean="0">
@@ -25698,54 +25016,7 @@
                 </a:solidFill>
                 <a:latin typeface="Calibri" pitchFamily="34" charset="0"/>
               </a:rPr>
-              <a:t>);</a:t>
-            </a:r>
-          </a:p>
-          <a:p>
-            <a:r>
-              <a:rPr lang="en-US" sz="1400" dirty="0" smtClean="0">
-                <a:solidFill>
-                  <a:srgbClr val="FFFF00"/>
-                </a:solidFill>
-                <a:latin typeface="Calibri" pitchFamily="34" charset="0"/>
-              </a:rPr>
-              <a:t>	status = </a:t>
-            </a:r>
-            <a:r>
-              <a:rPr lang="en-US" sz="1400" dirty="0" err="1" smtClean="0">
-                <a:solidFill>
-                  <a:srgbClr val="FFFF00"/>
-                </a:solidFill>
-                <a:latin typeface="Calibri" pitchFamily="34" charset="0"/>
-              </a:rPr>
-              <a:t>fnDisc.connectToAnglePlug</a:t>
-            </a:r>
-            <a:r>
-              <a:rPr lang="en-US" sz="1400" dirty="0" smtClean="0">
-                <a:solidFill>
-                  <a:srgbClr val="FFFF00"/>
-                </a:solidFill>
-                <a:latin typeface="Calibri" pitchFamily="34" charset="0"/>
-              </a:rPr>
-              <a:t>(</a:t>
-            </a:r>
-            <a:r>
-              <a:rPr lang="en-US" sz="1400" dirty="0" err="1" smtClean="0">
-                <a:solidFill>
-                  <a:srgbClr val="FFFF00"/>
-                </a:solidFill>
-                <a:latin typeface="Calibri" pitchFamily="34" charset="0"/>
-              </a:rPr>
-              <a:t>rotationPlug</a:t>
-            </a:r>
-            <a:r>
-              <a:rPr lang="en-US" sz="1400" dirty="0" smtClean="0">
-                <a:solidFill>
-                  <a:srgbClr val="FFFF00"/>
-                </a:solidFill>
-                <a:latin typeface="Calibri" pitchFamily="34" charset="0"/>
-              </a:rPr>
-              <a:t>);</a:t>
+              <a:t>)</a:t>
             </a:r>
           </a:p>
           <a:p>
@@ -25757,6 +25028,98 @@
             </a:endParaRPr>
           </a:p>
           <a:p>
+            <a:r>
+              <a:rPr lang="en-US" sz="1400" dirty="0" smtClean="0">
+                <a:solidFill>
+                  <a:srgbClr val="FFFF00"/>
+                </a:solidFill>
+                <a:latin typeface="Calibri" pitchFamily="34" charset="0"/>
+              </a:rPr>
+              <a:t>	</a:t>
+            </a:r>
+            <a:r>
+              <a:rPr lang="en-US" sz="1400" dirty="0" err="1" smtClean="0">
+                <a:solidFill>
+                  <a:srgbClr val="FFFF00"/>
+                </a:solidFill>
+                <a:latin typeface="Calibri" pitchFamily="34" charset="0"/>
+              </a:rPr>
+              <a:t>centerPointIndex</a:t>
+            </a:r>
+            <a:r>
+              <a:rPr lang="en-US" sz="1400" dirty="0" smtClean="0">
+                <a:solidFill>
+                  <a:srgbClr val="FFFF00"/>
+                </a:solidFill>
+                <a:latin typeface="Calibri" pitchFamily="34" charset="0"/>
+              </a:rPr>
+              <a:t> = </a:t>
+            </a:r>
+            <a:r>
+              <a:rPr lang="en-US" sz="1400" dirty="0" err="1" smtClean="0">
+                <a:solidFill>
+                  <a:srgbClr val="FFFF00"/>
+                </a:solidFill>
+                <a:latin typeface="Calibri" pitchFamily="34" charset="0"/>
+              </a:rPr>
+              <a:t>fnDisc.centerIndex</a:t>
+            </a:r>
+            <a:r>
+              <a:rPr lang="en-US" sz="1400" dirty="0" smtClean="0">
+                <a:solidFill>
+                  <a:srgbClr val="FFFF00"/>
+                </a:solidFill>
+                <a:latin typeface="Calibri" pitchFamily="34" charset="0"/>
+              </a:rPr>
+              <a:t>()</a:t>
+            </a:r>
+          </a:p>
+          <a:p>
+            <a:r>
+              <a:rPr lang="en-US" sz="1400" dirty="0" smtClean="0">
+                <a:solidFill>
+                  <a:srgbClr val="FFFF00"/>
+                </a:solidFill>
+                <a:latin typeface="Calibri" pitchFamily="34" charset="0"/>
+              </a:rPr>
+              <a:t>	</a:t>
+            </a:r>
+            <a:r>
+              <a:rPr lang="en-US" sz="1400" dirty="0" err="1" smtClean="0">
+                <a:solidFill>
+                  <a:srgbClr val="FFFF00"/>
+                </a:solidFill>
+                <a:latin typeface="Calibri" pitchFamily="34" charset="0"/>
+              </a:rPr>
+              <a:t>OpenMayaMPx.MPxManipulatorNode.addPlugToManipConversion</a:t>
+            </a:r>
+            <a:r>
+              <a:rPr lang="en-US" sz="1400" dirty="0" smtClean="0">
+                <a:solidFill>
+                  <a:srgbClr val="FFFF00"/>
+                </a:solidFill>
+                <a:latin typeface="Calibri" pitchFamily="34" charset="0"/>
+              </a:rPr>
+              <a:t> (</a:t>
+            </a:r>
+            <a:r>
+              <a:rPr lang="en-US" sz="1400" dirty="0" err="1" smtClean="0">
+                <a:solidFill>
+                  <a:srgbClr val="FFFF00"/>
+                </a:solidFill>
+                <a:latin typeface="Calibri" pitchFamily="34" charset="0"/>
+              </a:rPr>
+              <a:t>centerPointIndex</a:t>
+            </a:r>
+            <a:r>
+              <a:rPr lang="en-US" sz="1400" dirty="0" smtClean="0">
+                <a:solidFill>
+                  <a:srgbClr val="FFFF00"/>
+                </a:solidFill>
+                <a:latin typeface="Calibri" pitchFamily="34" charset="0"/>
+              </a:rPr>
+              <a:t>)</a:t>
+            </a:r>
             <a:endParaRPr lang="en-US" sz="1400" dirty="0" smtClean="0">
               <a:solidFill>
                 <a:srgbClr val="FFFF00"/>
@@ -25772,196 +25135,16 @@
                 </a:solidFill>
                 <a:latin typeface="Calibri" pitchFamily="34" charset="0"/>
               </a:rPr>
-              <a:t>	unsigned </a:t>
-            </a:r>
-            <a:r>
-              <a:rPr lang="en-US" sz="1400" dirty="0" err="1" smtClean="0">
-                <a:solidFill>
-                  <a:srgbClr val="FFFF00"/>
-                </a:solidFill>
-                <a:latin typeface="Calibri" pitchFamily="34" charset="0"/>
-              </a:rPr>
-              <a:t>int</a:t>
-            </a:r>
-            <a:r>
-              <a:rPr lang="en-US" sz="1400" dirty="0" smtClean="0">
-                <a:solidFill>
-                  <a:srgbClr val="FFFF00"/>
-                </a:solidFill>
-                <a:latin typeface="Calibri" pitchFamily="34" charset="0"/>
-              </a:rPr>
-              <a:t> </a:t>
-            </a:r>
-            <a:r>
-              <a:rPr lang="en-US" sz="1400" dirty="0" err="1" smtClean="0">
-                <a:solidFill>
-                  <a:srgbClr val="FFFF00"/>
-                </a:solidFill>
-                <a:latin typeface="Calibri" pitchFamily="34" charset="0"/>
-              </a:rPr>
-              <a:t>centerPointIndex</a:t>
-            </a:r>
-            <a:r>
-              <a:rPr lang="en-US" sz="1400" dirty="0" smtClean="0">
-                <a:solidFill>
-                  <a:srgbClr val="FFFF00"/>
-                </a:solidFill>
-                <a:latin typeface="Calibri" pitchFamily="34" charset="0"/>
-              </a:rPr>
-              <a:t> = </a:t>
-            </a:r>
-            <a:r>
-              <a:rPr lang="en-US" sz="1400" dirty="0" err="1" smtClean="0">
-                <a:solidFill>
-                  <a:srgbClr val="FFFF00"/>
-                </a:solidFill>
-                <a:latin typeface="Calibri" pitchFamily="34" charset="0"/>
-              </a:rPr>
-              <a:t>fnDisc.centerIndex</a:t>
-            </a:r>
-            <a:r>
-              <a:rPr lang="en-US" sz="1400" dirty="0" smtClean="0">
-                <a:solidFill>
-                  <a:srgbClr val="FFFF00"/>
-                </a:solidFill>
-                <a:latin typeface="Calibri" pitchFamily="34" charset="0"/>
-              </a:rPr>
-              <a:t>(&amp;status);</a:t>
-            </a:r>
-          </a:p>
-          <a:p>
-            <a:r>
-              <a:rPr lang="en-US" sz="1400" dirty="0" smtClean="0">
-                <a:solidFill>
-                  <a:srgbClr val="FFFF00"/>
-                </a:solidFill>
-                <a:latin typeface="Calibri" pitchFamily="34" charset="0"/>
-              </a:rPr>
-              <a:t>	</a:t>
-            </a:r>
-            <a:r>
-              <a:rPr lang="en-US" sz="1400" dirty="0" err="1" smtClean="0">
-                <a:solidFill>
-                  <a:srgbClr val="FFFF00"/>
-                </a:solidFill>
-                <a:latin typeface="Calibri" pitchFamily="34" charset="0"/>
-              </a:rPr>
-              <a:t>addPlugToManipConversionCallback</a:t>
-            </a:r>
-            <a:r>
-              <a:rPr lang="en-US" sz="1400" dirty="0" smtClean="0">
-                <a:solidFill>
-                  <a:srgbClr val="FFFF00"/>
-                </a:solidFill>
-                <a:latin typeface="Calibri" pitchFamily="34" charset="0"/>
-              </a:rPr>
-              <a:t>(</a:t>
-            </a:r>
-            <a:r>
-              <a:rPr lang="en-US" sz="1400" dirty="0" err="1" smtClean="0">
-                <a:solidFill>
-                  <a:srgbClr val="FFFF00"/>
-                </a:solidFill>
-                <a:latin typeface="Calibri" pitchFamily="34" charset="0"/>
-              </a:rPr>
-              <a:t>centerPointIndex</a:t>
-            </a:r>
-            <a:r>
-              <a:rPr lang="en-US" sz="1400" dirty="0" smtClean="0">
-                <a:solidFill>
-                  <a:srgbClr val="FFFF00"/>
-                </a:solidFill>
-                <a:latin typeface="Calibri" pitchFamily="34" charset="0"/>
-              </a:rPr>
-              <a:t>,</a:t>
-            </a:r>
-          </a:p>
-          <a:p>
-            <a:r>
-              <a:rPr lang="en-US" sz="1400" dirty="0" smtClean="0">
-                <a:solidFill>
-                  <a:srgbClr val="FFFF00"/>
-                </a:solidFill>
-                <a:latin typeface="Calibri" pitchFamily="34" charset="0"/>
-              </a:rPr>
-              <a:t>	(</a:t>
-            </a:r>
-            <a:r>
-              <a:rPr lang="en-US" sz="1400" dirty="0" err="1" smtClean="0">
-                <a:solidFill>
-                  <a:srgbClr val="FFFF00"/>
-                </a:solidFill>
-                <a:latin typeface="Calibri" pitchFamily="34" charset="0"/>
-              </a:rPr>
-              <a:t>plugToManipConversionCallback</a:t>
-            </a:r>
-            <a:r>
-              <a:rPr lang="en-US" sz="1400" dirty="0" smtClean="0">
-                <a:solidFill>
-                  <a:srgbClr val="FFFF00"/>
-                </a:solidFill>
-                <a:latin typeface="Calibri" pitchFamily="34" charset="0"/>
-              </a:rPr>
-              <a:t>)&amp;</a:t>
-            </a:r>
-            <a:r>
-              <a:rPr lang="en-US" sz="1400" dirty="0" err="1" smtClean="0">
-                <a:solidFill>
-                  <a:srgbClr val="FFFF00"/>
-                </a:solidFill>
-                <a:latin typeface="Calibri" pitchFamily="34" charset="0"/>
-              </a:rPr>
-              <a:t>arrowLocatorManip</a:t>
-            </a:r>
-            <a:r>
-              <a:rPr lang="en-US" sz="1400" dirty="0" smtClean="0">
-                <a:solidFill>
-                  <a:srgbClr val="FFFF00"/>
-                </a:solidFill>
-                <a:latin typeface="Calibri" pitchFamily="34" charset="0"/>
-              </a:rPr>
-              <a:t>::</a:t>
-            </a:r>
-            <a:r>
-              <a:rPr lang="en-US" sz="1400" dirty="0" err="1" smtClean="0">
-                <a:solidFill>
-                  <a:srgbClr val="FFFF00"/>
-                </a:solidFill>
-                <a:latin typeface="Calibri" pitchFamily="34" charset="0"/>
-              </a:rPr>
-              <a:t>centerPointCallback</a:t>
-            </a:r>
-            <a:r>
-              <a:rPr lang="en-US" sz="1400" dirty="0" smtClean="0">
-                <a:solidFill>
-                  <a:srgbClr val="FFFF00"/>
-                </a:solidFill>
-                <a:latin typeface="Calibri" pitchFamily="34" charset="0"/>
-              </a:rPr>
-              <a:t>);</a:t>
-            </a:r>
-          </a:p>
-          <a:p>
-            <a:r>
-              <a:rPr lang="en-US" sz="1400" dirty="0" smtClean="0">
-                <a:solidFill>
-                  <a:srgbClr val="FFFF00"/>
-                </a:solidFill>
-                <a:latin typeface="Calibri" pitchFamily="34" charset="0"/>
-              </a:rPr>
               <a:t>         ….</a:t>
             </a:r>
           </a:p>
           <a:p>
-            <a:r>
-              <a:rPr lang="en-US" sz="1400" dirty="0" smtClean="0">
-                <a:solidFill>
-                  <a:srgbClr val="FFFF00"/>
-                </a:solidFill>
-                <a:latin typeface="Calibri" pitchFamily="34" charset="0"/>
-              </a:rPr>
-              <a:t>}</a:t>
-            </a:r>
+            <a:endParaRPr lang="en-US" sz="1400" dirty="0" smtClean="0">
+              <a:solidFill>
+                <a:srgbClr val="FFFF00"/>
+              </a:solidFill>
+              <a:latin typeface="Calibri" pitchFamily="34" charset="0"/>
+            </a:endParaRPr>
           </a:p>
         </p:txBody>
       </p:sp>
@@ -25975,47 +25158,8 @@
         </p:nvSpPr>
         <p:spPr bwMode="auto">
           <a:xfrm>
-            <a:off x="3124200" y="4114800"/>
-            <a:ext cx="1295400" cy="330587"/>
-          </a:xfrm>
-          <a:prstGeom prst="roundRect">
-            <a:avLst>
-              <a:gd name="adj" fmla="val 16667"/>
-            </a:avLst>
-          </a:prstGeom>
-          <a:noFill/>
-          <a:ln w="28575">
-            <a:solidFill>
-              <a:schemeClr val="accent2"/>
-            </a:solidFill>
-            <a:round/>
-            <a:headEnd/>
-            <a:tailEnd/>
-          </a:ln>
-          <a:effectLst/>
-        </p:spPr>
-        <p:txBody>
-          <a:bodyPr wrap="square" lIns="82550" tIns="41275" rIns="82550" bIns="41275" anchor="ctr">
-            <a:spAutoFit/>
-          </a:bodyPr>
-          <a:lstStyle/>
-          <a:p>
-            <a:endParaRPr lang="en-US" sz="1400" dirty="0" smtClean="0"/>
-          </a:p>
-        </p:txBody>
-      </p:sp>
-      <p:sp>
-        <p:nvSpPr>
-          <p:cNvPr id="5" name="AutoShape 7"/>
-          <p:cNvSpPr>
-            <a:spLocks noChangeArrowheads="1"/>
-          </p:cNvSpPr>
-          <p:nvPr/>
-        </p:nvSpPr>
-        <p:spPr bwMode="auto">
-          <a:xfrm>
-            <a:off x="2971800" y="4432493"/>
-            <a:ext cx="3200400" cy="330587"/>
+            <a:off x="5372100" y="3873306"/>
+            <a:ext cx="1485900" cy="330587"/>
           </a:xfrm>
           <a:prstGeom prst="roundRect">
             <a:avLst>
@@ -26112,59 +25256,6 @@
                       </p:childTnLst>
                     </p:cTn>
                   </p:par>
-                  <p:par>
-                    <p:cTn id="8" fill="hold">
-                      <p:stCondLst>
-                        <p:cond delay="indefinite"/>
-                      </p:stCondLst>
-                      <p:childTnLst>
-                        <p:par>
-                          <p:cTn id="9" fill="hold">
-                            <p:stCondLst>
-                              <p:cond delay="0"/>
-                            </p:stCondLst>
-                            <p:childTnLst>
-                              <p:par>
-                                <p:cTn id="10" presetID="3" presetClass="entr" presetSubtype="10" fill="hold" grpId="0" nodeType="clickEffect">
-                                  <p:stCondLst>
-                                    <p:cond delay="0"/>
-                                  </p:stCondLst>
-                                  <p:childTnLst>
-                                    <p:set>
-                                      <p:cBhvr>
-                                        <p:cTn id="11" dur="1" fill="hold">
-                                          <p:stCondLst>
-                                            <p:cond delay="0"/>
-                                          </p:stCondLst>
-                                        </p:cTn>
-                                        <p:tgtEl>
-                                          <p:spTgt spid="5"/>
-                                        </p:tgtEl>
-                                        <p:attrNameLst>
-                                          <p:attrName>style.visibility</p:attrName>
-                                        </p:attrNameLst>
-                                      </p:cBhvr>
-                                      <p:to>
-                                        <p:strVal val="visible"/>
-                                      </p:to>
-                                    </p:set>
-                                    <p:animEffect transition="in" filter="blinds(horizontal)">
-                                      <p:cBhvr>
-                                        <p:cTn id="12" dur="500"/>
-                                        <p:tgtEl>
-                                          <p:spTgt spid="5"/>
-                                        </p:tgtEl>
-                                      </p:cBhvr>
-                                    </p:animEffect>
-                                  </p:childTnLst>
-                                </p:cTn>
-                              </p:par>
-                            </p:childTnLst>
-                          </p:cTn>
-                        </p:par>
-                      </p:childTnLst>
-                    </p:cTn>
-                  </p:par>
                 </p:childTnLst>
               </p:cTn>
               <p:prevCondLst>
@@ -26188,7 +25279,6 @@
     </p:tnLst>
     <p:bldLst>
       <p:bldP spid="4" grpId="0" animBg="1"/>
-      <p:bldP spid="5" grpId="0" animBg="1"/>
     </p:bldLst>
   </p:timing>
 </p:sld>
@@ -26228,7 +25318,7 @@
           <a:p>
             <a:r>
               <a:rPr lang="en-US" dirty="0" err="1" smtClean="0"/>
-              <a:t>Example:arrowLocatorManip</a:t>
+              <a:t>Example:arrowLocatorManip.py</a:t>
             </a:r>
             <a:endParaRPr lang="en-US" dirty="0"/>
           </a:p>
@@ -26250,13 +25340,22 @@
           <a:lstStyle/>
           <a:p>
             <a:r>
+              <a:rPr lang="en-US" sz="1400" dirty="0" smtClean="0">
+                <a:solidFill>
+                  <a:srgbClr val="FFFF00"/>
+                </a:solidFill>
+                <a:latin typeface="Calibri" pitchFamily="34" charset="0"/>
+              </a:rPr>
+              <a:t>def </a:t>
+            </a:r>
+            <a:r>
               <a:rPr lang="en-US" sz="1400" dirty="0" err="1" smtClean="0">
                 <a:solidFill>
                   <a:srgbClr val="FFFF00"/>
                 </a:solidFill>
                 <a:latin typeface="Calibri" pitchFamily="34" charset="0"/>
               </a:rPr>
-              <a:t>MManipData</a:t>
+              <a:t>plugToManipConversion</a:t>
             </a:r>
             <a:r>
               <a:rPr lang="en-US" sz="1400" dirty="0" smtClean="0">
@@ -26265,7 +25364,7 @@
                 </a:solidFill>
                 <a:latin typeface="Calibri" pitchFamily="34" charset="0"/>
               </a:rPr>
-              <a:t> </a:t>
+              <a:t>( self, </a:t>
             </a:r>
             <a:r>
               <a:rPr lang="en-US" sz="1400" dirty="0" err="1" smtClean="0">
@@ -26274,7 +25373,7 @@
                 </a:solidFill>
                 <a:latin typeface="Calibri" pitchFamily="34" charset="0"/>
               </a:rPr>
-              <a:t>arrowLocatorManip</a:t>
+              <a:t>manipIndex</a:t>
             </a:r>
             <a:r>
               <a:rPr lang="en-US" sz="1400" dirty="0" smtClean="0">
@@ -26283,7 +25382,40 @@
                 </a:solidFill>
                 <a:latin typeface="Calibri" pitchFamily="34" charset="0"/>
               </a:rPr>
-              <a:t>::</a:t>
+              <a:t> ):</a:t>
+            </a:r>
+          </a:p>
+          <a:p>
+            <a:r>
+              <a:rPr lang="en-US" sz="1400" dirty="0" smtClean="0">
+                <a:solidFill>
+                  <a:srgbClr val="FFFF00"/>
+                </a:solidFill>
+                <a:latin typeface="Calibri" pitchFamily="34" charset="0"/>
+              </a:rPr>
+              <a:t>	try:</a:t>
+            </a:r>
+          </a:p>
+          <a:p>
+            <a:r>
+              <a:rPr lang="en-US" sz="1400" dirty="0" smtClean="0">
+                <a:solidFill>
+                  <a:srgbClr val="FFFF00"/>
+                </a:solidFill>
+                <a:latin typeface="Calibri" pitchFamily="34" charset="0"/>
+              </a:rPr>
+              <a:t>		#Get parent transform node of the locator node</a:t>
+            </a:r>
+          </a:p>
+          <a:p>
+            <a:r>
+              <a:rPr lang="en-US" sz="1400" dirty="0" smtClean="0">
+                <a:solidFill>
+                  <a:srgbClr val="FFFF00"/>
+                </a:solidFill>
+                <a:latin typeface="Calibri" pitchFamily="34" charset="0"/>
+              </a:rPr>
+              <a:t>		</a:t>
             </a:r>
             <a:r>
               <a:rPr lang="en-US" sz="1400" dirty="0" err="1" smtClean="0">
@@ -26292,7 +25424,7 @@
                 </a:solidFill>
                 <a:latin typeface="Calibri" pitchFamily="34" charset="0"/>
               </a:rPr>
-              <a:t>centerPointCallback</a:t>
+              <a:t>parentTransform</a:t>
             </a:r>
             <a:r>
               <a:rPr lang="en-US" sz="1400" dirty="0" smtClean="0">
@@ -26301,7 +25433,7 @@
                 </a:solidFill>
                 <a:latin typeface="Calibri" pitchFamily="34" charset="0"/>
               </a:rPr>
-              <a:t>(unsigned </a:t>
+              <a:t> = </a:t>
             </a:r>
             <a:r>
               <a:rPr lang="en-US" sz="1400" dirty="0" err="1" smtClean="0">
@@ -26310,7 +25442,7 @@
                 </a:solidFill>
                 <a:latin typeface="Calibri" pitchFamily="34" charset="0"/>
               </a:rPr>
-              <a:t>int</a:t>
+              <a:t>self.fNodePath.transform</a:t>
             </a:r>
             <a:r>
               <a:rPr lang="en-US" sz="1400" dirty="0" smtClean="0">
@@ -26319,7 +25451,29 @@
                 </a:solidFill>
                 <a:latin typeface="Calibri" pitchFamily="34" charset="0"/>
               </a:rPr>
-              <a:t> </a:t>
+              <a:t>()</a:t>
+            </a:r>
+          </a:p>
+          <a:p>
+            <a:r>
+              <a:rPr lang="en-US" sz="1400" dirty="0" smtClean="0">
+                <a:solidFill>
+                  <a:srgbClr val="FFFF00"/>
+                </a:solidFill>
+                <a:latin typeface="Calibri" pitchFamily="34" charset="0"/>
+              </a:rPr>
+              <a:t>		#Get the transform node DAG path</a:t>
+            </a:r>
+          </a:p>
+          <a:p>
+            <a:r>
+              <a:rPr lang="en-US" sz="1400" dirty="0" smtClean="0">
+                <a:solidFill>
+                  <a:srgbClr val="FFFF00"/>
+                </a:solidFill>
+                <a:latin typeface="Calibri" pitchFamily="34" charset="0"/>
+              </a:rPr>
+              <a:t>		</a:t>
             </a:r>
             <a:r>
               <a:rPr lang="en-US" sz="1400" dirty="0" err="1" smtClean="0">
@@ -26328,7 +25482,7 @@
                 </a:solidFill>
                 <a:latin typeface="Calibri" pitchFamily="34" charset="0"/>
               </a:rPr>
-              <a:t>manipIndex</a:t>
+              <a:t>transformPath</a:t>
             </a:r>
             <a:r>
               <a:rPr lang="en-US" sz="1400" dirty="0" smtClean="0">
@@ -26337,6 +25491,71 @@
                 </a:solidFill>
                 <a:latin typeface="Calibri" pitchFamily="34" charset="0"/>
               </a:rPr>
+              <a:t> = </a:t>
+            </a:r>
+            <a:r>
+              <a:rPr lang="en-US" sz="1400" dirty="0" err="1" smtClean="0">
+                <a:solidFill>
+                  <a:srgbClr val="FFFF00"/>
+                </a:solidFill>
+                <a:latin typeface="Calibri" pitchFamily="34" charset="0"/>
+              </a:rPr>
+              <a:t>OpenMaya.MDagPath</a:t>
+            </a:r>
+            <a:r>
+              <a:rPr lang="en-US" sz="1400" dirty="0" smtClean="0">
+                <a:solidFill>
+                  <a:srgbClr val="FFFF00"/>
+                </a:solidFill>
+                <a:latin typeface="Calibri" pitchFamily="34" charset="0"/>
+              </a:rPr>
+              <a:t>()</a:t>
+            </a:r>
+          </a:p>
+          <a:p>
+            <a:r>
+              <a:rPr lang="en-US" sz="1400" dirty="0" smtClean="0">
+                <a:solidFill>
+                  <a:srgbClr val="FFFF00"/>
+                </a:solidFill>
+                <a:latin typeface="Calibri" pitchFamily="34" charset="0"/>
+              </a:rPr>
+              <a:t>		</a:t>
+            </a:r>
+            <a:r>
+              <a:rPr lang="en-US" sz="1400" dirty="0" err="1" smtClean="0">
+                <a:solidFill>
+                  <a:srgbClr val="FFFF00"/>
+                </a:solidFill>
+                <a:latin typeface="Calibri" pitchFamily="34" charset="0"/>
+              </a:rPr>
+              <a:t>OpenMaya.MDagPath.getAPathTo</a:t>
+            </a:r>
+            <a:r>
+              <a:rPr lang="en-US" sz="1400" dirty="0" smtClean="0">
+                <a:solidFill>
+                  <a:srgbClr val="FFFF00"/>
+                </a:solidFill>
+                <a:latin typeface="Calibri" pitchFamily="34" charset="0"/>
+              </a:rPr>
+              <a:t>(</a:t>
+            </a:r>
+            <a:r>
+              <a:rPr lang="en-US" sz="1400" dirty="0" err="1" smtClean="0">
+                <a:solidFill>
+                  <a:srgbClr val="FFFF00"/>
+                </a:solidFill>
+                <a:latin typeface="Calibri" pitchFamily="34" charset="0"/>
+              </a:rPr>
+              <a:t>parentTransform,transformPath</a:t>
+            </a:r>
+            <a:r>
+              <a:rPr lang="en-US" sz="1400" dirty="0" smtClean="0">
+                <a:solidFill>
+                  <a:srgbClr val="FFFF00"/>
+                </a:solidFill>
+                <a:latin typeface="Calibri" pitchFamily="34" charset="0"/>
+              </a:rPr>
               <a:t>)</a:t>
             </a:r>
           </a:p>
@@ -26348,7 +25567,7 @@
                 </a:solidFill>
                 <a:latin typeface="Calibri" pitchFamily="34" charset="0"/>
               </a:rPr>
-              <a:t>{</a:t>
+              <a:t>		#Retrieve world space translation</a:t>
             </a:r>
           </a:p>
           <a:p>
@@ -26359,7 +25578,7 @@
                 </a:solidFill>
                 <a:latin typeface="Calibri" pitchFamily="34" charset="0"/>
               </a:rPr>
-              <a:t>	</a:t>
+              <a:t>		</a:t>
             </a:r>
             <a:r>
               <a:rPr lang="en-US" sz="1400" dirty="0" err="1" smtClean="0">
@@ -26368,7 +25587,7 @@
                 </a:solidFill>
                 <a:latin typeface="Calibri" pitchFamily="34" charset="0"/>
               </a:rPr>
-              <a:t>MStatus</a:t>
+              <a:t>fnTrans</a:t>
             </a:r>
             <a:r>
               <a:rPr lang="en-US" sz="1400" dirty="0" smtClean="0">
@@ -26377,10 +25596,397 @@
                 </a:solidFill>
                 <a:latin typeface="Calibri" pitchFamily="34" charset="0"/>
               </a:rPr>
-              <a:t> status;</a:t>
-            </a:r>
-          </a:p>
-          <a:p>
+              <a:t> = </a:t>
+            </a:r>
+            <a:r>
+              <a:rPr lang="en-US" sz="1400" dirty="0" err="1" smtClean="0">
+                <a:solidFill>
+                  <a:srgbClr val="FFFF00"/>
+                </a:solidFill>
+                <a:latin typeface="Calibri" pitchFamily="34" charset="0"/>
+              </a:rPr>
+              <a:t>OpenMaya.MFnTransform</a:t>
+            </a:r>
+            <a:r>
+              <a:rPr lang="en-US" sz="1400" dirty="0" smtClean="0">
+                <a:solidFill>
+                  <a:srgbClr val="FFFF00"/>
+                </a:solidFill>
+                <a:latin typeface="Calibri" pitchFamily="34" charset="0"/>
+              </a:rPr>
+              <a:t>(</a:t>
+            </a:r>
+            <a:r>
+              <a:rPr lang="en-US" sz="1400" dirty="0" err="1" smtClean="0">
+                <a:solidFill>
+                  <a:srgbClr val="FFFF00"/>
+                </a:solidFill>
+                <a:latin typeface="Calibri" pitchFamily="34" charset="0"/>
+              </a:rPr>
+              <a:t>transformPath</a:t>
+            </a:r>
+            <a:r>
+              <a:rPr lang="en-US" sz="1400" dirty="0" smtClean="0">
+                <a:solidFill>
+                  <a:srgbClr val="FFFF00"/>
+                </a:solidFill>
+                <a:latin typeface="Calibri" pitchFamily="34" charset="0"/>
+              </a:rPr>
+              <a:t>)</a:t>
+            </a:r>
+          </a:p>
+          <a:p>
+            <a:r>
+              <a:rPr lang="en-US" sz="1400" dirty="0" smtClean="0">
+                <a:solidFill>
+                  <a:srgbClr val="FFFF00"/>
+                </a:solidFill>
+                <a:latin typeface="Calibri" pitchFamily="34" charset="0"/>
+              </a:rPr>
+              <a:t>		translation = </a:t>
+            </a:r>
+            <a:r>
+              <a:rPr lang="en-US" sz="1400" dirty="0" err="1" smtClean="0">
+                <a:solidFill>
+                  <a:srgbClr val="FFFF00"/>
+                </a:solidFill>
+                <a:latin typeface="Calibri" pitchFamily="34" charset="0"/>
+              </a:rPr>
+              <a:t>OpenMaya.MVector</a:t>
+            </a:r>
+            <a:r>
+              <a:rPr lang="en-US" sz="1400" dirty="0" smtClean="0">
+                <a:solidFill>
+                  <a:srgbClr val="FFFF00"/>
+                </a:solidFill>
+                <a:latin typeface="Calibri" pitchFamily="34" charset="0"/>
+              </a:rPr>
+              <a:t>()</a:t>
+            </a:r>
+          </a:p>
+          <a:p>
+            <a:r>
+              <a:rPr lang="en-US" sz="1400" dirty="0" smtClean="0">
+                <a:solidFill>
+                  <a:srgbClr val="FFFF00"/>
+                </a:solidFill>
+                <a:latin typeface="Calibri" pitchFamily="34" charset="0"/>
+              </a:rPr>
+              <a:t>		translation = </a:t>
+            </a:r>
+            <a:r>
+              <a:rPr lang="en-US" sz="1400" dirty="0" err="1" smtClean="0">
+                <a:solidFill>
+                  <a:srgbClr val="FFFF00"/>
+                </a:solidFill>
+                <a:latin typeface="Calibri" pitchFamily="34" charset="0"/>
+              </a:rPr>
+              <a:t>fnTrans.getTranslation</a:t>
+            </a:r>
+            <a:r>
+              <a:rPr lang="en-US" sz="1400" dirty="0" smtClean="0">
+                <a:solidFill>
+                  <a:srgbClr val="FFFF00"/>
+                </a:solidFill>
+                <a:latin typeface="Calibri" pitchFamily="34" charset="0"/>
+              </a:rPr>
+              <a:t>(</a:t>
+            </a:r>
+            <a:r>
+              <a:rPr lang="en-US" sz="1400" dirty="0" err="1" smtClean="0">
+                <a:solidFill>
+                  <a:srgbClr val="FFFF00"/>
+                </a:solidFill>
+                <a:latin typeface="Calibri" pitchFamily="34" charset="0"/>
+              </a:rPr>
+              <a:t>OpenMaya.MSpace.kWorld</a:t>
+            </a:r>
+            <a:r>
+              <a:rPr lang="en-US" sz="1400" dirty="0" smtClean="0">
+                <a:solidFill>
+                  <a:srgbClr val="FFFF00"/>
+                </a:solidFill>
+                <a:latin typeface="Calibri" pitchFamily="34" charset="0"/>
+              </a:rPr>
+              <a:t>)</a:t>
+            </a:r>
+          </a:p>
+          <a:p>
+            <a:r>
+              <a:rPr lang="en-US" sz="1400" dirty="0" smtClean="0">
+                <a:solidFill>
+                  <a:srgbClr val="FFFF00"/>
+                </a:solidFill>
+                <a:latin typeface="Calibri" pitchFamily="34" charset="0"/>
+              </a:rPr>
+              <a:t>		</a:t>
+            </a:r>
+            <a:r>
+              <a:rPr lang="en-US" sz="1400" dirty="0" err="1" smtClean="0">
+                <a:solidFill>
+                  <a:srgbClr val="FFFF00"/>
+                </a:solidFill>
+                <a:latin typeface="Calibri" pitchFamily="34" charset="0"/>
+              </a:rPr>
+              <a:t>numData</a:t>
+            </a:r>
+            <a:r>
+              <a:rPr lang="en-US" sz="1400" dirty="0" smtClean="0">
+                <a:solidFill>
+                  <a:srgbClr val="FFFF00"/>
+                </a:solidFill>
+                <a:latin typeface="Calibri" pitchFamily="34" charset="0"/>
+              </a:rPr>
+              <a:t> = </a:t>
+            </a:r>
+            <a:r>
+              <a:rPr lang="en-US" sz="1400" dirty="0" err="1" smtClean="0">
+                <a:solidFill>
+                  <a:srgbClr val="FFFF00"/>
+                </a:solidFill>
+                <a:latin typeface="Calibri" pitchFamily="34" charset="0"/>
+              </a:rPr>
+              <a:t>OpenMaya.MFnNumericData</a:t>
+            </a:r>
+            <a:r>
+              <a:rPr lang="en-US" sz="1400" dirty="0" smtClean="0">
+                <a:solidFill>
+                  <a:srgbClr val="FFFF00"/>
+                </a:solidFill>
+                <a:latin typeface="Calibri" pitchFamily="34" charset="0"/>
+              </a:rPr>
+              <a:t>()</a:t>
+            </a:r>
+          </a:p>
+          <a:p>
+            <a:r>
+              <a:rPr lang="en-US" sz="1400" dirty="0" smtClean="0">
+                <a:solidFill>
+                  <a:srgbClr val="FFFF00"/>
+                </a:solidFill>
+                <a:latin typeface="Calibri" pitchFamily="34" charset="0"/>
+              </a:rPr>
+              <a:t>		</a:t>
+            </a:r>
+            <a:r>
+              <a:rPr lang="en-US" sz="1400" dirty="0" err="1" smtClean="0">
+                <a:solidFill>
+                  <a:srgbClr val="FFFF00"/>
+                </a:solidFill>
+                <a:latin typeface="Calibri" pitchFamily="34" charset="0"/>
+              </a:rPr>
+              <a:t>numDataValue</a:t>
+            </a:r>
+            <a:r>
+              <a:rPr lang="en-US" sz="1400" dirty="0" smtClean="0">
+                <a:solidFill>
+                  <a:srgbClr val="FFFF00"/>
+                </a:solidFill>
+                <a:latin typeface="Calibri" pitchFamily="34" charset="0"/>
+              </a:rPr>
+              <a:t> = </a:t>
+            </a:r>
+            <a:r>
+              <a:rPr lang="en-US" sz="1400" dirty="0" err="1" smtClean="0">
+                <a:solidFill>
+                  <a:srgbClr val="FFFF00"/>
+                </a:solidFill>
+                <a:latin typeface="Calibri" pitchFamily="34" charset="0"/>
+              </a:rPr>
+              <a:t>numData.create</a:t>
+            </a:r>
+            <a:r>
+              <a:rPr lang="en-US" sz="1400" dirty="0" smtClean="0">
+                <a:solidFill>
+                  <a:srgbClr val="FFFF00"/>
+                </a:solidFill>
+                <a:latin typeface="Calibri" pitchFamily="34" charset="0"/>
+              </a:rPr>
+              <a:t>(OpenMaya.MFnNumericData.k3Double)</a:t>
+            </a:r>
+          </a:p>
+          <a:p>
+            <a:r>
+              <a:rPr lang="en-US" sz="1400" dirty="0" smtClean="0">
+                <a:solidFill>
+                  <a:srgbClr val="FFFF00"/>
+                </a:solidFill>
+                <a:latin typeface="Calibri" pitchFamily="34" charset="0"/>
+              </a:rPr>
+              <a:t>		status = numData.setData3Double(</a:t>
+            </a:r>
+            <a:r>
+              <a:rPr lang="en-US" sz="1400" dirty="0" err="1" smtClean="0">
+                <a:solidFill>
+                  <a:srgbClr val="FFFF00"/>
+                </a:solidFill>
+                <a:latin typeface="Calibri" pitchFamily="34" charset="0"/>
+              </a:rPr>
+              <a:t>translation.x,translation.y,translation.z</a:t>
+            </a:r>
+            <a:r>
+              <a:rPr lang="en-US" sz="1400" dirty="0" smtClean="0">
+                <a:solidFill>
+                  <a:srgbClr val="FFFF00"/>
+                </a:solidFill>
+                <a:latin typeface="Calibri" pitchFamily="34" charset="0"/>
+              </a:rPr>
+              <a:t>)</a:t>
+            </a:r>
+          </a:p>
+          <a:p>
+            <a:r>
+              <a:rPr lang="en-US" sz="1400" dirty="0" smtClean="0">
+                <a:solidFill>
+                  <a:srgbClr val="FFFF00"/>
+                </a:solidFill>
+                <a:latin typeface="Calibri" pitchFamily="34" charset="0"/>
+              </a:rPr>
+              <a:t>		</a:t>
+            </a:r>
+            <a:r>
+              <a:rPr lang="en-US" sz="1400" dirty="0" err="1" smtClean="0">
+                <a:solidFill>
+                  <a:srgbClr val="FFFF00"/>
+                </a:solidFill>
+                <a:latin typeface="Calibri" pitchFamily="34" charset="0"/>
+              </a:rPr>
+              <a:t>manipData</a:t>
+            </a:r>
+            <a:r>
+              <a:rPr lang="en-US" sz="1400" dirty="0" smtClean="0">
+                <a:solidFill>
+                  <a:srgbClr val="FFFF00"/>
+                </a:solidFill>
+                <a:latin typeface="Calibri" pitchFamily="34" charset="0"/>
+              </a:rPr>
+              <a:t> = </a:t>
+            </a:r>
+            <a:r>
+              <a:rPr lang="en-US" sz="1400" dirty="0" err="1" smtClean="0">
+                <a:solidFill>
+                  <a:srgbClr val="FFFF00"/>
+                </a:solidFill>
+                <a:latin typeface="Calibri" pitchFamily="34" charset="0"/>
+              </a:rPr>
+              <a:t>OpenMayaUI.MManipData</a:t>
+            </a:r>
+            <a:r>
+              <a:rPr lang="en-US" sz="1400" dirty="0" smtClean="0">
+                <a:solidFill>
+                  <a:srgbClr val="FFFF00"/>
+                </a:solidFill>
+                <a:latin typeface="Calibri" pitchFamily="34" charset="0"/>
+              </a:rPr>
+              <a:t>(</a:t>
+            </a:r>
+            <a:r>
+              <a:rPr lang="en-US" sz="1400" dirty="0" err="1" smtClean="0">
+                <a:solidFill>
+                  <a:srgbClr val="FFFF00"/>
+                </a:solidFill>
+                <a:latin typeface="Calibri" pitchFamily="34" charset="0"/>
+              </a:rPr>
+              <a:t>numDataValue</a:t>
+            </a:r>
+            <a:r>
+              <a:rPr lang="en-US" sz="1400" dirty="0" smtClean="0">
+                <a:solidFill>
+                  <a:srgbClr val="FFFF00"/>
+                </a:solidFill>
+                <a:latin typeface="Calibri" pitchFamily="34" charset="0"/>
+              </a:rPr>
+              <a:t>)</a:t>
+            </a:r>
+          </a:p>
+          <a:p>
+            <a:r>
+              <a:rPr lang="en-US" sz="1400" dirty="0" smtClean="0">
+                <a:solidFill>
+                  <a:srgbClr val="FFFF00"/>
+                </a:solidFill>
+                <a:latin typeface="Calibri" pitchFamily="34" charset="0"/>
+              </a:rPr>
+              <a:t>	except:</a:t>
+            </a:r>
+          </a:p>
+          <a:p>
+            <a:r>
+              <a:rPr lang="en-US" sz="1400" dirty="0" smtClean="0">
+                <a:solidFill>
+                  <a:srgbClr val="FFFF00"/>
+                </a:solidFill>
+                <a:latin typeface="Calibri" pitchFamily="34" charset="0"/>
+              </a:rPr>
+              <a:t>		</a:t>
+            </a:r>
+            <a:r>
+              <a:rPr lang="en-US" sz="1400" dirty="0" err="1" smtClean="0">
+                <a:solidFill>
+                  <a:srgbClr val="FFFF00"/>
+                </a:solidFill>
+                <a:latin typeface="Calibri" pitchFamily="34" charset="0"/>
+              </a:rPr>
+              <a:t>sys.stderr.write</a:t>
+            </a:r>
+            <a:r>
+              <a:rPr lang="en-US" sz="1400" dirty="0" smtClean="0">
+                <a:solidFill>
+                  <a:srgbClr val="FFFF00"/>
+                </a:solidFill>
+                <a:latin typeface="Calibri" pitchFamily="34" charset="0"/>
+              </a:rPr>
+              <a:t>("ERROR: </a:t>
+            </a:r>
+            <a:r>
+              <a:rPr lang="en-US" sz="1400" dirty="0" err="1" smtClean="0">
+                <a:solidFill>
+                  <a:srgbClr val="FFFF00"/>
+                </a:solidFill>
+                <a:latin typeface="Calibri" pitchFamily="34" charset="0"/>
+              </a:rPr>
+              <a:t>arrowManip.plugToManipConversion</a:t>
+            </a:r>
+            <a:r>
+              <a:rPr lang="en-US" sz="1400" dirty="0" smtClean="0">
+                <a:solidFill>
+                  <a:srgbClr val="FFFF00"/>
+                </a:solidFill>
+                <a:latin typeface="Calibri" pitchFamily="34" charset="0"/>
+              </a:rPr>
+              <a:t>\n")</a:t>
+            </a:r>
+          </a:p>
+          <a:p>
+            <a:r>
+              <a:rPr lang="en-US" sz="1400" dirty="0" smtClean="0">
+                <a:solidFill>
+                  <a:srgbClr val="FFFF00"/>
+                </a:solidFill>
+                <a:latin typeface="Calibri" pitchFamily="34" charset="0"/>
+              </a:rPr>
+              <a:t>		raise</a:t>
+            </a:r>
+          </a:p>
+          <a:p>
+            <a:r>
+              <a:rPr lang="en-US" sz="1400" dirty="0" smtClean="0">
+                <a:solidFill>
+                  <a:srgbClr val="FFFF00"/>
+                </a:solidFill>
+                <a:latin typeface="Calibri" pitchFamily="34" charset="0"/>
+              </a:rPr>
+              <a:t>	return </a:t>
+            </a:r>
+            <a:r>
+              <a:rPr lang="en-US" sz="1400" dirty="0" err="1" smtClean="0">
+                <a:solidFill>
+                  <a:srgbClr val="FFFF00"/>
+                </a:solidFill>
+                <a:latin typeface="Calibri" pitchFamily="34" charset="0"/>
+              </a:rPr>
+              <a:t>manipData</a:t>
+            </a:r>
             <a:endParaRPr lang="en-US" sz="1400" dirty="0" smtClean="0">
               <a:solidFill>
                 <a:srgbClr val="FFFF00"/>
@@ -26389,612 +25995,6 @@
             </a:endParaRPr>
           </a:p>
           <a:p>
-            <a:r>
-              <a:rPr lang="en-US" sz="1400" dirty="0" smtClean="0">
-                <a:solidFill>
-                  <a:srgbClr val="FFFF00"/>
-                </a:solidFill>
-                <a:latin typeface="Calibri" pitchFamily="34" charset="0"/>
-              </a:rPr>
-              <a:t>	//Retrieve world space translation of the locator node</a:t>
-            </a:r>
-          </a:p>
-          <a:p>
-            <a:r>
-              <a:rPr lang="en-US" sz="1400" dirty="0" smtClean="0">
-                <a:solidFill>
-                  <a:srgbClr val="FFFF00"/>
-                </a:solidFill>
-                <a:latin typeface="Calibri" pitchFamily="34" charset="0"/>
-              </a:rPr>
-              <a:t>	</a:t>
-            </a:r>
-            <a:r>
-              <a:rPr lang="en-US" sz="1400" dirty="0" err="1" smtClean="0">
-                <a:solidFill>
-                  <a:srgbClr val="FFFF00"/>
-                </a:solidFill>
-                <a:latin typeface="Calibri" pitchFamily="34" charset="0"/>
-              </a:rPr>
-              <a:t>MObject</a:t>
-            </a:r>
-            <a:r>
-              <a:rPr lang="en-US" sz="1400" dirty="0" smtClean="0">
-                <a:solidFill>
-                  <a:srgbClr val="FFFF00"/>
-                </a:solidFill>
-                <a:latin typeface="Calibri" pitchFamily="34" charset="0"/>
-              </a:rPr>
-              <a:t> </a:t>
-            </a:r>
-            <a:r>
-              <a:rPr lang="en-US" sz="1400" dirty="0" err="1" smtClean="0">
-                <a:solidFill>
-                  <a:srgbClr val="FFFF00"/>
-                </a:solidFill>
-                <a:latin typeface="Calibri" pitchFamily="34" charset="0"/>
-              </a:rPr>
-              <a:t>parentTransform</a:t>
-            </a:r>
-            <a:r>
-              <a:rPr lang="en-US" sz="1400" dirty="0" smtClean="0">
-                <a:solidFill>
-                  <a:srgbClr val="FFFF00"/>
-                </a:solidFill>
-                <a:latin typeface="Calibri" pitchFamily="34" charset="0"/>
-              </a:rPr>
-              <a:t> = </a:t>
-            </a:r>
-            <a:r>
-              <a:rPr lang="en-US" sz="1400" dirty="0" err="1" smtClean="0">
-                <a:solidFill>
-                  <a:srgbClr val="FFFF00"/>
-                </a:solidFill>
-                <a:latin typeface="Calibri" pitchFamily="34" charset="0"/>
-              </a:rPr>
-              <a:t>fNodePath.transform</a:t>
-            </a:r>
-            <a:r>
-              <a:rPr lang="en-US" sz="1400" dirty="0" smtClean="0">
-                <a:solidFill>
-                  <a:srgbClr val="FFFF00"/>
-                </a:solidFill>
-                <a:latin typeface="Calibri" pitchFamily="34" charset="0"/>
-              </a:rPr>
-              <a:t>(&amp;status);</a:t>
-            </a:r>
-          </a:p>
-          <a:p>
-            <a:r>
-              <a:rPr lang="en-US" sz="1400" dirty="0" smtClean="0">
-                <a:solidFill>
-                  <a:srgbClr val="FFFF00"/>
-                </a:solidFill>
-                <a:latin typeface="Calibri" pitchFamily="34" charset="0"/>
-              </a:rPr>
-              <a:t>	</a:t>
-            </a:r>
-            <a:r>
-              <a:rPr lang="en-US" sz="1400" dirty="0" err="1" smtClean="0">
-                <a:solidFill>
-                  <a:srgbClr val="FFFF00"/>
-                </a:solidFill>
-                <a:latin typeface="Calibri" pitchFamily="34" charset="0"/>
-              </a:rPr>
-              <a:t>MDagPath</a:t>
-            </a:r>
-            <a:r>
-              <a:rPr lang="en-US" sz="1400" dirty="0" smtClean="0">
-                <a:solidFill>
-                  <a:srgbClr val="FFFF00"/>
-                </a:solidFill>
-                <a:latin typeface="Calibri" pitchFamily="34" charset="0"/>
-              </a:rPr>
-              <a:t> </a:t>
-            </a:r>
-            <a:r>
-              <a:rPr lang="en-US" sz="1400" dirty="0" err="1" smtClean="0">
-                <a:solidFill>
-                  <a:srgbClr val="FFFF00"/>
-                </a:solidFill>
-                <a:latin typeface="Calibri" pitchFamily="34" charset="0"/>
-              </a:rPr>
-              <a:t>transformPath</a:t>
-            </a:r>
-            <a:r>
-              <a:rPr lang="en-US" sz="1400" dirty="0" smtClean="0">
-                <a:solidFill>
-                  <a:srgbClr val="FFFF00"/>
-                </a:solidFill>
-                <a:latin typeface="Calibri" pitchFamily="34" charset="0"/>
-              </a:rPr>
-              <a:t>;</a:t>
-            </a:r>
-          </a:p>
-          <a:p>
-            <a:r>
-              <a:rPr lang="en-US" sz="1400" dirty="0" smtClean="0">
-                <a:solidFill>
-                  <a:srgbClr val="FFFF00"/>
-                </a:solidFill>
-                <a:latin typeface="Calibri" pitchFamily="34" charset="0"/>
-              </a:rPr>
-              <a:t>	</a:t>
-            </a:r>
-            <a:r>
-              <a:rPr lang="en-US" sz="1400" dirty="0" err="1" smtClean="0">
-                <a:solidFill>
-                  <a:srgbClr val="FFFF00"/>
-                </a:solidFill>
-                <a:latin typeface="Calibri" pitchFamily="34" charset="0"/>
-              </a:rPr>
-              <a:t>MDagPath</a:t>
-            </a:r>
-            <a:r>
-              <a:rPr lang="en-US" sz="1400" dirty="0" smtClean="0">
-                <a:solidFill>
-                  <a:srgbClr val="FFFF00"/>
-                </a:solidFill>
-                <a:latin typeface="Calibri" pitchFamily="34" charset="0"/>
-              </a:rPr>
-              <a:t>::</a:t>
-            </a:r>
-            <a:r>
-              <a:rPr lang="en-US" sz="1400" dirty="0" err="1" smtClean="0">
-                <a:solidFill>
-                  <a:srgbClr val="FFFF00"/>
-                </a:solidFill>
-                <a:latin typeface="Calibri" pitchFamily="34" charset="0"/>
-              </a:rPr>
-              <a:t>getAPathTo</a:t>
-            </a:r>
-            <a:r>
-              <a:rPr lang="en-US" sz="1400" dirty="0" smtClean="0">
-                <a:solidFill>
-                  <a:srgbClr val="FFFF00"/>
-                </a:solidFill>
-                <a:latin typeface="Calibri" pitchFamily="34" charset="0"/>
-              </a:rPr>
-              <a:t>(</a:t>
-            </a:r>
-            <a:r>
-              <a:rPr lang="en-US" sz="1400" dirty="0" err="1" smtClean="0">
-                <a:solidFill>
-                  <a:srgbClr val="FFFF00"/>
-                </a:solidFill>
-                <a:latin typeface="Calibri" pitchFamily="34" charset="0"/>
-              </a:rPr>
-              <a:t>parentTransform,transformPath</a:t>
-            </a:r>
-            <a:r>
-              <a:rPr lang="en-US" sz="1400" dirty="0" smtClean="0">
-                <a:solidFill>
-                  <a:srgbClr val="FFFF00"/>
-                </a:solidFill>
-                <a:latin typeface="Calibri" pitchFamily="34" charset="0"/>
-              </a:rPr>
-              <a:t>);</a:t>
-            </a:r>
-          </a:p>
-          <a:p>
-            <a:r>
-              <a:rPr lang="en-US" sz="1400" dirty="0" smtClean="0">
-                <a:solidFill>
-                  <a:srgbClr val="FFFF00"/>
-                </a:solidFill>
-                <a:latin typeface="Calibri" pitchFamily="34" charset="0"/>
-              </a:rPr>
-              <a:t>	</a:t>
-            </a:r>
-            <a:r>
-              <a:rPr lang="en-US" sz="1400" dirty="0" err="1" smtClean="0">
-                <a:solidFill>
-                  <a:srgbClr val="FFFF00"/>
-                </a:solidFill>
-                <a:latin typeface="Calibri" pitchFamily="34" charset="0"/>
-              </a:rPr>
-              <a:t>MFnTransform</a:t>
-            </a:r>
-            <a:r>
-              <a:rPr lang="en-US" sz="1400" dirty="0" smtClean="0">
-                <a:solidFill>
-                  <a:srgbClr val="FFFF00"/>
-                </a:solidFill>
-                <a:latin typeface="Calibri" pitchFamily="34" charset="0"/>
-              </a:rPr>
-              <a:t> </a:t>
-            </a:r>
-            <a:r>
-              <a:rPr lang="en-US" sz="1400" dirty="0" err="1" smtClean="0">
-                <a:solidFill>
-                  <a:srgbClr val="FFFF00"/>
-                </a:solidFill>
-                <a:latin typeface="Calibri" pitchFamily="34" charset="0"/>
-              </a:rPr>
-              <a:t>fnTrans</a:t>
-            </a:r>
-            <a:r>
-              <a:rPr lang="en-US" sz="1400" dirty="0" smtClean="0">
-                <a:solidFill>
-                  <a:srgbClr val="FFFF00"/>
-                </a:solidFill>
-                <a:latin typeface="Calibri" pitchFamily="34" charset="0"/>
-              </a:rPr>
-              <a:t>(</a:t>
-            </a:r>
-            <a:r>
-              <a:rPr lang="en-US" sz="1400" dirty="0" err="1" smtClean="0">
-                <a:solidFill>
-                  <a:srgbClr val="FFFF00"/>
-                </a:solidFill>
-                <a:latin typeface="Calibri" pitchFamily="34" charset="0"/>
-              </a:rPr>
-              <a:t>transformPath,&amp;status</a:t>
-            </a:r>
-            <a:r>
-              <a:rPr lang="en-US" sz="1400" dirty="0" smtClean="0">
-                <a:solidFill>
-                  <a:srgbClr val="FFFF00"/>
-                </a:solidFill>
-                <a:latin typeface="Calibri" pitchFamily="34" charset="0"/>
-              </a:rPr>
-              <a:t>);</a:t>
-            </a:r>
-          </a:p>
-          <a:p>
-            <a:r>
-              <a:rPr lang="en-US" sz="1400" dirty="0" smtClean="0">
-                <a:solidFill>
-                  <a:srgbClr val="FFFF00"/>
-                </a:solidFill>
-                <a:latin typeface="Calibri" pitchFamily="34" charset="0"/>
-              </a:rPr>
-              <a:t>	</a:t>
-            </a:r>
-            <a:r>
-              <a:rPr lang="en-US" sz="1400" dirty="0" err="1" smtClean="0">
-                <a:solidFill>
-                  <a:srgbClr val="FFFF00"/>
-                </a:solidFill>
-                <a:latin typeface="Calibri" pitchFamily="34" charset="0"/>
-              </a:rPr>
-              <a:t>MVector</a:t>
-            </a:r>
-            <a:r>
-              <a:rPr lang="en-US" sz="1400" dirty="0" smtClean="0">
-                <a:solidFill>
-                  <a:srgbClr val="FFFF00"/>
-                </a:solidFill>
-                <a:latin typeface="Calibri" pitchFamily="34" charset="0"/>
-              </a:rPr>
-              <a:t> translation = </a:t>
-            </a:r>
-            <a:r>
-              <a:rPr lang="en-US" sz="1400" dirty="0" err="1" smtClean="0">
-                <a:solidFill>
-                  <a:srgbClr val="FFFF00"/>
-                </a:solidFill>
-                <a:latin typeface="Calibri" pitchFamily="34" charset="0"/>
-              </a:rPr>
-              <a:t>fnTrans.getTranslation</a:t>
-            </a:r>
-            <a:r>
-              <a:rPr lang="en-US" sz="1400" dirty="0" smtClean="0">
-                <a:solidFill>
-                  <a:srgbClr val="FFFF00"/>
-                </a:solidFill>
-                <a:latin typeface="Calibri" pitchFamily="34" charset="0"/>
-              </a:rPr>
-              <a:t>(</a:t>
-            </a:r>
-            <a:r>
-              <a:rPr lang="en-US" sz="1400" dirty="0" err="1" smtClean="0">
-                <a:solidFill>
-                  <a:srgbClr val="FFFF00"/>
-                </a:solidFill>
-                <a:latin typeface="Calibri" pitchFamily="34" charset="0"/>
-              </a:rPr>
-              <a:t>MSpace</a:t>
-            </a:r>
-            <a:r>
-              <a:rPr lang="en-US" sz="1400" dirty="0" smtClean="0">
-                <a:solidFill>
-                  <a:srgbClr val="FFFF00"/>
-                </a:solidFill>
-                <a:latin typeface="Calibri" pitchFamily="34" charset="0"/>
-              </a:rPr>
-              <a:t>::</a:t>
-            </a:r>
-            <a:r>
-              <a:rPr lang="en-US" sz="1400" dirty="0" err="1" smtClean="0">
-                <a:solidFill>
-                  <a:srgbClr val="FFFF00"/>
-                </a:solidFill>
-                <a:latin typeface="Calibri" pitchFamily="34" charset="0"/>
-              </a:rPr>
-              <a:t>kWorld,&amp;status</a:t>
-            </a:r>
-            <a:r>
-              <a:rPr lang="en-US" sz="1400" dirty="0" smtClean="0">
-                <a:solidFill>
-                  <a:srgbClr val="FFFF00"/>
-                </a:solidFill>
-                <a:latin typeface="Calibri" pitchFamily="34" charset="0"/>
-              </a:rPr>
-              <a:t>);</a:t>
-            </a:r>
-          </a:p>
-          <a:p>
-            <a:endParaRPr lang="en-US" sz="1400" dirty="0" smtClean="0">
-              <a:solidFill>
-                <a:srgbClr val="FFFF00"/>
-              </a:solidFill>
-              <a:latin typeface="Calibri" pitchFamily="34" charset="0"/>
-            </a:endParaRPr>
-          </a:p>
-          <a:p>
-            <a:r>
-              <a:rPr lang="en-US" sz="1400" dirty="0" smtClean="0">
-                <a:solidFill>
-                  <a:srgbClr val="FFFF00"/>
-                </a:solidFill>
-                <a:latin typeface="Calibri" pitchFamily="34" charset="0"/>
-              </a:rPr>
-              <a:t>	</a:t>
-            </a:r>
-            <a:r>
-              <a:rPr lang="en-US" sz="1400" dirty="0" err="1" smtClean="0">
-                <a:solidFill>
-                  <a:srgbClr val="FFFF00"/>
-                </a:solidFill>
-                <a:latin typeface="Calibri" pitchFamily="34" charset="0"/>
-              </a:rPr>
-              <a:t>MFnNumericData</a:t>
-            </a:r>
-            <a:r>
-              <a:rPr lang="en-US" sz="1400" dirty="0" smtClean="0">
-                <a:solidFill>
-                  <a:srgbClr val="FFFF00"/>
-                </a:solidFill>
-                <a:latin typeface="Calibri" pitchFamily="34" charset="0"/>
-              </a:rPr>
-              <a:t> </a:t>
-            </a:r>
-            <a:r>
-              <a:rPr lang="en-US" sz="1400" dirty="0" err="1" smtClean="0">
-                <a:solidFill>
-                  <a:srgbClr val="FFFF00"/>
-                </a:solidFill>
-                <a:latin typeface="Calibri" pitchFamily="34" charset="0"/>
-              </a:rPr>
-              <a:t>numData</a:t>
-            </a:r>
-            <a:r>
-              <a:rPr lang="en-US" sz="1400" dirty="0" smtClean="0">
-                <a:solidFill>
-                  <a:srgbClr val="FFFF00"/>
-                </a:solidFill>
-                <a:latin typeface="Calibri" pitchFamily="34" charset="0"/>
-              </a:rPr>
-              <a:t>;</a:t>
-            </a:r>
-          </a:p>
-          <a:p>
-            <a:r>
-              <a:rPr lang="en-US" sz="1400" dirty="0" smtClean="0">
-                <a:solidFill>
-                  <a:srgbClr val="FFFF00"/>
-                </a:solidFill>
-                <a:latin typeface="Calibri" pitchFamily="34" charset="0"/>
-              </a:rPr>
-              <a:t>	</a:t>
-            </a:r>
-            <a:r>
-              <a:rPr lang="en-US" sz="1400" dirty="0" err="1" smtClean="0">
-                <a:solidFill>
-                  <a:srgbClr val="FFFF00"/>
-                </a:solidFill>
-                <a:latin typeface="Calibri" pitchFamily="34" charset="0"/>
-              </a:rPr>
-              <a:t>MObject</a:t>
-            </a:r>
-            <a:r>
-              <a:rPr lang="en-US" sz="1400" dirty="0" smtClean="0">
-                <a:solidFill>
-                  <a:srgbClr val="FFFF00"/>
-                </a:solidFill>
-                <a:latin typeface="Calibri" pitchFamily="34" charset="0"/>
-              </a:rPr>
-              <a:t> </a:t>
-            </a:r>
-            <a:r>
-              <a:rPr lang="en-US" sz="1400" dirty="0" err="1" smtClean="0">
-                <a:solidFill>
-                  <a:srgbClr val="FFFF00"/>
-                </a:solidFill>
-                <a:latin typeface="Calibri" pitchFamily="34" charset="0"/>
-              </a:rPr>
-              <a:t>numDataValue</a:t>
-            </a:r>
-            <a:r>
-              <a:rPr lang="en-US" sz="1400" dirty="0" smtClean="0">
-                <a:solidFill>
-                  <a:srgbClr val="FFFF00"/>
-                </a:solidFill>
-                <a:latin typeface="Calibri" pitchFamily="34" charset="0"/>
-              </a:rPr>
-              <a:t> = </a:t>
-            </a:r>
-            <a:r>
-              <a:rPr lang="en-US" sz="1400" dirty="0" err="1" smtClean="0">
-                <a:solidFill>
-                  <a:srgbClr val="FFFF00"/>
-                </a:solidFill>
-                <a:latin typeface="Calibri" pitchFamily="34" charset="0"/>
-              </a:rPr>
-              <a:t>numData.create</a:t>
-            </a:r>
-            <a:r>
-              <a:rPr lang="en-US" sz="1400" dirty="0" smtClean="0">
-                <a:solidFill>
-                  <a:srgbClr val="FFFF00"/>
-                </a:solidFill>
-                <a:latin typeface="Calibri" pitchFamily="34" charset="0"/>
-              </a:rPr>
-              <a:t>(</a:t>
-            </a:r>
-            <a:r>
-              <a:rPr lang="en-US" sz="1400" dirty="0" err="1" smtClean="0">
-                <a:solidFill>
-                  <a:srgbClr val="FFFF00"/>
-                </a:solidFill>
-                <a:latin typeface="Calibri" pitchFamily="34" charset="0"/>
-              </a:rPr>
-              <a:t>MFnNumericData</a:t>
-            </a:r>
-            <a:r>
-              <a:rPr lang="en-US" sz="1400" dirty="0" smtClean="0">
-                <a:solidFill>
-                  <a:srgbClr val="FFFF00"/>
-                </a:solidFill>
-                <a:latin typeface="Calibri" pitchFamily="34" charset="0"/>
-              </a:rPr>
-              <a:t>::k3Double,&amp;status);</a:t>
-            </a:r>
-          </a:p>
-          <a:p>
-            <a:r>
-              <a:rPr lang="en-US" sz="1400" dirty="0" smtClean="0">
-                <a:solidFill>
-                  <a:srgbClr val="FFFF00"/>
-                </a:solidFill>
-                <a:latin typeface="Calibri" pitchFamily="34" charset="0"/>
-              </a:rPr>
-              <a:t>	status = numData.setData3Double(</a:t>
-            </a:r>
-            <a:r>
-              <a:rPr lang="en-US" sz="1400" dirty="0" err="1" smtClean="0">
-                <a:solidFill>
-                  <a:srgbClr val="FFFF00"/>
-                </a:solidFill>
-                <a:latin typeface="Calibri" pitchFamily="34" charset="0"/>
-              </a:rPr>
-              <a:t>translation.x,translation.y,translation.z</a:t>
-            </a:r>
-            <a:r>
-              <a:rPr lang="en-US" sz="1400" dirty="0" smtClean="0">
-                <a:solidFill>
-                  <a:srgbClr val="FFFF00"/>
-                </a:solidFill>
-                <a:latin typeface="Calibri" pitchFamily="34" charset="0"/>
-              </a:rPr>
-              <a:t>);</a:t>
-            </a:r>
-          </a:p>
-          <a:p>
-            <a:r>
-              <a:rPr lang="en-US" sz="1400" dirty="0" smtClean="0">
-                <a:solidFill>
-                  <a:srgbClr val="FFFF00"/>
-                </a:solidFill>
-                <a:latin typeface="Calibri" pitchFamily="34" charset="0"/>
-              </a:rPr>
-              <a:t>	</a:t>
-            </a:r>
-            <a:r>
-              <a:rPr lang="en-US" sz="1400" dirty="0" err="1" smtClean="0">
-                <a:solidFill>
-                  <a:srgbClr val="FFFF00"/>
-                </a:solidFill>
-                <a:latin typeface="Calibri" pitchFamily="34" charset="0"/>
-              </a:rPr>
-              <a:t>MManipData</a:t>
-            </a:r>
-            <a:r>
-              <a:rPr lang="en-US" sz="1400" dirty="0" smtClean="0">
-                <a:solidFill>
-                  <a:srgbClr val="FFFF00"/>
-                </a:solidFill>
-                <a:latin typeface="Calibri" pitchFamily="34" charset="0"/>
-              </a:rPr>
-              <a:t> </a:t>
-            </a:r>
-            <a:r>
-              <a:rPr lang="en-US" sz="1400" dirty="0" err="1" smtClean="0">
-                <a:solidFill>
-                  <a:srgbClr val="FFFF00"/>
-                </a:solidFill>
-                <a:latin typeface="Calibri" pitchFamily="34" charset="0"/>
-              </a:rPr>
-              <a:t>manipData</a:t>
-            </a:r>
-            <a:r>
-              <a:rPr lang="en-US" sz="1400" dirty="0" smtClean="0">
-                <a:solidFill>
-                  <a:srgbClr val="FFFF00"/>
-                </a:solidFill>
-                <a:latin typeface="Calibri" pitchFamily="34" charset="0"/>
-              </a:rPr>
-              <a:t>(</a:t>
-            </a:r>
-            <a:r>
-              <a:rPr lang="en-US" sz="1400" dirty="0" err="1" smtClean="0">
-                <a:solidFill>
-                  <a:srgbClr val="FFFF00"/>
-                </a:solidFill>
-                <a:latin typeface="Calibri" pitchFamily="34" charset="0"/>
-              </a:rPr>
-              <a:t>numDataValue</a:t>
-            </a:r>
-            <a:r>
-              <a:rPr lang="en-US" sz="1400" dirty="0" smtClean="0">
-                <a:solidFill>
-                  <a:srgbClr val="FFFF00"/>
-                </a:solidFill>
-                <a:latin typeface="Calibri" pitchFamily="34" charset="0"/>
-              </a:rPr>
-              <a:t>);</a:t>
-            </a:r>
-          </a:p>
-          <a:p>
-            <a:r>
-              <a:rPr lang="en-US" sz="1400" dirty="0" smtClean="0">
-                <a:solidFill>
-                  <a:srgbClr val="FFFF00"/>
-                </a:solidFill>
-                <a:latin typeface="Calibri" pitchFamily="34" charset="0"/>
-              </a:rPr>
-              <a:t>	return </a:t>
-            </a:r>
-            <a:r>
-              <a:rPr lang="en-US" sz="1400" dirty="0" err="1" smtClean="0">
-                <a:solidFill>
-                  <a:srgbClr val="FFFF00"/>
-                </a:solidFill>
-                <a:latin typeface="Calibri" pitchFamily="34" charset="0"/>
-              </a:rPr>
-              <a:t>manipData</a:t>
-            </a:r>
-            <a:r>
-              <a:rPr lang="en-US" sz="1400" dirty="0" smtClean="0">
-                <a:solidFill>
-                  <a:srgbClr val="FFFF00"/>
-                </a:solidFill>
-                <a:latin typeface="Calibri" pitchFamily="34" charset="0"/>
-              </a:rPr>
-              <a:t>;</a:t>
-            </a:r>
-          </a:p>
-          <a:p>
-            <a:r>
-              <a:rPr lang="en-US" sz="1400" dirty="0" smtClean="0">
-                <a:solidFill>
-                  <a:srgbClr val="FFFF00"/>
-                </a:solidFill>
-                <a:latin typeface="Calibri" pitchFamily="34" charset="0"/>
-              </a:rPr>
-              <a:t>}</a:t>
-            </a:r>
             <a:endParaRPr lang="en-US" sz="1400" dirty="0">
               <a:solidFill>
                 <a:srgbClr val="FFFF00"/>
@@ -27014,8 +26014,8 @@
         </p:nvSpPr>
         <p:spPr bwMode="auto">
           <a:xfrm>
-            <a:off x="319088" y="1279525"/>
-            <a:ext cx="976312" cy="330587"/>
+            <a:off x="319088" y="1345813"/>
+            <a:ext cx="3567112" cy="330587"/>
           </a:xfrm>
           <a:prstGeom prst="roundRect">
             <a:avLst>
@@ -27112,605 +26112,6 @@
                       </p:childTnLst>
                     </p:cTn>
                   </p:par>
-                  <p:par>
-                    <p:cTn id="8" fill="hold">
-                      <p:stCondLst>
-                        <p:cond delay="indefinite"/>
-                      </p:stCondLst>
-                      <p:childTnLst>
-                        <p:par>
-                          <p:cTn id="9" fill="hold">
-                            <p:stCondLst>
-                              <p:cond delay="0"/>
-                            </p:stCondLst>
-                            <p:childTnLst>
-                              <p:par>
-                                <p:cTn id="10" presetID="3" presetClass="entr" presetSubtype="10" fill="hold" nodeType="clickEffect">
-                                  <p:stCondLst>
-                                    <p:cond delay="0"/>
-                                  </p:stCondLst>
-                                  <p:childTnLst>
-                                    <p:set>
-                                      <p:cBhvr>
-                                        <p:cTn id="11" dur="1" fill="hold">
-                                          <p:stCondLst>
-                                            <p:cond delay="0"/>
-                                          </p:stCondLst>
-                                        </p:cTn>
-                                        <p:tgtEl>
-                                          <p:spTgt spid="3">
-                                            <p:txEl>
-                                              <p:pRg st="4" end="4"/>
-                                            </p:txEl>
-                                          </p:spTgt>
-                                        </p:tgtEl>
-                                        <p:attrNameLst>
-                                          <p:attrName>style.visibility</p:attrName>
-                                        </p:attrNameLst>
-                                      </p:cBhvr>
-                                      <p:to>
-                                        <p:strVal val="visible"/>
-                                      </p:to>
-                                    </p:set>
-                                    <p:animEffect transition="in" filter="blinds(horizontal)">
-                                      <p:cBhvr>
-                                        <p:cTn id="12" dur="500"/>
-                                        <p:tgtEl>
-                                          <p:spTgt spid="3">
-                                            <p:txEl>
-                                              <p:pRg st="4" end="4"/>
-                                            </p:txEl>
-                                          </p:spTgt>
-                                        </p:tgtEl>
-                                      </p:cBhvr>
-                                    </p:animEffect>
-                                  </p:childTnLst>
-                                </p:cTn>
-                              </p:par>
-                              <p:par>
-                                <p:cTn id="13" presetID="3" presetClass="entr" presetSubtype="10" fill="hold" nodeType="withEffect">
-                                  <p:stCondLst>
-                                    <p:cond delay="0"/>
-                                  </p:stCondLst>
-                                  <p:childTnLst>
-                                    <p:set>
-                                      <p:cBhvr>
-                                        <p:cTn id="14" dur="1" fill="hold">
-                                          <p:stCondLst>
-                                            <p:cond delay="0"/>
-                                          </p:stCondLst>
-                                        </p:cTn>
-                                        <p:tgtEl>
-                                          <p:spTgt spid="3">
-                                            <p:txEl>
-                                              <p:pRg st="5" end="5"/>
-                                            </p:txEl>
-                                          </p:spTgt>
-                                        </p:tgtEl>
-                                        <p:attrNameLst>
-                                          <p:attrName>style.visibility</p:attrName>
-                                        </p:attrNameLst>
-                                      </p:cBhvr>
-                                      <p:to>
-                                        <p:strVal val="visible"/>
-                                      </p:to>
-                                    </p:set>
-                                    <p:animEffect transition="in" filter="blinds(horizontal)">
-                                      <p:cBhvr>
-                                        <p:cTn id="15" dur="500"/>
-                                        <p:tgtEl>
-                                          <p:spTgt spid="3">
-                                            <p:txEl>
-                                              <p:pRg st="5" end="5"/>
-                                            </p:txEl>
-                                          </p:spTgt>
-                                        </p:tgtEl>
-                                      </p:cBhvr>
-                                    </p:animEffect>
-                                  </p:childTnLst>
-                                </p:cTn>
-                              </p:par>
-                            </p:childTnLst>
-                          </p:cTn>
-                        </p:par>
-                      </p:childTnLst>
-                    </p:cTn>
-                  </p:par>
-                  <p:par>
-                    <p:cTn id="16" fill="hold">
-                      <p:stCondLst>
-                        <p:cond delay="indefinite"/>
-                      </p:stCondLst>
-                      <p:childTnLst>
-                        <p:par>
-                          <p:cTn id="17" fill="hold">
-                            <p:stCondLst>
-                              <p:cond delay="0"/>
-                            </p:stCondLst>
-                            <p:childTnLst>
-                              <p:par>
-                                <p:cTn id="18" presetID="3" presetClass="entr" presetSubtype="10" fill="hold" nodeType="clickEffect">
-                                  <p:stCondLst>
-                                    <p:cond delay="0"/>
-                                  </p:stCondLst>
-                                  <p:childTnLst>
-                                    <p:set>
-                                      <p:cBhvr>
-                                        <p:cTn id="19" dur="1" fill="hold">
-                                          <p:stCondLst>
-                                            <p:cond delay="0"/>
-                                          </p:stCondLst>
-                                        </p:cTn>
-                                        <p:tgtEl>
-                                          <p:spTgt spid="3">
-                                            <p:txEl>
-                                              <p:pRg st="6" end="6"/>
-                                            </p:txEl>
-                                          </p:spTgt>
-                                        </p:tgtEl>
-                                        <p:attrNameLst>
-                                          <p:attrName>style.visibility</p:attrName>
-                                        </p:attrNameLst>
-                                      </p:cBhvr>
-                                      <p:to>
-                                        <p:strVal val="visible"/>
-                                      </p:to>
-                                    </p:set>
-                                    <p:animEffect transition="in" filter="blinds(horizontal)">
-                                      <p:cBhvr>
-                                        <p:cTn id="20" dur="500"/>
-                                        <p:tgtEl>
-                                          <p:spTgt spid="3">
-                                            <p:txEl>
-                                              <p:pRg st="6" end="6"/>
-                                            </p:txEl>
-                                          </p:spTgt>
-                                        </p:tgtEl>
-                                      </p:cBhvr>
-                                    </p:animEffect>
-                                  </p:childTnLst>
-                                </p:cTn>
-                              </p:par>
-                              <p:par>
-                                <p:cTn id="21" presetID="3" presetClass="entr" presetSubtype="10" fill="hold" nodeType="withEffect">
-                                  <p:stCondLst>
-                                    <p:cond delay="0"/>
-                                  </p:stCondLst>
-                                  <p:childTnLst>
-                                    <p:set>
-                                      <p:cBhvr>
-                                        <p:cTn id="22" dur="1" fill="hold">
-                                          <p:stCondLst>
-                                            <p:cond delay="0"/>
-                                          </p:stCondLst>
-                                        </p:cTn>
-                                        <p:tgtEl>
-                                          <p:spTgt spid="3">
-                                            <p:txEl>
-                                              <p:pRg st="7" end="7"/>
-                                            </p:txEl>
-                                          </p:spTgt>
-                                        </p:tgtEl>
-                                        <p:attrNameLst>
-                                          <p:attrName>style.visibility</p:attrName>
-                                        </p:attrNameLst>
-                                      </p:cBhvr>
-                                      <p:to>
-                                        <p:strVal val="visible"/>
-                                      </p:to>
-                                    </p:set>
-                                    <p:animEffect transition="in" filter="blinds(horizontal)">
-                                      <p:cBhvr>
-                                        <p:cTn id="23" dur="500"/>
-                                        <p:tgtEl>
-                                          <p:spTgt spid="3">
-                                            <p:txEl>
-                                              <p:pRg st="7" end="7"/>
-                                            </p:txEl>
-                                          </p:spTgt>
-                                        </p:tgtEl>
-                                      </p:cBhvr>
-                                    </p:animEffect>
-                                  </p:childTnLst>
-                                </p:cTn>
-                              </p:par>
-                            </p:childTnLst>
-                          </p:cTn>
-                        </p:par>
-                      </p:childTnLst>
-                    </p:cTn>
-                  </p:par>
-                  <p:par>
-                    <p:cTn id="24" fill="hold">
-                      <p:stCondLst>
-                        <p:cond delay="indefinite"/>
-                      </p:stCondLst>
-                      <p:childTnLst>
-                        <p:par>
-                          <p:cTn id="25" fill="hold">
-                            <p:stCondLst>
-                              <p:cond delay="0"/>
-                            </p:stCondLst>
-                            <p:childTnLst>
-                              <p:par>
-                                <p:cTn id="26" presetID="3" presetClass="entr" presetSubtype="10" fill="hold" nodeType="clickEffect">
-                                  <p:stCondLst>
-                                    <p:cond delay="0"/>
-                                  </p:stCondLst>
-                                  <p:childTnLst>
-                                    <p:set>
-                                      <p:cBhvr>
-                                        <p:cTn id="27" dur="1" fill="hold">
-                                          <p:stCondLst>
-                                            <p:cond delay="0"/>
-                                          </p:stCondLst>
-                                        </p:cTn>
-                                        <p:tgtEl>
-                                          <p:spTgt spid="3">
-                                            <p:txEl>
-                                              <p:pRg st="8" end="8"/>
-                                            </p:txEl>
-                                          </p:spTgt>
-                                        </p:tgtEl>
-                                        <p:attrNameLst>
-                                          <p:attrName>style.visibility</p:attrName>
-                                        </p:attrNameLst>
-                                      </p:cBhvr>
-                                      <p:to>
-                                        <p:strVal val="visible"/>
-                                      </p:to>
-                                    </p:set>
-                                    <p:animEffect transition="in" filter="blinds(horizontal)">
-                                      <p:cBhvr>
-                                        <p:cTn id="28" dur="500"/>
-                                        <p:tgtEl>
-                                          <p:spTgt spid="3">
-                                            <p:txEl>
-                                              <p:pRg st="8" end="8"/>
-                                            </p:txEl>
-                                          </p:spTgt>
-                                        </p:tgtEl>
-                                      </p:cBhvr>
-                                    </p:animEffect>
-                                  </p:childTnLst>
-                                </p:cTn>
-                              </p:par>
-                              <p:par>
-                                <p:cTn id="29" presetID="3" presetClass="entr" presetSubtype="10" fill="hold" nodeType="withEffect">
-                                  <p:stCondLst>
-                                    <p:cond delay="0"/>
-                                  </p:stCondLst>
-                                  <p:childTnLst>
-                                    <p:set>
-                                      <p:cBhvr>
-                                        <p:cTn id="30" dur="1" fill="hold">
-                                          <p:stCondLst>
-                                            <p:cond delay="0"/>
-                                          </p:stCondLst>
-                                        </p:cTn>
-                                        <p:tgtEl>
-                                          <p:spTgt spid="3">
-                                            <p:txEl>
-                                              <p:pRg st="9" end="9"/>
-                                            </p:txEl>
-                                          </p:spTgt>
-                                        </p:tgtEl>
-                                        <p:attrNameLst>
-                                          <p:attrName>style.visibility</p:attrName>
-                                        </p:attrNameLst>
-                                      </p:cBhvr>
-                                      <p:to>
-                                        <p:strVal val="visible"/>
-                                      </p:to>
-                                    </p:set>
-                                    <p:animEffect transition="in" filter="blinds(horizontal)">
-                                      <p:cBhvr>
-                                        <p:cTn id="31" dur="500"/>
-                                        <p:tgtEl>
-                                          <p:spTgt spid="3">
-                                            <p:txEl>
-                                              <p:pRg st="9" end="9"/>
-                                            </p:txEl>
-                                          </p:spTgt>
-                                        </p:tgtEl>
-                                      </p:cBhvr>
-                                    </p:animEffect>
-                                  </p:childTnLst>
-                                </p:cTn>
-                              </p:par>
-                            </p:childTnLst>
-                          </p:cTn>
-                        </p:par>
-                      </p:childTnLst>
-                    </p:cTn>
-                  </p:par>
-                  <p:par>
-                    <p:cTn id="32" fill="hold">
-                      <p:stCondLst>
-                        <p:cond delay="indefinite"/>
-                      </p:stCondLst>
-                      <p:childTnLst>
-                        <p:par>
-                          <p:cTn id="33" fill="hold">
-                            <p:stCondLst>
-                              <p:cond delay="0"/>
-                            </p:stCondLst>
-                            <p:childTnLst>
-                              <p:par>
-                                <p:cTn id="34" presetID="3" presetClass="entr" presetSubtype="10" fill="hold" nodeType="clickEffect">
-                                  <p:stCondLst>
-                                    <p:cond delay="0"/>
-                                  </p:stCondLst>
-                                  <p:childTnLst>
-                                    <p:set>
-                                      <p:cBhvr>
-                                        <p:cTn id="35" dur="1" fill="hold">
-                                          <p:stCondLst>
-                                            <p:cond delay="0"/>
-                                          </p:stCondLst>
-                                        </p:cTn>
-                                        <p:tgtEl>
-                                          <p:spTgt spid="3">
-                                            <p:txEl>
-                                              <p:pRg st="11" end="11"/>
-                                            </p:txEl>
-                                          </p:spTgt>
-                                        </p:tgtEl>
-                                        <p:attrNameLst>
-                                          <p:attrName>style.visibility</p:attrName>
-                                        </p:attrNameLst>
-                                      </p:cBhvr>
-                                      <p:to>
-                                        <p:strVal val="visible"/>
-                                      </p:to>
-                                    </p:set>
-                                    <p:animEffect transition="in" filter="blinds(horizontal)">
-                                      <p:cBhvr>
-                                        <p:cTn id="36" dur="500"/>
-                                        <p:tgtEl>
-                                          <p:spTgt spid="3">
-                                            <p:txEl>
-                                              <p:pRg st="11" end="11"/>
-                                            </p:txEl>
-                                          </p:spTgt>
-                                        </p:tgtEl>
-                                      </p:cBhvr>
-                                    </p:animEffect>
-                                  </p:childTnLst>
-                                </p:cTn>
-                              </p:par>
-                              <p:par>
-                                <p:cTn id="37" presetID="3" presetClass="entr" presetSubtype="10" fill="hold" nodeType="withEffect">
-                                  <p:stCondLst>
-                                    <p:cond delay="0"/>
-                                  </p:stCondLst>
-                                  <p:childTnLst>
-                                    <p:set>
-                                      <p:cBhvr>
-                                        <p:cTn id="38" dur="1" fill="hold">
-                                          <p:stCondLst>
-                                            <p:cond delay="0"/>
-                                          </p:stCondLst>
-                                        </p:cTn>
-                                        <p:tgtEl>
-                                          <p:spTgt spid="3">
-                                            <p:txEl>
-                                              <p:pRg st="12" end="12"/>
-                                            </p:txEl>
-                                          </p:spTgt>
-                                        </p:tgtEl>
-                                        <p:attrNameLst>
-                                          <p:attrName>style.visibility</p:attrName>
-                                        </p:attrNameLst>
-                                      </p:cBhvr>
-                                      <p:to>
-                                        <p:strVal val="visible"/>
-                                      </p:to>
-                                    </p:set>
-                                    <p:animEffect transition="in" filter="blinds(horizontal)">
-                                      <p:cBhvr>
-                                        <p:cTn id="39" dur="500"/>
-                                        <p:tgtEl>
-                                          <p:spTgt spid="3">
-                                            <p:txEl>
-                                              <p:pRg st="12" end="12"/>
-                                            </p:txEl>
-                                          </p:spTgt>
-                                        </p:tgtEl>
-                                      </p:cBhvr>
-                                    </p:animEffect>
-                                  </p:childTnLst>
-                                </p:cTn>
-                              </p:par>
-                            </p:childTnLst>
-                          </p:cTn>
-                        </p:par>
-                      </p:childTnLst>
-                    </p:cTn>
-                  </p:par>
-                  <p:par>
-                    <p:cTn id="40" fill="hold">
-                      <p:stCondLst>
-                        <p:cond delay="indefinite"/>
-                      </p:stCondLst>
-                      <p:childTnLst>
-                        <p:par>
-                          <p:cTn id="41" fill="hold">
-                            <p:stCondLst>
-                              <p:cond delay="0"/>
-                            </p:stCondLst>
-                            <p:childTnLst>
-                              <p:par>
-                                <p:cTn id="42" presetID="3" presetClass="entr" presetSubtype="10" fill="hold" nodeType="clickEffect">
-                                  <p:stCondLst>
-                                    <p:cond delay="0"/>
-                                  </p:stCondLst>
-                                  <p:childTnLst>
-                                    <p:set>
-                                      <p:cBhvr>
-                                        <p:cTn id="43" dur="1" fill="hold">
-                                          <p:stCondLst>
-                                            <p:cond delay="0"/>
-                                          </p:stCondLst>
-                                        </p:cTn>
-                                        <p:tgtEl>
-                                          <p:spTgt spid="3">
-                                            <p:txEl>
-                                              <p:pRg st="13" end="13"/>
-                                            </p:txEl>
-                                          </p:spTgt>
-                                        </p:tgtEl>
-                                        <p:attrNameLst>
-                                          <p:attrName>style.visibility</p:attrName>
-                                        </p:attrNameLst>
-                                      </p:cBhvr>
-                                      <p:to>
-                                        <p:strVal val="visible"/>
-                                      </p:to>
-                                    </p:set>
-                                    <p:animEffect transition="in" filter="blinds(horizontal)">
-                                      <p:cBhvr>
-                                        <p:cTn id="44" dur="500"/>
-                                        <p:tgtEl>
-                                          <p:spTgt spid="3">
-                                            <p:txEl>
-                                              <p:pRg st="13" end="13"/>
-                                            </p:txEl>
-                                          </p:spTgt>
-                                        </p:tgtEl>
-                                      </p:cBhvr>
-                                    </p:animEffect>
-                                  </p:childTnLst>
-                                </p:cTn>
-                              </p:par>
-                            </p:childTnLst>
-                          </p:cTn>
-                        </p:par>
-                      </p:childTnLst>
-                    </p:cTn>
-                  </p:par>
-                  <p:par>
-                    <p:cTn id="45" fill="hold">
-                      <p:stCondLst>
-                        <p:cond delay="indefinite"/>
-                      </p:stCondLst>
-                      <p:childTnLst>
-                        <p:par>
-                          <p:cTn id="46" fill="hold">
-                            <p:stCondLst>
-                              <p:cond delay="0"/>
-                            </p:stCondLst>
-                            <p:childTnLst>
-                              <p:par>
-                                <p:cTn id="47" presetID="3" presetClass="entr" presetSubtype="10" fill="hold" nodeType="clickEffect">
-                                  <p:stCondLst>
-                                    <p:cond delay="0"/>
-                                  </p:stCondLst>
-                                  <p:childTnLst>
-                                    <p:set>
-                                      <p:cBhvr>
-                                        <p:cTn id="48" dur="1" fill="hold">
-                                          <p:stCondLst>
-                                            <p:cond delay="0"/>
-                                          </p:stCondLst>
-                                        </p:cTn>
-                                        <p:tgtEl>
-                                          <p:spTgt spid="3">
-                                            <p:txEl>
-                                              <p:pRg st="14" end="14"/>
-                                            </p:txEl>
-                                          </p:spTgt>
-                                        </p:tgtEl>
-                                        <p:attrNameLst>
-                                          <p:attrName>style.visibility</p:attrName>
-                                        </p:attrNameLst>
-                                      </p:cBhvr>
-                                      <p:to>
-                                        <p:strVal val="visible"/>
-                                      </p:to>
-                                    </p:set>
-                                    <p:animEffect transition="in" filter="blinds(horizontal)">
-                                      <p:cBhvr>
-                                        <p:cTn id="49" dur="500"/>
-                                        <p:tgtEl>
-                                          <p:spTgt spid="3">
-                                            <p:txEl>
-                                              <p:pRg st="14" end="14"/>
-                                            </p:txEl>
-                                          </p:spTgt>
-                                        </p:tgtEl>
-                                      </p:cBhvr>
-                                    </p:animEffect>
-                                  </p:childTnLst>
-                                </p:cTn>
-                              </p:par>
-                            </p:childTnLst>
-                          </p:cTn>
-                        </p:par>
-                      </p:childTnLst>
-                    </p:cTn>
-                  </p:par>
-                  <p:par>
-                    <p:cTn id="50" fill="hold">
-                      <p:stCondLst>
-                        <p:cond delay="indefinite"/>
-                      </p:stCondLst>
-                      <p:childTnLst>
-                        <p:par>
-                          <p:cTn id="51" fill="hold">
-                            <p:stCondLst>
-                              <p:cond delay="0"/>
-                            </p:stCondLst>
-                            <p:childTnLst>
-                              <p:par>
-                                <p:cTn id="52" presetID="3" presetClass="entr" presetSubtype="10" fill="hold" nodeType="clickEffect">
-                                  <p:stCondLst>
-                                    <p:cond delay="0"/>
-                                  </p:stCondLst>
-                                  <p:childTnLst>
-                                    <p:set>
-                                      <p:cBhvr>
-                                        <p:cTn id="53" dur="1" fill="hold">
-                                          <p:stCondLst>
-                                            <p:cond delay="0"/>
-                                          </p:stCondLst>
-                                        </p:cTn>
-                                        <p:tgtEl>
-                                          <p:spTgt spid="3">
-                                            <p:txEl>
-                                              <p:pRg st="15" end="15"/>
-                                            </p:txEl>
-                                          </p:spTgt>
-                                        </p:tgtEl>
-                                        <p:attrNameLst>
-                                          <p:attrName>style.visibility</p:attrName>
-                                        </p:attrNameLst>
-                                      </p:cBhvr>
-                                      <p:to>
-                                        <p:strVal val="visible"/>
-                                      </p:to>
-                                    </p:set>
-                                    <p:animEffect transition="in" filter="blinds(horizontal)">
-                                      <p:cBhvr>
-                                        <p:cTn id="54" dur="500"/>
-                                        <p:tgtEl>
-                                          <p:spTgt spid="3">
-                                            <p:txEl>
-                                              <p:pRg st="15" end="15"/>
-                                            </p:txEl>
-                                          </p:spTgt>
-                                        </p:tgtEl>
-                                      </p:cBhvr>
-                                    </p:animEffect>
-                                  </p:childTnLst>
-                                </p:cTn>
-                              </p:par>
-                            </p:childTnLst>
-                          </p:cTn>
-                        </p:par>
-                      </p:childTnLst>
-                    </p:cTn>
-                  </p:par>
                 </p:childTnLst>
               </p:cTn>
               <p:prevCondLst>
@@ -27806,7 +26207,19 @@
                 <a:latin typeface="Calibri" pitchFamily="34" charset="0"/>
                 <a:cs typeface="Courier New" pitchFamily="49" charset="0"/>
               </a:rPr>
-              <a:t>void </a:t>
+              <a:t>def draw(self, view, path, style, status):</a:t>
+            </a:r>
+          </a:p>
+          <a:p>
+            <a:r>
+              <a:rPr lang="en-US" sz="1600" dirty="0" smtClean="0">
+                <a:solidFill>
+                  <a:srgbClr val="FFFF00"/>
+                </a:solidFill>
+                <a:latin typeface="Calibri" pitchFamily="34" charset="0"/>
+                <a:cs typeface="Courier New" pitchFamily="49" charset="0"/>
+              </a:rPr>
+              <a:t>	</a:t>
             </a:r>
             <a:r>
               <a:rPr lang="en-US" sz="1600" dirty="0" err="1" smtClean="0">
@@ -27816,7 +26229,7 @@
                 <a:latin typeface="Calibri" pitchFamily="34" charset="0"/>
                 <a:cs typeface="Courier New" pitchFamily="49" charset="0"/>
               </a:rPr>
-              <a:t>moveManip</a:t>
+              <a:t>OpenMayaMPx.MPxManipContainer.draw</a:t>
             </a:r>
             <a:r>
               <a:rPr lang="en-US" sz="1600" dirty="0" smtClean="0">
@@ -27826,7 +26239,19 @@
                 <a:latin typeface="Calibri" pitchFamily="34" charset="0"/>
                 <a:cs typeface="Courier New" pitchFamily="49" charset="0"/>
               </a:rPr>
-              <a:t>::draw(M3dView &amp;view, const </a:t>
+              <a:t>(self, view, path, style, status)</a:t>
+            </a:r>
+          </a:p>
+          <a:p>
+            <a:r>
+              <a:rPr lang="en-US" sz="1600" dirty="0" smtClean="0">
+                <a:solidFill>
+                  <a:srgbClr val="FFFF00"/>
+                </a:solidFill>
+                <a:latin typeface="Calibri" pitchFamily="34" charset="0"/>
+                <a:cs typeface="Courier New" pitchFamily="49" charset="0"/>
+              </a:rPr>
+              <a:t>	</a:t>
             </a:r>
             <a:r>
               <a:rPr lang="en-US" sz="1600" dirty="0" err="1" smtClean="0">
@@ -27836,7 +26261,7 @@
                 <a:latin typeface="Calibri" pitchFamily="34" charset="0"/>
                 <a:cs typeface="Courier New" pitchFamily="49" charset="0"/>
               </a:rPr>
-              <a:t>MDagPath</a:t>
+              <a:t>view.beginGL</a:t>
             </a:r>
             <a:r>
               <a:rPr lang="en-US" sz="1600" dirty="0" smtClean="0">
@@ -27846,7 +26271,19 @@
                 <a:latin typeface="Calibri" pitchFamily="34" charset="0"/>
                 <a:cs typeface="Courier New" pitchFamily="49" charset="0"/>
               </a:rPr>
-              <a:t> &amp;path, M3dView::</a:t>
+              <a:t>()</a:t>
+            </a:r>
+          </a:p>
+          <a:p>
+            <a:r>
+              <a:rPr lang="en-US" sz="1600" dirty="0" smtClean="0">
+                <a:solidFill>
+                  <a:srgbClr val="FFFF00"/>
+                </a:solidFill>
+                <a:latin typeface="Calibri" pitchFamily="34" charset="0"/>
+                <a:cs typeface="Courier New" pitchFamily="49" charset="0"/>
+              </a:rPr>
+              <a:t>	</a:t>
             </a:r>
             <a:r>
               <a:rPr lang="en-US" sz="1600" dirty="0" err="1" smtClean="0">
@@ -27856,7 +26293,7 @@
                 <a:latin typeface="Calibri" pitchFamily="34" charset="0"/>
                 <a:cs typeface="Courier New" pitchFamily="49" charset="0"/>
               </a:rPr>
-              <a:t>DisplayStyle</a:t>
+              <a:t>textPos</a:t>
             </a:r>
             <a:r>
               <a:rPr lang="en-US" sz="1600" dirty="0" smtClean="0">
@@ -27866,7 +26303,7 @@
                 <a:latin typeface="Calibri" pitchFamily="34" charset="0"/>
                 <a:cs typeface="Courier New" pitchFamily="49" charset="0"/>
               </a:rPr>
-              <a:t> style, M3dView::</a:t>
+              <a:t> = </a:t>
             </a:r>
             <a:r>
               <a:rPr lang="en-US" sz="1600" dirty="0" err="1" smtClean="0">
@@ -27876,7 +26313,7 @@
                 <a:latin typeface="Calibri" pitchFamily="34" charset="0"/>
                 <a:cs typeface="Courier New" pitchFamily="49" charset="0"/>
               </a:rPr>
-              <a:t>DispalyStatus</a:t>
+              <a:t>OpenMaya.MPoint</a:t>
             </a:r>
             <a:r>
               <a:rPr lang="en-US" sz="1600" dirty="0" smtClean="0">
@@ -27886,7 +26323,143 @@
                 <a:latin typeface="Calibri" pitchFamily="34" charset="0"/>
                 <a:cs typeface="Courier New" pitchFamily="49" charset="0"/>
               </a:rPr>
-              <a:t> status) { </a:t>
+              <a:t> (0, 0, 0)</a:t>
+            </a:r>
+          </a:p>
+          <a:p>
+            <a:r>
+              <a:rPr lang="en-US" sz="1600" dirty="0" smtClean="0">
+                <a:solidFill>
+                  <a:srgbClr val="FFFF00"/>
+                </a:solidFill>
+                <a:latin typeface="Calibri" pitchFamily="34" charset="0"/>
+                <a:cs typeface="Courier New" pitchFamily="49" charset="0"/>
+              </a:rPr>
+              <a:t>	</a:t>
+            </a:r>
+            <a:r>
+              <a:rPr lang="en-US" sz="1600" dirty="0" err="1" smtClean="0">
+                <a:solidFill>
+                  <a:srgbClr val="FFFF00"/>
+                </a:solidFill>
+                <a:latin typeface="Calibri" pitchFamily="34" charset="0"/>
+                <a:cs typeface="Courier New" pitchFamily="49" charset="0"/>
+              </a:rPr>
+              <a:t>distanceText</a:t>
+            </a:r>
+            <a:r>
+              <a:rPr lang="en-US" sz="1600" dirty="0" smtClean="0">
+                <a:solidFill>
+                  <a:srgbClr val="FFFF00"/>
+                </a:solidFill>
+                <a:latin typeface="Calibri" pitchFamily="34" charset="0"/>
+                <a:cs typeface="Courier New" pitchFamily="49" charset="0"/>
+              </a:rPr>
+              <a:t> = "Stretch Me!"</a:t>
+            </a:r>
+          </a:p>
+          <a:p>
+            <a:r>
+              <a:rPr lang="en-US" sz="1600" dirty="0" smtClean="0">
+                <a:solidFill>
+                  <a:srgbClr val="FFFF00"/>
+                </a:solidFill>
+                <a:latin typeface="Calibri" pitchFamily="34" charset="0"/>
+                <a:cs typeface="Courier New" pitchFamily="49" charset="0"/>
+              </a:rPr>
+              <a:t>	</a:t>
+            </a:r>
+            <a:r>
+              <a:rPr lang="en-US" sz="1600" dirty="0" err="1" smtClean="0">
+                <a:solidFill>
+                  <a:srgbClr val="FFFF00"/>
+                </a:solidFill>
+                <a:latin typeface="Calibri" pitchFamily="34" charset="0"/>
+                <a:cs typeface="Courier New" pitchFamily="49" charset="0"/>
+              </a:rPr>
+              <a:t>view.drawText</a:t>
+            </a:r>
+            <a:r>
+              <a:rPr lang="en-US" sz="1600" dirty="0" smtClean="0">
+                <a:solidFill>
+                  <a:srgbClr val="FFFF00"/>
+                </a:solidFill>
+                <a:latin typeface="Calibri" pitchFamily="34" charset="0"/>
+                <a:cs typeface="Courier New" pitchFamily="49" charset="0"/>
+              </a:rPr>
+              <a:t>(</a:t>
+            </a:r>
+            <a:r>
+              <a:rPr lang="en-US" sz="1600" dirty="0" err="1" smtClean="0">
+                <a:solidFill>
+                  <a:srgbClr val="FFFF00"/>
+                </a:solidFill>
+                <a:latin typeface="Calibri" pitchFamily="34" charset="0"/>
+                <a:cs typeface="Courier New" pitchFamily="49" charset="0"/>
+              </a:rPr>
+              <a:t>distanceText</a:t>
+            </a:r>
+            <a:r>
+              <a:rPr lang="en-US" sz="1600" dirty="0" smtClean="0">
+                <a:solidFill>
+                  <a:srgbClr val="FFFF00"/>
+                </a:solidFill>
+                <a:latin typeface="Calibri" pitchFamily="34" charset="0"/>
+                <a:cs typeface="Courier New" pitchFamily="49" charset="0"/>
+              </a:rPr>
+              <a:t>, </a:t>
+            </a:r>
+            <a:r>
+              <a:rPr lang="en-US" sz="1600" dirty="0" err="1" smtClean="0">
+                <a:solidFill>
+                  <a:srgbClr val="FFFF00"/>
+                </a:solidFill>
+                <a:latin typeface="Calibri" pitchFamily="34" charset="0"/>
+                <a:cs typeface="Courier New" pitchFamily="49" charset="0"/>
+              </a:rPr>
+              <a:t>textPos</a:t>
+            </a:r>
+            <a:r>
+              <a:rPr lang="en-US" sz="1600" dirty="0" smtClean="0">
+                <a:solidFill>
+                  <a:srgbClr val="FFFF00"/>
+                </a:solidFill>
+                <a:latin typeface="Calibri" pitchFamily="34" charset="0"/>
+                <a:cs typeface="Courier New" pitchFamily="49" charset="0"/>
+              </a:rPr>
+              <a:t>, OpenMayaUI.M3dView.kLeft)</a:t>
+            </a:r>
+          </a:p>
+          <a:p>
+            <a:r>
+              <a:rPr lang="en-US" sz="1600" dirty="0" smtClean="0">
+                <a:solidFill>
+                  <a:srgbClr val="FFFF00"/>
+                </a:solidFill>
+                <a:latin typeface="Calibri" pitchFamily="34" charset="0"/>
+                <a:cs typeface="Courier New" pitchFamily="49" charset="0"/>
+              </a:rPr>
+              <a:t>	</a:t>
+            </a:r>
+            <a:r>
+              <a:rPr lang="en-US" sz="1600" dirty="0" err="1" smtClean="0">
+                <a:solidFill>
+                  <a:srgbClr val="FFFF00"/>
+                </a:solidFill>
+                <a:latin typeface="Calibri" pitchFamily="34" charset="0"/>
+                <a:cs typeface="Courier New" pitchFamily="49" charset="0"/>
+              </a:rPr>
+              <a:t>view.endGL</a:t>
+            </a:r>
+            <a:r>
+              <a:rPr lang="en-US" sz="1600" dirty="0" smtClean="0">
+                <a:solidFill>
+                  <a:srgbClr val="FFFF00"/>
+                </a:solidFill>
+                <a:latin typeface="Calibri" pitchFamily="34" charset="0"/>
+                <a:cs typeface="Courier New" pitchFamily="49" charset="0"/>
+              </a:rPr>
+              <a:t>()</a:t>
             </a:r>
           </a:p>
           <a:p>
@@ -27897,414 +26470,6 @@
               <a:latin typeface="Calibri" pitchFamily="34" charset="0"/>
               <a:cs typeface="Courier New" pitchFamily="49" charset="0"/>
             </a:endParaRPr>
-          </a:p>
-          <a:p>
-            <a:r>
-              <a:rPr lang="en-US" sz="1600" dirty="0" smtClean="0">
-                <a:solidFill>
-                  <a:srgbClr val="FFFF00"/>
-                </a:solidFill>
-                <a:latin typeface="Calibri" pitchFamily="34" charset="0"/>
-                <a:cs typeface="Courier New" pitchFamily="49" charset="0"/>
-              </a:rPr>
-              <a:t>	</a:t>
-            </a:r>
-            <a:r>
-              <a:rPr lang="en-US" sz="1600" dirty="0" err="1" smtClean="0">
-                <a:solidFill>
-                  <a:srgbClr val="FFFF00"/>
-                </a:solidFill>
-                <a:latin typeface="Calibri" pitchFamily="34" charset="0"/>
-                <a:cs typeface="Courier New" pitchFamily="49" charset="0"/>
-              </a:rPr>
-              <a:t>MPxManipContainer</a:t>
-            </a:r>
-            <a:r>
-              <a:rPr lang="en-US" sz="1600" dirty="0" smtClean="0">
-                <a:solidFill>
-                  <a:srgbClr val="FFFF00"/>
-                </a:solidFill>
-                <a:latin typeface="Calibri" pitchFamily="34" charset="0"/>
-                <a:cs typeface="Courier New" pitchFamily="49" charset="0"/>
-              </a:rPr>
-              <a:t>::draw(view, path, style, status); </a:t>
-            </a:r>
-          </a:p>
-          <a:p>
-            <a:r>
-              <a:rPr lang="en-US" sz="1600" dirty="0" smtClean="0">
-                <a:solidFill>
-                  <a:srgbClr val="FFFF00"/>
-                </a:solidFill>
-                <a:latin typeface="Calibri" pitchFamily="34" charset="0"/>
-                <a:cs typeface="Courier New" pitchFamily="49" charset="0"/>
-              </a:rPr>
-              <a:t>	</a:t>
-            </a:r>
-            <a:r>
-              <a:rPr lang="en-US" sz="1600" dirty="0" err="1" smtClean="0">
-                <a:solidFill>
-                  <a:srgbClr val="FFFF00"/>
-                </a:solidFill>
-                <a:latin typeface="Calibri" pitchFamily="34" charset="0"/>
-                <a:cs typeface="Courier New" pitchFamily="49" charset="0"/>
-              </a:rPr>
-              <a:t>view.beginGL</a:t>
-            </a:r>
-            <a:r>
-              <a:rPr lang="en-US" sz="1600" dirty="0" smtClean="0">
-                <a:solidFill>
-                  <a:srgbClr val="FFFF00"/>
-                </a:solidFill>
-                <a:latin typeface="Calibri" pitchFamily="34" charset="0"/>
-                <a:cs typeface="Courier New" pitchFamily="49" charset="0"/>
-              </a:rPr>
-              <a:t>(); </a:t>
-            </a:r>
-          </a:p>
-          <a:p>
-            <a:r>
-              <a:rPr lang="en-US" sz="1600" dirty="0" smtClean="0">
-                <a:solidFill>
-                  <a:srgbClr val="FFFF00"/>
-                </a:solidFill>
-                <a:latin typeface="Calibri" pitchFamily="34" charset="0"/>
-                <a:cs typeface="Courier New" pitchFamily="49" charset="0"/>
-              </a:rPr>
-              <a:t>	</a:t>
-            </a:r>
-            <a:r>
-              <a:rPr lang="en-US" sz="1600" dirty="0" err="1" smtClean="0">
-                <a:solidFill>
-                  <a:srgbClr val="FFFF00"/>
-                </a:solidFill>
-                <a:latin typeface="Calibri" pitchFamily="34" charset="0"/>
-                <a:cs typeface="Courier New" pitchFamily="49" charset="0"/>
-              </a:rPr>
-              <a:t>MPoint</a:t>
-            </a:r>
-            <a:r>
-              <a:rPr lang="en-US" sz="1600" dirty="0" smtClean="0">
-                <a:solidFill>
-                  <a:srgbClr val="FFFF00"/>
-                </a:solidFill>
-                <a:latin typeface="Calibri" pitchFamily="34" charset="0"/>
-                <a:cs typeface="Courier New" pitchFamily="49" charset="0"/>
-              </a:rPr>
-              <a:t> </a:t>
-            </a:r>
-            <a:r>
-              <a:rPr lang="en-US" sz="1600" dirty="0" err="1" smtClean="0">
-                <a:solidFill>
-                  <a:srgbClr val="FFFF00"/>
-                </a:solidFill>
-                <a:latin typeface="Calibri" pitchFamily="34" charset="0"/>
-                <a:cs typeface="Courier New" pitchFamily="49" charset="0"/>
-              </a:rPr>
-              <a:t>textPos</a:t>
-            </a:r>
-            <a:r>
-              <a:rPr lang="en-US" sz="1600" dirty="0" smtClean="0">
-                <a:solidFill>
-                  <a:srgbClr val="FFFF00"/>
-                </a:solidFill>
-                <a:latin typeface="Calibri" pitchFamily="34" charset="0"/>
-                <a:cs typeface="Courier New" pitchFamily="49" charset="0"/>
-              </a:rPr>
-              <a:t>(0, 0, 0); </a:t>
-            </a:r>
-          </a:p>
-          <a:p>
-            <a:r>
-              <a:rPr lang="en-US" sz="1600" dirty="0" smtClean="0">
-                <a:solidFill>
-                  <a:srgbClr val="FFFF00"/>
-                </a:solidFill>
-                <a:latin typeface="Calibri" pitchFamily="34" charset="0"/>
-                <a:cs typeface="Courier New" pitchFamily="49" charset="0"/>
-              </a:rPr>
-              <a:t>	char </a:t>
-            </a:r>
-            <a:r>
-              <a:rPr lang="en-US" sz="1600" dirty="0" err="1" smtClean="0">
-                <a:solidFill>
-                  <a:srgbClr val="FFFF00"/>
-                </a:solidFill>
-                <a:latin typeface="Calibri" pitchFamily="34" charset="0"/>
-                <a:cs typeface="Courier New" pitchFamily="49" charset="0"/>
-              </a:rPr>
-              <a:t>str</a:t>
-            </a:r>
-            <a:r>
-              <a:rPr lang="en-US" sz="1600" dirty="0" smtClean="0">
-                <a:solidFill>
-                  <a:srgbClr val="FFFF00"/>
-                </a:solidFill>
-                <a:latin typeface="Calibri" pitchFamily="34" charset="0"/>
-                <a:cs typeface="Courier New" pitchFamily="49" charset="0"/>
-              </a:rPr>
-              <a:t>[100]; </a:t>
-            </a:r>
-          </a:p>
-          <a:p>
-            <a:r>
-              <a:rPr lang="en-US" sz="1600" dirty="0" smtClean="0">
-                <a:solidFill>
-                  <a:srgbClr val="FFFF00"/>
-                </a:solidFill>
-                <a:latin typeface="Calibri" pitchFamily="34" charset="0"/>
-                <a:cs typeface="Courier New" pitchFamily="49" charset="0"/>
-              </a:rPr>
-              <a:t>	</a:t>
-            </a:r>
-            <a:r>
-              <a:rPr lang="en-US" sz="1600" dirty="0" err="1" smtClean="0">
-                <a:solidFill>
-                  <a:srgbClr val="FFFF00"/>
-                </a:solidFill>
-                <a:latin typeface="Calibri" pitchFamily="34" charset="0"/>
-                <a:cs typeface="Courier New" pitchFamily="49" charset="0"/>
-              </a:rPr>
-              <a:t>sprintf</a:t>
-            </a:r>
-            <a:r>
-              <a:rPr lang="en-US" sz="1600" dirty="0" smtClean="0">
-                <a:solidFill>
-                  <a:srgbClr val="FFFF00"/>
-                </a:solidFill>
-                <a:latin typeface="Calibri" pitchFamily="34" charset="0"/>
-                <a:cs typeface="Courier New" pitchFamily="49" charset="0"/>
-              </a:rPr>
-              <a:t>(</a:t>
-            </a:r>
-            <a:r>
-              <a:rPr lang="en-US" sz="1600" dirty="0" err="1" smtClean="0">
-                <a:solidFill>
-                  <a:srgbClr val="FFFF00"/>
-                </a:solidFill>
-                <a:latin typeface="Calibri" pitchFamily="34" charset="0"/>
-                <a:cs typeface="Courier New" pitchFamily="49" charset="0"/>
-              </a:rPr>
-              <a:t>str</a:t>
-            </a:r>
-            <a:r>
-              <a:rPr lang="en-US" sz="1600" dirty="0" smtClean="0">
-                <a:solidFill>
-                  <a:srgbClr val="FFFF00"/>
-                </a:solidFill>
-                <a:latin typeface="Calibri" pitchFamily="34" charset="0"/>
-                <a:cs typeface="Courier New" pitchFamily="49" charset="0"/>
-              </a:rPr>
-              <a:t>, "Stretch Me!"); </a:t>
-            </a:r>
-          </a:p>
-          <a:p>
-            <a:r>
-              <a:rPr lang="en-US" sz="1600" dirty="0" smtClean="0">
-                <a:solidFill>
-                  <a:srgbClr val="FFFF00"/>
-                </a:solidFill>
-                <a:latin typeface="Calibri" pitchFamily="34" charset="0"/>
-                <a:cs typeface="Courier New" pitchFamily="49" charset="0"/>
-              </a:rPr>
-              <a:t>	</a:t>
-            </a:r>
-            <a:r>
-              <a:rPr lang="en-US" sz="1600" dirty="0" err="1" smtClean="0">
-                <a:solidFill>
-                  <a:srgbClr val="FFFF00"/>
-                </a:solidFill>
-                <a:latin typeface="Calibri" pitchFamily="34" charset="0"/>
-                <a:cs typeface="Courier New" pitchFamily="49" charset="0"/>
-              </a:rPr>
-              <a:t>MString</a:t>
-            </a:r>
-            <a:r>
-              <a:rPr lang="en-US" sz="1600" dirty="0" smtClean="0">
-                <a:solidFill>
-                  <a:srgbClr val="FFFF00"/>
-                </a:solidFill>
-                <a:latin typeface="Calibri" pitchFamily="34" charset="0"/>
-                <a:cs typeface="Courier New" pitchFamily="49" charset="0"/>
-              </a:rPr>
-              <a:t> </a:t>
-            </a:r>
-            <a:r>
-              <a:rPr lang="en-US" sz="1600" dirty="0" err="1" smtClean="0">
-                <a:solidFill>
-                  <a:srgbClr val="FFFF00"/>
-                </a:solidFill>
-                <a:latin typeface="Calibri" pitchFamily="34" charset="0"/>
-                <a:cs typeface="Courier New" pitchFamily="49" charset="0"/>
-              </a:rPr>
-              <a:t>distanceText</a:t>
-            </a:r>
-            <a:r>
-              <a:rPr lang="en-US" sz="1600" dirty="0" smtClean="0">
-                <a:solidFill>
-                  <a:srgbClr val="FFFF00"/>
-                </a:solidFill>
-                <a:latin typeface="Calibri" pitchFamily="34" charset="0"/>
-                <a:cs typeface="Courier New" pitchFamily="49" charset="0"/>
-              </a:rPr>
-              <a:t>(</a:t>
-            </a:r>
-            <a:r>
-              <a:rPr lang="en-US" sz="1600" dirty="0" err="1" smtClean="0">
-                <a:solidFill>
-                  <a:srgbClr val="FFFF00"/>
-                </a:solidFill>
-                <a:latin typeface="Calibri" pitchFamily="34" charset="0"/>
-                <a:cs typeface="Courier New" pitchFamily="49" charset="0"/>
-              </a:rPr>
-              <a:t>str</a:t>
-            </a:r>
-            <a:r>
-              <a:rPr lang="en-US" sz="1600" dirty="0" smtClean="0">
-                <a:solidFill>
-                  <a:srgbClr val="FFFF00"/>
-                </a:solidFill>
-                <a:latin typeface="Calibri" pitchFamily="34" charset="0"/>
-                <a:cs typeface="Courier New" pitchFamily="49" charset="0"/>
-              </a:rPr>
-              <a:t>); </a:t>
-            </a:r>
-          </a:p>
-          <a:p>
-            <a:r>
-              <a:rPr lang="en-US" sz="1600" dirty="0" smtClean="0">
-                <a:solidFill>
-                  <a:srgbClr val="FFFF00"/>
-                </a:solidFill>
-                <a:latin typeface="Calibri" pitchFamily="34" charset="0"/>
-                <a:cs typeface="Courier New" pitchFamily="49" charset="0"/>
-              </a:rPr>
-              <a:t>	</a:t>
-            </a:r>
-            <a:r>
-              <a:rPr lang="en-US" sz="1600" dirty="0" err="1" smtClean="0">
-                <a:solidFill>
-                  <a:srgbClr val="FFFF00"/>
-                </a:solidFill>
-                <a:latin typeface="Calibri" pitchFamily="34" charset="0"/>
-                <a:cs typeface="Courier New" pitchFamily="49" charset="0"/>
-              </a:rPr>
-              <a:t>view.drawText</a:t>
-            </a:r>
-            <a:r>
-              <a:rPr lang="en-US" sz="1600" dirty="0" smtClean="0">
-                <a:solidFill>
-                  <a:srgbClr val="FFFF00"/>
-                </a:solidFill>
-                <a:latin typeface="Calibri" pitchFamily="34" charset="0"/>
-                <a:cs typeface="Courier New" pitchFamily="49" charset="0"/>
-              </a:rPr>
-              <a:t>(</a:t>
-            </a:r>
-            <a:r>
-              <a:rPr lang="en-US" sz="1600" dirty="0" err="1" smtClean="0">
-                <a:solidFill>
-                  <a:srgbClr val="FFFF00"/>
-                </a:solidFill>
-                <a:latin typeface="Calibri" pitchFamily="34" charset="0"/>
-                <a:cs typeface="Courier New" pitchFamily="49" charset="0"/>
-              </a:rPr>
-              <a:t>distanceText</a:t>
-            </a:r>
-            <a:r>
-              <a:rPr lang="en-US" sz="1600" dirty="0" smtClean="0">
-                <a:solidFill>
-                  <a:srgbClr val="FFFF00"/>
-                </a:solidFill>
-                <a:latin typeface="Calibri" pitchFamily="34" charset="0"/>
-                <a:cs typeface="Courier New" pitchFamily="49" charset="0"/>
-              </a:rPr>
-              <a:t>, </a:t>
-            </a:r>
-            <a:r>
-              <a:rPr lang="en-US" sz="1600" dirty="0" err="1" smtClean="0">
-                <a:solidFill>
-                  <a:srgbClr val="FFFF00"/>
-                </a:solidFill>
-                <a:latin typeface="Calibri" pitchFamily="34" charset="0"/>
-                <a:cs typeface="Courier New" pitchFamily="49" charset="0"/>
-              </a:rPr>
-              <a:t>textPos</a:t>
-            </a:r>
-            <a:r>
-              <a:rPr lang="en-US" sz="1600" dirty="0" smtClean="0">
-                <a:solidFill>
-                  <a:srgbClr val="FFFF00"/>
-                </a:solidFill>
-                <a:latin typeface="Calibri" pitchFamily="34" charset="0"/>
-                <a:cs typeface="Courier New" pitchFamily="49" charset="0"/>
-              </a:rPr>
-              <a:t>, M3dView::</a:t>
-            </a:r>
-            <a:r>
-              <a:rPr lang="en-US" sz="1600" dirty="0" err="1" smtClean="0">
-                <a:solidFill>
-                  <a:srgbClr val="FFFF00"/>
-                </a:solidFill>
-                <a:latin typeface="Calibri" pitchFamily="34" charset="0"/>
-                <a:cs typeface="Courier New" pitchFamily="49" charset="0"/>
-              </a:rPr>
-              <a:t>kLeft</a:t>
-            </a:r>
-            <a:r>
-              <a:rPr lang="en-US" sz="1600" dirty="0" smtClean="0">
-                <a:solidFill>
-                  <a:srgbClr val="FFFF00"/>
-                </a:solidFill>
-                <a:latin typeface="Calibri" pitchFamily="34" charset="0"/>
-                <a:cs typeface="Courier New" pitchFamily="49" charset="0"/>
-              </a:rPr>
-              <a:t>); </a:t>
-            </a:r>
-          </a:p>
-          <a:p>
-            <a:r>
-              <a:rPr lang="en-US" sz="1600" dirty="0" smtClean="0">
-                <a:solidFill>
-                  <a:srgbClr val="FFFF00"/>
-                </a:solidFill>
-                <a:latin typeface="Calibri" pitchFamily="34" charset="0"/>
-                <a:cs typeface="Courier New" pitchFamily="49" charset="0"/>
-              </a:rPr>
-              <a:t>	</a:t>
-            </a:r>
-            <a:r>
-              <a:rPr lang="en-US" sz="1600" dirty="0" err="1" smtClean="0">
-                <a:solidFill>
-                  <a:srgbClr val="FFFF00"/>
-                </a:solidFill>
-                <a:latin typeface="Calibri" pitchFamily="34" charset="0"/>
-                <a:cs typeface="Courier New" pitchFamily="49" charset="0"/>
-              </a:rPr>
-              <a:t>view.endGL</a:t>
-            </a:r>
-            <a:r>
-              <a:rPr lang="en-US" sz="1600" dirty="0" smtClean="0">
-                <a:solidFill>
-                  <a:srgbClr val="FFFF00"/>
-                </a:solidFill>
-                <a:latin typeface="Calibri" pitchFamily="34" charset="0"/>
-                <a:cs typeface="Courier New" pitchFamily="49" charset="0"/>
-              </a:rPr>
-              <a:t>(); </a:t>
-            </a:r>
-          </a:p>
-          <a:p>
-            <a:r>
-              <a:rPr lang="en-US" sz="1600" dirty="0" smtClean="0">
-                <a:solidFill>
-                  <a:srgbClr val="FFFF00"/>
-                </a:solidFill>
-                <a:latin typeface="Calibri" pitchFamily="34" charset="0"/>
-                <a:cs typeface="Courier New" pitchFamily="49" charset="0"/>
-              </a:rPr>
-              <a:t>} </a:t>
-            </a:r>
           </a:p>
         </p:txBody>
       </p:sp>
@@ -29235,15 +27400,7 @@
           <a:p>
             <a:r>
               <a:rPr lang="en-US" dirty="0" smtClean="0"/>
-              <a:t>Example: </a:t>
-            </a:r>
-            <a:r>
-              <a:rPr lang="en-US" dirty="0" err="1" smtClean="0"/>
-              <a:t>moveManip</a:t>
-            </a:r>
-            <a:r>
-              <a:rPr lang="en-US" dirty="0" smtClean="0"/>
-              <a:t> project</a:t>
+              <a:t>Example: moveManip.py (devkit)</a:t>
             </a:r>
             <a:endParaRPr lang="en-US" dirty="0"/>
           </a:p>
@@ -29270,13 +27427,22 @@
           <a:lstStyle/>
           <a:p>
             <a:r>
+              <a:rPr lang="en-US" sz="1400" dirty="0" smtClean="0">
+                <a:solidFill>
+                  <a:srgbClr val="FFFF00"/>
+                </a:solidFill>
+                <a:latin typeface="Calibri" pitchFamily="34" charset="0"/>
+              </a:rPr>
+              <a:t>Id1 = </a:t>
+            </a:r>
+            <a:r>
               <a:rPr lang="en-US" sz="1400" dirty="0" err="1" smtClean="0">
                 <a:solidFill>
                   <a:srgbClr val="FFFF00"/>
                 </a:solidFill>
                 <a:latin typeface="Calibri" pitchFamily="34" charset="0"/>
               </a:rPr>
-              <a:t>MCallbackId</a:t>
+              <a:t>OpenMaya.MCallbackId</a:t>
             </a:r>
             <a:r>
               <a:rPr lang="en-US" sz="1400" dirty="0" smtClean="0">
@@ -29285,8 +27451,16 @@
                 </a:solidFill>
                 <a:latin typeface="Calibri" pitchFamily="34" charset="0"/>
               </a:rPr>
-              <a:t> id1;</a:t>
-            </a:r>
+              <a:t>()</a:t>
+            </a:r>
+          </a:p>
+          <a:p>
+            <a:endParaRPr lang="en-US" sz="1400" dirty="0" smtClean="0">
+              <a:solidFill>
+                <a:srgbClr val="FFFF00"/>
+              </a:solidFill>
+              <a:latin typeface="Calibri" pitchFamily="34" charset="0"/>
+            </a:endParaRPr>
           </a:p>
           <a:p>
             <a:r>
@@ -29296,7 +27470,7 @@
                 </a:solidFill>
                 <a:latin typeface="Calibri" pitchFamily="34" charset="0"/>
               </a:rPr>
-              <a:t>void </a:t>
+              <a:t>def </a:t>
             </a:r>
             <a:r>
               <a:rPr lang="en-US" sz="1400" dirty="0" err="1" smtClean="0">
@@ -29305,7 +27479,7 @@
                 </a:solidFill>
                 <a:latin typeface="Calibri" pitchFamily="34" charset="0"/>
               </a:rPr>
-              <a:t>moveContext</a:t>
+              <a:t>toolOnSetup</a:t>
             </a:r>
             <a:r>
               <a:rPr lang="en-US" sz="1400" dirty="0" smtClean="0">
@@ -29314,7 +27488,29 @@
                 </a:solidFill>
                 <a:latin typeface="Calibri" pitchFamily="34" charset="0"/>
               </a:rPr>
-              <a:t>::</a:t>
+              <a:t>(self, event):</a:t>
+            </a:r>
+          </a:p>
+          <a:p>
+            <a:r>
+              <a:rPr lang="en-US" sz="1400" dirty="0" smtClean="0">
+                <a:solidFill>
+                  <a:srgbClr val="FFFF00"/>
+                </a:solidFill>
+                <a:latin typeface="Calibri" pitchFamily="34" charset="0"/>
+              </a:rPr>
+              <a:t>	….</a:t>
+            </a:r>
+          </a:p>
+          <a:p>
+            <a:r>
+              <a:rPr lang="en-US" sz="1400" dirty="0" smtClean="0">
+                <a:solidFill>
+                  <a:srgbClr val="FFFF00"/>
+                </a:solidFill>
+                <a:latin typeface="Calibri" pitchFamily="34" charset="0"/>
+              </a:rPr>
+              <a:t>	</a:t>
             </a:r>
             <a:r>
               <a:rPr lang="en-US" sz="1400" dirty="0" err="1" smtClean="0">
@@ -29323,7 +27519,7 @@
                 </a:solidFill>
                 <a:latin typeface="Calibri" pitchFamily="34" charset="0"/>
               </a:rPr>
-              <a:t>toolOnSetup</a:t>
+              <a:t>updateManipulators</a:t>
             </a:r>
             <a:r>
               <a:rPr lang="en-US" sz="1400" dirty="0" smtClean="0">
@@ -29332,6 +27528,35 @@
                 </a:solidFill>
                 <a:latin typeface="Calibri" pitchFamily="34" charset="0"/>
               </a:rPr>
+              <a:t>(self)</a:t>
+            </a:r>
+          </a:p>
+          <a:p>
+            <a:r>
+              <a:rPr lang="en-US" sz="1400" dirty="0" smtClean="0">
+                <a:solidFill>
+                  <a:srgbClr val="FFFF00"/>
+                </a:solidFill>
+                <a:latin typeface="Calibri" pitchFamily="34" charset="0"/>
+              </a:rPr>
+              <a:t>	id1 = </a:t>
+            </a:r>
+            <a:r>
+              <a:rPr lang="en-US" sz="1400" dirty="0" err="1" smtClean="0">
+                <a:solidFill>
+                  <a:srgbClr val="FFFF00"/>
+                </a:solidFill>
+                <a:latin typeface="Calibri" pitchFamily="34" charset="0"/>
+              </a:rPr>
+              <a:t>OpenMaya.MModelMessage.addCallback</a:t>
+            </a:r>
+            <a:r>
+              <a:rPr lang="en-US" sz="1400" dirty="0" smtClean="0">
+                <a:solidFill>
+                  <a:srgbClr val="FFFF00"/>
+                </a:solidFill>
+                <a:latin typeface="Calibri" pitchFamily="34" charset="0"/>
+              </a:rPr>
               <a:t>(</a:t>
             </a:r>
             <a:r>
@@ -29341,7 +27566,7 @@
                 </a:solidFill>
                 <a:latin typeface="Calibri" pitchFamily="34" charset="0"/>
               </a:rPr>
-              <a:t>MEvent</a:t>
+              <a:t>OpenMaya.MModelMessage.kActiveListModified</a:t>
             </a:r>
             <a:r>
               <a:rPr lang="en-US" sz="1400" dirty="0" smtClean="0">
@@ -29350,10 +27575,17 @@
                 </a:solidFill>
                 <a:latin typeface="Calibri" pitchFamily="34" charset="0"/>
               </a:rPr>
-              <a:t> &amp;)</a:t>
-            </a:r>
-          </a:p>
-          <a:p>
+              <a:t>, </a:t>
+            </a:r>
+            <a:r>
+              <a:rPr lang="en-US" sz="1400" dirty="0" err="1" smtClean="0">
+                <a:solidFill>
+                  <a:srgbClr val="FFFF00"/>
+                </a:solidFill>
+                <a:latin typeface="Calibri" pitchFamily="34" charset="0"/>
+              </a:rPr>
+              <a:t>updateManipulators</a:t>
+            </a:r>
             <a:r>
               <a:rPr lang="en-US" sz="1400" dirty="0" smtClean="0">
                 <a:solidFill>
@@ -29361,7 +27593,7 @@
                 </a:solidFill>
                 <a:latin typeface="Calibri" pitchFamily="34" charset="0"/>
               </a:rPr>
-              <a:t>{	….</a:t>
+              <a:t>,  self)</a:t>
             </a:r>
           </a:p>
           <a:p>
@@ -29372,7 +27604,26 @@
                 </a:solidFill>
                 <a:latin typeface="Calibri" pitchFamily="34" charset="0"/>
               </a:rPr>
-              <a:t>	</a:t>
+              <a:t>	….</a:t>
+            </a:r>
+          </a:p>
+          <a:p>
+            <a:endParaRPr lang="en-US" sz="1400" dirty="0" smtClean="0">
+              <a:solidFill>
+                <a:srgbClr val="FFFF00"/>
+              </a:solidFill>
+              <a:latin typeface="Calibri" pitchFamily="34" charset="0"/>
+            </a:endParaRPr>
+          </a:p>
+          <a:p>
+            <a:r>
+              <a:rPr lang="en-US" sz="1400" dirty="0" smtClean="0">
+                <a:solidFill>
+                  <a:srgbClr val="FFFF00"/>
+                </a:solidFill>
+                <a:latin typeface="Calibri" pitchFamily="34" charset="0"/>
+              </a:rPr>
+              <a:t>def </a:t>
             </a:r>
             <a:r>
               <a:rPr lang="en-US" sz="1400" dirty="0" err="1" smtClean="0">
@@ -29381,7 +27632,7 @@
                 </a:solidFill>
                 <a:latin typeface="Calibri" pitchFamily="34" charset="0"/>
               </a:rPr>
-              <a:t>updateManipulators</a:t>
+              <a:t>toolOffCleanup</a:t>
             </a:r>
             <a:r>
               <a:rPr lang="en-US" sz="1400" dirty="0" smtClean="0">
@@ -29390,7 +27641,7 @@
                 </a:solidFill>
                 <a:latin typeface="Calibri" pitchFamily="34" charset="0"/>
               </a:rPr>
-              <a:t>(this);</a:t>
+              <a:t>(self):</a:t>
             </a:r>
           </a:p>
           <a:p>
@@ -29401,7 +27652,18 @@
                 </a:solidFill>
                 <a:latin typeface="Calibri" pitchFamily="34" charset="0"/>
               </a:rPr>
-              <a:t>	</a:t>
+              <a:t> 	...</a:t>
+            </a:r>
+          </a:p>
+          <a:p>
+            <a:r>
+              <a:rPr lang="en-US" sz="1400" dirty="0" smtClean="0">
+                <a:solidFill>
+                  <a:srgbClr val="FFFF00"/>
+                </a:solidFill>
+                <a:latin typeface="Calibri" pitchFamily="34" charset="0"/>
+              </a:rPr>
+              <a:t> 	</a:t>
             </a:r>
             <a:r>
               <a:rPr lang="en-US" sz="1400" dirty="0" err="1" smtClean="0">
@@ -29410,7 +27672,7 @@
                 </a:solidFill>
                 <a:latin typeface="Calibri" pitchFamily="34" charset="0"/>
               </a:rPr>
-              <a:t>MStatus</a:t>
+              <a:t>OpenMaya.MModelMessage.removeCallback</a:t>
             </a:r>
             <a:r>
               <a:rPr lang="en-US" sz="1400" dirty="0" smtClean="0">
@@ -29419,7 +27681,7 @@
                 </a:solidFill>
                 <a:latin typeface="Calibri" pitchFamily="34" charset="0"/>
               </a:rPr>
-              <a:t> status;</a:t>
+              <a:t>(id1)</a:t>
             </a:r>
           </a:p>
           <a:p>
@@ -29430,269 +27692,16 @@
                 </a:solidFill>
                 <a:latin typeface="Calibri" pitchFamily="34" charset="0"/>
               </a:rPr>
-              <a:t>	id1 = </a:t>
-            </a:r>
-            <a:r>
-              <a:rPr lang="en-US" sz="1400" dirty="0" err="1" smtClean="0">
-                <a:solidFill>
-                  <a:srgbClr val="FFFF00"/>
-                </a:solidFill>
-                <a:latin typeface="Calibri" pitchFamily="34" charset="0"/>
-              </a:rPr>
-              <a:t>MModelMessage</a:t>
-            </a:r>
-            <a:r>
-              <a:rPr lang="en-US" sz="1400" dirty="0" smtClean="0">
-                <a:solidFill>
-                  <a:srgbClr val="FFFF00"/>
-                </a:solidFill>
-                <a:latin typeface="Calibri" pitchFamily="34" charset="0"/>
-              </a:rPr>
-              <a:t>::</a:t>
-            </a:r>
-            <a:r>
-              <a:rPr lang="en-US" sz="1400" dirty="0" err="1" smtClean="0">
-                <a:solidFill>
-                  <a:srgbClr val="FFFF00"/>
-                </a:solidFill>
-                <a:latin typeface="Calibri" pitchFamily="34" charset="0"/>
-              </a:rPr>
-              <a:t>addCallback</a:t>
-            </a:r>
-            <a:r>
-              <a:rPr lang="en-US" sz="1400" dirty="0" smtClean="0">
-                <a:solidFill>
-                  <a:srgbClr val="FFFF00"/>
-                </a:solidFill>
-                <a:latin typeface="Calibri" pitchFamily="34" charset="0"/>
-              </a:rPr>
-              <a:t>(</a:t>
-            </a:r>
-            <a:r>
-              <a:rPr lang="en-US" sz="1400" dirty="0" err="1" smtClean="0">
-                <a:solidFill>
-                  <a:srgbClr val="FFFF00"/>
-                </a:solidFill>
-                <a:latin typeface="Calibri" pitchFamily="34" charset="0"/>
-              </a:rPr>
-              <a:t>MModelMessage</a:t>
-            </a:r>
-            <a:r>
-              <a:rPr lang="en-US" sz="1400" dirty="0" smtClean="0">
-                <a:solidFill>
-                  <a:srgbClr val="FFFF00"/>
-                </a:solidFill>
-                <a:latin typeface="Calibri" pitchFamily="34" charset="0"/>
-              </a:rPr>
-              <a:t>::</a:t>
-            </a:r>
-            <a:r>
-              <a:rPr lang="en-US" sz="1400" dirty="0" err="1" smtClean="0">
-                <a:solidFill>
-                  <a:srgbClr val="FFFF00"/>
-                </a:solidFill>
-                <a:latin typeface="Calibri" pitchFamily="34" charset="0"/>
-              </a:rPr>
-              <a:t>kActiveListModified</a:t>
-            </a:r>
-            <a:r>
-              <a:rPr lang="en-US" sz="1400" dirty="0" smtClean="0">
-                <a:solidFill>
-                  <a:srgbClr val="FFFF00"/>
-                </a:solidFill>
-                <a:latin typeface="Calibri" pitchFamily="34" charset="0"/>
-              </a:rPr>
-              <a:t>, </a:t>
-            </a:r>
-            <a:r>
-              <a:rPr lang="en-US" sz="1400" dirty="0" err="1" smtClean="0">
-                <a:solidFill>
-                  <a:srgbClr val="FFFF00"/>
-                </a:solidFill>
-                <a:latin typeface="Calibri" pitchFamily="34" charset="0"/>
-              </a:rPr>
-              <a:t>updateManipulators</a:t>
-            </a:r>
-            <a:r>
-              <a:rPr lang="en-US" sz="1400" dirty="0" smtClean="0">
-                <a:solidFill>
-                  <a:srgbClr val="FFFF00"/>
-                </a:solidFill>
-                <a:latin typeface="Calibri" pitchFamily="34" charset="0"/>
-              </a:rPr>
-              <a:t>,  this, &amp;status);</a:t>
-            </a:r>
-          </a:p>
-          <a:p>
-            <a:r>
-              <a:rPr lang="en-US" sz="1400" dirty="0" smtClean="0">
-                <a:solidFill>
-                  <a:srgbClr val="FFFF00"/>
-                </a:solidFill>
-                <a:latin typeface="Calibri" pitchFamily="34" charset="0"/>
-              </a:rPr>
-              <a:t>	….</a:t>
-            </a:r>
-          </a:p>
-          <a:p>
-            <a:r>
-              <a:rPr lang="en-US" sz="1400" dirty="0" smtClean="0">
-                <a:solidFill>
-                  <a:srgbClr val="FFFF00"/>
-                </a:solidFill>
-                <a:latin typeface="Calibri" pitchFamily="34" charset="0"/>
-              </a:rPr>
-              <a:t>}</a:t>
-            </a:r>
-          </a:p>
-          <a:p>
-            <a:r>
-              <a:rPr lang="en-US" sz="1400" dirty="0" smtClean="0">
-                <a:solidFill>
-                  <a:srgbClr val="FFFF00"/>
-                </a:solidFill>
-                <a:latin typeface="Calibri" pitchFamily="34" charset="0"/>
-              </a:rPr>
-              <a:t> </a:t>
-            </a:r>
-          </a:p>
-          <a:p>
-            <a:r>
-              <a:rPr lang="en-US" sz="1400" dirty="0" smtClean="0">
-                <a:solidFill>
-                  <a:srgbClr val="FFFF00"/>
-                </a:solidFill>
-                <a:latin typeface="Calibri" pitchFamily="34" charset="0"/>
-              </a:rPr>
-              <a:t>void </a:t>
-            </a:r>
-            <a:r>
-              <a:rPr lang="en-US" sz="1400" dirty="0" err="1" smtClean="0">
-                <a:solidFill>
-                  <a:srgbClr val="FFFF00"/>
-                </a:solidFill>
-                <a:latin typeface="Calibri" pitchFamily="34" charset="0"/>
-              </a:rPr>
-              <a:t>moveContext</a:t>
-            </a:r>
-            <a:r>
-              <a:rPr lang="en-US" sz="1400" dirty="0" smtClean="0">
-                <a:solidFill>
-                  <a:srgbClr val="FFFF00"/>
-                </a:solidFill>
-                <a:latin typeface="Calibri" pitchFamily="34" charset="0"/>
-              </a:rPr>
-              <a:t>::</a:t>
-            </a:r>
-            <a:r>
-              <a:rPr lang="en-US" sz="1400" dirty="0" err="1" smtClean="0">
-                <a:solidFill>
-                  <a:srgbClr val="FFFF00"/>
-                </a:solidFill>
-                <a:latin typeface="Calibri" pitchFamily="34" charset="0"/>
-              </a:rPr>
-              <a:t>toolOffCleanup</a:t>
-            </a:r>
-            <a:r>
-              <a:rPr lang="en-US" sz="1400" dirty="0" smtClean="0">
-                <a:solidFill>
-                  <a:srgbClr val="FFFF00"/>
-                </a:solidFill>
-                <a:latin typeface="Calibri" pitchFamily="34" charset="0"/>
-              </a:rPr>
-              <a:t>()</a:t>
-            </a:r>
-          </a:p>
-          <a:p>
-            <a:r>
-              <a:rPr lang="en-US" sz="1400" dirty="0" smtClean="0">
-                <a:solidFill>
-                  <a:srgbClr val="FFFF00"/>
-                </a:solidFill>
-                <a:latin typeface="Calibri" pitchFamily="34" charset="0"/>
-              </a:rPr>
-              <a:t>{</a:t>
-            </a:r>
-          </a:p>
-          <a:p>
-            <a:r>
-              <a:rPr lang="en-US" sz="1400" dirty="0" smtClean="0">
-                <a:solidFill>
-                  <a:srgbClr val="FFFF00"/>
-                </a:solidFill>
-                <a:latin typeface="Calibri" pitchFamily="34" charset="0"/>
-              </a:rPr>
               <a:t> 	...</a:t>
             </a:r>
           </a:p>
           <a:p>
-            <a:r>
-              <a:rPr lang="en-US" sz="1400" dirty="0" smtClean="0">
-                <a:solidFill>
-                  <a:srgbClr val="FFFF00"/>
-                </a:solidFill>
-                <a:latin typeface="Calibri" pitchFamily="34" charset="0"/>
-              </a:rPr>
-              <a:t> 	status = </a:t>
-            </a:r>
-            <a:r>
-              <a:rPr lang="en-US" sz="1400" dirty="0" err="1" smtClean="0">
-                <a:solidFill>
-                  <a:srgbClr val="FFFF00"/>
-                </a:solidFill>
-                <a:latin typeface="Calibri" pitchFamily="34" charset="0"/>
-              </a:rPr>
-              <a:t>MModelMessage</a:t>
-            </a:r>
-            <a:r>
-              <a:rPr lang="en-US" sz="1400" dirty="0" smtClean="0">
-                <a:solidFill>
-                  <a:srgbClr val="FFFF00"/>
-                </a:solidFill>
-                <a:latin typeface="Calibri" pitchFamily="34" charset="0"/>
-              </a:rPr>
-              <a:t>::</a:t>
-            </a:r>
-            <a:r>
-              <a:rPr lang="en-US" sz="1400" dirty="0" err="1" smtClean="0">
-                <a:solidFill>
-                  <a:srgbClr val="FFFF00"/>
-                </a:solidFill>
-                <a:latin typeface="Calibri" pitchFamily="34" charset="0"/>
-              </a:rPr>
-              <a:t>removeCallback</a:t>
-            </a:r>
-            <a:r>
-              <a:rPr lang="en-US" sz="1400" dirty="0" smtClean="0">
-                <a:solidFill>
-                  <a:srgbClr val="FFFF00"/>
-                </a:solidFill>
-                <a:latin typeface="Calibri" pitchFamily="34" charset="0"/>
-              </a:rPr>
-              <a:t>(id1);</a:t>
-            </a:r>
-          </a:p>
-          <a:p>
-            <a:r>
-              <a:rPr lang="en-US" sz="1400" dirty="0" smtClean="0">
-                <a:solidFill>
-                  <a:srgbClr val="FFFF00"/>
-                </a:solidFill>
-                <a:latin typeface="Calibri" pitchFamily="34" charset="0"/>
-              </a:rPr>
-              <a:t> 	...</a:t>
-            </a:r>
-          </a:p>
-          <a:p>
-            <a:r>
-              <a:rPr lang="en-US" sz="1400" dirty="0" smtClean="0">
-                <a:solidFill>
-                  <a:srgbClr val="FFFF00"/>
-                </a:solidFill>
-                <a:latin typeface="Calibri" pitchFamily="34" charset="0"/>
-              </a:rPr>
-              <a:t>}</a:t>
-            </a:r>
+            <a:endParaRPr lang="en-US" sz="1400" dirty="0" smtClean="0">
+              <a:solidFill>
+                <a:srgbClr val="FFFF00"/>
+              </a:solidFill>
+              <a:latin typeface="Calibri" pitchFamily="34" charset="0"/>
+            </a:endParaRPr>
           </a:p>
           <a:p>
             <a:r>
@@ -29794,7 +27803,7 @@
         </p:nvSpPr>
         <p:spPr bwMode="auto">
           <a:xfrm>
-            <a:off x="6400800" y="2909822"/>
+            <a:off x="838200" y="2819400"/>
             <a:ext cx="1524000" cy="330587"/>
           </a:xfrm>
           <a:prstGeom prst="roundRect">
@@ -30008,15 +28017,7 @@
           <a:p>
             <a:r>
               <a:rPr lang="en-US" dirty="0" smtClean="0"/>
-              <a:t>Example: </a:t>
-            </a:r>
-            <a:r>
-              <a:rPr lang="en-US" dirty="0" err="1" smtClean="0"/>
-              <a:t>moveManip</a:t>
-            </a:r>
-            <a:r>
-              <a:rPr lang="en-US" dirty="0" smtClean="0"/>
-              <a:t> project</a:t>
+              <a:t>Example: moveManip.py (devkit)</a:t>
             </a:r>
             <a:endParaRPr lang="en-US" dirty="0"/>
           </a:p>
@@ -30049,7 +28050,7 @@
                 </a:solidFill>
                 <a:latin typeface="Calibri" pitchFamily="34" charset="0"/>
               </a:rPr>
-              <a:t>void </a:t>
+              <a:t>def </a:t>
             </a:r>
             <a:r>
               <a:rPr lang="en-US" sz="1400" dirty="0" err="1" smtClean="0">
@@ -30058,7 +28059,7 @@
                 </a:solidFill>
                 <a:latin typeface="Calibri" pitchFamily="34" charset="0"/>
               </a:rPr>
-              <a:t>MoveManipContext</a:t>
+              <a:t>updateManipulators</a:t>
             </a:r>
             <a:r>
               <a:rPr lang="en-US" sz="1400" dirty="0" smtClean="0">
@@ -30067,7 +28068,29 @@
                 </a:solidFill>
                 <a:latin typeface="Calibri" pitchFamily="34" charset="0"/>
               </a:rPr>
-              <a:t>::</a:t>
+              <a:t>(data)</a:t>
+            </a:r>
+          </a:p>
+          <a:p>
+            <a:r>
+              <a:rPr lang="en-US" sz="1400" dirty="0" smtClean="0">
+                <a:solidFill>
+                  <a:srgbClr val="FFFF00"/>
+                </a:solidFill>
+                <a:latin typeface="Calibri" pitchFamily="34" charset="0"/>
+              </a:rPr>
+              <a:t>	...</a:t>
+            </a:r>
+          </a:p>
+          <a:p>
+            <a:r>
+              <a:rPr lang="en-US" sz="1400" dirty="0" smtClean="0">
+                <a:solidFill>
+                  <a:srgbClr val="FFFF00"/>
+                </a:solidFill>
+                <a:latin typeface="Calibri" pitchFamily="34" charset="0"/>
+              </a:rPr>
+              <a:t>	 </a:t>
             </a:r>
             <a:r>
               <a:rPr lang="en-US" sz="1400" dirty="0" err="1" smtClean="0">
@@ -30076,7 +28099,7 @@
                 </a:solidFill>
                 <a:latin typeface="Calibri" pitchFamily="34" charset="0"/>
               </a:rPr>
-              <a:t>updateManipulators</a:t>
+              <a:t>clientData.deleteManipulators</a:t>
             </a:r>
             <a:r>
               <a:rPr lang="en-US" sz="1400" dirty="0" smtClean="0">
@@ -30085,7 +28108,7 @@
                 </a:solidFill>
                 <a:latin typeface="Calibri" pitchFamily="34" charset="0"/>
               </a:rPr>
-              <a:t>(void * data)</a:t>
+              <a:t>()	 ...</a:t>
             </a:r>
           </a:p>
           <a:p>
@@ -30096,7 +28119,7 @@
                 </a:solidFill>
                 <a:latin typeface="Calibri" pitchFamily="34" charset="0"/>
               </a:rPr>
-              <a:t>{</a:t>
+              <a:t>	 # for each object selected</a:t>
             </a:r>
           </a:p>
           <a:p>
@@ -30107,10 +28130,17 @@
                 </a:solidFill>
                 <a:latin typeface="Calibri" pitchFamily="34" charset="0"/>
               </a:rPr>
-              <a:t> ...</a:t>
-            </a:r>
-          </a:p>
-          <a:p>
+              <a:t>	 </a:t>
+            </a:r>
+            <a:r>
+              <a:rPr lang="en-US" sz="1400" dirty="0" err="1" smtClean="0">
+                <a:solidFill>
+                  <a:srgbClr val="FFFF00"/>
+                </a:solidFill>
+                <a:latin typeface="Calibri" pitchFamily="34" charset="0"/>
+              </a:rPr>
+              <a:t>manipName</a:t>
+            </a:r>
             <a:r>
               <a:rPr lang="en-US" sz="1400" dirty="0" smtClean="0">
                 <a:solidFill>
@@ -30118,7 +28148,7 @@
                 </a:solidFill>
                 <a:latin typeface="Calibri" pitchFamily="34" charset="0"/>
               </a:rPr>
-              <a:t> </a:t>
+              <a:t> ="</a:t>
             </a:r>
             <a:r>
               <a:rPr lang="en-US" sz="1400" dirty="0" err="1" smtClean="0">
@@ -30127,7 +28157,7 @@
                 </a:solidFill>
                 <a:latin typeface="Calibri" pitchFamily="34" charset="0"/>
               </a:rPr>
-              <a:t>moveContext</a:t>
+              <a:t>moveManip</a:t>
             </a:r>
             <a:r>
               <a:rPr lang="en-US" sz="1400" dirty="0" smtClean="0">
@@ -30136,7 +28166,18 @@
                 </a:solidFill>
                 <a:latin typeface="Calibri" pitchFamily="34" charset="0"/>
               </a:rPr>
-              <a:t> * </a:t>
+              <a:t>"</a:t>
+            </a:r>
+          </a:p>
+          <a:p>
+            <a:r>
+              <a:rPr lang="en-US" sz="1400" dirty="0" smtClean="0">
+                <a:solidFill>
+                  <a:srgbClr val="FFFF00"/>
+                </a:solidFill>
+                <a:latin typeface="Calibri" pitchFamily="34" charset="0"/>
+              </a:rPr>
+              <a:t>	 </a:t>
             </a:r>
             <a:r>
               <a:rPr lang="en-US" sz="1400" dirty="0" err="1" smtClean="0">
@@ -30145,7 +28186,7 @@
                 </a:solidFill>
                 <a:latin typeface="Calibri" pitchFamily="34" charset="0"/>
               </a:rPr>
-              <a:t>ctxPtr</a:t>
+              <a:t>manipObject</a:t>
             </a:r>
             <a:r>
               <a:rPr lang="en-US" sz="1400" dirty="0" smtClean="0">
@@ -30154,7 +28195,7 @@
                 </a:solidFill>
                 <a:latin typeface="Calibri" pitchFamily="34" charset="0"/>
               </a:rPr>
-              <a:t> = (</a:t>
+              <a:t> = </a:t>
             </a:r>
             <a:r>
               <a:rPr lang="en-US" sz="1400" dirty="0" err="1" smtClean="0">
@@ -30163,7 +28204,7 @@
                 </a:solidFill>
                 <a:latin typeface="Calibri" pitchFamily="34" charset="0"/>
               </a:rPr>
-              <a:t>moveContext</a:t>
+              <a:t>OpenMaya.MObject</a:t>
             </a:r>
             <a:r>
               <a:rPr lang="en-US" sz="1400" dirty="0" smtClean="0">
@@ -30172,7 +28213,7 @@
                 </a:solidFill>
                 <a:latin typeface="Calibri" pitchFamily="34" charset="0"/>
               </a:rPr>
-              <a:t> *) data;</a:t>
+              <a:t>()</a:t>
             </a:r>
           </a:p>
           <a:p>
@@ -30183,7 +28224,7 @@
                 </a:solidFill>
                 <a:latin typeface="Calibri" pitchFamily="34" charset="0"/>
               </a:rPr>
-              <a:t> </a:t>
+              <a:t>	 manipulator = </a:t>
             </a:r>
             <a:r>
               <a:rPr lang="en-US" sz="1400" dirty="0" err="1" smtClean="0">
@@ -30192,7 +28233,7 @@
                 </a:solidFill>
                 <a:latin typeface="Calibri" pitchFamily="34" charset="0"/>
               </a:rPr>
-              <a:t>ctxPtr</a:t>
+              <a:t>OpenMayaMPx.MPxManipContainer.newManipulator</a:t>
             </a:r>
             <a:r>
               <a:rPr lang="en-US" sz="1400" dirty="0" smtClean="0">
@@ -30201,7 +28242,7 @@
                 </a:solidFill>
                 <a:latin typeface="Calibri" pitchFamily="34" charset="0"/>
               </a:rPr>
-              <a:t>-&gt;</a:t>
+              <a:t>(</a:t>
             </a:r>
             <a:r>
               <a:rPr lang="en-US" sz="1400" dirty="0" err="1" smtClean="0">
@@ -30210,7 +28251,7 @@
                 </a:solidFill>
                 <a:latin typeface="Calibri" pitchFamily="34" charset="0"/>
               </a:rPr>
-              <a:t>deleteManipulators</a:t>
+              <a:t>manipName,manipObject</a:t>
             </a:r>
             <a:r>
               <a:rPr lang="en-US" sz="1400" dirty="0" smtClean="0">
@@ -30219,7 +28260,7 @@
                 </a:solidFill>
                 <a:latin typeface="Calibri" pitchFamily="34" charset="0"/>
               </a:rPr>
-              <a:t>();</a:t>
+              <a:t>)</a:t>
             </a:r>
           </a:p>
           <a:p>
@@ -30230,7 +28271,7 @@
                 </a:solidFill>
                 <a:latin typeface="Calibri" pitchFamily="34" charset="0"/>
               </a:rPr>
-              <a:t> ...</a:t>
+              <a:t>	 ...</a:t>
             </a:r>
           </a:p>
           <a:p>
@@ -30241,7 +28282,7 @@
                 </a:solidFill>
                 <a:latin typeface="Calibri" pitchFamily="34" charset="0"/>
               </a:rPr>
-              <a:t> // for each object selected</a:t>
+              <a:t>	 if manipulator is not None:</a:t>
             </a:r>
           </a:p>
           <a:p>
@@ -30252,7 +28293,7 @@
                 </a:solidFill>
                 <a:latin typeface="Calibri" pitchFamily="34" charset="0"/>
               </a:rPr>
-              <a:t> </a:t>
+              <a:t>		</a:t>
             </a:r>
             <a:r>
               <a:rPr lang="en-US" sz="1400" dirty="0" err="1" smtClean="0">
@@ -30261,7 +28302,7 @@
                 </a:solidFill>
                 <a:latin typeface="Calibri" pitchFamily="34" charset="0"/>
               </a:rPr>
-              <a:t>MString</a:t>
+              <a:t>clientData.addManipulator</a:t>
             </a:r>
             <a:r>
               <a:rPr lang="en-US" sz="1400" dirty="0" smtClean="0">
@@ -30270,7 +28311,7 @@
                 </a:solidFill>
                 <a:latin typeface="Calibri" pitchFamily="34" charset="0"/>
               </a:rPr>
-              <a:t> </a:t>
+              <a:t>(</a:t>
             </a:r>
             <a:r>
               <a:rPr lang="en-US" sz="1400" dirty="0" err="1" smtClean="0">
@@ -30279,7 +28320,7 @@
                 </a:solidFill>
                 <a:latin typeface="Calibri" pitchFamily="34" charset="0"/>
               </a:rPr>
-              <a:t>manipName</a:t>
+              <a:t>manipObject</a:t>
             </a:r>
             <a:r>
               <a:rPr lang="en-US" sz="1400" dirty="0" smtClean="0">
@@ -30288,7 +28329,18 @@
                 </a:solidFill>
                 <a:latin typeface="Calibri" pitchFamily="34" charset="0"/>
               </a:rPr>
-              <a:t>("</a:t>
+              <a:t>)</a:t>
+            </a:r>
+          </a:p>
+          <a:p>
+            <a:r>
+              <a:rPr lang="en-US" sz="1400" dirty="0" smtClean="0">
+                <a:solidFill>
+                  <a:srgbClr val="FFFF00"/>
+                </a:solidFill>
+                <a:latin typeface="Calibri" pitchFamily="34" charset="0"/>
+              </a:rPr>
+              <a:t>	 	</a:t>
             </a:r>
             <a:r>
               <a:rPr lang="en-US" sz="1400" dirty="0" err="1" smtClean="0">
@@ -30297,7 +28349,7 @@
                 </a:solidFill>
                 <a:latin typeface="Calibri" pitchFamily="34" charset="0"/>
               </a:rPr>
-              <a:t>moveManip</a:t>
+              <a:t>manipulator.connectToDependNode</a:t>
             </a:r>
             <a:r>
               <a:rPr lang="en-US" sz="1400" dirty="0" smtClean="0">
@@ -30306,10 +28358,17 @@
                 </a:solidFill>
                 <a:latin typeface="Calibri" pitchFamily="34" charset="0"/>
               </a:rPr>
-              <a:t>");</a:t>
-            </a:r>
-          </a:p>
-          <a:p>
+              <a:t>(</a:t>
+            </a:r>
+            <a:r>
+              <a:rPr lang="en-US" sz="1400" dirty="0" err="1" smtClean="0">
+                <a:solidFill>
+                  <a:srgbClr val="FFFF00"/>
+                </a:solidFill>
+                <a:latin typeface="Calibri" pitchFamily="34" charset="0"/>
+              </a:rPr>
+              <a:t>dependNode</a:t>
+            </a:r>
             <a:r>
               <a:rPr lang="en-US" sz="1400" dirty="0" smtClean="0">
                 <a:solidFill>
@@ -30317,17 +28376,10 @@
                 </a:solidFill>
                 <a:latin typeface="Calibri" pitchFamily="34" charset="0"/>
               </a:rPr>
-              <a:t> </a:t>
-            </a:r>
-            <a:r>
-              <a:rPr lang="en-US" sz="1400" dirty="0" err="1" smtClean="0">
-                <a:solidFill>
-                  <a:srgbClr val="FFFF00"/>
-                </a:solidFill>
-                <a:latin typeface="Calibri" pitchFamily="34" charset="0"/>
-              </a:rPr>
-              <a:t>MObject</a:t>
-            </a:r>
+              <a:t>)</a:t>
+            </a:r>
+          </a:p>
+          <a:p>
             <a:r>
               <a:rPr lang="en-US" sz="1400" dirty="0" smtClean="0">
                 <a:solidFill>
@@ -30335,337 +28387,10 @@
                 </a:solidFill>
                 <a:latin typeface="Calibri" pitchFamily="34" charset="0"/>
               </a:rPr>
-              <a:t> </a:t>
-            </a:r>
-            <a:r>
-              <a:rPr lang="en-US" sz="1400" dirty="0" err="1" smtClean="0">
-                <a:solidFill>
-                  <a:srgbClr val="FFFF00"/>
-                </a:solidFill>
-                <a:latin typeface="Calibri" pitchFamily="34" charset="0"/>
-              </a:rPr>
-              <a:t>manipObject</a:t>
-            </a:r>
-            <a:r>
-              <a:rPr lang="en-US" sz="1400" dirty="0" smtClean="0">
-                <a:solidFill>
-                  <a:srgbClr val="FFFF00"/>
-                </a:solidFill>
-                <a:latin typeface="Calibri" pitchFamily="34" charset="0"/>
-              </a:rPr>
-              <a:t>;</a:t>
-            </a:r>
-          </a:p>
-          <a:p>
-            <a:r>
-              <a:rPr lang="en-US" sz="1400" dirty="0" smtClean="0">
-                <a:solidFill>
-                  <a:srgbClr val="FFFF00"/>
-                </a:solidFill>
-                <a:latin typeface="Calibri" pitchFamily="34" charset="0"/>
-              </a:rPr>
-              <a:t> </a:t>
-            </a:r>
-            <a:r>
-              <a:rPr lang="en-US" sz="1400" dirty="0" err="1" smtClean="0">
-                <a:solidFill>
-                  <a:srgbClr val="FFFF00"/>
-                </a:solidFill>
-                <a:latin typeface="Calibri" pitchFamily="34" charset="0"/>
-              </a:rPr>
-              <a:t>ctxPtr</a:t>
-            </a:r>
-            <a:r>
-              <a:rPr lang="en-US" sz="1400" dirty="0" smtClean="0">
-                <a:solidFill>
-                  <a:srgbClr val="FFFF00"/>
-                </a:solidFill>
-                <a:latin typeface="Calibri" pitchFamily="34" charset="0"/>
-              </a:rPr>
-              <a:t>-&gt;</a:t>
-            </a:r>
-            <a:r>
-              <a:rPr lang="en-US" sz="1400" dirty="0" err="1" smtClean="0">
-                <a:solidFill>
-                  <a:srgbClr val="FFFF00"/>
-                </a:solidFill>
-                <a:latin typeface="Calibri" pitchFamily="34" charset="0"/>
-              </a:rPr>
-              <a:t>moveM</a:t>
-            </a:r>
-            <a:r>
-              <a:rPr lang="en-US" sz="1400" dirty="0" smtClean="0">
-                <a:solidFill>
-                  <a:srgbClr val="FFFF00"/>
-                </a:solidFill>
-                <a:latin typeface="Calibri" pitchFamily="34" charset="0"/>
-              </a:rPr>
-              <a:t> = (</a:t>
-            </a:r>
-            <a:r>
-              <a:rPr lang="en-US" sz="1400" dirty="0" err="1" smtClean="0">
-                <a:solidFill>
-                  <a:srgbClr val="FFFF00"/>
-                </a:solidFill>
-                <a:latin typeface="Calibri" pitchFamily="34" charset="0"/>
-              </a:rPr>
-              <a:t>moveManip</a:t>
-            </a:r>
-            <a:r>
-              <a:rPr lang="en-US" sz="1400" dirty="0" smtClean="0">
-                <a:solidFill>
-                  <a:srgbClr val="FFFF00"/>
-                </a:solidFill>
-                <a:latin typeface="Calibri" pitchFamily="34" charset="0"/>
-              </a:rPr>
-              <a:t> *) </a:t>
-            </a:r>
-            <a:r>
-              <a:rPr lang="en-US" sz="1400" dirty="0" err="1" smtClean="0">
-                <a:solidFill>
-                  <a:srgbClr val="FFFF00"/>
-                </a:solidFill>
-                <a:latin typeface="Calibri" pitchFamily="34" charset="0"/>
-              </a:rPr>
-              <a:t>moveManip</a:t>
-            </a:r>
-            <a:r>
-              <a:rPr lang="en-US" sz="1400" dirty="0" smtClean="0">
-                <a:solidFill>
-                  <a:srgbClr val="FFFF00"/>
-                </a:solidFill>
-                <a:latin typeface="Calibri" pitchFamily="34" charset="0"/>
-              </a:rPr>
-              <a:t>::</a:t>
-            </a:r>
-            <a:r>
-              <a:rPr lang="en-US" sz="1400" dirty="0" err="1" smtClean="0">
-                <a:solidFill>
-                  <a:srgbClr val="FFFF00"/>
-                </a:solidFill>
-                <a:latin typeface="Calibri" pitchFamily="34" charset="0"/>
-              </a:rPr>
-              <a:t>newManipulator</a:t>
-            </a:r>
-            <a:r>
-              <a:rPr lang="en-US" sz="1400" dirty="0" smtClean="0">
-                <a:solidFill>
-                  <a:srgbClr val="FFFF00"/>
-                </a:solidFill>
-                <a:latin typeface="Calibri" pitchFamily="34" charset="0"/>
-              </a:rPr>
-              <a:t>(</a:t>
-            </a:r>
-            <a:r>
-              <a:rPr lang="en-US" sz="1400" dirty="0" err="1" smtClean="0">
-                <a:solidFill>
-                  <a:srgbClr val="FFFF00"/>
-                </a:solidFill>
-                <a:latin typeface="Calibri" pitchFamily="34" charset="0"/>
-              </a:rPr>
-              <a:t>manipName,manipObject</a:t>
-            </a:r>
-            <a:r>
-              <a:rPr lang="en-US" sz="1400" dirty="0" smtClean="0">
-                <a:solidFill>
-                  <a:srgbClr val="FFFF00"/>
-                </a:solidFill>
-                <a:latin typeface="Calibri" pitchFamily="34" charset="0"/>
-              </a:rPr>
-              <a:t>);</a:t>
-            </a:r>
-          </a:p>
-          <a:p>
-            <a:r>
-              <a:rPr lang="en-US" sz="1400" dirty="0" smtClean="0">
-                <a:solidFill>
-                  <a:srgbClr val="FFFF00"/>
-                </a:solidFill>
-                <a:latin typeface="Calibri" pitchFamily="34" charset="0"/>
-              </a:rPr>
-              <a:t> ...</a:t>
-            </a:r>
-          </a:p>
-          <a:p>
-            <a:r>
-              <a:rPr lang="en-US" sz="1400" dirty="0" smtClean="0">
-                <a:solidFill>
-                  <a:srgbClr val="FFFF00"/>
-                </a:solidFill>
-                <a:latin typeface="Calibri" pitchFamily="34" charset="0"/>
-              </a:rPr>
-              <a:t> </a:t>
-            </a:r>
-            <a:r>
-              <a:rPr lang="en-US" sz="1400" dirty="0" err="1" smtClean="0">
-                <a:solidFill>
-                  <a:srgbClr val="FFFF00"/>
-                </a:solidFill>
-                <a:latin typeface="Calibri" pitchFamily="34" charset="0"/>
-              </a:rPr>
-              <a:t>ctxPtr</a:t>
-            </a:r>
-            <a:r>
-              <a:rPr lang="en-US" sz="1400" dirty="0" smtClean="0">
-                <a:solidFill>
-                  <a:srgbClr val="FFFF00"/>
-                </a:solidFill>
-                <a:latin typeface="Calibri" pitchFamily="34" charset="0"/>
-              </a:rPr>
-              <a:t>-&gt;</a:t>
-            </a:r>
-            <a:r>
-              <a:rPr lang="en-US" sz="1400" dirty="0" err="1" smtClean="0">
-                <a:solidFill>
-                  <a:srgbClr val="FFFF00"/>
-                </a:solidFill>
-                <a:latin typeface="Calibri" pitchFamily="34" charset="0"/>
-              </a:rPr>
-              <a:t>addManipulator</a:t>
-            </a:r>
-            <a:r>
-              <a:rPr lang="en-US" sz="1400" dirty="0" smtClean="0">
-                <a:solidFill>
-                  <a:srgbClr val="FFFF00"/>
-                </a:solidFill>
-                <a:latin typeface="Calibri" pitchFamily="34" charset="0"/>
-              </a:rPr>
-              <a:t>(</a:t>
-            </a:r>
-            <a:r>
-              <a:rPr lang="en-US" sz="1400" dirty="0" err="1" smtClean="0">
-                <a:solidFill>
-                  <a:srgbClr val="FFFF00"/>
-                </a:solidFill>
-                <a:latin typeface="Calibri" pitchFamily="34" charset="0"/>
-              </a:rPr>
-              <a:t>manipObject</a:t>
-            </a:r>
-            <a:r>
-              <a:rPr lang="en-US" sz="1400" dirty="0" smtClean="0">
-                <a:solidFill>
-                  <a:srgbClr val="FFFF00"/>
-                </a:solidFill>
-                <a:latin typeface="Calibri" pitchFamily="34" charset="0"/>
-              </a:rPr>
-              <a:t>);</a:t>
-            </a:r>
-          </a:p>
-          <a:p>
-            <a:r>
-              <a:rPr lang="en-US" sz="1400" dirty="0" smtClean="0">
-                <a:solidFill>
-                  <a:srgbClr val="FFFF00"/>
-                </a:solidFill>
-                <a:latin typeface="Calibri" pitchFamily="34" charset="0"/>
-              </a:rPr>
-              <a:t> ...</a:t>
-            </a:r>
-          </a:p>
-          <a:p>
-            <a:r>
-              <a:rPr lang="en-US" sz="1400" dirty="0" smtClean="0">
-                <a:solidFill>
-                  <a:srgbClr val="FFFF00"/>
-                </a:solidFill>
-                <a:latin typeface="Calibri" pitchFamily="34" charset="0"/>
-              </a:rPr>
-              <a:t> </a:t>
-            </a:r>
-            <a:r>
-              <a:rPr lang="en-US" sz="1400" dirty="0" err="1" smtClean="0">
-                <a:solidFill>
-                  <a:srgbClr val="FFFF00"/>
-                </a:solidFill>
-                <a:latin typeface="Calibri" pitchFamily="34" charset="0"/>
-              </a:rPr>
-              <a:t>ctxPtr</a:t>
-            </a:r>
-            <a:r>
-              <a:rPr lang="en-US" sz="1400" dirty="0" smtClean="0">
-                <a:solidFill>
-                  <a:srgbClr val="FFFF00"/>
-                </a:solidFill>
-                <a:latin typeface="Calibri" pitchFamily="34" charset="0"/>
-              </a:rPr>
-              <a:t>-&gt;</a:t>
-            </a:r>
-            <a:r>
-              <a:rPr lang="en-US" sz="1400" dirty="0" err="1" smtClean="0">
-                <a:solidFill>
-                  <a:srgbClr val="FFFF00"/>
-                </a:solidFill>
-                <a:latin typeface="Calibri" pitchFamily="34" charset="0"/>
-              </a:rPr>
-              <a:t>moveM</a:t>
-            </a:r>
-            <a:r>
-              <a:rPr lang="en-US" sz="1400" dirty="0" smtClean="0">
-                <a:solidFill>
-                  <a:srgbClr val="FFFF00"/>
-                </a:solidFill>
-                <a:latin typeface="Calibri" pitchFamily="34" charset="0"/>
-              </a:rPr>
-              <a:t>-&gt;</a:t>
-            </a:r>
-            <a:r>
-              <a:rPr lang="en-US" sz="1400" dirty="0" err="1" smtClean="0">
-                <a:solidFill>
-                  <a:srgbClr val="FFFF00"/>
-                </a:solidFill>
-                <a:latin typeface="Calibri" pitchFamily="34" charset="0"/>
-              </a:rPr>
-              <a:t>connectToDependNode</a:t>
-            </a:r>
-            <a:r>
-              <a:rPr lang="en-US" sz="1400" dirty="0" smtClean="0">
-                <a:solidFill>
-                  <a:srgbClr val="FFFF00"/>
-                </a:solidFill>
-                <a:latin typeface="Calibri" pitchFamily="34" charset="0"/>
-              </a:rPr>
-              <a:t>(</a:t>
-            </a:r>
-            <a:r>
-              <a:rPr lang="en-US" sz="1400" dirty="0" err="1" smtClean="0">
-                <a:solidFill>
-                  <a:srgbClr val="FFFF00"/>
-                </a:solidFill>
-                <a:latin typeface="Calibri" pitchFamily="34" charset="0"/>
-              </a:rPr>
-              <a:t>dependNode</a:t>
-            </a:r>
-            <a:r>
-              <a:rPr lang="en-US" sz="1400" dirty="0" smtClean="0">
-                <a:solidFill>
-                  <a:srgbClr val="FFFF00"/>
-                </a:solidFill>
-                <a:latin typeface="Calibri" pitchFamily="34" charset="0"/>
-              </a:rPr>
-              <a:t>);</a:t>
-            </a:r>
-          </a:p>
-          <a:p>
-            <a:r>
-              <a:rPr lang="en-US" sz="1400" dirty="0" smtClean="0">
-                <a:solidFill>
-                  <a:srgbClr val="FFFF00"/>
-                </a:solidFill>
-                <a:latin typeface="Calibri" pitchFamily="34" charset="0"/>
-              </a:rPr>
-              <a:t> ...</a:t>
-            </a:r>
-          </a:p>
-          <a:p>
-            <a:r>
-              <a:rPr lang="en-US" sz="1400" dirty="0" smtClean="0">
-                <a:solidFill>
-                  <a:srgbClr val="FFFF00"/>
-                </a:solidFill>
-                <a:latin typeface="Calibri" pitchFamily="34" charset="0"/>
-              </a:rPr>
-              <a:t>}</a:t>
-            </a:r>
+              <a:t>	 ...</a:t>
+            </a:r>
+          </a:p>
+          <a:p>
             <a:endParaRPr lang="en-US" sz="1400" dirty="0">
               <a:solidFill>
                 <a:srgbClr val="FFFF00"/>
@@ -30685,8 +28410,8 @@
         </p:nvSpPr>
         <p:spPr bwMode="auto">
           <a:xfrm>
-            <a:off x="3505200" y="3962400"/>
-            <a:ext cx="4343400" cy="330587"/>
+            <a:off x="5105400" y="3124200"/>
+            <a:ext cx="3429000" cy="330587"/>
           </a:xfrm>
           <a:prstGeom prst="roundRect">
             <a:avLst>
@@ -30724,7 +28449,7 @@
         </p:nvSpPr>
         <p:spPr bwMode="auto">
           <a:xfrm>
-            <a:off x="1600200" y="4572000"/>
+            <a:off x="2743200" y="3936613"/>
             <a:ext cx="2362200" cy="330587"/>
           </a:xfrm>
           <a:prstGeom prst="roundRect">
@@ -31811,7 +29536,7 @@
           <p:nvPr/>
         </p:nvPicPr>
         <p:blipFill>
-          <a:blip r:embed="rId3"/>
+          <a:blip r:embed="rId3" cstate="print"/>
           <a:srcRect/>
           <a:stretch>
             <a:fillRect/>
@@ -32377,7 +30102,7 @@
           </p:nvPr>
         </p:nvPicPr>
         <p:blipFill>
-          <a:blip r:embed="rId3"/>
+          <a:blip r:embed="rId3" cstate="print"/>
           <a:srcRect/>
           <a:stretch>
             <a:fillRect/>
@@ -32458,7 +30183,7 @@
           </p:nvPr>
         </p:nvPicPr>
         <p:blipFill>
-          <a:blip r:embed="rId3"/>
+          <a:blip r:embed="rId3" cstate="print"/>
           <a:srcRect/>
           <a:stretch>
             <a:fillRect/>
@@ -32539,7 +30264,7 @@
           </p:nvPr>
         </p:nvPicPr>
         <p:blipFill>
-          <a:blip r:embed="rId3"/>
+          <a:blip r:embed="rId3" cstate="print"/>
           <a:srcRect/>
           <a:stretch>
             <a:fillRect/>
@@ -32620,7 +30345,7 @@
           </p:nvPr>
         </p:nvPicPr>
         <p:blipFill>
-          <a:blip r:embed="rId3"/>
+          <a:blip r:embed="rId3" cstate="print"/>
           <a:srcRect/>
           <a:stretch>
             <a:fillRect/>
@@ -32701,7 +30426,7 @@
           </p:nvPr>
         </p:nvPicPr>
         <p:blipFill>
-          <a:blip r:embed="rId3"/>
+          <a:blip r:embed="rId3" cstate="print"/>
           <a:srcRect/>
           <a:stretch>
             <a:fillRect/>
@@ -32782,7 +30507,7 @@
           </p:nvPr>
         </p:nvPicPr>
         <p:blipFill>
-          <a:blip r:embed="rId3"/>
+          <a:blip r:embed="rId3" cstate="print"/>
           <a:srcRect/>
           <a:stretch>
             <a:fillRect/>

--- a/08_Manipulators/08_Manipulators.pptx
+++ b/08_Manipulators/08_Manipulators.pptx
@@ -30,13 +30,12 @@
     <p:sldId id="278" r:id="rId24"/>
     <p:sldId id="279" r:id="rId25"/>
     <p:sldId id="280" r:id="rId26"/>
-    <p:sldId id="281" r:id="rId27"/>
-    <p:sldId id="282" r:id="rId28"/>
-    <p:sldId id="283" r:id="rId29"/>
-    <p:sldId id="284" r:id="rId30"/>
-    <p:sldId id="285" r:id="rId31"/>
-    <p:sldId id="286" r:id="rId32"/>
-    <p:sldId id="287" r:id="rId33"/>
+    <p:sldId id="282" r:id="rId27"/>
+    <p:sldId id="283" r:id="rId28"/>
+    <p:sldId id="284" r:id="rId29"/>
+    <p:sldId id="285" r:id="rId30"/>
+    <p:sldId id="286" r:id="rId31"/>
+    <p:sldId id="287" r:id="rId32"/>
   </p:sldIdLst>
   <p:sldSz cx="9144000" cy="6858000" type="screen4x3"/>
   <p:notesSz cx="6858000" cy="9144000"/>
@@ -137,7 +136,7 @@
   </p:defaultTextStyle>
   <p:extLst>
     <p:ext uri="{EFAFB233-063F-42B5-8137-9DF3F51BA10A}">
-      <p15:sldGuideLst xmlns:p15="http://schemas.microsoft.com/office/powerpoint/2012/main">
+      <p15:sldGuideLst xmlns:p15="http://schemas.microsoft.com/office/powerpoint/2012/main" xmlns="">
         <p15:guide id="1" orient="horz" pos="2160">
           <p15:clr>
             <a:srgbClr val="A4A3A4"/>
@@ -336,7 +335,7 @@
             <a:fld id="{1D8BD707-D9CF-40AE-B4C6-C98DA3205C09}" type="datetimeFigureOut">
               <a:rPr lang="en-US" smtClean="0"/>
               <a:pPr/>
-              <a:t>3/18/2013</a:t>
+              <a:t>9/30/2014</a:t>
             </a:fld>
             <a:endParaRPr lang="en-US"/>
           </a:p>
@@ -503,7 +502,7 @@
             <a:fld id="{1D8BD707-D9CF-40AE-B4C6-C98DA3205C09}" type="datetimeFigureOut">
               <a:rPr lang="en-US" smtClean="0"/>
               <a:pPr/>
-              <a:t>3/18/2013</a:t>
+              <a:t>9/30/2014</a:t>
             </a:fld>
             <a:endParaRPr lang="en-US"/>
           </a:p>
@@ -680,7 +679,7 @@
             <a:fld id="{1D8BD707-D9CF-40AE-B4C6-C98DA3205C09}" type="datetimeFigureOut">
               <a:rPr lang="en-US" smtClean="0"/>
               <a:pPr/>
-              <a:t>3/18/2013</a:t>
+              <a:t>9/30/2014</a:t>
             </a:fld>
             <a:endParaRPr lang="en-US"/>
           </a:p>
@@ -847,7 +846,7 @@
             <a:fld id="{1D8BD707-D9CF-40AE-B4C6-C98DA3205C09}" type="datetimeFigureOut">
               <a:rPr lang="en-US" smtClean="0"/>
               <a:pPr/>
-              <a:t>3/18/2013</a:t>
+              <a:t>9/30/2014</a:t>
             </a:fld>
             <a:endParaRPr lang="en-US"/>
           </a:p>
@@ -1090,7 +1089,7 @@
             <a:fld id="{1D8BD707-D9CF-40AE-B4C6-C98DA3205C09}" type="datetimeFigureOut">
               <a:rPr lang="en-US" smtClean="0"/>
               <a:pPr/>
-              <a:t>3/18/2013</a:t>
+              <a:t>9/30/2014</a:t>
             </a:fld>
             <a:endParaRPr lang="en-US"/>
           </a:p>
@@ -1375,7 +1374,7 @@
             <a:fld id="{1D8BD707-D9CF-40AE-B4C6-C98DA3205C09}" type="datetimeFigureOut">
               <a:rPr lang="en-US" smtClean="0"/>
               <a:pPr/>
-              <a:t>3/18/2013</a:t>
+              <a:t>9/30/2014</a:t>
             </a:fld>
             <a:endParaRPr lang="en-US"/>
           </a:p>
@@ -1794,7 +1793,7 @@
             <a:fld id="{1D8BD707-D9CF-40AE-B4C6-C98DA3205C09}" type="datetimeFigureOut">
               <a:rPr lang="en-US" smtClean="0"/>
               <a:pPr/>
-              <a:t>3/18/2013</a:t>
+              <a:t>9/30/2014</a:t>
             </a:fld>
             <a:endParaRPr lang="en-US"/>
           </a:p>
@@ -1909,7 +1908,7 @@
             <a:fld id="{1D8BD707-D9CF-40AE-B4C6-C98DA3205C09}" type="datetimeFigureOut">
               <a:rPr lang="en-US" smtClean="0"/>
               <a:pPr/>
-              <a:t>3/18/2013</a:t>
+              <a:t>9/30/2014</a:t>
             </a:fld>
             <a:endParaRPr lang="en-US"/>
           </a:p>
@@ -2001,7 +2000,7 @@
             <a:fld id="{1D8BD707-D9CF-40AE-B4C6-C98DA3205C09}" type="datetimeFigureOut">
               <a:rPr lang="en-US" smtClean="0"/>
               <a:pPr/>
-              <a:t>3/18/2013</a:t>
+              <a:t>9/30/2014</a:t>
             </a:fld>
             <a:endParaRPr lang="en-US"/>
           </a:p>
@@ -2275,7 +2274,7 @@
             <a:fld id="{1D8BD707-D9CF-40AE-B4C6-C98DA3205C09}" type="datetimeFigureOut">
               <a:rPr lang="en-US" smtClean="0"/>
               <a:pPr/>
-              <a:t>3/18/2013</a:t>
+              <a:t>9/30/2014</a:t>
             </a:fld>
             <a:endParaRPr lang="en-US"/>
           </a:p>
@@ -2525,7 +2524,7 @@
             <a:fld id="{1D8BD707-D9CF-40AE-B4C6-C98DA3205C09}" type="datetimeFigureOut">
               <a:rPr lang="en-US" smtClean="0"/>
               <a:pPr/>
-              <a:t>3/18/2013</a:t>
+              <a:t>9/30/2014</a:t>
             </a:fld>
             <a:endParaRPr lang="en-US"/>
           </a:p>
@@ -2735,7 +2734,7 @@
             <a:fld id="{1D8BD707-D9CF-40AE-B4C6-C98DA3205C09}" type="datetimeFigureOut">
               <a:rPr lang="en-US" smtClean="0"/>
               <a:pPr/>
-              <a:t>3/18/2013</a:t>
+              <a:t>9/30/2014</a:t>
             </a:fld>
             <a:endParaRPr lang="en-US"/>
           </a:p>
@@ -21652,152 +21651,9 @@
           </a:p>
         </p:txBody>
       </p:sp>
-      <p:sp>
-        <p:nvSpPr>
-          <p:cNvPr id="3" name="Freeform 3"/>
-          <p:cNvSpPr/>
-          <p:nvPr/>
-        </p:nvSpPr>
-        <p:spPr>
-          <a:xfrm>
-            <a:off x="519112" y="2271712"/>
-            <a:ext cx="4905375" cy="427227"/>
-          </a:xfrm>
-          <a:custGeom>
-            <a:avLst/>
-            <a:gdLst>
-              <a:gd name="connsiteX0" fmla="*/ 14287 w 4905375"/>
-              <a:gd name="connsiteY0" fmla="*/ 80708 h 427227"/>
-              <a:gd name="connsiteX1" fmla="*/ 80733 w 4905375"/>
-              <a:gd name="connsiteY1" fmla="*/ 14287 h 427227"/>
-              <a:gd name="connsiteX2" fmla="*/ 4824666 w 4905375"/>
-              <a:gd name="connsiteY2" fmla="*/ 14287 h 427227"/>
-              <a:gd name="connsiteX3" fmla="*/ 4891087 w 4905375"/>
-              <a:gd name="connsiteY3" fmla="*/ 80708 h 427227"/>
-              <a:gd name="connsiteX4" fmla="*/ 4891087 w 4905375"/>
-              <a:gd name="connsiteY4" fmla="*/ 346519 h 427227"/>
-              <a:gd name="connsiteX5" fmla="*/ 4824666 w 4905375"/>
-              <a:gd name="connsiteY5" fmla="*/ 412940 h 427227"/>
-              <a:gd name="connsiteX6" fmla="*/ 80733 w 4905375"/>
-              <a:gd name="connsiteY6" fmla="*/ 412940 h 427227"/>
-              <a:gd name="connsiteX7" fmla="*/ 14287 w 4905375"/>
-              <a:gd name="connsiteY7" fmla="*/ 346519 h 427227"/>
-              <a:gd name="connsiteX8" fmla="*/ 14287 w 4905375"/>
-              <a:gd name="connsiteY8" fmla="*/ 80708 h 427227"/>
-            </a:gdLst>
-            <a:ahLst/>
-            <a:cxnLst>
-              <a:cxn ang="0">
-                <a:pos x="connsiteX0" y="connsiteY0"/>
-              </a:cxn>
-              <a:cxn ang="1">
-                <a:pos x="connsiteX1" y="connsiteY1"/>
-              </a:cxn>
-              <a:cxn ang="2">
-                <a:pos x="connsiteX2" y="connsiteY2"/>
-              </a:cxn>
-              <a:cxn ang="3">
-                <a:pos x="connsiteX3" y="connsiteY3"/>
-              </a:cxn>
-              <a:cxn ang="4">
-                <a:pos x="connsiteX4" y="connsiteY4"/>
-              </a:cxn>
-              <a:cxn ang="5">
-                <a:pos x="connsiteX5" y="connsiteY5"/>
-              </a:cxn>
-              <a:cxn ang="6">
-                <a:pos x="connsiteX6" y="connsiteY6"/>
-              </a:cxn>
-              <a:cxn ang="7">
-                <a:pos x="connsiteX7" y="connsiteY7"/>
-              </a:cxn>
-              <a:cxn ang="8">
-                <a:pos x="connsiteX8" y="connsiteY8"/>
-              </a:cxn>
-            </a:cxnLst>
-            <a:rect l="l" t="t" r="r" b="b"/>
-            <a:pathLst>
-              <a:path w="4905375" h="427227">
-                <a:moveTo>
-                  <a:pt x="14287" y="80708"/>
-                </a:moveTo>
-                <a:cubicBezTo>
-                  <a:pt x="14287" y="44005"/>
-                  <a:pt x="44043" y="14287"/>
-                  <a:pt x="80733" y="14287"/>
-                </a:cubicBezTo>
-                <a:lnTo>
-                  <a:pt x="4824666" y="14287"/>
-                </a:lnTo>
-                <a:cubicBezTo>
-                  <a:pt x="4861369" y="14287"/>
-                  <a:pt x="4891087" y="44005"/>
-                  <a:pt x="4891087" y="80708"/>
-                </a:cubicBezTo>
-                <a:lnTo>
-                  <a:pt x="4891087" y="346519"/>
-                </a:lnTo>
-                <a:cubicBezTo>
-                  <a:pt x="4891087" y="383222"/>
-                  <a:pt x="4861369" y="412940"/>
-                  <a:pt x="4824666" y="412940"/>
-                </a:cubicBezTo>
-                <a:lnTo>
-                  <a:pt x="80733" y="412940"/>
-                </a:lnTo>
-                <a:cubicBezTo>
-                  <a:pt x="44043" y="412940"/>
-                  <a:pt x="14287" y="383222"/>
-                  <a:pt x="14287" y="346519"/>
-                </a:cubicBezTo>
-                <a:lnTo>
-                  <a:pt x="14287" y="80708"/>
-                </a:lnTo>
-              </a:path>
-            </a:pathLst>
-          </a:custGeom>
-          <a:solidFill>
-            <a:srgbClr val="000000">
-              <a:alpha val="0"/>
-            </a:srgbClr>
-          </a:solidFill>
-          <a:ln w="25400">
-            <a:solidFill>
-              <a:srgbClr val="EE5500">
-                <a:alpha val="100000"/>
-              </a:srgbClr>
-            </a:solidFill>
-            <a:prstDash val="solid"/>
-          </a:ln>
-        </p:spPr>
-        <p:style>
-          <a:lnRef idx="2">
-            <a:schemeClr val="accent1">
-              <a:shade val="50000"/>
-            </a:schemeClr>
-          </a:lnRef>
-          <a:fillRef idx="1">
-            <a:schemeClr val="accent1"/>
-          </a:fillRef>
-          <a:effectRef idx="0">
-            <a:schemeClr val="accent1"/>
-          </a:effectRef>
-          <a:fontRef idx="minor">
-            <a:schemeClr val="lt1"/>
-          </a:fontRef>
-        </p:style>
-        <p:txBody>
-          <a:bodyPr rtlCol="0" anchor="ctr"/>
-          <a:lstStyle/>
-          <a:p>
-            <a:pPr algn="ctr"/>
-            <a:endParaRPr lang="zh-CN" altLang="en-US"/>
-          </a:p>
-        </p:txBody>
-      </p:sp>
       <p:pic>
         <p:nvPicPr>
-          <p:cNvPr id="5" name="Picture 3"/>
+          <p:cNvPr id="3" name="Picture 3"/>
           <p:cNvPicPr>
             <a:picLocks noChangeAspect="1" noChangeArrowheads="1"/>
           </p:cNvPicPr>
@@ -21898,7 +21754,7 @@
       </p:sp>
       <p:sp>
         <p:nvSpPr>
-          <p:cNvPr id="6" name="TextBox 1"/>
+          <p:cNvPr id="5" name="TextBox 1"/>
           <p:cNvSpPr txBox="1"/>
           <p:nvPr/>
         </p:nvSpPr>
@@ -21932,21 +21788,21 @@
                 <a:latin typeface="Times New Roman" pitchFamily="18" charset="0"/>
                 <a:cs typeface="Times New Roman" pitchFamily="18" charset="0"/>
               </a:rPr>
-              <a:t>26</a:t>
+              <a:t>27</a:t>
             </a:r>
           </a:p>
         </p:txBody>
       </p:sp>
       <p:sp>
         <p:nvSpPr>
-          <p:cNvPr id="7" name="TextBox 1"/>
+          <p:cNvPr id="6" name="TextBox 1"/>
           <p:cNvSpPr txBox="1"/>
           <p:nvPr/>
         </p:nvSpPr>
         <p:spPr>
           <a:xfrm>
-            <a:off x="317500" y="622300"/>
-            <a:ext cx="6311900" cy="3035300"/>
+            <a:off x="317500" y="571500"/>
+            <a:ext cx="4533900" cy="1727200"/>
           </a:xfrm>
           <a:prstGeom prst="rect">
             <a:avLst/>
@@ -21963,157 +21819,387 @@
               <a:lnSpc>
                 <a:spcPts val="3600"/>
               </a:lnSpc>
+              <a:tabLst/>
+            </a:pPr>
+            <a:r>
+              <a:rPr lang="en-US" altLang="zh-CN" sz="3998" dirty="0" smtClean="0">
+                <a:solidFill>
+                  <a:srgbClr val="FFFFFF"/>
+                </a:solidFill>
+                <a:latin typeface="Times New Roman" pitchFamily="18" charset="0"/>
+                <a:cs typeface="Times New Roman" pitchFamily="18" charset="0"/>
+              </a:rPr>
+              <a:t>Invoke</a:t>
+            </a:r>
+            <a:r>
+              <a:rPr lang="en-US" altLang="zh-CN" sz="3998" dirty="0" smtClean="0">
+                <a:latin typeface="Times New Roman" pitchFamily="18" charset="0"/>
+                <a:cs typeface="Times New Roman" pitchFamily="18" charset="0"/>
+              </a:rPr>
+              <a:t> </a:t>
+            </a:r>
+            <a:r>
+              <a:rPr lang="en-US" altLang="zh-CN" sz="3998" dirty="0" smtClean="0">
+                <a:solidFill>
+                  <a:srgbClr val="FFFFFF"/>
+                </a:solidFill>
+                <a:latin typeface="Times New Roman" pitchFamily="18" charset="0"/>
+                <a:cs typeface="Times New Roman" pitchFamily="18" charset="0"/>
+              </a:rPr>
+              <a:t>manipulators</a:t>
+            </a:r>
+          </a:p>
+          <a:p>
+            <a:pPr>
+              <a:lnSpc>
+                <a:spcPts val="1000"/>
+              </a:lnSpc>
+            </a:pPr>
+            <a:endParaRPr lang="en-US" altLang="zh-CN" dirty="0" smtClean="0"/>
+          </a:p>
+          <a:p>
+            <a:pPr>
+              <a:lnSpc>
+                <a:spcPts val="1000"/>
+              </a:lnSpc>
+            </a:pPr>
+            <a:endParaRPr lang="en-US" altLang="zh-CN" dirty="0" smtClean="0"/>
+          </a:p>
+          <a:p>
+            <a:pPr>
+              <a:lnSpc>
+                <a:spcPts val="1000"/>
+              </a:lnSpc>
+            </a:pPr>
+            <a:endParaRPr lang="en-US" altLang="zh-CN" dirty="0" smtClean="0"/>
+          </a:p>
+          <a:p>
+            <a:pPr>
+              <a:lnSpc>
+                <a:spcPts val="1000"/>
+              </a:lnSpc>
+            </a:pPr>
+            <a:endParaRPr lang="en-US" altLang="zh-CN" dirty="0" smtClean="0"/>
+          </a:p>
+          <a:p>
+            <a:pPr>
+              <a:lnSpc>
+                <a:spcPts val="1000"/>
+              </a:lnSpc>
+            </a:pPr>
+            <a:endParaRPr lang="en-US" altLang="zh-CN" dirty="0" smtClean="0"/>
+          </a:p>
+          <a:p>
+            <a:pPr>
+              <a:lnSpc>
+                <a:spcPts val="1000"/>
+              </a:lnSpc>
+            </a:pPr>
+            <a:endParaRPr lang="en-US" altLang="zh-CN" dirty="0" smtClean="0"/>
+          </a:p>
+          <a:p>
+            <a:pPr>
+              <a:lnSpc>
+                <a:spcPts val="1000"/>
+              </a:lnSpc>
+            </a:pPr>
+            <a:endParaRPr lang="en-US" altLang="zh-CN" dirty="0" smtClean="0"/>
+          </a:p>
+          <a:p>
+            <a:pPr>
+              <a:lnSpc>
+                <a:spcPts val="2900"/>
+              </a:lnSpc>
+              <a:tabLst/>
+            </a:pPr>
+            <a:r>
+              <a:rPr lang="en-US" altLang="zh-CN" sz="2402" dirty="0" smtClean="0">
+                <a:solidFill>
+                  <a:srgbClr val="FFFFFF"/>
+                </a:solidFill>
+                <a:latin typeface="Times New Roman" pitchFamily="18" charset="0"/>
+                <a:cs typeface="Times New Roman" pitchFamily="18" charset="0"/>
+              </a:rPr>
+              <a:t>•</a:t>
+            </a:r>
+            <a:r>
+              <a:rPr lang="en-US" altLang="zh-CN" sz="2402" dirty="0" smtClean="0">
+                <a:latin typeface="Times New Roman" pitchFamily="18" charset="0"/>
+                <a:cs typeface="Times New Roman" pitchFamily="18" charset="0"/>
+              </a:rPr>
+              <a:t>   </a:t>
+            </a:r>
+            <a:r>
+              <a:rPr lang="en-US" altLang="zh-CN" sz="2402" dirty="0" smtClean="0">
+                <a:solidFill>
+                  <a:srgbClr val="FFFFFF"/>
+                </a:solidFill>
+                <a:latin typeface="Times New Roman" pitchFamily="18" charset="0"/>
+                <a:cs typeface="Times New Roman" pitchFamily="18" charset="0"/>
+              </a:rPr>
+              <a:t>Show</a:t>
+            </a:r>
+            <a:r>
+              <a:rPr lang="en-US" altLang="zh-CN" sz="2402" dirty="0" smtClean="0">
+                <a:latin typeface="Times New Roman" pitchFamily="18" charset="0"/>
+                <a:cs typeface="Times New Roman" pitchFamily="18" charset="0"/>
+              </a:rPr>
+              <a:t> </a:t>
+            </a:r>
+            <a:r>
+              <a:rPr lang="en-US" altLang="zh-CN" sz="2402" dirty="0" smtClean="0">
+                <a:solidFill>
+                  <a:srgbClr val="FFFFFF"/>
+                </a:solidFill>
+                <a:latin typeface="Times New Roman" pitchFamily="18" charset="0"/>
+                <a:cs typeface="Times New Roman" pitchFamily="18" charset="0"/>
+              </a:rPr>
+              <a:t>Manipulator</a:t>
+            </a:r>
+            <a:r>
+              <a:rPr lang="en-US" altLang="zh-CN" sz="2402" dirty="0" smtClean="0">
+                <a:latin typeface="Times New Roman" pitchFamily="18" charset="0"/>
+                <a:cs typeface="Times New Roman" pitchFamily="18" charset="0"/>
+              </a:rPr>
+              <a:t> </a:t>
+            </a:r>
+            <a:r>
+              <a:rPr lang="en-US" altLang="zh-CN" sz="2402" dirty="0" smtClean="0">
+                <a:solidFill>
+                  <a:srgbClr val="FFFFFF"/>
+                </a:solidFill>
+                <a:latin typeface="Times New Roman" pitchFamily="18" charset="0"/>
+                <a:cs typeface="Times New Roman" pitchFamily="18" charset="0"/>
+              </a:rPr>
+              <a:t>tool</a:t>
+            </a:r>
+          </a:p>
+        </p:txBody>
+      </p:sp>
+      <p:sp>
+        <p:nvSpPr>
+          <p:cNvPr id="7" name="TextBox 1"/>
+          <p:cNvSpPr txBox="1"/>
+          <p:nvPr/>
+        </p:nvSpPr>
+        <p:spPr>
+          <a:xfrm>
+            <a:off x="774700" y="2451100"/>
+            <a:ext cx="63500" cy="1016000"/>
+          </a:xfrm>
+          <a:prstGeom prst="rect">
+            <a:avLst/>
+          </a:prstGeom>
+          <a:noFill/>
+        </p:spPr>
+        <p:txBody>
+          <a:bodyPr wrap="none" lIns="0" tIns="0" rIns="0" rtlCol="0">
+            <a:spAutoFit/>
+          </a:bodyPr>
+          <a:lstStyle/>
+          <a:p>
+            <a:pPr>
+              <a:lnSpc>
+                <a:spcPts val="1700"/>
+              </a:lnSpc>
+              <a:tabLst/>
+            </a:pPr>
+            <a:r>
+              <a:rPr lang="en-US" altLang="zh-CN" sz="1596" dirty="0" smtClean="0">
+                <a:solidFill>
+                  <a:srgbClr val="00AADD"/>
+                </a:solidFill>
+                <a:latin typeface="Times New Roman" pitchFamily="18" charset="0"/>
+                <a:cs typeface="Times New Roman" pitchFamily="18" charset="0"/>
+              </a:rPr>
+              <a:t>•</a:t>
+            </a:r>
+          </a:p>
+          <a:p>
+            <a:pPr>
+              <a:lnSpc>
+                <a:spcPts val="1000"/>
+              </a:lnSpc>
+            </a:pPr>
+            <a:endParaRPr lang="en-US" altLang="zh-CN" dirty="0" smtClean="0"/>
+          </a:p>
+          <a:p>
+            <a:pPr>
+              <a:lnSpc>
+                <a:spcPts val="1000"/>
+              </a:lnSpc>
+            </a:pPr>
+            <a:endParaRPr lang="en-US" altLang="zh-CN" dirty="0" smtClean="0"/>
+          </a:p>
+          <a:p>
+            <a:pPr>
+              <a:lnSpc>
+                <a:spcPts val="1000"/>
+              </a:lnSpc>
+            </a:pPr>
+            <a:endParaRPr lang="en-US" altLang="zh-CN" dirty="0" smtClean="0"/>
+          </a:p>
+          <a:p>
+            <a:pPr>
+              <a:lnSpc>
+                <a:spcPts val="1000"/>
+              </a:lnSpc>
+            </a:pPr>
+            <a:endParaRPr lang="en-US" altLang="zh-CN" dirty="0" smtClean="0"/>
+          </a:p>
+          <a:p>
+            <a:pPr>
+              <a:lnSpc>
+                <a:spcPts val="2200"/>
+              </a:lnSpc>
+              <a:tabLst/>
+            </a:pPr>
+            <a:r>
+              <a:rPr lang="en-US" altLang="zh-CN" sz="1596" dirty="0" smtClean="0">
+                <a:solidFill>
+                  <a:srgbClr val="00AADD"/>
+                </a:solidFill>
+                <a:latin typeface="Times New Roman" pitchFamily="18" charset="0"/>
+                <a:cs typeface="Times New Roman" pitchFamily="18" charset="0"/>
+              </a:rPr>
+              <a:t>•</a:t>
+            </a:r>
+          </a:p>
+        </p:txBody>
+      </p:sp>
+      <p:sp>
+        <p:nvSpPr>
+          <p:cNvPr id="8" name="TextBox 1"/>
+          <p:cNvSpPr txBox="1"/>
+          <p:nvPr/>
+        </p:nvSpPr>
+        <p:spPr>
+          <a:xfrm>
+            <a:off x="1003300" y="2451100"/>
+            <a:ext cx="4635500" cy="1028700"/>
+          </a:xfrm>
+          <a:prstGeom prst="rect">
+            <a:avLst/>
+          </a:prstGeom>
+          <a:noFill/>
+        </p:spPr>
+        <p:txBody>
+          <a:bodyPr wrap="none" lIns="0" tIns="0" rIns="0" rtlCol="0">
+            <a:spAutoFit/>
+          </a:bodyPr>
+          <a:lstStyle/>
+          <a:p>
+            <a:pPr>
+              <a:lnSpc>
+                <a:spcPts val="1800"/>
+              </a:lnSpc>
               <a:tabLst>
-                <a:tab pos="342900" algn="l"/>
+                <a:tab pos="228600" algn="l"/>
               </a:tabLst>
             </a:pPr>
             <a:r>
-              <a:rPr lang="en-US" altLang="zh-CN" sz="3998" dirty="0" smtClean="0">
-                <a:solidFill>
-                  <a:srgbClr val="FFFFFF"/>
-                </a:solidFill>
-                <a:latin typeface="Times New Roman" pitchFamily="18" charset="0"/>
-                <a:cs typeface="Times New Roman" pitchFamily="18" charset="0"/>
-              </a:rPr>
-              <a:t>MPxManipContainer::draw()</a:t>
-            </a:r>
-          </a:p>
-          <a:p>
-            <a:pPr>
-              <a:lnSpc>
-                <a:spcPts val="1000"/>
-              </a:lnSpc>
-            </a:pPr>
-            <a:endParaRPr lang="en-US" altLang="zh-CN" dirty="0" smtClean="0"/>
-          </a:p>
-          <a:p>
-            <a:pPr>
-              <a:lnSpc>
-                <a:spcPts val="1000"/>
-              </a:lnSpc>
-            </a:pPr>
-            <a:endParaRPr lang="en-US" altLang="zh-CN" dirty="0" smtClean="0"/>
-          </a:p>
-          <a:p>
-            <a:pPr>
-              <a:lnSpc>
-                <a:spcPts val="1000"/>
-              </a:lnSpc>
-            </a:pPr>
-            <a:endParaRPr lang="en-US" altLang="zh-CN" dirty="0" smtClean="0"/>
-          </a:p>
-          <a:p>
-            <a:pPr>
-              <a:lnSpc>
-                <a:spcPts val="2200"/>
+              <a:rPr lang="en-US" altLang="zh-CN" sz="2004" dirty="0" smtClean="0">
+                <a:solidFill>
+                  <a:srgbClr val="FFFFFF"/>
+                </a:solidFill>
+                <a:latin typeface="Times New Roman" pitchFamily="18" charset="0"/>
+                <a:cs typeface="Times New Roman" pitchFamily="18" charset="0"/>
+              </a:rPr>
+              <a:t>Manipulator</a:t>
+            </a:r>
+            <a:r>
+              <a:rPr lang="en-US" altLang="zh-CN" sz="2004" dirty="0" smtClean="0">
+                <a:latin typeface="Times New Roman" pitchFamily="18" charset="0"/>
+                <a:cs typeface="Times New Roman" pitchFamily="18" charset="0"/>
+              </a:rPr>
+              <a:t> </a:t>
+            </a:r>
+            <a:r>
+              <a:rPr lang="en-US" altLang="zh-CN" sz="2004" dirty="0" smtClean="0">
+                <a:solidFill>
+                  <a:srgbClr val="FFFFFF"/>
+                </a:solidFill>
+                <a:latin typeface="Times New Roman" pitchFamily="18" charset="0"/>
+                <a:cs typeface="Times New Roman" pitchFamily="18" charset="0"/>
+              </a:rPr>
+              <a:t>named</a:t>
+            </a:r>
+            <a:r>
+              <a:rPr lang="en-US" altLang="zh-CN" sz="2004" dirty="0" smtClean="0">
+                <a:latin typeface="Times New Roman" pitchFamily="18" charset="0"/>
+                <a:cs typeface="Times New Roman" pitchFamily="18" charset="0"/>
+              </a:rPr>
+              <a:t> </a:t>
+            </a:r>
+            <a:r>
+              <a:rPr lang="en-US" altLang="zh-CN" sz="2004" dirty="0" smtClean="0">
+                <a:solidFill>
+                  <a:srgbClr val="FFFFFF"/>
+                </a:solidFill>
+                <a:latin typeface="Times New Roman" pitchFamily="18" charset="0"/>
+                <a:cs typeface="Times New Roman" pitchFamily="18" charset="0"/>
+              </a:rPr>
+              <a:t>after</a:t>
+            </a:r>
+            <a:r>
+              <a:rPr lang="en-US" altLang="zh-CN" sz="2004" dirty="0" smtClean="0">
+                <a:latin typeface="Times New Roman" pitchFamily="18" charset="0"/>
+                <a:cs typeface="Times New Roman" pitchFamily="18" charset="0"/>
+              </a:rPr>
+              <a:t> </a:t>
+            </a:r>
+            <a:r>
+              <a:rPr lang="en-US" altLang="zh-CN" sz="2004" dirty="0" smtClean="0">
+                <a:solidFill>
+                  <a:srgbClr val="FFFFFF"/>
+                </a:solidFill>
+                <a:latin typeface="Times New Roman" pitchFamily="18" charset="0"/>
+                <a:cs typeface="Times New Roman" pitchFamily="18" charset="0"/>
+              </a:rPr>
+              <a:t>node</a:t>
+            </a:r>
+            <a:r>
+              <a:rPr lang="en-US" altLang="zh-CN" sz="2004" dirty="0" smtClean="0">
+                <a:latin typeface="Times New Roman" pitchFamily="18" charset="0"/>
+                <a:cs typeface="Times New Roman" pitchFamily="18" charset="0"/>
+              </a:rPr>
+              <a:t> </a:t>
+            </a:r>
+            <a:r>
+              <a:rPr lang="en-US" altLang="zh-CN" sz="2004" dirty="0" smtClean="0">
+                <a:solidFill>
+                  <a:srgbClr val="FFFFFF"/>
+                </a:solidFill>
+                <a:latin typeface="Times New Roman" pitchFamily="18" charset="0"/>
+                <a:cs typeface="Times New Roman" pitchFamily="18" charset="0"/>
+              </a:rPr>
+              <a:t>type</a:t>
+            </a:r>
+            <a:r>
+              <a:rPr lang="en-US" altLang="zh-CN" sz="2004" dirty="0" smtClean="0">
+                <a:latin typeface="Times New Roman" pitchFamily="18" charset="0"/>
+                <a:cs typeface="Times New Roman" pitchFamily="18" charset="0"/>
+              </a:rPr>
+              <a:t> </a:t>
+            </a:r>
+            <a:r>
+              <a:rPr lang="en-US" altLang="zh-CN" sz="2004" dirty="0" smtClean="0">
+                <a:solidFill>
+                  <a:srgbClr val="FFFFFF"/>
+                </a:solidFill>
+                <a:latin typeface="Times New Roman" pitchFamily="18" charset="0"/>
+                <a:cs typeface="Times New Roman" pitchFamily="18" charset="0"/>
+              </a:rPr>
+              <a:t>name</a:t>
+            </a:r>
+          </a:p>
+          <a:p>
+            <a:pPr>
+              <a:lnSpc>
+                <a:spcPts val="3100"/>
               </a:lnSpc>
               <a:tabLst>
-                <a:tab pos="342900" algn="l"/>
-              </a:tabLst>
-            </a:pPr>
-            <a:r>
-              <a:rPr lang="en-US" altLang="zh-CN" sz="1596" dirty="0" smtClean="0">
-                <a:solidFill>
-                  <a:srgbClr val="FFFF00"/>
-                </a:solidFill>
-                <a:latin typeface="Calibri" pitchFamily="18" charset="0"/>
-                <a:cs typeface="Calibri" pitchFamily="18" charset="0"/>
-              </a:rPr>
-              <a:t>def</a:t>
-            </a:r>
-            <a:r>
-              <a:rPr lang="en-US" altLang="zh-CN" sz="1596" dirty="0" smtClean="0">
-                <a:latin typeface="Times New Roman" pitchFamily="18" charset="0"/>
-                <a:cs typeface="Times New Roman" pitchFamily="18" charset="0"/>
-              </a:rPr>
-              <a:t> </a:t>
-            </a:r>
-            <a:r>
-              <a:rPr lang="en-US" altLang="zh-CN" sz="1596" dirty="0" smtClean="0">
-                <a:solidFill>
-                  <a:srgbClr val="FFFF00"/>
-                </a:solidFill>
-                <a:latin typeface="Calibri" pitchFamily="18" charset="0"/>
-                <a:cs typeface="Calibri" pitchFamily="18" charset="0"/>
-              </a:rPr>
-              <a:t>draw(self,</a:t>
-            </a:r>
-            <a:r>
-              <a:rPr lang="en-US" altLang="zh-CN" sz="1596" dirty="0" smtClean="0">
-                <a:latin typeface="Times New Roman" pitchFamily="18" charset="0"/>
-                <a:cs typeface="Times New Roman" pitchFamily="18" charset="0"/>
-              </a:rPr>
-              <a:t> </a:t>
-            </a:r>
-            <a:r>
-              <a:rPr lang="en-US" altLang="zh-CN" sz="1596" dirty="0" smtClean="0">
-                <a:solidFill>
-                  <a:srgbClr val="FFFF00"/>
-                </a:solidFill>
-                <a:latin typeface="Calibri" pitchFamily="18" charset="0"/>
-                <a:cs typeface="Calibri" pitchFamily="18" charset="0"/>
-              </a:rPr>
-              <a:t>view,</a:t>
-            </a:r>
-            <a:r>
-              <a:rPr lang="en-US" altLang="zh-CN" sz="1596" dirty="0" smtClean="0">
-                <a:latin typeface="Times New Roman" pitchFamily="18" charset="0"/>
-                <a:cs typeface="Times New Roman" pitchFamily="18" charset="0"/>
-              </a:rPr>
-              <a:t> </a:t>
-            </a:r>
-            <a:r>
-              <a:rPr lang="en-US" altLang="zh-CN" sz="1596" dirty="0" smtClean="0">
-                <a:solidFill>
-                  <a:srgbClr val="FFFF00"/>
-                </a:solidFill>
-                <a:latin typeface="Calibri" pitchFamily="18" charset="0"/>
-                <a:cs typeface="Calibri" pitchFamily="18" charset="0"/>
-              </a:rPr>
-              <a:t>path,</a:t>
-            </a:r>
-            <a:r>
-              <a:rPr lang="en-US" altLang="zh-CN" sz="1596" dirty="0" smtClean="0">
-                <a:latin typeface="Times New Roman" pitchFamily="18" charset="0"/>
-                <a:cs typeface="Times New Roman" pitchFamily="18" charset="0"/>
-              </a:rPr>
-              <a:t> </a:t>
-            </a:r>
-            <a:r>
-              <a:rPr lang="en-US" altLang="zh-CN" sz="1596" dirty="0" smtClean="0">
-                <a:solidFill>
-                  <a:srgbClr val="FFFF00"/>
-                </a:solidFill>
-                <a:latin typeface="Calibri" pitchFamily="18" charset="0"/>
-                <a:cs typeface="Calibri" pitchFamily="18" charset="0"/>
-              </a:rPr>
-              <a:t>style,</a:t>
-            </a:r>
-            <a:r>
-              <a:rPr lang="en-US" altLang="zh-CN" sz="1596" dirty="0" smtClean="0">
-                <a:latin typeface="Times New Roman" pitchFamily="18" charset="0"/>
-                <a:cs typeface="Times New Roman" pitchFamily="18" charset="0"/>
-              </a:rPr>
-              <a:t> </a:t>
-            </a:r>
-            <a:r>
-              <a:rPr lang="en-US" altLang="zh-CN" sz="1596" dirty="0" smtClean="0">
-                <a:solidFill>
-                  <a:srgbClr val="FFFF00"/>
-                </a:solidFill>
-                <a:latin typeface="Calibri" pitchFamily="18" charset="0"/>
-                <a:cs typeface="Calibri" pitchFamily="18" charset="0"/>
-              </a:rPr>
-              <a:t>status):</a:t>
-            </a:r>
-          </a:p>
-          <a:p>
-            <a:pPr>
-              <a:lnSpc>
-                <a:spcPts val="2400"/>
-              </a:lnSpc>
-              <a:tabLst>
-                <a:tab pos="342900" algn="l"/>
+                <a:tab pos="228600" algn="l"/>
               </a:tabLst>
             </a:pPr>
             <a:r>
@@ -22121,91 +22207,168 @@
               <a:t>	</a:t>
             </a:r>
             <a:r>
-              <a:rPr lang="en-US" altLang="zh-CN" sz="1596" dirty="0" smtClean="0">
-                <a:solidFill>
-                  <a:srgbClr val="FFFF00"/>
-                </a:solidFill>
-                <a:latin typeface="Calibri" pitchFamily="18" charset="0"/>
-                <a:cs typeface="Calibri" pitchFamily="18" charset="0"/>
-              </a:rPr>
-              <a:t>OpenMayaMPx.MPxManipContainer.draw(self,</a:t>
-            </a:r>
-            <a:r>
-              <a:rPr lang="en-US" altLang="zh-CN" sz="1596" dirty="0" smtClean="0">
-                <a:latin typeface="Times New Roman" pitchFamily="18" charset="0"/>
-                <a:cs typeface="Times New Roman" pitchFamily="18" charset="0"/>
-              </a:rPr>
-              <a:t> </a:t>
-            </a:r>
-            <a:r>
-              <a:rPr lang="en-US" altLang="zh-CN" sz="1596" dirty="0" smtClean="0">
-                <a:solidFill>
-                  <a:srgbClr val="FFFF00"/>
-                </a:solidFill>
-                <a:latin typeface="Calibri" pitchFamily="18" charset="0"/>
-                <a:cs typeface="Calibri" pitchFamily="18" charset="0"/>
-              </a:rPr>
-              <a:t>view,</a:t>
-            </a:r>
-            <a:r>
-              <a:rPr lang="en-US" altLang="zh-CN" sz="1596" dirty="0" smtClean="0">
-                <a:latin typeface="Times New Roman" pitchFamily="18" charset="0"/>
-                <a:cs typeface="Times New Roman" pitchFamily="18" charset="0"/>
-              </a:rPr>
-              <a:t> </a:t>
-            </a:r>
-            <a:r>
-              <a:rPr lang="en-US" altLang="zh-CN" sz="1596" dirty="0" smtClean="0">
-                <a:solidFill>
-                  <a:srgbClr val="FFFF00"/>
-                </a:solidFill>
-                <a:latin typeface="Calibri" pitchFamily="18" charset="0"/>
-                <a:cs typeface="Calibri" pitchFamily="18" charset="0"/>
-              </a:rPr>
-              <a:t>path,</a:t>
-            </a:r>
-            <a:r>
-              <a:rPr lang="en-US" altLang="zh-CN" sz="1596" dirty="0" smtClean="0">
-                <a:latin typeface="Times New Roman" pitchFamily="18" charset="0"/>
-                <a:cs typeface="Times New Roman" pitchFamily="18" charset="0"/>
-              </a:rPr>
-              <a:t> </a:t>
-            </a:r>
-            <a:r>
-              <a:rPr lang="en-US" altLang="zh-CN" sz="1596" dirty="0" smtClean="0">
-                <a:solidFill>
-                  <a:srgbClr val="FFFF00"/>
-                </a:solidFill>
-                <a:latin typeface="Calibri" pitchFamily="18" charset="0"/>
-                <a:cs typeface="Calibri" pitchFamily="18" charset="0"/>
-              </a:rPr>
-              <a:t>style,</a:t>
-            </a:r>
-            <a:r>
-              <a:rPr lang="en-US" altLang="zh-CN" sz="1596" dirty="0" smtClean="0">
-                <a:latin typeface="Times New Roman" pitchFamily="18" charset="0"/>
-                <a:cs typeface="Times New Roman" pitchFamily="18" charset="0"/>
-              </a:rPr>
-              <a:t> </a:t>
-            </a:r>
-            <a:r>
-              <a:rPr lang="en-US" altLang="zh-CN" sz="1596" dirty="0" smtClean="0">
-                <a:solidFill>
-                  <a:srgbClr val="FFFF00"/>
-                </a:solidFill>
-                <a:latin typeface="Calibri" pitchFamily="18" charset="0"/>
-                <a:cs typeface="Calibri" pitchFamily="18" charset="0"/>
-              </a:rPr>
-              <a:t>status)</a:t>
-            </a:r>
-          </a:p>
-          <a:p>
-            <a:pPr>
-              <a:lnSpc>
-                <a:spcPts val="2400"/>
+              <a:rPr lang="en-US" altLang="zh-CN" sz="2004" dirty="0" smtClean="0">
+                <a:solidFill>
+                  <a:srgbClr val="FFFFFF"/>
+                </a:solidFill>
+                <a:latin typeface="Times New Roman" pitchFamily="18" charset="0"/>
+                <a:cs typeface="Times New Roman" pitchFamily="18" charset="0"/>
+              </a:rPr>
+              <a:t>arrowLocator</a:t>
+            </a:r>
+            <a:r>
+              <a:rPr lang="en-US" altLang="zh-CN" sz="2004" dirty="0" smtClean="0">
+                <a:latin typeface="Times New Roman" pitchFamily="18" charset="0"/>
+                <a:cs typeface="Times New Roman" pitchFamily="18" charset="0"/>
+              </a:rPr>
+              <a:t> </a:t>
+            </a:r>
+            <a:r>
+              <a:rPr lang="en-US" altLang="zh-CN" sz="2004" dirty="0" smtClean="0">
+                <a:solidFill>
+                  <a:srgbClr val="FFFFFF"/>
+                </a:solidFill>
+                <a:latin typeface="Wingdings" pitchFamily="18" charset="0"/>
+                <a:cs typeface="Wingdings" pitchFamily="18" charset="0"/>
+              </a:rPr>
+              <a:t></a:t>
+            </a:r>
+            <a:r>
+              <a:rPr lang="en-US" altLang="zh-CN" sz="2004" dirty="0" smtClean="0">
+                <a:latin typeface="Times New Roman" pitchFamily="18" charset="0"/>
+                <a:cs typeface="Times New Roman" pitchFamily="18" charset="0"/>
+              </a:rPr>
+              <a:t> </a:t>
+            </a:r>
+            <a:r>
+              <a:rPr lang="en-US" altLang="zh-CN" sz="2004" dirty="0" smtClean="0">
+                <a:solidFill>
+                  <a:srgbClr val="FFFFFF"/>
+                </a:solidFill>
+                <a:latin typeface="Times New Roman" pitchFamily="18" charset="0"/>
+                <a:cs typeface="Times New Roman" pitchFamily="18" charset="0"/>
+              </a:rPr>
+              <a:t>arrowLocatorManip</a:t>
+            </a:r>
+          </a:p>
+          <a:p>
+            <a:pPr>
+              <a:lnSpc>
+                <a:spcPts val="3100"/>
               </a:lnSpc>
               <a:tabLst>
-                <a:tab pos="342900" algn="l"/>
+                <a:tab pos="228600" algn="l"/>
+              </a:tabLst>
+            </a:pPr>
+            <a:r>
+              <a:rPr lang="en-US" altLang="zh-CN" sz="2006" dirty="0" smtClean="0">
+                <a:solidFill>
+                  <a:srgbClr val="FFFFFF"/>
+                </a:solidFill>
+                <a:latin typeface="Times New Roman" pitchFamily="18" charset="0"/>
+                <a:cs typeface="Times New Roman" pitchFamily="18" charset="0"/>
+              </a:rPr>
+              <a:t>In</a:t>
+            </a:r>
+            <a:r>
+              <a:rPr lang="en-US" altLang="zh-CN" sz="2006" dirty="0" smtClean="0">
+                <a:latin typeface="Times New Roman" pitchFamily="18" charset="0"/>
+                <a:cs typeface="Times New Roman" pitchFamily="18" charset="0"/>
+              </a:rPr>
+              <a:t> </a:t>
+            </a:r>
+            <a:r>
+              <a:rPr lang="en-US" altLang="zh-CN" sz="2006" dirty="0" smtClean="0">
+                <a:solidFill>
+                  <a:srgbClr val="FFFFFF"/>
+                </a:solidFill>
+                <a:latin typeface="Times New Roman" pitchFamily="18" charset="0"/>
+                <a:cs typeface="Times New Roman" pitchFamily="18" charset="0"/>
+              </a:rPr>
+              <a:t>custom</a:t>
+            </a:r>
+            <a:r>
+              <a:rPr lang="en-US" altLang="zh-CN" sz="2006" dirty="0" smtClean="0">
+                <a:latin typeface="Times New Roman" pitchFamily="18" charset="0"/>
+                <a:cs typeface="Times New Roman" pitchFamily="18" charset="0"/>
+              </a:rPr>
+              <a:t> </a:t>
+            </a:r>
+            <a:r>
+              <a:rPr lang="en-US" altLang="zh-CN" sz="2006" dirty="0" smtClean="0">
+                <a:solidFill>
+                  <a:srgbClr val="FFFFFF"/>
+                </a:solidFill>
+                <a:latin typeface="Times New Roman" pitchFamily="18" charset="0"/>
+                <a:cs typeface="Times New Roman" pitchFamily="18" charset="0"/>
+              </a:rPr>
+              <a:t>node’s</a:t>
+            </a:r>
+            <a:r>
+              <a:rPr lang="en-US" altLang="zh-CN" sz="2006" dirty="0" smtClean="0">
+                <a:latin typeface="Times New Roman" pitchFamily="18" charset="0"/>
+                <a:cs typeface="Times New Roman" pitchFamily="18" charset="0"/>
+              </a:rPr>
+              <a:t> </a:t>
+            </a:r>
+            <a:r>
+              <a:rPr lang="en-US" altLang="zh-CN" sz="2006" dirty="0" smtClean="0">
+                <a:solidFill>
+                  <a:srgbClr val="FFFFFF"/>
+                </a:solidFill>
+                <a:latin typeface="Times New Roman" pitchFamily="18" charset="0"/>
+                <a:cs typeface="Times New Roman" pitchFamily="18" charset="0"/>
+              </a:rPr>
+              <a:t>initialize(),</a:t>
+            </a:r>
+            <a:r>
+              <a:rPr lang="en-US" altLang="zh-CN" sz="2006" dirty="0" smtClean="0">
+                <a:latin typeface="Times New Roman" pitchFamily="18" charset="0"/>
+                <a:cs typeface="Times New Roman" pitchFamily="18" charset="0"/>
+              </a:rPr>
+              <a:t> </a:t>
+            </a:r>
+            <a:r>
+              <a:rPr lang="en-US" altLang="zh-CN" sz="2006" dirty="0" smtClean="0">
+                <a:solidFill>
+                  <a:srgbClr val="FFFFFF"/>
+                </a:solidFill>
+                <a:latin typeface="Times New Roman" pitchFamily="18" charset="0"/>
+                <a:cs typeface="Times New Roman" pitchFamily="18" charset="0"/>
+              </a:rPr>
+              <a:t>call</a:t>
+            </a:r>
+          </a:p>
+        </p:txBody>
+      </p:sp>
+      <p:sp>
+        <p:nvSpPr>
+          <p:cNvPr id="9" name="TextBox 1"/>
+          <p:cNvSpPr txBox="1"/>
+          <p:nvPr/>
+        </p:nvSpPr>
+        <p:spPr>
+          <a:xfrm>
+            <a:off x="317500" y="3556000"/>
+            <a:ext cx="7937500" cy="1168400"/>
+          </a:xfrm>
+          <a:prstGeom prst="rect">
+            <a:avLst/>
+          </a:prstGeom>
+          <a:noFill/>
+        </p:spPr>
+        <p:txBody>
+          <a:bodyPr wrap="none" lIns="0" tIns="0" rIns="0" rtlCol="0">
+            <a:spAutoFit/>
+          </a:bodyPr>
+          <a:lstStyle/>
+          <a:p>
+            <a:pPr>
+              <a:lnSpc>
+                <a:spcPts val="1800"/>
+              </a:lnSpc>
+              <a:tabLst>
+                <a:tab pos="914400" algn="l"/>
               </a:tabLst>
             </a:pPr>
             <a:r>
@@ -22213,280 +22376,117 @@
               <a:t>	</a:t>
             </a:r>
             <a:r>
-              <a:rPr lang="en-US" altLang="zh-CN" sz="1598" dirty="0" smtClean="0">
-                <a:solidFill>
-                  <a:srgbClr val="FFFF00"/>
-                </a:solidFill>
-                <a:latin typeface="Calibri" pitchFamily="18" charset="0"/>
-                <a:cs typeface="Calibri" pitchFamily="18" charset="0"/>
-              </a:rPr>
-              <a:t>view.beginGL()</a:t>
-            </a:r>
-          </a:p>
-          <a:p>
-            <a:pPr>
-              <a:lnSpc>
-                <a:spcPts val="2400"/>
+              <a:rPr lang="en-US" altLang="zh-CN" sz="2004" dirty="0" smtClean="0">
+                <a:solidFill>
+                  <a:srgbClr val="FFFFFF"/>
+                </a:solidFill>
+                <a:latin typeface="Times New Roman" pitchFamily="18" charset="0"/>
+                <a:cs typeface="Times New Roman" pitchFamily="18" charset="0"/>
+              </a:rPr>
+              <a:t>MPxManipContainer::addToManipConnectTable(MTypeId</a:t>
+            </a:r>
+            <a:r>
+              <a:rPr lang="en-US" altLang="zh-CN" sz="2004" dirty="0" smtClean="0">
+                <a:latin typeface="Times New Roman" pitchFamily="18" charset="0"/>
+                <a:cs typeface="Times New Roman" pitchFamily="18" charset="0"/>
+              </a:rPr>
+              <a:t> </a:t>
+            </a:r>
+            <a:r>
+              <a:rPr lang="en-US" altLang="zh-CN" sz="2004" dirty="0" smtClean="0">
+                <a:solidFill>
+                  <a:srgbClr val="FFFFFF"/>
+                </a:solidFill>
+                <a:latin typeface="Times New Roman" pitchFamily="18" charset="0"/>
+                <a:cs typeface="Times New Roman" pitchFamily="18" charset="0"/>
+              </a:rPr>
+              <a:t>&amp;id)</a:t>
+            </a:r>
+          </a:p>
+          <a:p>
+            <a:pPr>
+              <a:lnSpc>
+                <a:spcPts val="1000"/>
+              </a:lnSpc>
+            </a:pPr>
+            <a:endParaRPr lang="en-US" altLang="zh-CN" dirty="0" smtClean="0"/>
+          </a:p>
+          <a:p>
+            <a:pPr>
+              <a:lnSpc>
+                <a:spcPts val="1000"/>
+              </a:lnSpc>
+            </a:pPr>
+            <a:endParaRPr lang="en-US" altLang="zh-CN" dirty="0" smtClean="0"/>
+          </a:p>
+          <a:p>
+            <a:pPr>
+              <a:lnSpc>
+                <a:spcPts val="1000"/>
+              </a:lnSpc>
+            </a:pPr>
+            <a:endParaRPr lang="en-US" altLang="zh-CN" dirty="0" smtClean="0"/>
+          </a:p>
+          <a:p>
+            <a:pPr>
+              <a:lnSpc>
+                <a:spcPts val="1000"/>
+              </a:lnSpc>
+            </a:pPr>
+            <a:endParaRPr lang="en-US" altLang="zh-CN" dirty="0" smtClean="0"/>
+          </a:p>
+          <a:p>
+            <a:pPr>
+              <a:lnSpc>
+                <a:spcPts val="3400"/>
               </a:lnSpc>
               <a:tabLst>
-                <a:tab pos="342900" algn="l"/>
+                <a:tab pos="914400" algn="l"/>
               </a:tabLst>
             </a:pPr>
             <a:r>
-              <a:rPr lang="en-US" altLang="zh-CN" dirty="0" smtClean="0"/>
-              <a:t>	</a:t>
-            </a:r>
-            <a:r>
-              <a:rPr lang="en-US" altLang="zh-CN" sz="1596" dirty="0" smtClean="0">
-                <a:solidFill>
-                  <a:srgbClr val="FFFF00"/>
-                </a:solidFill>
-                <a:latin typeface="Calibri" pitchFamily="18" charset="0"/>
-                <a:cs typeface="Calibri" pitchFamily="18" charset="0"/>
-              </a:rPr>
-              <a:t>textPos</a:t>
-            </a:r>
-            <a:r>
-              <a:rPr lang="en-US" altLang="zh-CN" sz="1596" dirty="0" smtClean="0">
-                <a:latin typeface="Times New Roman" pitchFamily="18" charset="0"/>
-                <a:cs typeface="Times New Roman" pitchFamily="18" charset="0"/>
-              </a:rPr>
-              <a:t> </a:t>
-            </a:r>
-            <a:r>
-              <a:rPr lang="en-US" altLang="zh-CN" sz="1596" dirty="0" smtClean="0">
-                <a:solidFill>
-                  <a:srgbClr val="FFFF00"/>
-                </a:solidFill>
-                <a:latin typeface="Calibri" pitchFamily="18" charset="0"/>
-                <a:cs typeface="Calibri" pitchFamily="18" charset="0"/>
-              </a:rPr>
-              <a:t>=</a:t>
-            </a:r>
-            <a:r>
-              <a:rPr lang="en-US" altLang="zh-CN" sz="1596" dirty="0" smtClean="0">
-                <a:latin typeface="Times New Roman" pitchFamily="18" charset="0"/>
-                <a:cs typeface="Times New Roman" pitchFamily="18" charset="0"/>
-              </a:rPr>
-              <a:t> </a:t>
-            </a:r>
-            <a:r>
-              <a:rPr lang="en-US" altLang="zh-CN" sz="1596" dirty="0" smtClean="0">
-                <a:solidFill>
-                  <a:srgbClr val="FFFF00"/>
-                </a:solidFill>
-                <a:latin typeface="Calibri" pitchFamily="18" charset="0"/>
-                <a:cs typeface="Calibri" pitchFamily="18" charset="0"/>
-              </a:rPr>
-              <a:t>OpenMaya.MPoint</a:t>
-            </a:r>
-            <a:r>
-              <a:rPr lang="en-US" altLang="zh-CN" sz="1596" dirty="0" smtClean="0">
-                <a:latin typeface="Times New Roman" pitchFamily="18" charset="0"/>
-                <a:cs typeface="Times New Roman" pitchFamily="18" charset="0"/>
-              </a:rPr>
-              <a:t> </a:t>
-            </a:r>
-            <a:r>
-              <a:rPr lang="en-US" altLang="zh-CN" sz="1596" dirty="0" smtClean="0">
-                <a:solidFill>
-                  <a:srgbClr val="FFFF00"/>
-                </a:solidFill>
-                <a:latin typeface="Calibri" pitchFamily="18" charset="0"/>
-                <a:cs typeface="Calibri" pitchFamily="18" charset="0"/>
-              </a:rPr>
-              <a:t>(0,</a:t>
-            </a:r>
-            <a:r>
-              <a:rPr lang="en-US" altLang="zh-CN" sz="1596" dirty="0" smtClean="0">
-                <a:latin typeface="Times New Roman" pitchFamily="18" charset="0"/>
-                <a:cs typeface="Times New Roman" pitchFamily="18" charset="0"/>
-              </a:rPr>
-              <a:t> </a:t>
-            </a:r>
-            <a:r>
-              <a:rPr lang="en-US" altLang="zh-CN" sz="1596" dirty="0" smtClean="0">
-                <a:solidFill>
-                  <a:srgbClr val="FFFF00"/>
-                </a:solidFill>
-                <a:latin typeface="Calibri" pitchFamily="18" charset="0"/>
-                <a:cs typeface="Calibri" pitchFamily="18" charset="0"/>
-              </a:rPr>
-              <a:t>0,</a:t>
-            </a:r>
-            <a:r>
-              <a:rPr lang="en-US" altLang="zh-CN" sz="1596" dirty="0" smtClean="0">
-                <a:latin typeface="Times New Roman" pitchFamily="18" charset="0"/>
-                <a:cs typeface="Times New Roman" pitchFamily="18" charset="0"/>
-              </a:rPr>
-              <a:t> </a:t>
-            </a:r>
-            <a:r>
-              <a:rPr lang="en-US" altLang="zh-CN" sz="1596" dirty="0" smtClean="0">
-                <a:solidFill>
-                  <a:srgbClr val="FFFF00"/>
-                </a:solidFill>
-                <a:latin typeface="Calibri" pitchFamily="18" charset="0"/>
-                <a:cs typeface="Calibri" pitchFamily="18" charset="0"/>
-              </a:rPr>
-              <a:t>0)</a:t>
-            </a:r>
-          </a:p>
-          <a:p>
-            <a:pPr>
-              <a:lnSpc>
-                <a:spcPts val="2400"/>
-              </a:lnSpc>
-              <a:tabLst>
-                <a:tab pos="342900" algn="l"/>
-              </a:tabLst>
-            </a:pPr>
-            <a:r>
-              <a:rPr lang="en-US" altLang="zh-CN" dirty="0" smtClean="0"/>
-              <a:t>	</a:t>
-            </a:r>
-            <a:r>
-              <a:rPr lang="en-US" altLang="zh-CN" sz="1596" dirty="0" smtClean="0">
-                <a:solidFill>
-                  <a:srgbClr val="FFFF00"/>
-                </a:solidFill>
-                <a:latin typeface="Calibri" pitchFamily="18" charset="0"/>
-                <a:cs typeface="Calibri" pitchFamily="18" charset="0"/>
-              </a:rPr>
-              <a:t>distanceText</a:t>
-            </a:r>
-            <a:r>
-              <a:rPr lang="en-US" altLang="zh-CN" sz="1596" dirty="0" smtClean="0">
-                <a:latin typeface="Times New Roman" pitchFamily="18" charset="0"/>
-                <a:cs typeface="Times New Roman" pitchFamily="18" charset="0"/>
-              </a:rPr>
-              <a:t> </a:t>
-            </a:r>
-            <a:r>
-              <a:rPr lang="en-US" altLang="zh-CN" sz="1596" dirty="0" smtClean="0">
-                <a:solidFill>
-                  <a:srgbClr val="FFFF00"/>
-                </a:solidFill>
-                <a:latin typeface="Calibri" pitchFamily="18" charset="0"/>
-                <a:cs typeface="Calibri" pitchFamily="18" charset="0"/>
-              </a:rPr>
-              <a:t>=</a:t>
-            </a:r>
-            <a:r>
-              <a:rPr lang="en-US" altLang="zh-CN" sz="1596" dirty="0" smtClean="0">
-                <a:latin typeface="Times New Roman" pitchFamily="18" charset="0"/>
-                <a:cs typeface="Times New Roman" pitchFamily="18" charset="0"/>
-              </a:rPr>
-              <a:t> </a:t>
-            </a:r>
-            <a:r>
-              <a:rPr lang="en-US" altLang="zh-CN" sz="1596" dirty="0" smtClean="0">
-                <a:solidFill>
-                  <a:srgbClr val="FFFF00"/>
-                </a:solidFill>
-                <a:latin typeface="Calibri" pitchFamily="18" charset="0"/>
-                <a:cs typeface="Calibri" pitchFamily="18" charset="0"/>
-              </a:rPr>
-              <a:t>"Stretch</a:t>
-            </a:r>
-            <a:r>
-              <a:rPr lang="en-US" altLang="zh-CN" sz="1596" dirty="0" smtClean="0">
-                <a:latin typeface="Times New Roman" pitchFamily="18" charset="0"/>
-                <a:cs typeface="Times New Roman" pitchFamily="18" charset="0"/>
-              </a:rPr>
-              <a:t> </a:t>
-            </a:r>
-            <a:r>
-              <a:rPr lang="en-US" altLang="zh-CN" sz="1596" dirty="0" smtClean="0">
-                <a:solidFill>
-                  <a:srgbClr val="FFFF00"/>
-                </a:solidFill>
-                <a:latin typeface="Calibri" pitchFamily="18" charset="0"/>
-                <a:cs typeface="Calibri" pitchFamily="18" charset="0"/>
-              </a:rPr>
-              <a:t>Me!"</a:t>
-            </a:r>
-          </a:p>
-          <a:p>
-            <a:pPr>
-              <a:lnSpc>
-                <a:spcPts val="2400"/>
-              </a:lnSpc>
-              <a:tabLst>
-                <a:tab pos="342900" algn="l"/>
-              </a:tabLst>
-            </a:pPr>
-            <a:r>
-              <a:rPr lang="en-US" altLang="zh-CN" dirty="0" smtClean="0"/>
-              <a:t>	</a:t>
-            </a:r>
-            <a:r>
-              <a:rPr lang="en-US" altLang="zh-CN" sz="1596" dirty="0" smtClean="0">
-                <a:solidFill>
-                  <a:srgbClr val="FFFF00"/>
-                </a:solidFill>
-                <a:latin typeface="Calibri" pitchFamily="18" charset="0"/>
-                <a:cs typeface="Calibri" pitchFamily="18" charset="0"/>
-              </a:rPr>
-              <a:t>view.drawText(distanceText,</a:t>
-            </a:r>
-            <a:r>
-              <a:rPr lang="en-US" altLang="zh-CN" sz="1596" dirty="0" smtClean="0">
-                <a:latin typeface="Times New Roman" pitchFamily="18" charset="0"/>
-                <a:cs typeface="Times New Roman" pitchFamily="18" charset="0"/>
-              </a:rPr>
-              <a:t> </a:t>
-            </a:r>
-            <a:r>
-              <a:rPr lang="en-US" altLang="zh-CN" sz="1596" dirty="0" smtClean="0">
-                <a:solidFill>
-                  <a:srgbClr val="FFFF00"/>
-                </a:solidFill>
-                <a:latin typeface="Calibri" pitchFamily="18" charset="0"/>
-                <a:cs typeface="Calibri" pitchFamily="18" charset="0"/>
-              </a:rPr>
-              <a:t>textPos,</a:t>
-            </a:r>
-            <a:r>
-              <a:rPr lang="en-US" altLang="zh-CN" sz="1596" dirty="0" smtClean="0">
-                <a:latin typeface="Times New Roman" pitchFamily="18" charset="0"/>
-                <a:cs typeface="Times New Roman" pitchFamily="18" charset="0"/>
-              </a:rPr>
-              <a:t> </a:t>
-            </a:r>
-            <a:r>
-              <a:rPr lang="en-US" altLang="zh-CN" sz="1596" dirty="0" smtClean="0">
-                <a:solidFill>
-                  <a:srgbClr val="FFFF00"/>
-                </a:solidFill>
-                <a:latin typeface="Calibri" pitchFamily="18" charset="0"/>
-                <a:cs typeface="Calibri" pitchFamily="18" charset="0"/>
-              </a:rPr>
-              <a:t>OpenMayaUI.M3dView.kLeft)</a:t>
-            </a:r>
-          </a:p>
-          <a:p>
-            <a:pPr>
-              <a:lnSpc>
-                <a:spcPts val="2400"/>
-              </a:lnSpc>
-              <a:tabLst>
-                <a:tab pos="342900" algn="l"/>
-              </a:tabLst>
-            </a:pPr>
-            <a:r>
-              <a:rPr lang="en-US" altLang="zh-CN" dirty="0" smtClean="0"/>
-              <a:t>	</a:t>
-            </a:r>
-            <a:r>
-              <a:rPr lang="en-US" altLang="zh-CN" sz="1596" dirty="0" smtClean="0">
-                <a:solidFill>
-                  <a:srgbClr val="FFFF00"/>
-                </a:solidFill>
-                <a:latin typeface="Calibri" pitchFamily="18" charset="0"/>
-                <a:cs typeface="Calibri" pitchFamily="18" charset="0"/>
-              </a:rPr>
-              <a:t>view.endGL()</a:t>
+              <a:rPr lang="en-US" altLang="zh-CN" sz="2402" dirty="0" smtClean="0">
+                <a:solidFill>
+                  <a:srgbClr val="FFFFFF"/>
+                </a:solidFill>
+                <a:latin typeface="Times New Roman" pitchFamily="18" charset="0"/>
+                <a:cs typeface="Times New Roman" pitchFamily="18" charset="0"/>
+              </a:rPr>
+              <a:t>•</a:t>
+            </a:r>
+            <a:r>
+              <a:rPr lang="en-US" altLang="zh-CN" sz="2402" dirty="0" smtClean="0">
+                <a:latin typeface="Times New Roman" pitchFamily="18" charset="0"/>
+                <a:cs typeface="Times New Roman" pitchFamily="18" charset="0"/>
+              </a:rPr>
+              <a:t>   </a:t>
+            </a:r>
+            <a:r>
+              <a:rPr lang="en-US" altLang="zh-CN" sz="2402" dirty="0" smtClean="0">
+                <a:solidFill>
+                  <a:srgbClr val="FFFFFF"/>
+                </a:solidFill>
+                <a:latin typeface="Times New Roman" pitchFamily="18" charset="0"/>
+                <a:cs typeface="Times New Roman" pitchFamily="18" charset="0"/>
+              </a:rPr>
+              <a:t>Custom</a:t>
+            </a:r>
+            <a:r>
+              <a:rPr lang="en-US" altLang="zh-CN" sz="2402" dirty="0" smtClean="0">
+                <a:latin typeface="Times New Roman" pitchFamily="18" charset="0"/>
+                <a:cs typeface="Times New Roman" pitchFamily="18" charset="0"/>
+              </a:rPr>
+              <a:t> </a:t>
+            </a:r>
+            <a:r>
+              <a:rPr lang="en-US" altLang="zh-CN" sz="2402" dirty="0" smtClean="0">
+                <a:solidFill>
+                  <a:srgbClr val="FFFFFF"/>
+                </a:solidFill>
+                <a:latin typeface="Times New Roman" pitchFamily="18" charset="0"/>
+                <a:cs typeface="Times New Roman" pitchFamily="18" charset="0"/>
+              </a:rPr>
+              <a:t>Context</a:t>
             </a:r>
           </a:p>
         </p:txBody>
@@ -22645,9 +22645,549 @@
           </a:p>
         </p:txBody>
       </p:sp>
+      <p:sp>
+        <p:nvSpPr>
+          <p:cNvPr id="3" name="Freeform 3"/>
+          <p:cNvSpPr/>
+          <p:nvPr/>
+        </p:nvSpPr>
+        <p:spPr>
+          <a:xfrm>
+            <a:off x="3411601" y="2693923"/>
+            <a:ext cx="1735073" cy="635127"/>
+          </a:xfrm>
+          <a:custGeom>
+            <a:avLst/>
+            <a:gdLst>
+              <a:gd name="connsiteX0" fmla="*/ 1665223 w 1735073"/>
+              <a:gd name="connsiteY0" fmla="*/ 635127 h 635127"/>
+              <a:gd name="connsiteX1" fmla="*/ 1674621 w 1735073"/>
+              <a:gd name="connsiteY1" fmla="*/ 608203 h 635127"/>
+              <a:gd name="connsiteX2" fmla="*/ 0 w 1735073"/>
+              <a:gd name="connsiteY2" fmla="*/ 22733 h 635127"/>
+              <a:gd name="connsiteX3" fmla="*/ 8001 w 1735073"/>
+              <a:gd name="connsiteY3" fmla="*/ 0 h 635127"/>
+              <a:gd name="connsiteX4" fmla="*/ 1682622 w 1735073"/>
+              <a:gd name="connsiteY4" fmla="*/ 585470 h 635127"/>
+              <a:gd name="connsiteX5" fmla="*/ 1692020 w 1735073"/>
+              <a:gd name="connsiteY5" fmla="*/ 558546 h 635127"/>
+              <a:gd name="connsiteX6" fmla="*/ 1735073 w 1735073"/>
+              <a:gd name="connsiteY6" fmla="*/ 616585 h 635127"/>
+              <a:gd name="connsiteX7" fmla="*/ 1665223 w 1735073"/>
+              <a:gd name="connsiteY7" fmla="*/ 635127 h 635127"/>
+            </a:gdLst>
+            <a:ahLst/>
+            <a:cxnLst>
+              <a:cxn ang="0">
+                <a:pos x="connsiteX0" y="connsiteY0"/>
+              </a:cxn>
+              <a:cxn ang="1">
+                <a:pos x="connsiteX1" y="connsiteY1"/>
+              </a:cxn>
+              <a:cxn ang="2">
+                <a:pos x="connsiteX2" y="connsiteY2"/>
+              </a:cxn>
+              <a:cxn ang="3">
+                <a:pos x="connsiteX3" y="connsiteY3"/>
+              </a:cxn>
+              <a:cxn ang="4">
+                <a:pos x="connsiteX4" y="connsiteY4"/>
+              </a:cxn>
+              <a:cxn ang="5">
+                <a:pos x="connsiteX5" y="connsiteY5"/>
+              </a:cxn>
+              <a:cxn ang="6">
+                <a:pos x="connsiteX6" y="connsiteY6"/>
+              </a:cxn>
+              <a:cxn ang="7">
+                <a:pos x="connsiteX7" y="connsiteY7"/>
+              </a:cxn>
+            </a:cxnLst>
+            <a:rect l="l" t="t" r="r" b="b"/>
+            <a:pathLst>
+              <a:path w="1735073" h="635127">
+                <a:moveTo>
+                  <a:pt x="1665223" y="635127"/>
+                </a:moveTo>
+                <a:lnTo>
+                  <a:pt x="1674621" y="608203"/>
+                </a:lnTo>
+                <a:lnTo>
+                  <a:pt x="0" y="22733"/>
+                </a:lnTo>
+                <a:lnTo>
+                  <a:pt x="8001" y="0"/>
+                </a:lnTo>
+                <a:lnTo>
+                  <a:pt x="1682622" y="585470"/>
+                </a:lnTo>
+                <a:lnTo>
+                  <a:pt x="1692020" y="558546"/>
+                </a:lnTo>
+                <a:lnTo>
+                  <a:pt x="1735073" y="616585"/>
+                </a:lnTo>
+                <a:lnTo>
+                  <a:pt x="1665223" y="635127"/>
+                </a:lnTo>
+              </a:path>
+            </a:pathLst>
+          </a:custGeom>
+          <a:solidFill>
+            <a:srgbClr val="FFFF00">
+              <a:alpha val="100000"/>
+            </a:srgbClr>
+          </a:solidFill>
+          <a:ln w="12700">
+            <a:solidFill>
+              <a:srgbClr val="000000">
+                <a:alpha val="0"/>
+              </a:srgbClr>
+            </a:solidFill>
+            <a:prstDash val="solid"/>
+          </a:ln>
+        </p:spPr>
+        <p:style>
+          <a:lnRef idx="2">
+            <a:schemeClr val="accent1">
+              <a:shade val="50000"/>
+            </a:schemeClr>
+          </a:lnRef>
+          <a:fillRef idx="1">
+            <a:schemeClr val="accent1"/>
+          </a:fillRef>
+          <a:effectRef idx="0">
+            <a:schemeClr val="accent1"/>
+          </a:effectRef>
+          <a:fontRef idx="minor">
+            <a:schemeClr val="lt1"/>
+          </a:fontRef>
+        </p:style>
+        <p:txBody>
+          <a:bodyPr rtlCol="0" anchor="ctr"/>
+          <a:lstStyle/>
+          <a:p>
+            <a:pPr algn="ctr"/>
+            <a:endParaRPr lang="zh-CN" altLang="en-US"/>
+          </a:p>
+        </p:txBody>
+      </p:sp>
+      <p:sp>
+        <p:nvSpPr>
+          <p:cNvPr id="5" name="Freeform 3"/>
+          <p:cNvSpPr/>
+          <p:nvPr/>
+        </p:nvSpPr>
+        <p:spPr>
+          <a:xfrm>
+            <a:off x="3405251" y="2687573"/>
+            <a:ext cx="1747773" cy="647827"/>
+          </a:xfrm>
+          <a:custGeom>
+            <a:avLst/>
+            <a:gdLst>
+              <a:gd name="connsiteX0" fmla="*/ 1671573 w 1747773"/>
+              <a:gd name="connsiteY0" fmla="*/ 641477 h 647827"/>
+              <a:gd name="connsiteX1" fmla="*/ 1680971 w 1747773"/>
+              <a:gd name="connsiteY1" fmla="*/ 614553 h 647827"/>
+              <a:gd name="connsiteX2" fmla="*/ 6350 w 1747773"/>
+              <a:gd name="connsiteY2" fmla="*/ 29083 h 647827"/>
+              <a:gd name="connsiteX3" fmla="*/ 14351 w 1747773"/>
+              <a:gd name="connsiteY3" fmla="*/ 6350 h 647827"/>
+              <a:gd name="connsiteX4" fmla="*/ 1688972 w 1747773"/>
+              <a:gd name="connsiteY4" fmla="*/ 591820 h 647827"/>
+              <a:gd name="connsiteX5" fmla="*/ 1698370 w 1747773"/>
+              <a:gd name="connsiteY5" fmla="*/ 564896 h 647827"/>
+              <a:gd name="connsiteX6" fmla="*/ 1741423 w 1747773"/>
+              <a:gd name="connsiteY6" fmla="*/ 622935 h 647827"/>
+              <a:gd name="connsiteX7" fmla="*/ 1671573 w 1747773"/>
+              <a:gd name="connsiteY7" fmla="*/ 641477 h 647827"/>
+            </a:gdLst>
+            <a:ahLst/>
+            <a:cxnLst>
+              <a:cxn ang="0">
+                <a:pos x="connsiteX0" y="connsiteY0"/>
+              </a:cxn>
+              <a:cxn ang="1">
+                <a:pos x="connsiteX1" y="connsiteY1"/>
+              </a:cxn>
+              <a:cxn ang="2">
+                <a:pos x="connsiteX2" y="connsiteY2"/>
+              </a:cxn>
+              <a:cxn ang="3">
+                <a:pos x="connsiteX3" y="connsiteY3"/>
+              </a:cxn>
+              <a:cxn ang="4">
+                <a:pos x="connsiteX4" y="connsiteY4"/>
+              </a:cxn>
+              <a:cxn ang="5">
+                <a:pos x="connsiteX5" y="connsiteY5"/>
+              </a:cxn>
+              <a:cxn ang="6">
+                <a:pos x="connsiteX6" y="connsiteY6"/>
+              </a:cxn>
+              <a:cxn ang="7">
+                <a:pos x="connsiteX7" y="connsiteY7"/>
+              </a:cxn>
+            </a:cxnLst>
+            <a:rect l="l" t="t" r="r" b="b"/>
+            <a:pathLst>
+              <a:path w="1747773" h="647827">
+                <a:moveTo>
+                  <a:pt x="1671573" y="641477"/>
+                </a:moveTo>
+                <a:lnTo>
+                  <a:pt x="1680971" y="614553"/>
+                </a:lnTo>
+                <a:lnTo>
+                  <a:pt x="6350" y="29083"/>
+                </a:lnTo>
+                <a:lnTo>
+                  <a:pt x="14351" y="6350"/>
+                </a:lnTo>
+                <a:lnTo>
+                  <a:pt x="1688972" y="591820"/>
+                </a:lnTo>
+                <a:lnTo>
+                  <a:pt x="1698370" y="564896"/>
+                </a:lnTo>
+                <a:lnTo>
+                  <a:pt x="1741423" y="622935"/>
+                </a:lnTo>
+                <a:lnTo>
+                  <a:pt x="1671573" y="641477"/>
+                </a:lnTo>
+              </a:path>
+            </a:pathLst>
+          </a:custGeom>
+          <a:solidFill>
+            <a:srgbClr val="000000">
+              <a:alpha val="0"/>
+            </a:srgbClr>
+          </a:solidFill>
+          <a:ln w="12700">
+            <a:solidFill>
+              <a:srgbClr val="FFFF00">
+                <a:alpha val="100000"/>
+              </a:srgbClr>
+            </a:solidFill>
+            <a:prstDash val="solid"/>
+          </a:ln>
+        </p:spPr>
+        <p:style>
+          <a:lnRef idx="2">
+            <a:schemeClr val="accent1">
+              <a:shade val="50000"/>
+            </a:schemeClr>
+          </a:lnRef>
+          <a:fillRef idx="1">
+            <a:schemeClr val="accent1"/>
+          </a:fillRef>
+          <a:effectRef idx="0">
+            <a:schemeClr val="accent1"/>
+          </a:effectRef>
+          <a:fontRef idx="minor">
+            <a:schemeClr val="lt1"/>
+          </a:fontRef>
+        </p:style>
+        <p:txBody>
+          <a:bodyPr rtlCol="0" anchor="ctr"/>
+          <a:lstStyle/>
+          <a:p>
+            <a:pPr algn="ctr"/>
+            <a:endParaRPr lang="zh-CN" altLang="en-US"/>
+          </a:p>
+        </p:txBody>
+      </p:sp>
+      <p:sp>
+        <p:nvSpPr>
+          <p:cNvPr id="6" name="Freeform 3"/>
+          <p:cNvSpPr/>
+          <p:nvPr/>
+        </p:nvSpPr>
+        <p:spPr>
+          <a:xfrm>
+            <a:off x="595312" y="2177859"/>
+            <a:ext cx="2847975" cy="427227"/>
+          </a:xfrm>
+          <a:custGeom>
+            <a:avLst/>
+            <a:gdLst>
+              <a:gd name="connsiteX0" fmla="*/ 14287 w 2847975"/>
+              <a:gd name="connsiteY0" fmla="*/ 80708 h 427227"/>
+              <a:gd name="connsiteX1" fmla="*/ 80733 w 2847975"/>
+              <a:gd name="connsiteY1" fmla="*/ 14287 h 427227"/>
+              <a:gd name="connsiteX2" fmla="*/ 2767266 w 2847975"/>
+              <a:gd name="connsiteY2" fmla="*/ 14287 h 427227"/>
+              <a:gd name="connsiteX3" fmla="*/ 2833687 w 2847975"/>
+              <a:gd name="connsiteY3" fmla="*/ 80708 h 427227"/>
+              <a:gd name="connsiteX4" fmla="*/ 2833687 w 2847975"/>
+              <a:gd name="connsiteY4" fmla="*/ 346519 h 427227"/>
+              <a:gd name="connsiteX5" fmla="*/ 2767266 w 2847975"/>
+              <a:gd name="connsiteY5" fmla="*/ 412940 h 427227"/>
+              <a:gd name="connsiteX6" fmla="*/ 80733 w 2847975"/>
+              <a:gd name="connsiteY6" fmla="*/ 412940 h 427227"/>
+              <a:gd name="connsiteX7" fmla="*/ 14287 w 2847975"/>
+              <a:gd name="connsiteY7" fmla="*/ 346519 h 427227"/>
+              <a:gd name="connsiteX8" fmla="*/ 14287 w 2847975"/>
+              <a:gd name="connsiteY8" fmla="*/ 80708 h 427227"/>
+            </a:gdLst>
+            <a:ahLst/>
+            <a:cxnLst>
+              <a:cxn ang="0">
+                <a:pos x="connsiteX0" y="connsiteY0"/>
+              </a:cxn>
+              <a:cxn ang="1">
+                <a:pos x="connsiteX1" y="connsiteY1"/>
+              </a:cxn>
+              <a:cxn ang="2">
+                <a:pos x="connsiteX2" y="connsiteY2"/>
+              </a:cxn>
+              <a:cxn ang="3">
+                <a:pos x="connsiteX3" y="connsiteY3"/>
+              </a:cxn>
+              <a:cxn ang="4">
+                <a:pos x="connsiteX4" y="connsiteY4"/>
+              </a:cxn>
+              <a:cxn ang="5">
+                <a:pos x="connsiteX5" y="connsiteY5"/>
+              </a:cxn>
+              <a:cxn ang="6">
+                <a:pos x="connsiteX6" y="connsiteY6"/>
+              </a:cxn>
+              <a:cxn ang="7">
+                <a:pos x="connsiteX7" y="connsiteY7"/>
+              </a:cxn>
+              <a:cxn ang="8">
+                <a:pos x="connsiteX8" y="connsiteY8"/>
+              </a:cxn>
+            </a:cxnLst>
+            <a:rect l="l" t="t" r="r" b="b"/>
+            <a:pathLst>
+              <a:path w="2847975" h="427227">
+                <a:moveTo>
+                  <a:pt x="14287" y="80708"/>
+                </a:moveTo>
+                <a:cubicBezTo>
+                  <a:pt x="14287" y="44005"/>
+                  <a:pt x="44043" y="14287"/>
+                  <a:pt x="80733" y="14287"/>
+                </a:cubicBezTo>
+                <a:lnTo>
+                  <a:pt x="2767266" y="14287"/>
+                </a:lnTo>
+                <a:cubicBezTo>
+                  <a:pt x="2803969" y="14287"/>
+                  <a:pt x="2833687" y="44005"/>
+                  <a:pt x="2833687" y="80708"/>
+                </a:cubicBezTo>
+                <a:lnTo>
+                  <a:pt x="2833687" y="346519"/>
+                </a:lnTo>
+                <a:cubicBezTo>
+                  <a:pt x="2833687" y="383222"/>
+                  <a:pt x="2803969" y="412940"/>
+                  <a:pt x="2767266" y="412940"/>
+                </a:cubicBezTo>
+                <a:lnTo>
+                  <a:pt x="80733" y="412940"/>
+                </a:lnTo>
+                <a:cubicBezTo>
+                  <a:pt x="44043" y="412940"/>
+                  <a:pt x="14287" y="383222"/>
+                  <a:pt x="14287" y="346519"/>
+                </a:cubicBezTo>
+                <a:lnTo>
+                  <a:pt x="14287" y="80708"/>
+                </a:lnTo>
+              </a:path>
+            </a:pathLst>
+          </a:custGeom>
+          <a:solidFill>
+            <a:srgbClr val="000000">
+              <a:alpha val="0"/>
+            </a:srgbClr>
+          </a:solidFill>
+          <a:ln w="25400">
+            <a:solidFill>
+              <a:srgbClr val="EE5500">
+                <a:alpha val="100000"/>
+              </a:srgbClr>
+            </a:solidFill>
+            <a:prstDash val="solid"/>
+          </a:ln>
+        </p:spPr>
+        <p:style>
+          <a:lnRef idx="2">
+            <a:schemeClr val="accent1">
+              <a:shade val="50000"/>
+            </a:schemeClr>
+          </a:lnRef>
+          <a:fillRef idx="1">
+            <a:schemeClr val="accent1"/>
+          </a:fillRef>
+          <a:effectRef idx="0">
+            <a:schemeClr val="accent1"/>
+          </a:effectRef>
+          <a:fontRef idx="minor">
+            <a:schemeClr val="lt1"/>
+          </a:fontRef>
+        </p:style>
+        <p:txBody>
+          <a:bodyPr rtlCol="0" anchor="ctr"/>
+          <a:lstStyle/>
+          <a:p>
+            <a:pPr algn="ctr"/>
+            <a:endParaRPr lang="zh-CN" altLang="en-US"/>
+          </a:p>
+        </p:txBody>
+      </p:sp>
+      <p:sp>
+        <p:nvSpPr>
+          <p:cNvPr id="7" name="Freeform 3"/>
+          <p:cNvSpPr/>
+          <p:nvPr/>
+        </p:nvSpPr>
+        <p:spPr>
+          <a:xfrm>
+            <a:off x="3962400" y="3334448"/>
+            <a:ext cx="2619375" cy="427228"/>
+          </a:xfrm>
+          <a:custGeom>
+            <a:avLst/>
+            <a:gdLst>
+              <a:gd name="connsiteX0" fmla="*/ 14287 w 2619375"/>
+              <a:gd name="connsiteY0" fmla="*/ 80708 h 427228"/>
+              <a:gd name="connsiteX1" fmla="*/ 80708 w 2619375"/>
+              <a:gd name="connsiteY1" fmla="*/ 14287 h 427228"/>
+              <a:gd name="connsiteX2" fmla="*/ 2538666 w 2619375"/>
+              <a:gd name="connsiteY2" fmla="*/ 14287 h 427228"/>
+              <a:gd name="connsiteX3" fmla="*/ 2605087 w 2619375"/>
+              <a:gd name="connsiteY3" fmla="*/ 80708 h 427228"/>
+              <a:gd name="connsiteX4" fmla="*/ 2605087 w 2619375"/>
+              <a:gd name="connsiteY4" fmla="*/ 346519 h 427228"/>
+              <a:gd name="connsiteX5" fmla="*/ 2538666 w 2619375"/>
+              <a:gd name="connsiteY5" fmla="*/ 412940 h 427228"/>
+              <a:gd name="connsiteX6" fmla="*/ 80708 w 2619375"/>
+              <a:gd name="connsiteY6" fmla="*/ 412940 h 427228"/>
+              <a:gd name="connsiteX7" fmla="*/ 14287 w 2619375"/>
+              <a:gd name="connsiteY7" fmla="*/ 346519 h 427228"/>
+              <a:gd name="connsiteX8" fmla="*/ 14287 w 2619375"/>
+              <a:gd name="connsiteY8" fmla="*/ 80708 h 427228"/>
+            </a:gdLst>
+            <a:ahLst/>
+            <a:cxnLst>
+              <a:cxn ang="0">
+                <a:pos x="connsiteX0" y="connsiteY0"/>
+              </a:cxn>
+              <a:cxn ang="1">
+                <a:pos x="connsiteX1" y="connsiteY1"/>
+              </a:cxn>
+              <a:cxn ang="2">
+                <a:pos x="connsiteX2" y="connsiteY2"/>
+              </a:cxn>
+              <a:cxn ang="3">
+                <a:pos x="connsiteX3" y="connsiteY3"/>
+              </a:cxn>
+              <a:cxn ang="4">
+                <a:pos x="connsiteX4" y="connsiteY4"/>
+              </a:cxn>
+              <a:cxn ang="5">
+                <a:pos x="connsiteX5" y="connsiteY5"/>
+              </a:cxn>
+              <a:cxn ang="6">
+                <a:pos x="connsiteX6" y="connsiteY6"/>
+              </a:cxn>
+              <a:cxn ang="7">
+                <a:pos x="connsiteX7" y="connsiteY7"/>
+              </a:cxn>
+              <a:cxn ang="8">
+                <a:pos x="connsiteX8" y="connsiteY8"/>
+              </a:cxn>
+            </a:cxnLst>
+            <a:rect l="l" t="t" r="r" b="b"/>
+            <a:pathLst>
+              <a:path w="2619375" h="427228">
+                <a:moveTo>
+                  <a:pt x="14287" y="80708"/>
+                </a:moveTo>
+                <a:cubicBezTo>
+                  <a:pt x="14287" y="44005"/>
+                  <a:pt x="44005" y="14287"/>
+                  <a:pt x="80708" y="14287"/>
+                </a:cubicBezTo>
+                <a:lnTo>
+                  <a:pt x="2538666" y="14287"/>
+                </a:lnTo>
+                <a:cubicBezTo>
+                  <a:pt x="2575369" y="14287"/>
+                  <a:pt x="2605087" y="44005"/>
+                  <a:pt x="2605087" y="80708"/>
+                </a:cubicBezTo>
+                <a:lnTo>
+                  <a:pt x="2605087" y="346519"/>
+                </a:lnTo>
+                <a:cubicBezTo>
+                  <a:pt x="2605087" y="383222"/>
+                  <a:pt x="2575369" y="412940"/>
+                  <a:pt x="2538666" y="412940"/>
+                </a:cubicBezTo>
+                <a:lnTo>
+                  <a:pt x="80708" y="412940"/>
+                </a:lnTo>
+                <a:cubicBezTo>
+                  <a:pt x="44005" y="412940"/>
+                  <a:pt x="14287" y="383222"/>
+                  <a:pt x="14287" y="346519"/>
+                </a:cubicBezTo>
+                <a:lnTo>
+                  <a:pt x="14287" y="80708"/>
+                </a:lnTo>
+              </a:path>
+            </a:pathLst>
+          </a:custGeom>
+          <a:solidFill>
+            <a:srgbClr val="000000">
+              <a:alpha val="0"/>
+            </a:srgbClr>
+          </a:solidFill>
+          <a:ln w="25400">
+            <a:solidFill>
+              <a:srgbClr val="EE5500">
+                <a:alpha val="100000"/>
+              </a:srgbClr>
+            </a:solidFill>
+            <a:prstDash val="solid"/>
+          </a:ln>
+        </p:spPr>
+        <p:style>
+          <a:lnRef idx="2">
+            <a:schemeClr val="accent1">
+              <a:shade val="50000"/>
+            </a:schemeClr>
+          </a:lnRef>
+          <a:fillRef idx="1">
+            <a:schemeClr val="accent1"/>
+          </a:fillRef>
+          <a:effectRef idx="0">
+            <a:schemeClr val="accent1"/>
+          </a:effectRef>
+          <a:fontRef idx="minor">
+            <a:schemeClr val="lt1"/>
+          </a:fontRef>
+        </p:style>
+        <p:txBody>
+          <a:bodyPr rtlCol="0" anchor="ctr"/>
+          <a:lstStyle/>
+          <a:p>
+            <a:pPr algn="ctr"/>
+            <a:endParaRPr lang="zh-CN" altLang="en-US"/>
+          </a:p>
+        </p:txBody>
+      </p:sp>
       <p:pic>
         <p:nvPicPr>
-          <p:cNvPr id="3" name="Picture 3"/>
+          <p:cNvPr id="8" name="Picture 3"/>
           <p:cNvPicPr>
             <a:picLocks noChangeAspect="1" noChangeArrowheads="1"/>
           </p:cNvPicPr>
@@ -22748,7 +23288,7 @@
       </p:sp>
       <p:sp>
         <p:nvSpPr>
-          <p:cNvPr id="5" name="TextBox 1"/>
+          <p:cNvPr id="9" name="TextBox 1"/>
           <p:cNvSpPr txBox="1"/>
           <p:nvPr/>
         </p:nvSpPr>
@@ -22782,21 +23322,21 @@
                 <a:latin typeface="Times New Roman" pitchFamily="18" charset="0"/>
                 <a:cs typeface="Times New Roman" pitchFamily="18" charset="0"/>
               </a:rPr>
-              <a:t>27</a:t>
+              <a:t>28</a:t>
             </a:r>
           </a:p>
         </p:txBody>
       </p:sp>
       <p:sp>
         <p:nvSpPr>
-          <p:cNvPr id="6" name="TextBox 1"/>
+          <p:cNvPr id="10" name="TextBox 1"/>
           <p:cNvSpPr txBox="1"/>
           <p:nvPr/>
         </p:nvSpPr>
         <p:spPr>
           <a:xfrm>
-            <a:off x="317500" y="571500"/>
-            <a:ext cx="4533900" cy="1727200"/>
+            <a:off x="317500" y="533400"/>
+            <a:ext cx="6032500" cy="457200"/>
           </a:xfrm>
           <a:prstGeom prst="rect">
             <a:avLst/>
@@ -22823,7 +23363,7 @@
                 <a:latin typeface="Times New Roman" pitchFamily="18" charset="0"/>
                 <a:cs typeface="Times New Roman" pitchFamily="18" charset="0"/>
               </a:rPr>
-              <a:t>Invoke</a:t>
+              <a:t>Manipulators</a:t>
             </a:r>
             <a:r>
               <a:rPr lang="en-US" altLang="zh-CN" sz="3998" dirty="0" smtClean="0">
@@ -22840,146 +23380,38 @@
                 <a:latin typeface="Times New Roman" pitchFamily="18" charset="0"/>
                 <a:cs typeface="Times New Roman" pitchFamily="18" charset="0"/>
               </a:rPr>
-              <a:t>manipulators</a:t>
-            </a:r>
-          </a:p>
-          <a:p>
-            <a:pPr>
-              <a:lnSpc>
-                <a:spcPts val="1000"/>
-              </a:lnSpc>
-            </a:pPr>
-            <a:endParaRPr lang="en-US" altLang="zh-CN" dirty="0" smtClean="0"/>
-          </a:p>
-          <a:p>
-            <a:pPr>
-              <a:lnSpc>
-                <a:spcPts val="1000"/>
-              </a:lnSpc>
-            </a:pPr>
-            <a:endParaRPr lang="en-US" altLang="zh-CN" dirty="0" smtClean="0"/>
-          </a:p>
-          <a:p>
-            <a:pPr>
-              <a:lnSpc>
-                <a:spcPts val="1000"/>
-              </a:lnSpc>
-            </a:pPr>
-            <a:endParaRPr lang="en-US" altLang="zh-CN" dirty="0" smtClean="0"/>
-          </a:p>
-          <a:p>
-            <a:pPr>
-              <a:lnSpc>
-                <a:spcPts val="1000"/>
-              </a:lnSpc>
-            </a:pPr>
-            <a:endParaRPr lang="en-US" altLang="zh-CN" dirty="0" smtClean="0"/>
-          </a:p>
-          <a:p>
-            <a:pPr>
-              <a:lnSpc>
-                <a:spcPts val="1000"/>
-              </a:lnSpc>
-            </a:pPr>
-            <a:endParaRPr lang="en-US" altLang="zh-CN" dirty="0" smtClean="0"/>
-          </a:p>
-          <a:p>
-            <a:pPr>
-              <a:lnSpc>
-                <a:spcPts val="1000"/>
-              </a:lnSpc>
-            </a:pPr>
-            <a:endParaRPr lang="en-US" altLang="zh-CN" dirty="0" smtClean="0"/>
-          </a:p>
-          <a:p>
-            <a:pPr>
-              <a:lnSpc>
-                <a:spcPts val="1000"/>
-              </a:lnSpc>
-            </a:pPr>
-            <a:endParaRPr lang="en-US" altLang="zh-CN" dirty="0" smtClean="0"/>
-          </a:p>
-          <a:p>
-            <a:pPr>
-              <a:lnSpc>
-                <a:spcPts val="2900"/>
-              </a:lnSpc>
-              <a:tabLst/>
-            </a:pPr>
-            <a:r>
-              <a:rPr lang="en-US" altLang="zh-CN" sz="2402" dirty="0" smtClean="0">
-                <a:solidFill>
-                  <a:srgbClr val="FFFFFF"/>
-                </a:solidFill>
-                <a:latin typeface="Times New Roman" pitchFamily="18" charset="0"/>
-                <a:cs typeface="Times New Roman" pitchFamily="18" charset="0"/>
-              </a:rPr>
-              <a:t>•</a:t>
-            </a:r>
-            <a:r>
-              <a:rPr lang="en-US" altLang="zh-CN" sz="2402" dirty="0" smtClean="0">
-                <a:latin typeface="Times New Roman" pitchFamily="18" charset="0"/>
-                <a:cs typeface="Times New Roman" pitchFamily="18" charset="0"/>
-              </a:rPr>
-              <a:t>   </a:t>
-            </a:r>
-            <a:r>
-              <a:rPr lang="en-US" altLang="zh-CN" sz="2402" dirty="0" smtClean="0">
-                <a:solidFill>
-                  <a:srgbClr val="FFFFFF"/>
-                </a:solidFill>
-                <a:latin typeface="Times New Roman" pitchFamily="18" charset="0"/>
-                <a:cs typeface="Times New Roman" pitchFamily="18" charset="0"/>
-              </a:rPr>
-              <a:t>Show</a:t>
-            </a:r>
-            <a:r>
-              <a:rPr lang="en-US" altLang="zh-CN" sz="2402" dirty="0" smtClean="0">
-                <a:latin typeface="Times New Roman" pitchFamily="18" charset="0"/>
-                <a:cs typeface="Times New Roman" pitchFamily="18" charset="0"/>
-              </a:rPr>
-              <a:t> </a:t>
-            </a:r>
-            <a:r>
-              <a:rPr lang="en-US" altLang="zh-CN" sz="2402" dirty="0" smtClean="0">
-                <a:solidFill>
-                  <a:srgbClr val="FFFFFF"/>
-                </a:solidFill>
-                <a:latin typeface="Times New Roman" pitchFamily="18" charset="0"/>
-                <a:cs typeface="Times New Roman" pitchFamily="18" charset="0"/>
-              </a:rPr>
-              <a:t>Manipulator</a:t>
-            </a:r>
-            <a:r>
-              <a:rPr lang="en-US" altLang="zh-CN" sz="2402" dirty="0" smtClean="0">
-                <a:latin typeface="Times New Roman" pitchFamily="18" charset="0"/>
-                <a:cs typeface="Times New Roman" pitchFamily="18" charset="0"/>
-              </a:rPr>
-              <a:t> </a:t>
-            </a:r>
-            <a:r>
-              <a:rPr lang="en-US" altLang="zh-CN" sz="2402" dirty="0" smtClean="0">
-                <a:solidFill>
-                  <a:srgbClr val="FFFFFF"/>
-                </a:solidFill>
-                <a:latin typeface="Times New Roman" pitchFamily="18" charset="0"/>
-                <a:cs typeface="Times New Roman" pitchFamily="18" charset="0"/>
-              </a:rPr>
-              <a:t>tool</a:t>
+              <a:t>and</a:t>
+            </a:r>
+            <a:r>
+              <a:rPr lang="en-US" altLang="zh-CN" sz="3998" dirty="0" smtClean="0">
+                <a:latin typeface="Times New Roman" pitchFamily="18" charset="0"/>
+                <a:cs typeface="Times New Roman" pitchFamily="18" charset="0"/>
+              </a:rPr>
+              <a:t> </a:t>
+            </a:r>
+            <a:r>
+              <a:rPr lang="en-US" altLang="zh-CN" sz="3998" dirty="0" smtClean="0">
+                <a:solidFill>
+                  <a:srgbClr val="FFFFFF"/>
+                </a:solidFill>
+                <a:latin typeface="Times New Roman" pitchFamily="18" charset="0"/>
+                <a:cs typeface="Times New Roman" pitchFamily="18" charset="0"/>
+              </a:rPr>
+              <a:t>Contexts</a:t>
             </a:r>
           </a:p>
         </p:txBody>
       </p:sp>
       <p:sp>
         <p:nvSpPr>
-          <p:cNvPr id="7" name="TextBox 1"/>
+          <p:cNvPr id="11" name="TextBox 1"/>
           <p:cNvSpPr txBox="1"/>
           <p:nvPr/>
         </p:nvSpPr>
         <p:spPr>
           <a:xfrm>
-            <a:off x="774700" y="2451100"/>
-            <a:ext cx="63500" cy="1016000"/>
+            <a:off x="317500" y="1955800"/>
+            <a:ext cx="7823200" cy="533400"/>
           </a:xfrm>
           <a:prstGeom prst="rect">
             <a:avLst/>
@@ -22994,83 +23426,280 @@
           <a:p>
             <a:pPr>
               <a:lnSpc>
-                <a:spcPts val="1700"/>
-              </a:lnSpc>
-              <a:tabLst/>
-            </a:pPr>
-            <a:r>
-              <a:rPr lang="en-US" altLang="zh-CN" sz="1596" dirty="0" smtClean="0">
-                <a:solidFill>
-                  <a:srgbClr val="00AADD"/>
-                </a:solidFill>
-                <a:latin typeface="Times New Roman" pitchFamily="18" charset="0"/>
-                <a:cs typeface="Times New Roman" pitchFamily="18" charset="0"/>
-              </a:rPr>
-              <a:t>•</a:t>
-            </a:r>
-          </a:p>
-          <a:p>
-            <a:pPr>
-              <a:lnSpc>
-                <a:spcPts val="1000"/>
-              </a:lnSpc>
-            </a:pPr>
-            <a:endParaRPr lang="en-US" altLang="zh-CN" dirty="0" smtClean="0"/>
-          </a:p>
-          <a:p>
-            <a:pPr>
-              <a:lnSpc>
-                <a:spcPts val="1000"/>
-              </a:lnSpc>
-            </a:pPr>
-            <a:endParaRPr lang="en-US" altLang="zh-CN" dirty="0" smtClean="0"/>
-          </a:p>
-          <a:p>
-            <a:pPr>
-              <a:lnSpc>
-                <a:spcPts val="1000"/>
-              </a:lnSpc>
-            </a:pPr>
-            <a:endParaRPr lang="en-US" altLang="zh-CN" dirty="0" smtClean="0"/>
-          </a:p>
-          <a:p>
-            <a:pPr>
-              <a:lnSpc>
-                <a:spcPts val="1000"/>
-              </a:lnSpc>
-            </a:pPr>
-            <a:endParaRPr lang="en-US" altLang="zh-CN" dirty="0" smtClean="0"/>
-          </a:p>
-          <a:p>
-            <a:pPr>
-              <a:lnSpc>
-                <a:spcPts val="2200"/>
-              </a:lnSpc>
-              <a:tabLst/>
-            </a:pPr>
-            <a:r>
-              <a:rPr lang="en-US" altLang="zh-CN" sz="1596" dirty="0" smtClean="0">
-                <a:solidFill>
-                  <a:srgbClr val="00AADD"/>
-                </a:solidFill>
-                <a:latin typeface="Times New Roman" pitchFamily="18" charset="0"/>
-                <a:cs typeface="Times New Roman" pitchFamily="18" charset="0"/>
-              </a:rPr>
-              <a:t>•</a:t>
+                <a:spcPts val="1800"/>
+              </a:lnSpc>
+              <a:tabLst>
+                <a:tab pos="342900" algn="l"/>
+              </a:tabLst>
+            </a:pPr>
+            <a:r>
+              <a:rPr lang="en-US" altLang="zh-CN" sz="2006" dirty="0" smtClean="0">
+                <a:solidFill>
+                  <a:srgbClr val="FFFFFF"/>
+                </a:solidFill>
+                <a:latin typeface="Times New Roman" pitchFamily="18" charset="0"/>
+                <a:cs typeface="Times New Roman" pitchFamily="18" charset="0"/>
+              </a:rPr>
+              <a:t>MPxManipContainer::newManipulator</a:t>
+            </a:r>
+            <a:r>
+              <a:rPr lang="en-US" altLang="zh-CN" sz="2006" dirty="0" smtClean="0">
+                <a:latin typeface="Times New Roman" pitchFamily="18" charset="0"/>
+                <a:cs typeface="Times New Roman" pitchFamily="18" charset="0"/>
+              </a:rPr>
+              <a:t> </a:t>
+            </a:r>
+            <a:r>
+              <a:rPr lang="en-US" altLang="zh-CN" sz="2006" dirty="0" smtClean="0">
+                <a:solidFill>
+                  <a:srgbClr val="FFFFFF"/>
+                </a:solidFill>
+                <a:latin typeface="Times New Roman" pitchFamily="18" charset="0"/>
+                <a:cs typeface="Times New Roman" pitchFamily="18" charset="0"/>
+              </a:rPr>
+              <a:t>(</a:t>
+            </a:r>
+            <a:r>
+              <a:rPr lang="en-US" altLang="zh-CN" sz="2006" dirty="0" smtClean="0">
+                <a:latin typeface="Times New Roman" pitchFamily="18" charset="0"/>
+                <a:cs typeface="Times New Roman" pitchFamily="18" charset="0"/>
+              </a:rPr>
+              <a:t> </a:t>
+            </a:r>
+            <a:r>
+              <a:rPr lang="en-US" altLang="zh-CN" sz="2006" dirty="0" smtClean="0">
+                <a:solidFill>
+                  <a:srgbClr val="FFFFFF"/>
+                </a:solidFill>
+                <a:latin typeface="Times New Roman" pitchFamily="18" charset="0"/>
+                <a:cs typeface="Times New Roman" pitchFamily="18" charset="0"/>
+              </a:rPr>
+              <a:t>const</a:t>
+            </a:r>
+            <a:r>
+              <a:rPr lang="en-US" altLang="zh-CN" sz="2006" dirty="0" smtClean="0">
+                <a:latin typeface="Times New Roman" pitchFamily="18" charset="0"/>
+                <a:cs typeface="Times New Roman" pitchFamily="18" charset="0"/>
+              </a:rPr>
+              <a:t> </a:t>
+            </a:r>
+            <a:r>
+              <a:rPr lang="en-US" altLang="zh-CN" sz="2006" dirty="0" smtClean="0">
+                <a:solidFill>
+                  <a:srgbClr val="FFFFFF"/>
+                </a:solidFill>
+                <a:latin typeface="Times New Roman" pitchFamily="18" charset="0"/>
+                <a:cs typeface="Times New Roman" pitchFamily="18" charset="0"/>
+              </a:rPr>
+              <a:t>MString</a:t>
+            </a:r>
+            <a:r>
+              <a:rPr lang="en-US" altLang="zh-CN" sz="2006" dirty="0" smtClean="0">
+                <a:latin typeface="Times New Roman" pitchFamily="18" charset="0"/>
+                <a:cs typeface="Times New Roman" pitchFamily="18" charset="0"/>
+              </a:rPr>
+              <a:t> </a:t>
+            </a:r>
+            <a:r>
+              <a:rPr lang="en-US" altLang="zh-CN" sz="2006" dirty="0" smtClean="0">
+                <a:solidFill>
+                  <a:srgbClr val="FFFFFF"/>
+                </a:solidFill>
+                <a:latin typeface="Times New Roman" pitchFamily="18" charset="0"/>
+                <a:cs typeface="Times New Roman" pitchFamily="18" charset="0"/>
+              </a:rPr>
+              <a:t>&amp;</a:t>
+            </a:r>
+            <a:r>
+              <a:rPr lang="en-US" altLang="zh-CN" sz="2006" dirty="0" smtClean="0">
+                <a:latin typeface="Times New Roman" pitchFamily="18" charset="0"/>
+                <a:cs typeface="Times New Roman" pitchFamily="18" charset="0"/>
+              </a:rPr>
+              <a:t>  </a:t>
+            </a:r>
+            <a:r>
+              <a:rPr lang="en-US" altLang="zh-CN" sz="2006" dirty="0" smtClean="0">
+                <a:solidFill>
+                  <a:srgbClr val="FFFFFF"/>
+                </a:solidFill>
+                <a:latin typeface="Times New Roman" pitchFamily="18" charset="0"/>
+                <a:cs typeface="Times New Roman" pitchFamily="18" charset="0"/>
+              </a:rPr>
+              <a:t>manipName,</a:t>
+            </a:r>
+          </a:p>
+          <a:p>
+            <a:pPr>
+              <a:lnSpc>
+                <a:spcPts val="2300"/>
+              </a:lnSpc>
+              <a:tabLst>
+                <a:tab pos="342900" algn="l"/>
+              </a:tabLst>
+            </a:pPr>
+            <a:r>
+              <a:rPr lang="en-US" altLang="zh-CN" dirty="0" smtClean="0"/>
+              <a:t>	</a:t>
+            </a:r>
+            <a:r>
+              <a:rPr lang="en-US" altLang="zh-CN" sz="2004" dirty="0" smtClean="0">
+                <a:solidFill>
+                  <a:srgbClr val="FFFFFF"/>
+                </a:solidFill>
+                <a:latin typeface="Times New Roman" pitchFamily="18" charset="0"/>
+                <a:cs typeface="Times New Roman" pitchFamily="18" charset="0"/>
+              </a:rPr>
+              <a:t>MObject</a:t>
+            </a:r>
+            <a:r>
+              <a:rPr lang="en-US" altLang="zh-CN" sz="2004" dirty="0" smtClean="0">
+                <a:latin typeface="Times New Roman" pitchFamily="18" charset="0"/>
+                <a:cs typeface="Times New Roman" pitchFamily="18" charset="0"/>
+              </a:rPr>
+              <a:t> </a:t>
+            </a:r>
+            <a:r>
+              <a:rPr lang="en-US" altLang="zh-CN" sz="2004" dirty="0" smtClean="0">
+                <a:solidFill>
+                  <a:srgbClr val="FFFFFF"/>
+                </a:solidFill>
+                <a:latin typeface="Times New Roman" pitchFamily="18" charset="0"/>
+                <a:cs typeface="Times New Roman" pitchFamily="18" charset="0"/>
+              </a:rPr>
+              <a:t>&amp;</a:t>
+            </a:r>
+            <a:r>
+              <a:rPr lang="en-US" altLang="zh-CN" sz="2004" dirty="0" smtClean="0">
+                <a:latin typeface="Times New Roman" pitchFamily="18" charset="0"/>
+                <a:cs typeface="Times New Roman" pitchFamily="18" charset="0"/>
+              </a:rPr>
+              <a:t>  </a:t>
+            </a:r>
+            <a:r>
+              <a:rPr lang="en-US" altLang="zh-CN" sz="2004" dirty="0" smtClean="0">
+                <a:solidFill>
+                  <a:srgbClr val="FFFFFF"/>
+                </a:solidFill>
+                <a:latin typeface="Times New Roman" pitchFamily="18" charset="0"/>
+                <a:cs typeface="Times New Roman" pitchFamily="18" charset="0"/>
+              </a:rPr>
+              <a:t>manipObject,</a:t>
+            </a:r>
+            <a:r>
+              <a:rPr lang="en-US" altLang="zh-CN" sz="2004" dirty="0" smtClean="0">
+                <a:latin typeface="Times New Roman" pitchFamily="18" charset="0"/>
+                <a:cs typeface="Times New Roman" pitchFamily="18" charset="0"/>
+              </a:rPr>
+              <a:t> </a:t>
+            </a:r>
+            <a:r>
+              <a:rPr lang="en-US" altLang="zh-CN" sz="2004" dirty="0" smtClean="0">
+                <a:solidFill>
+                  <a:srgbClr val="FFFFFF"/>
+                </a:solidFill>
+                <a:latin typeface="Times New Roman" pitchFamily="18" charset="0"/>
+                <a:cs typeface="Times New Roman" pitchFamily="18" charset="0"/>
+              </a:rPr>
+              <a:t>MStatus</a:t>
+            </a:r>
+            <a:r>
+              <a:rPr lang="en-US" altLang="zh-CN" sz="2004" dirty="0" smtClean="0">
+                <a:latin typeface="Times New Roman" pitchFamily="18" charset="0"/>
+                <a:cs typeface="Times New Roman" pitchFamily="18" charset="0"/>
+              </a:rPr>
+              <a:t> </a:t>
+            </a:r>
+            <a:r>
+              <a:rPr lang="en-US" altLang="zh-CN" sz="2004" dirty="0" smtClean="0">
+                <a:solidFill>
+                  <a:srgbClr val="FFFFFF"/>
+                </a:solidFill>
+                <a:latin typeface="Times New Roman" pitchFamily="18" charset="0"/>
+                <a:cs typeface="Times New Roman" pitchFamily="18" charset="0"/>
+              </a:rPr>
+              <a:t>*</a:t>
+            </a:r>
+            <a:r>
+              <a:rPr lang="en-US" altLang="zh-CN" sz="2004" dirty="0" smtClean="0">
+                <a:latin typeface="Times New Roman" pitchFamily="18" charset="0"/>
+                <a:cs typeface="Times New Roman" pitchFamily="18" charset="0"/>
+              </a:rPr>
+              <a:t>  </a:t>
+            </a:r>
+            <a:r>
+              <a:rPr lang="en-US" altLang="zh-CN" sz="2004" dirty="0" smtClean="0">
+                <a:solidFill>
+                  <a:srgbClr val="FFFFFF"/>
+                </a:solidFill>
+                <a:latin typeface="Times New Roman" pitchFamily="18" charset="0"/>
+                <a:cs typeface="Times New Roman" pitchFamily="18" charset="0"/>
+              </a:rPr>
+              <a:t>ReturnStatus</a:t>
+            </a:r>
+            <a:r>
+              <a:rPr lang="en-US" altLang="zh-CN" sz="2004" dirty="0" smtClean="0">
+                <a:latin typeface="Times New Roman" pitchFamily="18" charset="0"/>
+                <a:cs typeface="Times New Roman" pitchFamily="18" charset="0"/>
+              </a:rPr>
+              <a:t> </a:t>
+            </a:r>
+            <a:r>
+              <a:rPr lang="en-US" altLang="zh-CN" sz="2004" dirty="0" smtClean="0">
+                <a:solidFill>
+                  <a:srgbClr val="FFFFFF"/>
+                </a:solidFill>
+                <a:latin typeface="Times New Roman" pitchFamily="18" charset="0"/>
+                <a:cs typeface="Times New Roman" pitchFamily="18" charset="0"/>
+              </a:rPr>
+              <a:t>=</a:t>
+            </a:r>
+            <a:r>
+              <a:rPr lang="en-US" altLang="zh-CN" sz="2004" dirty="0" smtClean="0">
+                <a:latin typeface="Times New Roman" pitchFamily="18" charset="0"/>
+                <a:cs typeface="Times New Roman" pitchFamily="18" charset="0"/>
+              </a:rPr>
+              <a:t> </a:t>
+            </a:r>
+            <a:r>
+              <a:rPr lang="en-US" altLang="zh-CN" sz="2004" dirty="0" smtClean="0">
+                <a:solidFill>
+                  <a:srgbClr val="FFFFFF"/>
+                </a:solidFill>
+                <a:latin typeface="Times New Roman" pitchFamily="18" charset="0"/>
+                <a:cs typeface="Times New Roman" pitchFamily="18" charset="0"/>
+              </a:rPr>
+              <a:t>NULL</a:t>
+            </a:r>
+            <a:r>
+              <a:rPr lang="en-US" altLang="zh-CN" sz="2004" dirty="0" smtClean="0">
+                <a:latin typeface="Times New Roman" pitchFamily="18" charset="0"/>
+                <a:cs typeface="Times New Roman" pitchFamily="18" charset="0"/>
+              </a:rPr>
+              <a:t>    </a:t>
+            </a:r>
+            <a:r>
+              <a:rPr lang="en-US" altLang="zh-CN" sz="2004" dirty="0" smtClean="0">
+                <a:solidFill>
+                  <a:srgbClr val="FFFFFF"/>
+                </a:solidFill>
+                <a:latin typeface="Times New Roman" pitchFamily="18" charset="0"/>
+                <a:cs typeface="Times New Roman" pitchFamily="18" charset="0"/>
+              </a:rPr>
+              <a:t>)</a:t>
             </a:r>
           </a:p>
         </p:txBody>
       </p:sp>
       <p:sp>
         <p:nvSpPr>
-          <p:cNvPr id="8" name="TextBox 1"/>
+          <p:cNvPr id="12" name="TextBox 1"/>
           <p:cNvSpPr txBox="1"/>
           <p:nvPr/>
         </p:nvSpPr>
         <p:spPr>
           <a:xfrm>
-            <a:off x="1003300" y="2451100"/>
-            <a:ext cx="4635500" cy="1028700"/>
+            <a:off x="317500" y="3492500"/>
+            <a:ext cx="6629400" cy="1816100"/>
           </a:xfrm>
           <a:prstGeom prst="rect">
             <a:avLst/>
@@ -23087,9 +23716,7 @@
               <a:lnSpc>
                 <a:spcPts val="1800"/>
               </a:lnSpc>
-              <a:tabLst>
-                <a:tab pos="228600" algn="l"/>
-              </a:tabLst>
+              <a:tabLst/>
             </a:pPr>
             <a:r>
               <a:rPr lang="en-US" altLang="zh-CN" sz="2004" dirty="0" smtClean="0">
@@ -23099,7 +23726,7 @@
                 <a:latin typeface="Times New Roman" pitchFamily="18" charset="0"/>
                 <a:cs typeface="Times New Roman" pitchFamily="18" charset="0"/>
               </a:rPr>
-              <a:t>Manipulator</a:t>
+              <a:t>MPxContext::addManipulator(const</a:t>
             </a:r>
             <a:r>
               <a:rPr lang="en-US" altLang="zh-CN" sz="2004" dirty="0" smtClean="0">
@@ -23116,7 +23743,7 @@
                 <a:latin typeface="Times New Roman" pitchFamily="18" charset="0"/>
                 <a:cs typeface="Times New Roman" pitchFamily="18" charset="0"/>
               </a:rPr>
-              <a:t>named</a:t>
+              <a:t>MObject</a:t>
             </a:r>
             <a:r>
               <a:rPr lang="en-US" altLang="zh-CN" sz="2004" dirty="0" smtClean="0">
@@ -23133,15 +23760,74 @@
                 <a:latin typeface="Times New Roman" pitchFamily="18" charset="0"/>
                 <a:cs typeface="Times New Roman" pitchFamily="18" charset="0"/>
               </a:rPr>
-              <a:t>after</a:t>
-            </a:r>
+              <a:t>&amp;manipulator)</a:t>
+            </a:r>
+          </a:p>
+          <a:p>
+            <a:pPr>
+              <a:lnSpc>
+                <a:spcPts val="1000"/>
+              </a:lnSpc>
+            </a:pPr>
+            <a:endParaRPr lang="en-US" altLang="zh-CN" dirty="0" smtClean="0"/>
+          </a:p>
+          <a:p>
+            <a:pPr>
+              <a:lnSpc>
+                <a:spcPts val="2100"/>
+              </a:lnSpc>
+              <a:tabLst/>
+            </a:pPr>
             <a:r>
               <a:rPr lang="en-US" altLang="zh-CN" sz="2004" dirty="0" smtClean="0">
-                <a:latin typeface="Times New Roman" pitchFamily="18" charset="0"/>
-                <a:cs typeface="Times New Roman" pitchFamily="18" charset="0"/>
-              </a:rPr>
-              <a:t> </a:t>
-            </a:r>
+                <a:solidFill>
+                  <a:srgbClr val="FFFFFF"/>
+                </a:solidFill>
+                <a:latin typeface="Times New Roman" pitchFamily="18" charset="0"/>
+                <a:cs typeface="Times New Roman" pitchFamily="18" charset="0"/>
+              </a:rPr>
+              <a:t>MPxContext::deleteManipulators()</a:t>
+            </a:r>
+          </a:p>
+          <a:p>
+            <a:pPr>
+              <a:lnSpc>
+                <a:spcPts val="1000"/>
+              </a:lnSpc>
+            </a:pPr>
+            <a:endParaRPr lang="en-US" altLang="zh-CN" dirty="0" smtClean="0"/>
+          </a:p>
+          <a:p>
+            <a:pPr>
+              <a:lnSpc>
+                <a:spcPts val="1000"/>
+              </a:lnSpc>
+            </a:pPr>
+            <a:endParaRPr lang="en-US" altLang="zh-CN" dirty="0" smtClean="0"/>
+          </a:p>
+          <a:p>
+            <a:pPr>
+              <a:lnSpc>
+                <a:spcPts val="1000"/>
+              </a:lnSpc>
+            </a:pPr>
+            <a:endParaRPr lang="en-US" altLang="zh-CN" dirty="0" smtClean="0"/>
+          </a:p>
+          <a:p>
+            <a:pPr>
+              <a:lnSpc>
+                <a:spcPts val="1000"/>
+              </a:lnSpc>
+            </a:pPr>
+            <a:endParaRPr lang="en-US" altLang="zh-CN" dirty="0" smtClean="0"/>
+          </a:p>
+          <a:p>
+            <a:pPr>
+              <a:lnSpc>
+                <a:spcPts val="2200"/>
+              </a:lnSpc>
+              <a:tabLst/>
+            </a:pPr>
             <a:r>
               <a:rPr lang="en-US" altLang="zh-CN" sz="2004" dirty="0" smtClean="0">
                 <a:solidFill>
@@ -23150,337 +23836,33 @@
                 <a:latin typeface="Times New Roman" pitchFamily="18" charset="0"/>
                 <a:cs typeface="Times New Roman" pitchFamily="18" charset="0"/>
               </a:rPr>
-              <a:t>node</a:t>
-            </a:r>
+              <a:t>MPxContext::toolOnSetup()</a:t>
+            </a:r>
+          </a:p>
+          <a:p>
+            <a:pPr>
+              <a:lnSpc>
+                <a:spcPts val="1000"/>
+              </a:lnSpc>
+            </a:pPr>
+            <a:endParaRPr lang="en-US" altLang="zh-CN" dirty="0" smtClean="0"/>
+          </a:p>
+          <a:p>
+            <a:pPr>
+              <a:lnSpc>
+                <a:spcPts val="2100"/>
+              </a:lnSpc>
+              <a:tabLst/>
+            </a:pPr>
             <a:r>
               <a:rPr lang="en-US" altLang="zh-CN" sz="2004" dirty="0" smtClean="0">
-                <a:latin typeface="Times New Roman" pitchFamily="18" charset="0"/>
-                <a:cs typeface="Times New Roman" pitchFamily="18" charset="0"/>
-              </a:rPr>
-              <a:t> </a:t>
-            </a:r>
-            <a:r>
-              <a:rPr lang="en-US" altLang="zh-CN" sz="2004" dirty="0" smtClean="0">
-                <a:solidFill>
-                  <a:srgbClr val="FFFFFF"/>
-                </a:solidFill>
-                <a:latin typeface="Times New Roman" pitchFamily="18" charset="0"/>
-                <a:cs typeface="Times New Roman" pitchFamily="18" charset="0"/>
-              </a:rPr>
-              <a:t>type</a:t>
-            </a:r>
-            <a:r>
-              <a:rPr lang="en-US" altLang="zh-CN" sz="2004" dirty="0" smtClean="0">
-                <a:latin typeface="Times New Roman" pitchFamily="18" charset="0"/>
-                <a:cs typeface="Times New Roman" pitchFamily="18" charset="0"/>
-              </a:rPr>
-              <a:t> </a:t>
-            </a:r>
-            <a:r>
-              <a:rPr lang="en-US" altLang="zh-CN" sz="2004" dirty="0" smtClean="0">
-                <a:solidFill>
-                  <a:srgbClr val="FFFFFF"/>
-                </a:solidFill>
-                <a:latin typeface="Times New Roman" pitchFamily="18" charset="0"/>
-                <a:cs typeface="Times New Roman" pitchFamily="18" charset="0"/>
-              </a:rPr>
-              <a:t>name</a:t>
-            </a:r>
-          </a:p>
-          <a:p>
-            <a:pPr>
-              <a:lnSpc>
-                <a:spcPts val="3100"/>
-              </a:lnSpc>
-              <a:tabLst>
-                <a:tab pos="228600" algn="l"/>
-              </a:tabLst>
-            </a:pPr>
-            <a:r>
-              <a:rPr lang="en-US" altLang="zh-CN" dirty="0" smtClean="0"/>
-              <a:t>	</a:t>
-            </a:r>
-            <a:r>
-              <a:rPr lang="en-US" altLang="zh-CN" sz="2004" dirty="0" smtClean="0">
-                <a:solidFill>
-                  <a:srgbClr val="FFFFFF"/>
-                </a:solidFill>
-                <a:latin typeface="Times New Roman" pitchFamily="18" charset="0"/>
-                <a:cs typeface="Times New Roman" pitchFamily="18" charset="0"/>
-              </a:rPr>
-              <a:t>arrowLocator</a:t>
-            </a:r>
-            <a:r>
-              <a:rPr lang="en-US" altLang="zh-CN" sz="2004" dirty="0" smtClean="0">
-                <a:latin typeface="Times New Roman" pitchFamily="18" charset="0"/>
-                <a:cs typeface="Times New Roman" pitchFamily="18" charset="0"/>
-              </a:rPr>
-              <a:t> </a:t>
-            </a:r>
-            <a:r>
-              <a:rPr lang="en-US" altLang="zh-CN" sz="2004" dirty="0" smtClean="0">
-                <a:solidFill>
-                  <a:srgbClr val="FFFFFF"/>
-                </a:solidFill>
-                <a:latin typeface="Wingdings" pitchFamily="18" charset="0"/>
-                <a:cs typeface="Wingdings" pitchFamily="18" charset="0"/>
-              </a:rPr>
-              <a:t></a:t>
-            </a:r>
-            <a:r>
-              <a:rPr lang="en-US" altLang="zh-CN" sz="2004" dirty="0" smtClean="0">
-                <a:latin typeface="Times New Roman" pitchFamily="18" charset="0"/>
-                <a:cs typeface="Times New Roman" pitchFamily="18" charset="0"/>
-              </a:rPr>
-              <a:t> </a:t>
-            </a:r>
-            <a:r>
-              <a:rPr lang="en-US" altLang="zh-CN" sz="2004" dirty="0" smtClean="0">
-                <a:solidFill>
-                  <a:srgbClr val="FFFFFF"/>
-                </a:solidFill>
-                <a:latin typeface="Times New Roman" pitchFamily="18" charset="0"/>
-                <a:cs typeface="Times New Roman" pitchFamily="18" charset="0"/>
-              </a:rPr>
-              <a:t>arrowLocatorManip</a:t>
-            </a:r>
-          </a:p>
-          <a:p>
-            <a:pPr>
-              <a:lnSpc>
-                <a:spcPts val="3100"/>
-              </a:lnSpc>
-              <a:tabLst>
-                <a:tab pos="228600" algn="l"/>
-              </a:tabLst>
-            </a:pPr>
-            <a:r>
-              <a:rPr lang="en-US" altLang="zh-CN" sz="2006" dirty="0" smtClean="0">
-                <a:solidFill>
-                  <a:srgbClr val="FFFFFF"/>
-                </a:solidFill>
-                <a:latin typeface="Times New Roman" pitchFamily="18" charset="0"/>
-                <a:cs typeface="Times New Roman" pitchFamily="18" charset="0"/>
-              </a:rPr>
-              <a:t>In</a:t>
-            </a:r>
-            <a:r>
-              <a:rPr lang="en-US" altLang="zh-CN" sz="2006" dirty="0" smtClean="0">
-                <a:latin typeface="Times New Roman" pitchFamily="18" charset="0"/>
-                <a:cs typeface="Times New Roman" pitchFamily="18" charset="0"/>
-              </a:rPr>
-              <a:t> </a:t>
-            </a:r>
-            <a:r>
-              <a:rPr lang="en-US" altLang="zh-CN" sz="2006" dirty="0" smtClean="0">
-                <a:solidFill>
-                  <a:srgbClr val="FFFFFF"/>
-                </a:solidFill>
-                <a:latin typeface="Times New Roman" pitchFamily="18" charset="0"/>
-                <a:cs typeface="Times New Roman" pitchFamily="18" charset="0"/>
-              </a:rPr>
-              <a:t>custom</a:t>
-            </a:r>
-            <a:r>
-              <a:rPr lang="en-US" altLang="zh-CN" sz="2006" dirty="0" smtClean="0">
-                <a:latin typeface="Times New Roman" pitchFamily="18" charset="0"/>
-                <a:cs typeface="Times New Roman" pitchFamily="18" charset="0"/>
-              </a:rPr>
-              <a:t> </a:t>
-            </a:r>
-            <a:r>
-              <a:rPr lang="en-US" altLang="zh-CN" sz="2006" dirty="0" smtClean="0">
-                <a:solidFill>
-                  <a:srgbClr val="FFFFFF"/>
-                </a:solidFill>
-                <a:latin typeface="Times New Roman" pitchFamily="18" charset="0"/>
-                <a:cs typeface="Times New Roman" pitchFamily="18" charset="0"/>
-              </a:rPr>
-              <a:t>node’s</a:t>
-            </a:r>
-            <a:r>
-              <a:rPr lang="en-US" altLang="zh-CN" sz="2006" dirty="0" smtClean="0">
-                <a:latin typeface="Times New Roman" pitchFamily="18" charset="0"/>
-                <a:cs typeface="Times New Roman" pitchFamily="18" charset="0"/>
-              </a:rPr>
-              <a:t> </a:t>
-            </a:r>
-            <a:r>
-              <a:rPr lang="en-US" altLang="zh-CN" sz="2006" dirty="0" smtClean="0">
-                <a:solidFill>
-                  <a:srgbClr val="FFFFFF"/>
-                </a:solidFill>
-                <a:latin typeface="Times New Roman" pitchFamily="18" charset="0"/>
-                <a:cs typeface="Times New Roman" pitchFamily="18" charset="0"/>
-              </a:rPr>
-              <a:t>initialize(),</a:t>
-            </a:r>
-            <a:r>
-              <a:rPr lang="en-US" altLang="zh-CN" sz="2006" dirty="0" smtClean="0">
-                <a:latin typeface="Times New Roman" pitchFamily="18" charset="0"/>
-                <a:cs typeface="Times New Roman" pitchFamily="18" charset="0"/>
-              </a:rPr>
-              <a:t> </a:t>
-            </a:r>
-            <a:r>
-              <a:rPr lang="en-US" altLang="zh-CN" sz="2006" dirty="0" smtClean="0">
-                <a:solidFill>
-                  <a:srgbClr val="FFFFFF"/>
-                </a:solidFill>
-                <a:latin typeface="Times New Roman" pitchFamily="18" charset="0"/>
-                <a:cs typeface="Times New Roman" pitchFamily="18" charset="0"/>
-              </a:rPr>
-              <a:t>call</a:t>
-            </a:r>
-          </a:p>
-        </p:txBody>
-      </p:sp>
-      <p:sp>
-        <p:nvSpPr>
-          <p:cNvPr id="9" name="TextBox 1"/>
-          <p:cNvSpPr txBox="1"/>
-          <p:nvPr/>
-        </p:nvSpPr>
-        <p:spPr>
-          <a:xfrm>
-            <a:off x="317500" y="3556000"/>
-            <a:ext cx="7937500" cy="1168400"/>
-          </a:xfrm>
-          <a:prstGeom prst="rect">
-            <a:avLst/>
-          </a:prstGeom>
-          <a:noFill/>
-        </p:spPr>
-        <p:txBody>
-          <a:bodyPr wrap="none" lIns="0" tIns="0" rIns="0" rtlCol="0">
-            <a:spAutoFit/>
-          </a:bodyPr>
-          <a:lstStyle/>
-          <a:p>
-            <a:pPr>
-              <a:lnSpc>
-                <a:spcPts val="1800"/>
-              </a:lnSpc>
-              <a:tabLst>
-                <a:tab pos="914400" algn="l"/>
-              </a:tabLst>
-            </a:pPr>
-            <a:r>
-              <a:rPr lang="en-US" altLang="zh-CN" dirty="0" smtClean="0"/>
-              <a:t>	</a:t>
-            </a:r>
-            <a:r>
-              <a:rPr lang="en-US" altLang="zh-CN" sz="2004" dirty="0" smtClean="0">
-                <a:solidFill>
-                  <a:srgbClr val="FFFFFF"/>
-                </a:solidFill>
-                <a:latin typeface="Times New Roman" pitchFamily="18" charset="0"/>
-                <a:cs typeface="Times New Roman" pitchFamily="18" charset="0"/>
-              </a:rPr>
-              <a:t>MPxManipContainer::addToManipConnectTable(MTypeId</a:t>
-            </a:r>
-            <a:r>
-              <a:rPr lang="en-US" altLang="zh-CN" sz="2004" dirty="0" smtClean="0">
-                <a:latin typeface="Times New Roman" pitchFamily="18" charset="0"/>
-                <a:cs typeface="Times New Roman" pitchFamily="18" charset="0"/>
-              </a:rPr>
-              <a:t> </a:t>
-            </a:r>
-            <a:r>
-              <a:rPr lang="en-US" altLang="zh-CN" sz="2004" dirty="0" smtClean="0">
-                <a:solidFill>
-                  <a:srgbClr val="FFFFFF"/>
-                </a:solidFill>
-                <a:latin typeface="Times New Roman" pitchFamily="18" charset="0"/>
-                <a:cs typeface="Times New Roman" pitchFamily="18" charset="0"/>
-              </a:rPr>
-              <a:t>&amp;id)</a:t>
-            </a:r>
-          </a:p>
-          <a:p>
-            <a:pPr>
-              <a:lnSpc>
-                <a:spcPts val="1000"/>
-              </a:lnSpc>
-            </a:pPr>
-            <a:endParaRPr lang="en-US" altLang="zh-CN" dirty="0" smtClean="0"/>
-          </a:p>
-          <a:p>
-            <a:pPr>
-              <a:lnSpc>
-                <a:spcPts val="1000"/>
-              </a:lnSpc>
-            </a:pPr>
-            <a:endParaRPr lang="en-US" altLang="zh-CN" dirty="0" smtClean="0"/>
-          </a:p>
-          <a:p>
-            <a:pPr>
-              <a:lnSpc>
-                <a:spcPts val="1000"/>
-              </a:lnSpc>
-            </a:pPr>
-            <a:endParaRPr lang="en-US" altLang="zh-CN" dirty="0" smtClean="0"/>
-          </a:p>
-          <a:p>
-            <a:pPr>
-              <a:lnSpc>
-                <a:spcPts val="1000"/>
-              </a:lnSpc>
-            </a:pPr>
-            <a:endParaRPr lang="en-US" altLang="zh-CN" dirty="0" smtClean="0"/>
-          </a:p>
-          <a:p>
-            <a:pPr>
-              <a:lnSpc>
-                <a:spcPts val="3400"/>
-              </a:lnSpc>
-              <a:tabLst>
-                <a:tab pos="914400" algn="l"/>
-              </a:tabLst>
-            </a:pPr>
-            <a:r>
-              <a:rPr lang="en-US" altLang="zh-CN" sz="2402" dirty="0" smtClean="0">
-                <a:solidFill>
-                  <a:srgbClr val="FFFFFF"/>
-                </a:solidFill>
-                <a:latin typeface="Times New Roman" pitchFamily="18" charset="0"/>
-                <a:cs typeface="Times New Roman" pitchFamily="18" charset="0"/>
-              </a:rPr>
-              <a:t>•</a:t>
-            </a:r>
-            <a:r>
-              <a:rPr lang="en-US" altLang="zh-CN" sz="2402" dirty="0" smtClean="0">
-                <a:latin typeface="Times New Roman" pitchFamily="18" charset="0"/>
-                <a:cs typeface="Times New Roman" pitchFamily="18" charset="0"/>
-              </a:rPr>
-              <a:t>   </a:t>
-            </a:r>
-            <a:r>
-              <a:rPr lang="en-US" altLang="zh-CN" sz="2402" dirty="0" smtClean="0">
-                <a:solidFill>
-                  <a:srgbClr val="FFFFFF"/>
-                </a:solidFill>
-                <a:latin typeface="Times New Roman" pitchFamily="18" charset="0"/>
-                <a:cs typeface="Times New Roman" pitchFamily="18" charset="0"/>
-              </a:rPr>
-              <a:t>Custom</a:t>
-            </a:r>
-            <a:r>
-              <a:rPr lang="en-US" altLang="zh-CN" sz="2402" dirty="0" smtClean="0">
-                <a:latin typeface="Times New Roman" pitchFamily="18" charset="0"/>
-                <a:cs typeface="Times New Roman" pitchFamily="18" charset="0"/>
-              </a:rPr>
-              <a:t> </a:t>
-            </a:r>
-            <a:r>
-              <a:rPr lang="en-US" altLang="zh-CN" sz="2402" dirty="0" smtClean="0">
-                <a:solidFill>
-                  <a:srgbClr val="FFFFFF"/>
-                </a:solidFill>
-                <a:latin typeface="Times New Roman" pitchFamily="18" charset="0"/>
-                <a:cs typeface="Times New Roman" pitchFamily="18" charset="0"/>
-              </a:rPr>
-              <a:t>Context</a:t>
+                <a:solidFill>
+                  <a:srgbClr val="FFFFFF"/>
+                </a:solidFill>
+                <a:latin typeface="Times New Roman" pitchFamily="18" charset="0"/>
+                <a:cs typeface="Times New Roman" pitchFamily="18" charset="0"/>
+              </a:rPr>
+              <a:t>MPxContext::toolOffCleanup()</a:t>
             </a:r>
           </a:p>
         </p:txBody>
@@ -23647,284 +24029,30 @@
         </p:nvSpPr>
         <p:spPr>
           <a:xfrm>
-            <a:off x="3411601" y="2693923"/>
-            <a:ext cx="1735073" cy="635127"/>
+            <a:off x="685800" y="2133600"/>
+            <a:ext cx="2009775" cy="359155"/>
           </a:xfrm>
           <a:custGeom>
             <a:avLst/>
             <a:gdLst>
-              <a:gd name="connsiteX0" fmla="*/ 1665223 w 1735073"/>
-              <a:gd name="connsiteY0" fmla="*/ 635127 h 635127"/>
-              <a:gd name="connsiteX1" fmla="*/ 1674621 w 1735073"/>
-              <a:gd name="connsiteY1" fmla="*/ 608203 h 635127"/>
-              <a:gd name="connsiteX2" fmla="*/ 0 w 1735073"/>
-              <a:gd name="connsiteY2" fmla="*/ 22733 h 635127"/>
-              <a:gd name="connsiteX3" fmla="*/ 8001 w 1735073"/>
-              <a:gd name="connsiteY3" fmla="*/ 0 h 635127"/>
-              <a:gd name="connsiteX4" fmla="*/ 1682622 w 1735073"/>
-              <a:gd name="connsiteY4" fmla="*/ 585470 h 635127"/>
-              <a:gd name="connsiteX5" fmla="*/ 1692020 w 1735073"/>
-              <a:gd name="connsiteY5" fmla="*/ 558546 h 635127"/>
-              <a:gd name="connsiteX6" fmla="*/ 1735073 w 1735073"/>
-              <a:gd name="connsiteY6" fmla="*/ 616585 h 635127"/>
-              <a:gd name="connsiteX7" fmla="*/ 1665223 w 1735073"/>
-              <a:gd name="connsiteY7" fmla="*/ 635127 h 635127"/>
-            </a:gdLst>
-            <a:ahLst/>
-            <a:cxnLst>
-              <a:cxn ang="0">
-                <a:pos x="connsiteX0" y="connsiteY0"/>
-              </a:cxn>
-              <a:cxn ang="1">
-                <a:pos x="connsiteX1" y="connsiteY1"/>
-              </a:cxn>
-              <a:cxn ang="2">
-                <a:pos x="connsiteX2" y="connsiteY2"/>
-              </a:cxn>
-              <a:cxn ang="3">
-                <a:pos x="connsiteX3" y="connsiteY3"/>
-              </a:cxn>
-              <a:cxn ang="4">
-                <a:pos x="connsiteX4" y="connsiteY4"/>
-              </a:cxn>
-              <a:cxn ang="5">
-                <a:pos x="connsiteX5" y="connsiteY5"/>
-              </a:cxn>
-              <a:cxn ang="6">
-                <a:pos x="connsiteX6" y="connsiteY6"/>
-              </a:cxn>
-              <a:cxn ang="7">
-                <a:pos x="connsiteX7" y="connsiteY7"/>
-              </a:cxn>
-            </a:cxnLst>
-            <a:rect l="l" t="t" r="r" b="b"/>
-            <a:pathLst>
-              <a:path w="1735073" h="635127">
-                <a:moveTo>
-                  <a:pt x="1665223" y="635127"/>
-                </a:moveTo>
-                <a:lnTo>
-                  <a:pt x="1674621" y="608203"/>
-                </a:lnTo>
-                <a:lnTo>
-                  <a:pt x="0" y="22733"/>
-                </a:lnTo>
-                <a:lnTo>
-                  <a:pt x="8001" y="0"/>
-                </a:lnTo>
-                <a:lnTo>
-                  <a:pt x="1682622" y="585470"/>
-                </a:lnTo>
-                <a:lnTo>
-                  <a:pt x="1692020" y="558546"/>
-                </a:lnTo>
-                <a:lnTo>
-                  <a:pt x="1735073" y="616585"/>
-                </a:lnTo>
-                <a:lnTo>
-                  <a:pt x="1665223" y="635127"/>
-                </a:lnTo>
-              </a:path>
-            </a:pathLst>
-          </a:custGeom>
-          <a:solidFill>
-            <a:srgbClr val="FFFF00">
-              <a:alpha val="100000"/>
-            </a:srgbClr>
-          </a:solidFill>
-          <a:ln w="12700">
-            <a:solidFill>
-              <a:srgbClr val="000000">
-                <a:alpha val="0"/>
-              </a:srgbClr>
-            </a:solidFill>
-            <a:prstDash val="solid"/>
-          </a:ln>
-        </p:spPr>
-        <p:style>
-          <a:lnRef idx="2">
-            <a:schemeClr val="accent1">
-              <a:shade val="50000"/>
-            </a:schemeClr>
-          </a:lnRef>
-          <a:fillRef idx="1">
-            <a:schemeClr val="accent1"/>
-          </a:fillRef>
-          <a:effectRef idx="0">
-            <a:schemeClr val="accent1"/>
-          </a:effectRef>
-          <a:fontRef idx="minor">
-            <a:schemeClr val="lt1"/>
-          </a:fontRef>
-        </p:style>
-        <p:txBody>
-          <a:bodyPr rtlCol="0" anchor="ctr"/>
-          <a:lstStyle/>
-          <a:p>
-            <a:pPr algn="ctr"/>
-            <a:endParaRPr lang="zh-CN" altLang="en-US"/>
-          </a:p>
-        </p:txBody>
-      </p:sp>
-      <p:sp>
-        <p:nvSpPr>
-          <p:cNvPr id="5" name="Freeform 3"/>
-          <p:cNvSpPr/>
-          <p:nvPr/>
-        </p:nvSpPr>
-        <p:spPr>
-          <a:xfrm>
-            <a:off x="3405251" y="2687573"/>
-            <a:ext cx="1747773" cy="647827"/>
-          </a:xfrm>
-          <a:custGeom>
-            <a:avLst/>
-            <a:gdLst>
-              <a:gd name="connsiteX0" fmla="*/ 1671573 w 1747773"/>
-              <a:gd name="connsiteY0" fmla="*/ 641477 h 647827"/>
-              <a:gd name="connsiteX1" fmla="*/ 1680971 w 1747773"/>
-              <a:gd name="connsiteY1" fmla="*/ 614553 h 647827"/>
-              <a:gd name="connsiteX2" fmla="*/ 6350 w 1747773"/>
-              <a:gd name="connsiteY2" fmla="*/ 29083 h 647827"/>
-              <a:gd name="connsiteX3" fmla="*/ 14351 w 1747773"/>
-              <a:gd name="connsiteY3" fmla="*/ 6350 h 647827"/>
-              <a:gd name="connsiteX4" fmla="*/ 1688972 w 1747773"/>
-              <a:gd name="connsiteY4" fmla="*/ 591820 h 647827"/>
-              <a:gd name="connsiteX5" fmla="*/ 1698370 w 1747773"/>
-              <a:gd name="connsiteY5" fmla="*/ 564896 h 647827"/>
-              <a:gd name="connsiteX6" fmla="*/ 1741423 w 1747773"/>
-              <a:gd name="connsiteY6" fmla="*/ 622935 h 647827"/>
-              <a:gd name="connsiteX7" fmla="*/ 1671573 w 1747773"/>
-              <a:gd name="connsiteY7" fmla="*/ 641477 h 647827"/>
-            </a:gdLst>
-            <a:ahLst/>
-            <a:cxnLst>
-              <a:cxn ang="0">
-                <a:pos x="connsiteX0" y="connsiteY0"/>
-              </a:cxn>
-              <a:cxn ang="1">
-                <a:pos x="connsiteX1" y="connsiteY1"/>
-              </a:cxn>
-              <a:cxn ang="2">
-                <a:pos x="connsiteX2" y="connsiteY2"/>
-              </a:cxn>
-              <a:cxn ang="3">
-                <a:pos x="connsiteX3" y="connsiteY3"/>
-              </a:cxn>
-              <a:cxn ang="4">
-                <a:pos x="connsiteX4" y="connsiteY4"/>
-              </a:cxn>
-              <a:cxn ang="5">
-                <a:pos x="connsiteX5" y="connsiteY5"/>
-              </a:cxn>
-              <a:cxn ang="6">
-                <a:pos x="connsiteX6" y="connsiteY6"/>
-              </a:cxn>
-              <a:cxn ang="7">
-                <a:pos x="connsiteX7" y="connsiteY7"/>
-              </a:cxn>
-            </a:cxnLst>
-            <a:rect l="l" t="t" r="r" b="b"/>
-            <a:pathLst>
-              <a:path w="1747773" h="647827">
-                <a:moveTo>
-                  <a:pt x="1671573" y="641477"/>
-                </a:moveTo>
-                <a:lnTo>
-                  <a:pt x="1680971" y="614553"/>
-                </a:lnTo>
-                <a:lnTo>
-                  <a:pt x="6350" y="29083"/>
-                </a:lnTo>
-                <a:lnTo>
-                  <a:pt x="14351" y="6350"/>
-                </a:lnTo>
-                <a:lnTo>
-                  <a:pt x="1688972" y="591820"/>
-                </a:lnTo>
-                <a:lnTo>
-                  <a:pt x="1698370" y="564896"/>
-                </a:lnTo>
-                <a:lnTo>
-                  <a:pt x="1741423" y="622935"/>
-                </a:lnTo>
-                <a:lnTo>
-                  <a:pt x="1671573" y="641477"/>
-                </a:lnTo>
-              </a:path>
-            </a:pathLst>
-          </a:custGeom>
-          <a:solidFill>
-            <a:srgbClr val="000000">
-              <a:alpha val="0"/>
-            </a:srgbClr>
-          </a:solidFill>
-          <a:ln w="12700">
-            <a:solidFill>
-              <a:srgbClr val="FFFF00">
-                <a:alpha val="100000"/>
-              </a:srgbClr>
-            </a:solidFill>
-            <a:prstDash val="solid"/>
-          </a:ln>
-        </p:spPr>
-        <p:style>
-          <a:lnRef idx="2">
-            <a:schemeClr val="accent1">
-              <a:shade val="50000"/>
-            </a:schemeClr>
-          </a:lnRef>
-          <a:fillRef idx="1">
-            <a:schemeClr val="accent1"/>
-          </a:fillRef>
-          <a:effectRef idx="0">
-            <a:schemeClr val="accent1"/>
-          </a:effectRef>
-          <a:fontRef idx="minor">
-            <a:schemeClr val="lt1"/>
-          </a:fontRef>
-        </p:style>
-        <p:txBody>
-          <a:bodyPr rtlCol="0" anchor="ctr"/>
-          <a:lstStyle/>
-          <a:p>
-            <a:pPr algn="ctr"/>
-            <a:endParaRPr lang="zh-CN" altLang="en-US"/>
-          </a:p>
-        </p:txBody>
-      </p:sp>
-      <p:sp>
-        <p:nvSpPr>
-          <p:cNvPr id="6" name="Freeform 3"/>
-          <p:cNvSpPr/>
-          <p:nvPr/>
-        </p:nvSpPr>
-        <p:spPr>
-          <a:xfrm>
-            <a:off x="595312" y="2177859"/>
-            <a:ext cx="2847975" cy="427227"/>
-          </a:xfrm>
-          <a:custGeom>
-            <a:avLst/>
-            <a:gdLst>
-              <a:gd name="connsiteX0" fmla="*/ 14287 w 2847975"/>
-              <a:gd name="connsiteY0" fmla="*/ 80708 h 427227"/>
-              <a:gd name="connsiteX1" fmla="*/ 80733 w 2847975"/>
-              <a:gd name="connsiteY1" fmla="*/ 14287 h 427227"/>
-              <a:gd name="connsiteX2" fmla="*/ 2767266 w 2847975"/>
-              <a:gd name="connsiteY2" fmla="*/ 14287 h 427227"/>
-              <a:gd name="connsiteX3" fmla="*/ 2833687 w 2847975"/>
-              <a:gd name="connsiteY3" fmla="*/ 80708 h 427227"/>
-              <a:gd name="connsiteX4" fmla="*/ 2833687 w 2847975"/>
-              <a:gd name="connsiteY4" fmla="*/ 346519 h 427227"/>
-              <a:gd name="connsiteX5" fmla="*/ 2767266 w 2847975"/>
-              <a:gd name="connsiteY5" fmla="*/ 412940 h 427227"/>
-              <a:gd name="connsiteX6" fmla="*/ 80733 w 2847975"/>
-              <a:gd name="connsiteY6" fmla="*/ 412940 h 427227"/>
-              <a:gd name="connsiteX7" fmla="*/ 14287 w 2847975"/>
-              <a:gd name="connsiteY7" fmla="*/ 346519 h 427227"/>
-              <a:gd name="connsiteX8" fmla="*/ 14287 w 2847975"/>
-              <a:gd name="connsiteY8" fmla="*/ 80708 h 427227"/>
+              <a:gd name="connsiteX0" fmla="*/ 14287 w 2009775"/>
+              <a:gd name="connsiteY0" fmla="*/ 69405 h 359155"/>
+              <a:gd name="connsiteX1" fmla="*/ 69380 w 2009775"/>
+              <a:gd name="connsiteY1" fmla="*/ 14287 h 359155"/>
+              <a:gd name="connsiteX2" fmla="*/ 1940369 w 2009775"/>
+              <a:gd name="connsiteY2" fmla="*/ 14287 h 359155"/>
+              <a:gd name="connsiteX3" fmla="*/ 1995487 w 2009775"/>
+              <a:gd name="connsiteY3" fmla="*/ 69405 h 359155"/>
+              <a:gd name="connsiteX4" fmla="*/ 1995487 w 2009775"/>
+              <a:gd name="connsiteY4" fmla="*/ 289877 h 359155"/>
+              <a:gd name="connsiteX5" fmla="*/ 1940369 w 2009775"/>
+              <a:gd name="connsiteY5" fmla="*/ 344868 h 359155"/>
+              <a:gd name="connsiteX6" fmla="*/ 69380 w 2009775"/>
+              <a:gd name="connsiteY6" fmla="*/ 344868 h 359155"/>
+              <a:gd name="connsiteX7" fmla="*/ 14287 w 2009775"/>
+              <a:gd name="connsiteY7" fmla="*/ 289877 h 359155"/>
+              <a:gd name="connsiteX8" fmla="*/ 14287 w 2009775"/>
+              <a:gd name="connsiteY8" fmla="*/ 69405 h 359155"/>
             </a:gdLst>
             <a:ahLst/>
             <a:cxnLst>
@@ -23958,41 +24086,41 @@
             </a:cxnLst>
             <a:rect l="l" t="t" r="r" b="b"/>
             <a:pathLst>
-              <a:path w="2847975" h="427227">
+              <a:path w="2009775" h="359155">
                 <a:moveTo>
-                  <a:pt x="14287" y="80708"/>
+                  <a:pt x="14287" y="69405"/>
                 </a:moveTo>
                 <a:cubicBezTo>
-                  <a:pt x="14287" y="44005"/>
-                  <a:pt x="44043" y="14287"/>
-                  <a:pt x="80733" y="14287"/>
+                  <a:pt x="14287" y="39052"/>
+                  <a:pt x="38950" y="14287"/>
+                  <a:pt x="69380" y="14287"/>
                 </a:cubicBezTo>
                 <a:lnTo>
-                  <a:pt x="2767266" y="14287"/>
+                  <a:pt x="1940369" y="14287"/>
                 </a:lnTo>
                 <a:cubicBezTo>
-                  <a:pt x="2803969" y="14287"/>
-                  <a:pt x="2833687" y="44005"/>
-                  <a:pt x="2833687" y="80708"/>
+                  <a:pt x="1970849" y="14287"/>
+                  <a:pt x="1995487" y="39052"/>
+                  <a:pt x="1995487" y="69405"/>
                 </a:cubicBezTo>
                 <a:lnTo>
-                  <a:pt x="2833687" y="346519"/>
+                  <a:pt x="1995487" y="289877"/>
                 </a:lnTo>
                 <a:cubicBezTo>
-                  <a:pt x="2833687" y="383222"/>
-                  <a:pt x="2803969" y="412940"/>
-                  <a:pt x="2767266" y="412940"/>
+                  <a:pt x="1995487" y="320230"/>
+                  <a:pt x="1970849" y="344868"/>
+                  <a:pt x="1940369" y="344868"/>
                 </a:cubicBezTo>
                 <a:lnTo>
-                  <a:pt x="80733" y="412940"/>
+                  <a:pt x="69380" y="344868"/>
                 </a:lnTo>
                 <a:cubicBezTo>
-                  <a:pt x="44043" y="412940"/>
-                  <a:pt x="14287" y="383222"/>
-                  <a:pt x="14287" y="346519"/>
+                  <a:pt x="38950" y="344868"/>
+                  <a:pt x="14287" y="320230"/>
+                  <a:pt x="14287" y="289877"/>
                 </a:cubicBezTo>
                 <a:lnTo>
-                  <a:pt x="14287" y="80708"/>
+                  <a:pt x="14287" y="69405"/>
                 </a:lnTo>
               </a:path>
             </a:pathLst>
@@ -24038,36 +24166,36 @@
       </p:sp>
       <p:sp>
         <p:nvSpPr>
-          <p:cNvPr id="7" name="Freeform 3"/>
+          <p:cNvPr id="5" name="Freeform 3"/>
           <p:cNvSpPr/>
           <p:nvPr/>
         </p:nvSpPr>
         <p:spPr>
           <a:xfrm>
-            <a:off x="3962400" y="3334448"/>
-            <a:ext cx="2619375" cy="427228"/>
+            <a:off x="760571" y="2667000"/>
+            <a:ext cx="1707833" cy="359155"/>
           </a:xfrm>
           <a:custGeom>
             <a:avLst/>
             <a:gdLst>
-              <a:gd name="connsiteX0" fmla="*/ 14287 w 2619375"/>
-              <a:gd name="connsiteY0" fmla="*/ 80708 h 427228"/>
-              <a:gd name="connsiteX1" fmla="*/ 80708 w 2619375"/>
-              <a:gd name="connsiteY1" fmla="*/ 14287 h 427228"/>
-              <a:gd name="connsiteX2" fmla="*/ 2538666 w 2619375"/>
-              <a:gd name="connsiteY2" fmla="*/ 14287 h 427228"/>
-              <a:gd name="connsiteX3" fmla="*/ 2605087 w 2619375"/>
-              <a:gd name="connsiteY3" fmla="*/ 80708 h 427228"/>
-              <a:gd name="connsiteX4" fmla="*/ 2605087 w 2619375"/>
-              <a:gd name="connsiteY4" fmla="*/ 346519 h 427228"/>
-              <a:gd name="connsiteX5" fmla="*/ 2538666 w 2619375"/>
-              <a:gd name="connsiteY5" fmla="*/ 412940 h 427228"/>
-              <a:gd name="connsiteX6" fmla="*/ 80708 w 2619375"/>
-              <a:gd name="connsiteY6" fmla="*/ 412940 h 427228"/>
-              <a:gd name="connsiteX7" fmla="*/ 14287 w 2619375"/>
-              <a:gd name="connsiteY7" fmla="*/ 346519 h 427228"/>
-              <a:gd name="connsiteX8" fmla="*/ 14287 w 2619375"/>
-              <a:gd name="connsiteY8" fmla="*/ 80708 h 427228"/>
+              <a:gd name="connsiteX0" fmla="*/ 14287 w 1552575"/>
+              <a:gd name="connsiteY0" fmla="*/ 69405 h 359155"/>
+              <a:gd name="connsiteX1" fmla="*/ 69380 w 1552575"/>
+              <a:gd name="connsiteY1" fmla="*/ 14287 h 359155"/>
+              <a:gd name="connsiteX2" fmla="*/ 1483169 w 1552575"/>
+              <a:gd name="connsiteY2" fmla="*/ 14287 h 359155"/>
+              <a:gd name="connsiteX3" fmla="*/ 1538287 w 1552575"/>
+              <a:gd name="connsiteY3" fmla="*/ 69405 h 359155"/>
+              <a:gd name="connsiteX4" fmla="*/ 1538287 w 1552575"/>
+              <a:gd name="connsiteY4" fmla="*/ 289750 h 359155"/>
+              <a:gd name="connsiteX5" fmla="*/ 1483169 w 1552575"/>
+              <a:gd name="connsiteY5" fmla="*/ 344868 h 359155"/>
+              <a:gd name="connsiteX6" fmla="*/ 69380 w 1552575"/>
+              <a:gd name="connsiteY6" fmla="*/ 344868 h 359155"/>
+              <a:gd name="connsiteX7" fmla="*/ 14287 w 1552575"/>
+              <a:gd name="connsiteY7" fmla="*/ 289750 h 359155"/>
+              <a:gd name="connsiteX8" fmla="*/ 14287 w 1552575"/>
+              <a:gd name="connsiteY8" fmla="*/ 69405 h 359155"/>
             </a:gdLst>
             <a:ahLst/>
             <a:cxnLst>
@@ -24101,41 +24229,41 @@
             </a:cxnLst>
             <a:rect l="l" t="t" r="r" b="b"/>
             <a:pathLst>
-              <a:path w="2619375" h="427228">
+              <a:path w="1552575" h="359155">
                 <a:moveTo>
-                  <a:pt x="14287" y="80708"/>
+                  <a:pt x="14287" y="69405"/>
                 </a:moveTo>
                 <a:cubicBezTo>
-                  <a:pt x="14287" y="44005"/>
-                  <a:pt x="44005" y="14287"/>
-                  <a:pt x="80708" y="14287"/>
+                  <a:pt x="14287" y="38925"/>
+                  <a:pt x="38950" y="14287"/>
+                  <a:pt x="69380" y="14287"/>
                 </a:cubicBezTo>
                 <a:lnTo>
-                  <a:pt x="2538666" y="14287"/>
+                  <a:pt x="1483169" y="14287"/>
                 </a:lnTo>
                 <a:cubicBezTo>
-                  <a:pt x="2575369" y="14287"/>
-                  <a:pt x="2605087" y="44005"/>
-                  <a:pt x="2605087" y="80708"/>
+                  <a:pt x="1513649" y="14287"/>
+                  <a:pt x="1538287" y="38925"/>
+                  <a:pt x="1538287" y="69405"/>
                 </a:cubicBezTo>
                 <a:lnTo>
-                  <a:pt x="2605087" y="346519"/>
+                  <a:pt x="1538287" y="289750"/>
                 </a:lnTo>
                 <a:cubicBezTo>
-                  <a:pt x="2605087" y="383222"/>
-                  <a:pt x="2575369" y="412940"/>
-                  <a:pt x="2538666" y="412940"/>
+                  <a:pt x="1538287" y="320230"/>
+                  <a:pt x="1513649" y="344868"/>
+                  <a:pt x="1483169" y="344868"/>
                 </a:cubicBezTo>
                 <a:lnTo>
-                  <a:pt x="80708" y="412940"/>
+                  <a:pt x="69380" y="344868"/>
                 </a:lnTo>
                 <a:cubicBezTo>
-                  <a:pt x="44005" y="412940"/>
-                  <a:pt x="14287" y="383222"/>
-                  <a:pt x="14287" y="346519"/>
+                  <a:pt x="38950" y="344868"/>
+                  <a:pt x="14287" y="320230"/>
+                  <a:pt x="14287" y="289750"/>
                 </a:cubicBezTo>
                 <a:lnTo>
-                  <a:pt x="14287" y="80708"/>
+                  <a:pt x="14287" y="69405"/>
                 </a:lnTo>
               </a:path>
             </a:pathLst>
@@ -24181,7 +24309,7 @@
       </p:sp>
       <p:pic>
         <p:nvPicPr>
-          <p:cNvPr id="8" name="Picture 3"/>
+          <p:cNvPr id="6" name="Picture 3"/>
           <p:cNvPicPr>
             <a:picLocks noChangeAspect="1" noChangeArrowheads="1"/>
           </p:cNvPicPr>
@@ -24282,7 +24410,7 @@
       </p:sp>
       <p:sp>
         <p:nvSpPr>
-          <p:cNvPr id="9" name="TextBox 1"/>
+          <p:cNvPr id="7" name="TextBox 1"/>
           <p:cNvSpPr txBox="1"/>
           <p:nvPr/>
         </p:nvSpPr>
@@ -24316,21 +24444,21 @@
                 <a:latin typeface="Times New Roman" pitchFamily="18" charset="0"/>
                 <a:cs typeface="Times New Roman" pitchFamily="18" charset="0"/>
               </a:rPr>
-              <a:t>28</a:t>
+              <a:t>29</a:t>
             </a:r>
           </a:p>
         </p:txBody>
       </p:sp>
       <p:sp>
         <p:nvSpPr>
-          <p:cNvPr id="10" name="TextBox 1"/>
+          <p:cNvPr id="8" name="TextBox 1"/>
           <p:cNvSpPr txBox="1"/>
           <p:nvPr/>
         </p:nvSpPr>
         <p:spPr>
           <a:xfrm>
-            <a:off x="317500" y="533400"/>
-            <a:ext cx="6032500" cy="457200"/>
+            <a:off x="317500" y="673100"/>
+            <a:ext cx="7645400" cy="4470400"/>
           </a:xfrm>
           <a:prstGeom prst="rect">
             <a:avLst/>
@@ -24347,7 +24475,10 @@
               <a:lnSpc>
                 <a:spcPts val="3600"/>
               </a:lnSpc>
-              <a:tabLst/>
+              <a:tabLst>
+                <a:tab pos="215900" algn="l"/>
+                <a:tab pos="558800" algn="l"/>
+              </a:tabLst>
             </a:pPr>
             <a:r>
               <a:rPr lang="en-US" altLang="zh-CN" sz="3998" dirty="0" smtClean="0">
@@ -24357,7 +24488,7 @@
                 <a:latin typeface="Times New Roman" pitchFamily="18" charset="0"/>
                 <a:cs typeface="Times New Roman" pitchFamily="18" charset="0"/>
               </a:rPr>
-              <a:t>Manipulators</a:t>
+              <a:t>Example:</a:t>
             </a:r>
             <a:r>
               <a:rPr lang="en-US" altLang="zh-CN" sz="3998" dirty="0" smtClean="0">
@@ -24374,7 +24505,7 @@
                 <a:latin typeface="Times New Roman" pitchFamily="18" charset="0"/>
                 <a:cs typeface="Times New Roman" pitchFamily="18" charset="0"/>
               </a:rPr>
-              <a:t>and</a:t>
+              <a:t>moveManip.py</a:t>
             </a:r>
             <a:r>
               <a:rPr lang="en-US" altLang="zh-CN" sz="3998" dirty="0" smtClean="0">
@@ -24391,144 +24522,49 @@
                 <a:latin typeface="Times New Roman" pitchFamily="18" charset="0"/>
                 <a:cs typeface="Times New Roman" pitchFamily="18" charset="0"/>
               </a:rPr>
-              <a:t>Contexts</a:t>
-            </a:r>
-          </a:p>
-        </p:txBody>
-      </p:sp>
-      <p:sp>
-        <p:nvSpPr>
-          <p:cNvPr id="11" name="TextBox 1"/>
-          <p:cNvSpPr txBox="1"/>
-          <p:nvPr/>
-        </p:nvSpPr>
-        <p:spPr>
-          <a:xfrm>
-            <a:off x="317500" y="1955800"/>
-            <a:ext cx="7823200" cy="533400"/>
-          </a:xfrm>
-          <a:prstGeom prst="rect">
-            <a:avLst/>
-          </a:prstGeom>
-          <a:noFill/>
-        </p:spPr>
-        <p:txBody>
-          <a:bodyPr wrap="none" lIns="0" tIns="0" rIns="0" rtlCol="0">
-            <a:spAutoFit/>
-          </a:bodyPr>
-          <a:lstStyle/>
+              <a:t>(devkit)</a:t>
+            </a:r>
+          </a:p>
+          <a:p>
+            <a:pPr>
+              <a:lnSpc>
+                <a:spcPts val="1000"/>
+              </a:lnSpc>
+            </a:pPr>
+            <a:endParaRPr lang="en-US" altLang="zh-CN" dirty="0" smtClean="0"/>
+          </a:p>
+          <a:p>
+            <a:pPr>
+              <a:lnSpc>
+                <a:spcPts val="1000"/>
+              </a:lnSpc>
+            </a:pPr>
+            <a:endParaRPr lang="en-US" altLang="zh-CN" dirty="0" smtClean="0"/>
+          </a:p>
+          <a:p>
+            <a:pPr>
+              <a:lnSpc>
+                <a:spcPts val="1000"/>
+              </a:lnSpc>
+            </a:pPr>
+            <a:endParaRPr lang="en-US" altLang="zh-CN" dirty="0" smtClean="0"/>
+          </a:p>
+          <a:p>
+            <a:pPr>
+              <a:lnSpc>
+                <a:spcPts val="1000"/>
+              </a:lnSpc>
+            </a:pPr>
+            <a:endParaRPr lang="en-US" altLang="zh-CN" dirty="0" smtClean="0"/>
+          </a:p>
           <a:p>
             <a:pPr>
               <a:lnSpc>
                 <a:spcPts val="1800"/>
               </a:lnSpc>
               <a:tabLst>
-                <a:tab pos="342900" algn="l"/>
-              </a:tabLst>
-            </a:pPr>
-            <a:r>
-              <a:rPr lang="en-US" altLang="zh-CN" sz="2006" dirty="0" smtClean="0">
-                <a:solidFill>
-                  <a:srgbClr val="FFFFFF"/>
-                </a:solidFill>
-                <a:latin typeface="Times New Roman" pitchFamily="18" charset="0"/>
-                <a:cs typeface="Times New Roman" pitchFamily="18" charset="0"/>
-              </a:rPr>
-              <a:t>MPxManipContainer::newManipulator</a:t>
-            </a:r>
-            <a:r>
-              <a:rPr lang="en-US" altLang="zh-CN" sz="2006" dirty="0" smtClean="0">
-                <a:latin typeface="Times New Roman" pitchFamily="18" charset="0"/>
-                <a:cs typeface="Times New Roman" pitchFamily="18" charset="0"/>
-              </a:rPr>
-              <a:t> </a:t>
-            </a:r>
-            <a:r>
-              <a:rPr lang="en-US" altLang="zh-CN" sz="2006" dirty="0" smtClean="0">
-                <a:solidFill>
-                  <a:srgbClr val="FFFFFF"/>
-                </a:solidFill>
-                <a:latin typeface="Times New Roman" pitchFamily="18" charset="0"/>
-                <a:cs typeface="Times New Roman" pitchFamily="18" charset="0"/>
-              </a:rPr>
-              <a:t>(</a:t>
-            </a:r>
-            <a:r>
-              <a:rPr lang="en-US" altLang="zh-CN" sz="2006" dirty="0" smtClean="0">
-                <a:latin typeface="Times New Roman" pitchFamily="18" charset="0"/>
-                <a:cs typeface="Times New Roman" pitchFamily="18" charset="0"/>
-              </a:rPr>
-              <a:t> </a:t>
-            </a:r>
-            <a:r>
-              <a:rPr lang="en-US" altLang="zh-CN" sz="2006" dirty="0" smtClean="0">
-                <a:solidFill>
-                  <a:srgbClr val="FFFFFF"/>
-                </a:solidFill>
-                <a:latin typeface="Times New Roman" pitchFamily="18" charset="0"/>
-                <a:cs typeface="Times New Roman" pitchFamily="18" charset="0"/>
-              </a:rPr>
-              <a:t>const</a:t>
-            </a:r>
-            <a:r>
-              <a:rPr lang="en-US" altLang="zh-CN" sz="2006" dirty="0" smtClean="0">
-                <a:latin typeface="Times New Roman" pitchFamily="18" charset="0"/>
-                <a:cs typeface="Times New Roman" pitchFamily="18" charset="0"/>
-              </a:rPr>
-              <a:t> </a:t>
-            </a:r>
-            <a:r>
-              <a:rPr lang="en-US" altLang="zh-CN" sz="2006" dirty="0" smtClean="0">
-                <a:solidFill>
-                  <a:srgbClr val="FFFFFF"/>
-                </a:solidFill>
-                <a:latin typeface="Times New Roman" pitchFamily="18" charset="0"/>
-                <a:cs typeface="Times New Roman" pitchFamily="18" charset="0"/>
-              </a:rPr>
-              <a:t>MString</a:t>
-            </a:r>
-            <a:r>
-              <a:rPr lang="en-US" altLang="zh-CN" sz="2006" dirty="0" smtClean="0">
-                <a:latin typeface="Times New Roman" pitchFamily="18" charset="0"/>
-                <a:cs typeface="Times New Roman" pitchFamily="18" charset="0"/>
-              </a:rPr>
-              <a:t> </a:t>
-            </a:r>
-            <a:r>
-              <a:rPr lang="en-US" altLang="zh-CN" sz="2006" dirty="0" smtClean="0">
-                <a:solidFill>
-                  <a:srgbClr val="FFFFFF"/>
-                </a:solidFill>
-                <a:latin typeface="Times New Roman" pitchFamily="18" charset="0"/>
-                <a:cs typeface="Times New Roman" pitchFamily="18" charset="0"/>
-              </a:rPr>
-              <a:t>&amp;</a:t>
-            </a:r>
-            <a:r>
-              <a:rPr lang="en-US" altLang="zh-CN" sz="2006" dirty="0" smtClean="0">
-                <a:latin typeface="Times New Roman" pitchFamily="18" charset="0"/>
-                <a:cs typeface="Times New Roman" pitchFamily="18" charset="0"/>
-              </a:rPr>
-              <a:t>  </a:t>
-            </a:r>
-            <a:r>
-              <a:rPr lang="en-US" altLang="zh-CN" sz="2006" dirty="0" smtClean="0">
-                <a:solidFill>
-                  <a:srgbClr val="FFFFFF"/>
-                </a:solidFill>
-                <a:latin typeface="Times New Roman" pitchFamily="18" charset="0"/>
-                <a:cs typeface="Times New Roman" pitchFamily="18" charset="0"/>
-              </a:rPr>
-              <a:t>manipName,</a:t>
-            </a:r>
-          </a:p>
-          <a:p>
-            <a:pPr>
-              <a:lnSpc>
-                <a:spcPts val="2300"/>
-              </a:lnSpc>
-              <a:tabLst>
-                <a:tab pos="342900" algn="l"/>
+                <a:tab pos="215900" algn="l"/>
+                <a:tab pos="558800" algn="l"/>
               </a:tabLst>
             </a:pPr>
             <a:r>
@@ -24536,225 +24572,299 @@
               <a:t>	</a:t>
             </a:r>
             <a:r>
-              <a:rPr lang="en-US" altLang="zh-CN" sz="2004" dirty="0" smtClean="0">
-                <a:solidFill>
-                  <a:srgbClr val="FFFFFF"/>
-                </a:solidFill>
-                <a:latin typeface="Times New Roman" pitchFamily="18" charset="0"/>
-                <a:cs typeface="Times New Roman" pitchFamily="18" charset="0"/>
-              </a:rPr>
-              <a:t>MObject</a:t>
-            </a:r>
-            <a:r>
-              <a:rPr lang="en-US" altLang="zh-CN" sz="2004" dirty="0" smtClean="0">
-                <a:latin typeface="Times New Roman" pitchFamily="18" charset="0"/>
-                <a:cs typeface="Times New Roman" pitchFamily="18" charset="0"/>
-              </a:rPr>
-              <a:t> </a:t>
-            </a:r>
-            <a:r>
-              <a:rPr lang="en-US" altLang="zh-CN" sz="2004" dirty="0" smtClean="0">
-                <a:solidFill>
-                  <a:srgbClr val="FFFFFF"/>
-                </a:solidFill>
-                <a:latin typeface="Times New Roman" pitchFamily="18" charset="0"/>
-                <a:cs typeface="Times New Roman" pitchFamily="18" charset="0"/>
-              </a:rPr>
-              <a:t>&amp;</a:t>
-            </a:r>
-            <a:r>
-              <a:rPr lang="en-US" altLang="zh-CN" sz="2004" dirty="0" smtClean="0">
+              <a:rPr lang="en-US" altLang="zh-CN" sz="1403" dirty="0" smtClean="0">
+                <a:solidFill>
+                  <a:srgbClr val="FFFF00"/>
+                </a:solidFill>
+                <a:latin typeface="Calibri" pitchFamily="18" charset="0"/>
+                <a:cs typeface="Calibri" pitchFamily="18" charset="0"/>
+              </a:rPr>
+              <a:t>Id1</a:t>
+            </a:r>
+            <a:r>
+              <a:rPr lang="en-US" altLang="zh-CN" sz="1403" dirty="0" smtClean="0">
+                <a:latin typeface="Times New Roman" pitchFamily="18" charset="0"/>
+                <a:cs typeface="Times New Roman" pitchFamily="18" charset="0"/>
+              </a:rPr>
+              <a:t> </a:t>
+            </a:r>
+            <a:r>
+              <a:rPr lang="en-US" altLang="zh-CN" sz="1403" dirty="0" smtClean="0">
+                <a:solidFill>
+                  <a:srgbClr val="FFFF00"/>
+                </a:solidFill>
+                <a:latin typeface="Calibri" pitchFamily="18" charset="0"/>
+                <a:cs typeface="Calibri" pitchFamily="18" charset="0"/>
+              </a:rPr>
+              <a:t>=</a:t>
+            </a:r>
+            <a:r>
+              <a:rPr lang="en-US" altLang="zh-CN" sz="1403" dirty="0" smtClean="0">
+                <a:latin typeface="Times New Roman" pitchFamily="18" charset="0"/>
+                <a:cs typeface="Times New Roman" pitchFamily="18" charset="0"/>
+              </a:rPr>
+              <a:t> </a:t>
+            </a:r>
+            <a:r>
+              <a:rPr lang="en-US" altLang="zh-CN" sz="1403" dirty="0" smtClean="0">
+                <a:solidFill>
+                  <a:srgbClr val="FFFF00"/>
+                </a:solidFill>
+                <a:latin typeface="Calibri" pitchFamily="18" charset="0"/>
+                <a:cs typeface="Calibri" pitchFamily="18" charset="0"/>
+              </a:rPr>
+              <a:t>OpenMaya.MCallbackId()</a:t>
+            </a:r>
+          </a:p>
+          <a:p>
+            <a:pPr>
+              <a:lnSpc>
+                <a:spcPts val="1000"/>
+              </a:lnSpc>
+            </a:pPr>
+            <a:endParaRPr lang="en-US" altLang="zh-CN" dirty="0" smtClean="0"/>
+          </a:p>
+          <a:p>
+            <a:pPr>
+              <a:lnSpc>
+                <a:spcPts val="1000"/>
+              </a:lnSpc>
+            </a:pPr>
+            <a:endParaRPr lang="en-US" altLang="zh-CN" dirty="0" smtClean="0"/>
+          </a:p>
+          <a:p>
+            <a:pPr>
+              <a:lnSpc>
+                <a:spcPts val="2300"/>
+              </a:lnSpc>
+              <a:tabLst>
+                <a:tab pos="215900" algn="l"/>
+                <a:tab pos="558800" algn="l"/>
+              </a:tabLst>
+            </a:pPr>
+            <a:r>
+              <a:rPr lang="en-US" altLang="zh-CN" dirty="0" smtClean="0"/>
+              <a:t>	</a:t>
+            </a:r>
+            <a:r>
+              <a:rPr lang="en-US" altLang="zh-CN" sz="1403" dirty="0" smtClean="0">
+                <a:solidFill>
+                  <a:srgbClr val="FFFF00"/>
+                </a:solidFill>
+                <a:latin typeface="Calibri" pitchFamily="18" charset="0"/>
+                <a:cs typeface="Calibri" pitchFamily="18" charset="0"/>
+              </a:rPr>
+              <a:t>def</a:t>
+            </a:r>
+            <a:r>
+              <a:rPr lang="en-US" altLang="zh-CN" sz="1403" dirty="0" smtClean="0">
+                <a:latin typeface="Times New Roman" pitchFamily="18" charset="0"/>
+                <a:cs typeface="Times New Roman" pitchFamily="18" charset="0"/>
+              </a:rPr>
+              <a:t> </a:t>
+            </a:r>
+            <a:r>
+              <a:rPr lang="en-US" altLang="zh-CN" sz="1403" dirty="0" smtClean="0">
+                <a:solidFill>
+                  <a:srgbClr val="FFFF00"/>
+                </a:solidFill>
+                <a:latin typeface="Calibri" pitchFamily="18" charset="0"/>
+                <a:cs typeface="Calibri" pitchFamily="18" charset="0"/>
+              </a:rPr>
+              <a:t>toolOnSetup(self,</a:t>
+            </a:r>
+            <a:r>
+              <a:rPr lang="en-US" altLang="zh-CN" sz="1403" dirty="0" smtClean="0">
+                <a:latin typeface="Times New Roman" pitchFamily="18" charset="0"/>
+                <a:cs typeface="Times New Roman" pitchFamily="18" charset="0"/>
+              </a:rPr>
+              <a:t> </a:t>
+            </a:r>
+            <a:r>
+              <a:rPr lang="en-US" altLang="zh-CN" sz="1403" dirty="0" smtClean="0">
+                <a:solidFill>
+                  <a:srgbClr val="FFFF00"/>
+                </a:solidFill>
+                <a:latin typeface="Calibri" pitchFamily="18" charset="0"/>
+                <a:cs typeface="Calibri" pitchFamily="18" charset="0"/>
+              </a:rPr>
+              <a:t>event):</a:t>
+            </a:r>
+          </a:p>
+          <a:p>
+            <a:pPr>
+              <a:lnSpc>
+                <a:spcPts val="2100"/>
+              </a:lnSpc>
+              <a:tabLst>
+                <a:tab pos="215900" algn="l"/>
+                <a:tab pos="558800" algn="l"/>
+              </a:tabLst>
+            </a:pPr>
+            <a:r>
+              <a:rPr lang="en-US" altLang="zh-CN" dirty="0" smtClean="0"/>
+              <a:t>		</a:t>
+            </a:r>
+            <a:r>
+              <a:rPr lang="en-US" altLang="zh-CN" sz="1403" dirty="0" smtClean="0">
+                <a:solidFill>
+                  <a:srgbClr val="FFFF00"/>
+                </a:solidFill>
+                <a:latin typeface="Calibri" pitchFamily="18" charset="0"/>
+                <a:cs typeface="Calibri" pitchFamily="18" charset="0"/>
+              </a:rPr>
+              <a:t>….</a:t>
+            </a:r>
+          </a:p>
+          <a:p>
+            <a:pPr>
+              <a:lnSpc>
+                <a:spcPts val="2100"/>
+              </a:lnSpc>
+              <a:tabLst>
+                <a:tab pos="215900" algn="l"/>
+                <a:tab pos="558800" algn="l"/>
+              </a:tabLst>
+            </a:pPr>
+            <a:r>
+              <a:rPr lang="en-US" altLang="zh-CN" dirty="0" smtClean="0"/>
+              <a:t>		</a:t>
+            </a:r>
+            <a:r>
+              <a:rPr lang="en-US" altLang="zh-CN" sz="1403" dirty="0" smtClean="0">
+                <a:solidFill>
+                  <a:srgbClr val="FFFF00"/>
+                </a:solidFill>
+                <a:latin typeface="Calibri" pitchFamily="18" charset="0"/>
+                <a:cs typeface="Calibri" pitchFamily="18" charset="0"/>
+              </a:rPr>
+              <a:t>updateManipulators(self)</a:t>
+            </a:r>
+          </a:p>
+          <a:p>
+            <a:pPr>
+              <a:lnSpc>
+                <a:spcPts val="2100"/>
+              </a:lnSpc>
+              <a:tabLst>
+                <a:tab pos="215900" algn="l"/>
+                <a:tab pos="558800" algn="l"/>
+              </a:tabLst>
+            </a:pPr>
+            <a:r>
+              <a:rPr lang="en-US" altLang="zh-CN" dirty="0" smtClean="0"/>
+              <a:t>		</a:t>
+            </a:r>
+            <a:r>
+              <a:rPr lang="en-US" altLang="zh-CN" sz="1403" dirty="0" smtClean="0">
+                <a:solidFill>
+                  <a:srgbClr val="FFFF00"/>
+                </a:solidFill>
+                <a:latin typeface="Calibri" pitchFamily="18" charset="0"/>
+                <a:cs typeface="Calibri" pitchFamily="18" charset="0"/>
+              </a:rPr>
+              <a:t>id1</a:t>
+            </a:r>
+            <a:r>
+              <a:rPr lang="en-US" altLang="zh-CN" sz="1403" dirty="0" smtClean="0">
+                <a:latin typeface="Times New Roman" pitchFamily="18" charset="0"/>
+                <a:cs typeface="Times New Roman" pitchFamily="18" charset="0"/>
+              </a:rPr>
+              <a:t> </a:t>
+            </a:r>
+            <a:r>
+              <a:rPr lang="en-US" altLang="zh-CN" sz="1403" dirty="0" smtClean="0">
+                <a:solidFill>
+                  <a:srgbClr val="FFFF00"/>
+                </a:solidFill>
+                <a:latin typeface="Calibri" pitchFamily="18" charset="0"/>
+                <a:cs typeface="Calibri" pitchFamily="18" charset="0"/>
+              </a:rPr>
+              <a:t>=</a:t>
+            </a:r>
+            <a:r>
+              <a:rPr lang="en-US" altLang="zh-CN" sz="1403" dirty="0" smtClean="0">
+                <a:latin typeface="Times New Roman" pitchFamily="18" charset="0"/>
+                <a:cs typeface="Times New Roman" pitchFamily="18" charset="0"/>
+              </a:rPr>
+              <a:t> </a:t>
+            </a:r>
+            <a:r>
+              <a:rPr lang="en-US" altLang="zh-CN" sz="1403" dirty="0" smtClean="0">
+                <a:solidFill>
+                  <a:srgbClr val="FFFF00"/>
+                </a:solidFill>
+                <a:latin typeface="Calibri" pitchFamily="18" charset="0"/>
+                <a:cs typeface="Calibri" pitchFamily="18" charset="0"/>
+              </a:rPr>
+              <a:t>OpenMaya.MModelMessage.addCallback(OpenMaya.MModelMessage.kActiveListModified,</a:t>
+            </a:r>
+          </a:p>
+          <a:p>
+            <a:pPr>
+              <a:lnSpc>
+                <a:spcPts val="1600"/>
+              </a:lnSpc>
+              <a:tabLst>
+                <a:tab pos="215900" algn="l"/>
+                <a:tab pos="558800" algn="l"/>
+              </a:tabLst>
+            </a:pPr>
+            <a:r>
+              <a:rPr lang="en-US" altLang="zh-CN" dirty="0" smtClean="0"/>
+              <a:t>		</a:t>
+            </a:r>
+            <a:r>
+              <a:rPr lang="en-US" altLang="zh-CN" sz="1403" dirty="0" smtClean="0">
+                <a:solidFill>
+                  <a:srgbClr val="FFFF00"/>
+                </a:solidFill>
+                <a:latin typeface="Calibri" pitchFamily="18" charset="0"/>
+                <a:cs typeface="Calibri" pitchFamily="18" charset="0"/>
+              </a:rPr>
+              <a:t>updateManipulators,</a:t>
+            </a:r>
+            <a:r>
+              <a:rPr lang="en-US" altLang="zh-CN" sz="1403" dirty="0" smtClean="0">
                 <a:latin typeface="Times New Roman" pitchFamily="18" charset="0"/>
                 <a:cs typeface="Times New Roman" pitchFamily="18" charset="0"/>
               </a:rPr>
               <a:t>  </a:t>
             </a:r>
             <a:r>
-              <a:rPr lang="en-US" altLang="zh-CN" sz="2004" dirty="0" smtClean="0">
-                <a:solidFill>
-                  <a:srgbClr val="FFFFFF"/>
-                </a:solidFill>
-                <a:latin typeface="Times New Roman" pitchFamily="18" charset="0"/>
-                <a:cs typeface="Times New Roman" pitchFamily="18" charset="0"/>
-              </a:rPr>
-              <a:t>manipObject,</a:t>
-            </a:r>
-            <a:r>
-              <a:rPr lang="en-US" altLang="zh-CN" sz="2004" dirty="0" smtClean="0">
-                <a:latin typeface="Times New Roman" pitchFamily="18" charset="0"/>
-                <a:cs typeface="Times New Roman" pitchFamily="18" charset="0"/>
-              </a:rPr>
-              <a:t> </a:t>
-            </a:r>
-            <a:r>
-              <a:rPr lang="en-US" altLang="zh-CN" sz="2004" dirty="0" smtClean="0">
-                <a:solidFill>
-                  <a:srgbClr val="FFFFFF"/>
-                </a:solidFill>
-                <a:latin typeface="Times New Roman" pitchFamily="18" charset="0"/>
-                <a:cs typeface="Times New Roman" pitchFamily="18" charset="0"/>
-              </a:rPr>
-              <a:t>MStatus</a:t>
-            </a:r>
-            <a:r>
-              <a:rPr lang="en-US" altLang="zh-CN" sz="2004" dirty="0" smtClean="0">
-                <a:latin typeface="Times New Roman" pitchFamily="18" charset="0"/>
-                <a:cs typeface="Times New Roman" pitchFamily="18" charset="0"/>
-              </a:rPr>
-              <a:t> </a:t>
-            </a:r>
-            <a:r>
-              <a:rPr lang="en-US" altLang="zh-CN" sz="2004" dirty="0" smtClean="0">
-                <a:solidFill>
-                  <a:srgbClr val="FFFFFF"/>
-                </a:solidFill>
-                <a:latin typeface="Times New Roman" pitchFamily="18" charset="0"/>
-                <a:cs typeface="Times New Roman" pitchFamily="18" charset="0"/>
-              </a:rPr>
-              <a:t>*</a:t>
-            </a:r>
-            <a:r>
-              <a:rPr lang="en-US" altLang="zh-CN" sz="2004" dirty="0" smtClean="0">
-                <a:latin typeface="Times New Roman" pitchFamily="18" charset="0"/>
-                <a:cs typeface="Times New Roman" pitchFamily="18" charset="0"/>
-              </a:rPr>
-              <a:t>  </a:t>
-            </a:r>
-            <a:r>
-              <a:rPr lang="en-US" altLang="zh-CN" sz="2004" dirty="0" smtClean="0">
-                <a:solidFill>
-                  <a:srgbClr val="FFFFFF"/>
-                </a:solidFill>
-                <a:latin typeface="Times New Roman" pitchFamily="18" charset="0"/>
-                <a:cs typeface="Times New Roman" pitchFamily="18" charset="0"/>
-              </a:rPr>
-              <a:t>ReturnStatus</a:t>
-            </a:r>
-            <a:r>
-              <a:rPr lang="en-US" altLang="zh-CN" sz="2004" dirty="0" smtClean="0">
-                <a:latin typeface="Times New Roman" pitchFamily="18" charset="0"/>
-                <a:cs typeface="Times New Roman" pitchFamily="18" charset="0"/>
-              </a:rPr>
-              <a:t> </a:t>
-            </a:r>
-            <a:r>
-              <a:rPr lang="en-US" altLang="zh-CN" sz="2004" dirty="0" smtClean="0">
-                <a:solidFill>
-                  <a:srgbClr val="FFFFFF"/>
-                </a:solidFill>
-                <a:latin typeface="Times New Roman" pitchFamily="18" charset="0"/>
-                <a:cs typeface="Times New Roman" pitchFamily="18" charset="0"/>
-              </a:rPr>
-              <a:t>=</a:t>
-            </a:r>
-            <a:r>
-              <a:rPr lang="en-US" altLang="zh-CN" sz="2004" dirty="0" smtClean="0">
-                <a:latin typeface="Times New Roman" pitchFamily="18" charset="0"/>
-                <a:cs typeface="Times New Roman" pitchFamily="18" charset="0"/>
-              </a:rPr>
-              <a:t> </a:t>
-            </a:r>
-            <a:r>
-              <a:rPr lang="en-US" altLang="zh-CN" sz="2004" dirty="0" smtClean="0">
-                <a:solidFill>
-                  <a:srgbClr val="FFFFFF"/>
-                </a:solidFill>
-                <a:latin typeface="Times New Roman" pitchFamily="18" charset="0"/>
-                <a:cs typeface="Times New Roman" pitchFamily="18" charset="0"/>
-              </a:rPr>
-              <a:t>NULL</a:t>
-            </a:r>
-            <a:r>
-              <a:rPr lang="en-US" altLang="zh-CN" sz="2004" dirty="0" smtClean="0">
-                <a:latin typeface="Times New Roman" pitchFamily="18" charset="0"/>
-                <a:cs typeface="Times New Roman" pitchFamily="18" charset="0"/>
-              </a:rPr>
-              <a:t>    </a:t>
-            </a:r>
-            <a:r>
-              <a:rPr lang="en-US" altLang="zh-CN" sz="2004" dirty="0" smtClean="0">
-                <a:solidFill>
-                  <a:srgbClr val="FFFFFF"/>
-                </a:solidFill>
-                <a:latin typeface="Times New Roman" pitchFamily="18" charset="0"/>
-                <a:cs typeface="Times New Roman" pitchFamily="18" charset="0"/>
-              </a:rPr>
-              <a:t>)</a:t>
-            </a:r>
-          </a:p>
-        </p:txBody>
-      </p:sp>
-      <p:sp>
-        <p:nvSpPr>
-          <p:cNvPr id="12" name="TextBox 1"/>
-          <p:cNvSpPr txBox="1"/>
-          <p:nvPr/>
-        </p:nvSpPr>
-        <p:spPr>
-          <a:xfrm>
-            <a:off x="317500" y="3492500"/>
-            <a:ext cx="6629400" cy="1816100"/>
-          </a:xfrm>
-          <a:prstGeom prst="rect">
-            <a:avLst/>
-          </a:prstGeom>
-          <a:noFill/>
-        </p:spPr>
-        <p:txBody>
-          <a:bodyPr wrap="none" lIns="0" tIns="0" rIns="0" rtlCol="0">
-            <a:spAutoFit/>
-          </a:bodyPr>
-          <a:lstStyle/>
-          <a:p>
-            <a:pPr>
-              <a:lnSpc>
-                <a:spcPts val="1800"/>
-              </a:lnSpc>
-              <a:tabLst/>
-            </a:pPr>
-            <a:r>
-              <a:rPr lang="en-US" altLang="zh-CN" sz="2004" dirty="0" smtClean="0">
-                <a:solidFill>
-                  <a:srgbClr val="FFFFFF"/>
-                </a:solidFill>
-                <a:latin typeface="Times New Roman" pitchFamily="18" charset="0"/>
-                <a:cs typeface="Times New Roman" pitchFamily="18" charset="0"/>
-              </a:rPr>
-              <a:t>MPxContext::addManipulator(const</a:t>
-            </a:r>
-            <a:r>
-              <a:rPr lang="en-US" altLang="zh-CN" sz="2004" dirty="0" smtClean="0">
-                <a:latin typeface="Times New Roman" pitchFamily="18" charset="0"/>
-                <a:cs typeface="Times New Roman" pitchFamily="18" charset="0"/>
-              </a:rPr>
-              <a:t> </a:t>
-            </a:r>
-            <a:r>
-              <a:rPr lang="en-US" altLang="zh-CN" sz="2004" dirty="0" smtClean="0">
-                <a:solidFill>
-                  <a:srgbClr val="FFFFFF"/>
-                </a:solidFill>
-                <a:latin typeface="Times New Roman" pitchFamily="18" charset="0"/>
-                <a:cs typeface="Times New Roman" pitchFamily="18" charset="0"/>
-              </a:rPr>
-              <a:t>MObject</a:t>
-            </a:r>
-            <a:r>
-              <a:rPr lang="en-US" altLang="zh-CN" sz="2004" dirty="0" smtClean="0">
-                <a:latin typeface="Times New Roman" pitchFamily="18" charset="0"/>
-                <a:cs typeface="Times New Roman" pitchFamily="18" charset="0"/>
-              </a:rPr>
-              <a:t> </a:t>
-            </a:r>
-            <a:r>
-              <a:rPr lang="en-US" altLang="zh-CN" sz="2004" dirty="0" smtClean="0">
-                <a:solidFill>
-                  <a:srgbClr val="FFFFFF"/>
-                </a:solidFill>
-                <a:latin typeface="Times New Roman" pitchFamily="18" charset="0"/>
-                <a:cs typeface="Times New Roman" pitchFamily="18" charset="0"/>
-              </a:rPr>
-              <a:t>&amp;manipulator)</a:t>
+              <a:rPr lang="en-US" altLang="zh-CN" sz="1403" dirty="0" smtClean="0">
+                <a:solidFill>
+                  <a:srgbClr val="FFFF00"/>
+                </a:solidFill>
+                <a:latin typeface="Calibri" pitchFamily="18" charset="0"/>
+                <a:cs typeface="Calibri" pitchFamily="18" charset="0"/>
+              </a:rPr>
+              <a:t>self)</a:t>
+            </a:r>
+          </a:p>
+          <a:p>
+            <a:pPr>
+              <a:lnSpc>
+                <a:spcPts val="2100"/>
+              </a:lnSpc>
+              <a:tabLst>
+                <a:tab pos="215900" algn="l"/>
+                <a:tab pos="558800" algn="l"/>
+              </a:tabLst>
+            </a:pPr>
+            <a:r>
+              <a:rPr lang="en-US" altLang="zh-CN" dirty="0" smtClean="0"/>
+              <a:t>		</a:t>
+            </a:r>
+            <a:r>
+              <a:rPr lang="en-US" altLang="zh-CN" sz="1403" dirty="0" smtClean="0">
+                <a:solidFill>
+                  <a:srgbClr val="FFFF00"/>
+                </a:solidFill>
+                <a:latin typeface="Calibri" pitchFamily="18" charset="0"/>
+                <a:cs typeface="Calibri" pitchFamily="18" charset="0"/>
+              </a:rPr>
+              <a:t>….</a:t>
             </a:r>
           </a:p>
           <a:p>
@@ -24768,95 +24878,126 @@
           <a:p>
             <a:pPr>
               <a:lnSpc>
+                <a:spcPts val="1000"/>
+              </a:lnSpc>
+            </a:pPr>
+            <a:endParaRPr lang="en-US" altLang="zh-CN" dirty="0" smtClean="0"/>
+          </a:p>
+          <a:p>
+            <a:pPr>
+              <a:lnSpc>
+                <a:spcPts val="2300"/>
+              </a:lnSpc>
+              <a:tabLst>
+                <a:tab pos="215900" algn="l"/>
+                <a:tab pos="558800" algn="l"/>
+              </a:tabLst>
+            </a:pPr>
+            <a:r>
+              <a:rPr lang="en-US" altLang="zh-CN" dirty="0" smtClean="0"/>
+              <a:t>	</a:t>
+            </a:r>
+            <a:r>
+              <a:rPr lang="en-US" altLang="zh-CN" sz="1403" dirty="0" smtClean="0">
+                <a:solidFill>
+                  <a:srgbClr val="FFFF00"/>
+                </a:solidFill>
+                <a:latin typeface="Calibri" pitchFamily="18" charset="0"/>
+                <a:cs typeface="Calibri" pitchFamily="18" charset="0"/>
+              </a:rPr>
+              <a:t>def</a:t>
+            </a:r>
+            <a:r>
+              <a:rPr lang="en-US" altLang="zh-CN" sz="1403" dirty="0" smtClean="0">
+                <a:latin typeface="Times New Roman" pitchFamily="18" charset="0"/>
+                <a:cs typeface="Times New Roman" pitchFamily="18" charset="0"/>
+              </a:rPr>
+              <a:t> </a:t>
+            </a:r>
+            <a:r>
+              <a:rPr lang="en-US" altLang="zh-CN" sz="1403" dirty="0" smtClean="0">
+                <a:solidFill>
+                  <a:srgbClr val="FFFF00"/>
+                </a:solidFill>
+                <a:latin typeface="Calibri" pitchFamily="18" charset="0"/>
+                <a:cs typeface="Calibri" pitchFamily="18" charset="0"/>
+              </a:rPr>
+              <a:t>toolOffCleanup(self):</a:t>
+            </a:r>
+          </a:p>
+          <a:p>
+            <a:pPr>
+              <a:lnSpc>
                 <a:spcPts val="2100"/>
               </a:lnSpc>
-              <a:tabLst/>
-            </a:pPr>
-            <a:r>
-              <a:rPr lang="en-US" altLang="zh-CN" sz="2004" dirty="0" smtClean="0">
-                <a:solidFill>
-                  <a:srgbClr val="FFFFFF"/>
-                </a:solidFill>
-                <a:latin typeface="Times New Roman" pitchFamily="18" charset="0"/>
-                <a:cs typeface="Times New Roman" pitchFamily="18" charset="0"/>
-              </a:rPr>
-              <a:t>MPxContext::deleteManipulators()</a:t>
-            </a:r>
-          </a:p>
-          <a:p>
-            <a:pPr>
-              <a:lnSpc>
-                <a:spcPts val="1000"/>
-              </a:lnSpc>
-            </a:pPr>
-            <a:endParaRPr lang="en-US" altLang="zh-CN" dirty="0" smtClean="0"/>
-          </a:p>
-          <a:p>
-            <a:pPr>
-              <a:lnSpc>
-                <a:spcPts val="1000"/>
-              </a:lnSpc>
-            </a:pPr>
-            <a:endParaRPr lang="en-US" altLang="zh-CN" dirty="0" smtClean="0"/>
-          </a:p>
-          <a:p>
-            <a:pPr>
-              <a:lnSpc>
-                <a:spcPts val="1000"/>
-              </a:lnSpc>
-            </a:pPr>
-            <a:endParaRPr lang="en-US" altLang="zh-CN" dirty="0" smtClean="0"/>
-          </a:p>
-          <a:p>
-            <a:pPr>
-              <a:lnSpc>
-                <a:spcPts val="1000"/>
-              </a:lnSpc>
-            </a:pPr>
-            <a:endParaRPr lang="en-US" altLang="zh-CN" dirty="0" smtClean="0"/>
-          </a:p>
-          <a:p>
-            <a:pPr>
-              <a:lnSpc>
-                <a:spcPts val="2200"/>
-              </a:lnSpc>
-              <a:tabLst/>
-            </a:pPr>
-            <a:r>
-              <a:rPr lang="en-US" altLang="zh-CN" sz="2004" dirty="0" smtClean="0">
-                <a:solidFill>
-                  <a:srgbClr val="FFFFFF"/>
-                </a:solidFill>
-                <a:latin typeface="Times New Roman" pitchFamily="18" charset="0"/>
-                <a:cs typeface="Times New Roman" pitchFamily="18" charset="0"/>
-              </a:rPr>
-              <a:t>MPxContext::toolOnSetup()</a:t>
-            </a:r>
-          </a:p>
-          <a:p>
-            <a:pPr>
-              <a:lnSpc>
-                <a:spcPts val="1000"/>
-              </a:lnSpc>
-            </a:pPr>
-            <a:endParaRPr lang="en-US" altLang="zh-CN" dirty="0" smtClean="0"/>
+              <a:tabLst>
+                <a:tab pos="215900" algn="l"/>
+                <a:tab pos="558800" algn="l"/>
+              </a:tabLst>
+            </a:pPr>
+            <a:r>
+              <a:rPr lang="en-US" altLang="zh-CN" dirty="0" smtClean="0"/>
+              <a:t>		</a:t>
+            </a:r>
+            <a:r>
+              <a:rPr lang="en-US" altLang="zh-CN" sz="1406" dirty="0" smtClean="0">
+                <a:solidFill>
+                  <a:srgbClr val="FFFF00"/>
+                </a:solidFill>
+                <a:latin typeface="Calibri" pitchFamily="18" charset="0"/>
+                <a:cs typeface="Calibri" pitchFamily="18" charset="0"/>
+              </a:rPr>
+              <a:t>...</a:t>
+            </a:r>
           </a:p>
           <a:p>
             <a:pPr>
               <a:lnSpc>
                 <a:spcPts val="2100"/>
               </a:lnSpc>
-              <a:tabLst/>
-            </a:pPr>
-            <a:r>
-              <a:rPr lang="en-US" altLang="zh-CN" sz="2004" dirty="0" smtClean="0">
-                <a:solidFill>
-                  <a:srgbClr val="FFFFFF"/>
-                </a:solidFill>
-                <a:latin typeface="Times New Roman" pitchFamily="18" charset="0"/>
-                <a:cs typeface="Times New Roman" pitchFamily="18" charset="0"/>
-              </a:rPr>
-              <a:t>MPxContext::toolOffCleanup()</a:t>
+              <a:tabLst>
+                <a:tab pos="215900" algn="l"/>
+                <a:tab pos="558800" algn="l"/>
+              </a:tabLst>
+            </a:pPr>
+            <a:r>
+              <a:rPr lang="en-US" altLang="zh-CN" dirty="0" smtClean="0"/>
+              <a:t>		</a:t>
+            </a:r>
+            <a:r>
+              <a:rPr lang="en-US" altLang="zh-CN" sz="1403" dirty="0" smtClean="0">
+                <a:solidFill>
+                  <a:srgbClr val="FFFF00"/>
+                </a:solidFill>
+                <a:latin typeface="Calibri" pitchFamily="18" charset="0"/>
+                <a:cs typeface="Calibri" pitchFamily="18" charset="0"/>
+              </a:rPr>
+              <a:t>OpenMaya.MModelMessage.removeCallback(id1)</a:t>
+            </a:r>
+          </a:p>
+          <a:p>
+            <a:pPr>
+              <a:lnSpc>
+                <a:spcPts val="2100"/>
+              </a:lnSpc>
+              <a:tabLst>
+                <a:tab pos="215900" algn="l"/>
+                <a:tab pos="558800" algn="l"/>
+              </a:tabLst>
+            </a:pPr>
+            <a:r>
+              <a:rPr lang="en-US" altLang="zh-CN" dirty="0" smtClean="0"/>
+              <a:t>		</a:t>
+            </a:r>
+            <a:r>
+              <a:rPr lang="en-US" altLang="zh-CN" sz="1403" dirty="0" smtClean="0">
+                <a:solidFill>
+                  <a:srgbClr val="FFFF00"/>
+                </a:solidFill>
+                <a:latin typeface="Calibri" pitchFamily="18" charset="0"/>
+                <a:cs typeface="Calibri" pitchFamily="18" charset="0"/>
+              </a:rPr>
+              <a:t>...</a:t>
             </a:r>
           </a:p>
         </p:txBody>
@@ -25023,29 +25164,29 @@
         </p:nvSpPr>
         <p:spPr>
           <a:xfrm>
-            <a:off x="685800" y="2133600"/>
-            <a:ext cx="2009775" cy="359155"/>
+            <a:off x="5029200" y="3124200"/>
+            <a:ext cx="3457575" cy="359155"/>
           </a:xfrm>
           <a:custGeom>
             <a:avLst/>
             <a:gdLst>
-              <a:gd name="connsiteX0" fmla="*/ 14287 w 2009775"/>
+              <a:gd name="connsiteX0" fmla="*/ 14287 w 3457575"/>
               <a:gd name="connsiteY0" fmla="*/ 69405 h 359155"/>
-              <a:gd name="connsiteX1" fmla="*/ 69380 w 2009775"/>
+              <a:gd name="connsiteX1" fmla="*/ 69405 w 3457575"/>
               <a:gd name="connsiteY1" fmla="*/ 14287 h 359155"/>
-              <a:gd name="connsiteX2" fmla="*/ 1940369 w 2009775"/>
+              <a:gd name="connsiteX2" fmla="*/ 3388169 w 3457575"/>
               <a:gd name="connsiteY2" fmla="*/ 14287 h 359155"/>
-              <a:gd name="connsiteX3" fmla="*/ 1995487 w 2009775"/>
+              <a:gd name="connsiteX3" fmla="*/ 3443287 w 3457575"/>
               <a:gd name="connsiteY3" fmla="*/ 69405 h 359155"/>
-              <a:gd name="connsiteX4" fmla="*/ 1995487 w 2009775"/>
-              <a:gd name="connsiteY4" fmla="*/ 289877 h 359155"/>
-              <a:gd name="connsiteX5" fmla="*/ 1940369 w 2009775"/>
+              <a:gd name="connsiteX4" fmla="*/ 3443287 w 3457575"/>
+              <a:gd name="connsiteY4" fmla="*/ 289750 h 359155"/>
+              <a:gd name="connsiteX5" fmla="*/ 3388169 w 3457575"/>
               <a:gd name="connsiteY5" fmla="*/ 344868 h 359155"/>
-              <a:gd name="connsiteX6" fmla="*/ 69380 w 2009775"/>
+              <a:gd name="connsiteX6" fmla="*/ 69405 w 3457575"/>
               <a:gd name="connsiteY6" fmla="*/ 344868 h 359155"/>
-              <a:gd name="connsiteX7" fmla="*/ 14287 w 2009775"/>
-              <a:gd name="connsiteY7" fmla="*/ 289877 h 359155"/>
-              <a:gd name="connsiteX8" fmla="*/ 14287 w 2009775"/>
+              <a:gd name="connsiteX7" fmla="*/ 14287 w 3457575"/>
+              <a:gd name="connsiteY7" fmla="*/ 289750 h 359155"/>
+              <a:gd name="connsiteX8" fmla="*/ 14287 w 3457575"/>
               <a:gd name="connsiteY8" fmla="*/ 69405 h 359155"/>
             </a:gdLst>
             <a:ahLst/>
@@ -25080,38 +25221,38 @@
             </a:cxnLst>
             <a:rect l="l" t="t" r="r" b="b"/>
             <a:pathLst>
-              <a:path w="2009775" h="359155">
+              <a:path w="3457575" h="359155">
                 <a:moveTo>
                   <a:pt x="14287" y="69405"/>
                 </a:moveTo>
                 <a:cubicBezTo>
-                  <a:pt x="14287" y="39052"/>
-                  <a:pt x="38950" y="14287"/>
-                  <a:pt x="69380" y="14287"/>
+                  <a:pt x="14287" y="38925"/>
+                  <a:pt x="38925" y="14287"/>
+                  <a:pt x="69405" y="14287"/>
                 </a:cubicBezTo>
                 <a:lnTo>
-                  <a:pt x="1940369" y="14287"/>
+                  <a:pt x="3388169" y="14287"/>
                 </a:lnTo>
                 <a:cubicBezTo>
-                  <a:pt x="1970849" y="14287"/>
-                  <a:pt x="1995487" y="39052"/>
-                  <a:pt x="1995487" y="69405"/>
+                  <a:pt x="3418649" y="14287"/>
+                  <a:pt x="3443287" y="38925"/>
+                  <a:pt x="3443287" y="69405"/>
                 </a:cubicBezTo>
                 <a:lnTo>
-                  <a:pt x="1995487" y="289877"/>
+                  <a:pt x="3443287" y="289750"/>
                 </a:lnTo>
                 <a:cubicBezTo>
-                  <a:pt x="1995487" y="320230"/>
-                  <a:pt x="1970849" y="344868"/>
-                  <a:pt x="1940369" y="344868"/>
+                  <a:pt x="3443287" y="320230"/>
+                  <a:pt x="3418649" y="344868"/>
+                  <a:pt x="3388169" y="344868"/>
                 </a:cubicBezTo>
                 <a:lnTo>
-                  <a:pt x="69380" y="344868"/>
+                  <a:pt x="69405" y="344868"/>
                 </a:lnTo>
                 <a:cubicBezTo>
-                  <a:pt x="38950" y="344868"/>
+                  <a:pt x="38925" y="344868"/>
                   <a:pt x="14287" y="320230"/>
-                  <a:pt x="14287" y="289877"/>
+                  <a:pt x="14287" y="289750"/>
                 </a:cubicBezTo>
                 <a:lnTo>
                   <a:pt x="14287" y="69405"/>
@@ -25166,29 +25307,29 @@
         </p:nvSpPr>
         <p:spPr>
           <a:xfrm>
-            <a:off x="760571" y="2667000"/>
-            <a:ext cx="1707833" cy="359155"/>
+            <a:off x="2728912" y="3984245"/>
+            <a:ext cx="2390775" cy="359155"/>
           </a:xfrm>
           <a:custGeom>
             <a:avLst/>
             <a:gdLst>
-              <a:gd name="connsiteX0" fmla="*/ 14287 w 1552575"/>
+              <a:gd name="connsiteX0" fmla="*/ 14287 w 2390775"/>
               <a:gd name="connsiteY0" fmla="*/ 69405 h 359155"/>
-              <a:gd name="connsiteX1" fmla="*/ 69380 w 1552575"/>
+              <a:gd name="connsiteX1" fmla="*/ 69405 w 2390775"/>
               <a:gd name="connsiteY1" fmla="*/ 14287 h 359155"/>
-              <a:gd name="connsiteX2" fmla="*/ 1483169 w 1552575"/>
+              <a:gd name="connsiteX2" fmla="*/ 2321369 w 2390775"/>
               <a:gd name="connsiteY2" fmla="*/ 14287 h 359155"/>
-              <a:gd name="connsiteX3" fmla="*/ 1538287 w 1552575"/>
+              <a:gd name="connsiteX3" fmla="*/ 2376487 w 2390775"/>
               <a:gd name="connsiteY3" fmla="*/ 69405 h 359155"/>
-              <a:gd name="connsiteX4" fmla="*/ 1538287 w 1552575"/>
+              <a:gd name="connsiteX4" fmla="*/ 2376487 w 2390775"/>
               <a:gd name="connsiteY4" fmla="*/ 289750 h 359155"/>
-              <a:gd name="connsiteX5" fmla="*/ 1483169 w 1552575"/>
+              <a:gd name="connsiteX5" fmla="*/ 2321369 w 2390775"/>
               <a:gd name="connsiteY5" fmla="*/ 344868 h 359155"/>
-              <a:gd name="connsiteX6" fmla="*/ 69380 w 1552575"/>
+              <a:gd name="connsiteX6" fmla="*/ 69405 w 2390775"/>
               <a:gd name="connsiteY6" fmla="*/ 344868 h 359155"/>
-              <a:gd name="connsiteX7" fmla="*/ 14287 w 1552575"/>
+              <a:gd name="connsiteX7" fmla="*/ 14287 w 2390775"/>
               <a:gd name="connsiteY7" fmla="*/ 289750 h 359155"/>
-              <a:gd name="connsiteX8" fmla="*/ 14287 w 1552575"/>
+              <a:gd name="connsiteX8" fmla="*/ 14287 w 2390775"/>
               <a:gd name="connsiteY8" fmla="*/ 69405 h 359155"/>
             </a:gdLst>
             <a:ahLst/>
@@ -25223,36 +25364,36 @@
             </a:cxnLst>
             <a:rect l="l" t="t" r="r" b="b"/>
             <a:pathLst>
-              <a:path w="1552575" h="359155">
+              <a:path w="2390775" h="359155">
                 <a:moveTo>
                   <a:pt x="14287" y="69405"/>
                 </a:moveTo>
                 <a:cubicBezTo>
                   <a:pt x="14287" y="38925"/>
-                  <a:pt x="38950" y="14287"/>
-                  <a:pt x="69380" y="14287"/>
+                  <a:pt x="38925" y="14287"/>
+                  <a:pt x="69405" y="14287"/>
                 </a:cubicBezTo>
                 <a:lnTo>
-                  <a:pt x="1483169" y="14287"/>
+                  <a:pt x="2321369" y="14287"/>
                 </a:lnTo>
                 <a:cubicBezTo>
-                  <a:pt x="1513649" y="14287"/>
-                  <a:pt x="1538287" y="38925"/>
-                  <a:pt x="1538287" y="69405"/>
+                  <a:pt x="2351849" y="14287"/>
+                  <a:pt x="2376487" y="38925"/>
+                  <a:pt x="2376487" y="69405"/>
                 </a:cubicBezTo>
                 <a:lnTo>
-                  <a:pt x="1538287" y="289750"/>
+                  <a:pt x="2376487" y="289750"/>
                 </a:lnTo>
                 <a:cubicBezTo>
-                  <a:pt x="1538287" y="320230"/>
-                  <a:pt x="1513649" y="344868"/>
-                  <a:pt x="1483169" y="344868"/>
+                  <a:pt x="2376487" y="320230"/>
+                  <a:pt x="2351849" y="344868"/>
+                  <a:pt x="2321369" y="344868"/>
                 </a:cubicBezTo>
                 <a:lnTo>
-                  <a:pt x="69380" y="344868"/>
+                  <a:pt x="69405" y="344868"/>
                 </a:lnTo>
                 <a:cubicBezTo>
-                  <a:pt x="38950" y="344868"/>
+                  <a:pt x="38925" y="344868"/>
                   <a:pt x="14287" y="320230"/>
                   <a:pt x="14287" y="289750"/>
                 </a:cubicBezTo>
@@ -25438,7 +25579,7 @@
                 <a:latin typeface="Times New Roman" pitchFamily="18" charset="0"/>
                 <a:cs typeface="Times New Roman" pitchFamily="18" charset="0"/>
               </a:rPr>
-              <a:t>29</a:t>
+              <a:t>30</a:t>
             </a:r>
           </a:p>
         </p:txBody>
@@ -25451,8 +25592,8 @@
         </p:nvSpPr>
         <p:spPr>
           <a:xfrm>
-            <a:off x="317500" y="673100"/>
-            <a:ext cx="7645400" cy="4470400"/>
+            <a:off x="317500" y="660400"/>
+            <a:ext cx="8077200" cy="4267200"/>
           </a:xfrm>
           <a:prstGeom prst="rect">
             <a:avLst/>
@@ -25470,8 +25611,10 @@
                 <a:spcPts val="3600"/>
               </a:lnSpc>
               <a:tabLst>
-                <a:tab pos="215900" algn="l"/>
-                <a:tab pos="558800" algn="l"/>
+                <a:tab pos="749300" algn="l"/>
+                <a:tab pos="1092200" algn="l"/>
+                <a:tab pos="1130300" algn="l"/>
+                <a:tab pos="1663700" algn="l"/>
               </a:tabLst>
             </a:pPr>
             <a:r>
@@ -25557,8 +25700,10 @@
                 <a:spcPts val="1800"/>
               </a:lnSpc>
               <a:tabLst>
-                <a:tab pos="215900" algn="l"/>
-                <a:tab pos="558800" algn="l"/>
+                <a:tab pos="749300" algn="l"/>
+                <a:tab pos="1092200" algn="l"/>
+                <a:tab pos="1130300" algn="l"/>
+                <a:tab pos="1663700" algn="l"/>
               </a:tabLst>
             </a:pPr>
             <a:r>
@@ -25573,7 +25718,7 @@
                 <a:latin typeface="Calibri" pitchFamily="18" charset="0"/>
                 <a:cs typeface="Calibri" pitchFamily="18" charset="0"/>
               </a:rPr>
-              <a:t>Id1</a:t>
+              <a:t>def</a:t>
             </a:r>
             <a:r>
               <a:rPr lang="en-US" altLang="zh-CN" sz="1403" dirty="0" smtClean="0">
@@ -25590,55 +25735,51 @@
                 <a:latin typeface="Calibri" pitchFamily="18" charset="0"/>
                 <a:cs typeface="Calibri" pitchFamily="18" charset="0"/>
               </a:rPr>
-              <a:t>=</a:t>
-            </a:r>
-            <a:r>
-              <a:rPr lang="en-US" altLang="zh-CN" sz="1403" dirty="0" smtClean="0">
-                <a:latin typeface="Times New Roman" pitchFamily="18" charset="0"/>
-                <a:cs typeface="Times New Roman" pitchFamily="18" charset="0"/>
-              </a:rPr>
-              <a:t> </a:t>
-            </a:r>
-            <a:r>
-              <a:rPr lang="en-US" altLang="zh-CN" sz="1403" dirty="0" smtClean="0">
+              <a:t>updateManipulators(data)</a:t>
+            </a:r>
+          </a:p>
+          <a:p>
+            <a:pPr>
+              <a:lnSpc>
+                <a:spcPts val="2100"/>
+              </a:lnSpc>
+              <a:tabLst>
+                <a:tab pos="749300" algn="l"/>
+                <a:tab pos="1092200" algn="l"/>
+                <a:tab pos="1130300" algn="l"/>
+                <a:tab pos="1663700" algn="l"/>
+              </a:tabLst>
+            </a:pPr>
+            <a:r>
+              <a:rPr lang="en-US" altLang="zh-CN" dirty="0" smtClean="0"/>
+              <a:t>		</a:t>
+            </a:r>
+            <a:r>
+              <a:rPr lang="en-US" altLang="zh-CN" sz="1406" dirty="0" smtClean="0">
                 <a:solidFill>
                   <a:srgbClr val="FFFF00"/>
                 </a:solidFill>
                 <a:latin typeface="Calibri" pitchFamily="18" charset="0"/>
                 <a:cs typeface="Calibri" pitchFamily="18" charset="0"/>
               </a:rPr>
-              <a:t>OpenMaya.MCallbackId()</a:t>
-            </a:r>
-          </a:p>
-          <a:p>
-            <a:pPr>
-              <a:lnSpc>
-                <a:spcPts val="1000"/>
-              </a:lnSpc>
-            </a:pPr>
-            <a:endParaRPr lang="en-US" altLang="zh-CN" dirty="0" smtClean="0"/>
-          </a:p>
-          <a:p>
-            <a:pPr>
-              <a:lnSpc>
-                <a:spcPts val="1000"/>
-              </a:lnSpc>
-            </a:pPr>
-            <a:endParaRPr lang="en-US" altLang="zh-CN" dirty="0" smtClean="0"/>
-          </a:p>
-          <a:p>
-            <a:pPr>
-              <a:lnSpc>
-                <a:spcPts val="2300"/>
+              <a:t>...</a:t>
+            </a:r>
+          </a:p>
+          <a:p>
+            <a:pPr>
+              <a:lnSpc>
+                <a:spcPts val="2100"/>
               </a:lnSpc>
               <a:tabLst>
-                <a:tab pos="215900" algn="l"/>
-                <a:tab pos="558800" algn="l"/>
+                <a:tab pos="749300" algn="l"/>
+                <a:tab pos="1092200" algn="l"/>
+                <a:tab pos="1130300" algn="l"/>
+                <a:tab pos="1663700" algn="l"/>
               </a:tabLst>
             </a:pPr>
             <a:r>
               <a:rPr lang="en-US" altLang="zh-CN" dirty="0" smtClean="0"/>
-              <a:t>	</a:t>
+              <a:t>			</a:t>
             </a:r>
             <a:r>
               <a:rPr lang="en-US" altLang="zh-CN" sz="1403" dirty="0" smtClean="0">
@@ -25648,14 +25789,14 @@
                 <a:latin typeface="Calibri" pitchFamily="18" charset="0"/>
                 <a:cs typeface="Calibri" pitchFamily="18" charset="0"/>
               </a:rPr>
-              <a:t>def</a:t>
+              <a:t>clientData.deleteManipulators()</a:t>
             </a:r>
             <a:r>
               <a:rPr lang="en-US" altLang="zh-CN" sz="1403" dirty="0" smtClean="0">
                 <a:latin typeface="Times New Roman" pitchFamily="18" charset="0"/>
                 <a:cs typeface="Times New Roman" pitchFamily="18" charset="0"/>
               </a:rPr>
-              <a:t> </a:t>
+              <a:t>  </a:t>
             </a:r>
             <a:r>
               <a:rPr lang="en-US" altLang="zh-CN" sz="1403" dirty="0" smtClean="0">
@@ -25665,14 +25806,24 @@
                 <a:latin typeface="Calibri" pitchFamily="18" charset="0"/>
                 <a:cs typeface="Calibri" pitchFamily="18" charset="0"/>
               </a:rPr>
-              <a:t>toolOnSetup(self,</a:t>
-            </a:r>
-            <a:r>
-              <a:rPr lang="en-US" altLang="zh-CN" sz="1403" dirty="0" smtClean="0">
-                <a:latin typeface="Times New Roman" pitchFamily="18" charset="0"/>
-                <a:cs typeface="Times New Roman" pitchFamily="18" charset="0"/>
-              </a:rPr>
-              <a:t> </a:t>
+              <a:t>...</a:t>
+            </a:r>
+          </a:p>
+          <a:p>
+            <a:pPr>
+              <a:lnSpc>
+                <a:spcPts val="2100"/>
+              </a:lnSpc>
+              <a:tabLst>
+                <a:tab pos="749300" algn="l"/>
+                <a:tab pos="1092200" algn="l"/>
+                <a:tab pos="1130300" algn="l"/>
+                <a:tab pos="1663700" algn="l"/>
+              </a:tabLst>
+            </a:pPr>
+            <a:r>
+              <a:rPr lang="en-US" altLang="zh-CN" dirty="0" smtClean="0"/>
+              <a:t>			</a:t>
             </a:r>
             <a:r>
               <a:rPr lang="en-US" altLang="zh-CN" sz="1403" dirty="0" smtClean="0">
@@ -25682,22 +25833,14 @@
                 <a:latin typeface="Calibri" pitchFamily="18" charset="0"/>
                 <a:cs typeface="Calibri" pitchFamily="18" charset="0"/>
               </a:rPr>
-              <a:t>event):</a:t>
-            </a:r>
-          </a:p>
-          <a:p>
-            <a:pPr>
-              <a:lnSpc>
-                <a:spcPts val="2100"/>
-              </a:lnSpc>
-              <a:tabLst>
-                <a:tab pos="215900" algn="l"/>
-                <a:tab pos="558800" algn="l"/>
-              </a:tabLst>
-            </a:pPr>
-            <a:r>
-              <a:rPr lang="en-US" altLang="zh-CN" dirty="0" smtClean="0"/>
-              <a:t>		</a:t>
+              <a:t>#</a:t>
+            </a:r>
+            <a:r>
+              <a:rPr lang="en-US" altLang="zh-CN" sz="1403" dirty="0" smtClean="0">
+                <a:latin typeface="Times New Roman" pitchFamily="18" charset="0"/>
+                <a:cs typeface="Times New Roman" pitchFamily="18" charset="0"/>
+              </a:rPr>
+              <a:t> </a:t>
             </a:r>
             <a:r>
               <a:rPr lang="en-US" altLang="zh-CN" sz="1403" dirty="0" smtClean="0">
@@ -25707,22 +25850,14 @@
                 <a:latin typeface="Calibri" pitchFamily="18" charset="0"/>
                 <a:cs typeface="Calibri" pitchFamily="18" charset="0"/>
               </a:rPr>
-              <a:t>….</a:t>
-            </a:r>
-          </a:p>
-          <a:p>
-            <a:pPr>
-              <a:lnSpc>
-                <a:spcPts val="2100"/>
-              </a:lnSpc>
-              <a:tabLst>
-                <a:tab pos="215900" algn="l"/>
-                <a:tab pos="558800" algn="l"/>
-              </a:tabLst>
-            </a:pPr>
-            <a:r>
-              <a:rPr lang="en-US" altLang="zh-CN" dirty="0" smtClean="0"/>
-              <a:t>		</a:t>
+              <a:t>for</a:t>
+            </a:r>
+            <a:r>
+              <a:rPr lang="en-US" altLang="zh-CN" sz="1403" dirty="0" smtClean="0">
+                <a:latin typeface="Times New Roman" pitchFamily="18" charset="0"/>
+                <a:cs typeface="Times New Roman" pitchFamily="18" charset="0"/>
+              </a:rPr>
+              <a:t> </a:t>
             </a:r>
             <a:r>
               <a:rPr lang="en-US" altLang="zh-CN" sz="1403" dirty="0" smtClean="0">
@@ -25732,22 +25867,14 @@
                 <a:latin typeface="Calibri" pitchFamily="18" charset="0"/>
                 <a:cs typeface="Calibri" pitchFamily="18" charset="0"/>
               </a:rPr>
-              <a:t>updateManipulators(self)</a:t>
-            </a:r>
-          </a:p>
-          <a:p>
-            <a:pPr>
-              <a:lnSpc>
-                <a:spcPts val="2100"/>
-              </a:lnSpc>
-              <a:tabLst>
-                <a:tab pos="215900" algn="l"/>
-                <a:tab pos="558800" algn="l"/>
-              </a:tabLst>
-            </a:pPr>
-            <a:r>
-              <a:rPr lang="en-US" altLang="zh-CN" dirty="0" smtClean="0"/>
-              <a:t>		</a:t>
+              <a:t>each</a:t>
+            </a:r>
+            <a:r>
+              <a:rPr lang="en-US" altLang="zh-CN" sz="1403" dirty="0" smtClean="0">
+                <a:latin typeface="Times New Roman" pitchFamily="18" charset="0"/>
+                <a:cs typeface="Times New Roman" pitchFamily="18" charset="0"/>
+              </a:rPr>
+              <a:t> </a:t>
             </a:r>
             <a:r>
               <a:rPr lang="en-US" altLang="zh-CN" sz="1403" dirty="0" smtClean="0">
@@ -25757,7 +25884,7 @@
                 <a:latin typeface="Calibri" pitchFamily="18" charset="0"/>
                 <a:cs typeface="Calibri" pitchFamily="18" charset="0"/>
               </a:rPr>
-              <a:t>id1</a:t>
+              <a:t>object</a:t>
             </a:r>
             <a:r>
               <a:rPr lang="en-US" altLang="zh-CN" sz="1403" dirty="0" smtClean="0">
@@ -25774,14 +25901,24 @@
                 <a:latin typeface="Calibri" pitchFamily="18" charset="0"/>
                 <a:cs typeface="Calibri" pitchFamily="18" charset="0"/>
               </a:rPr>
-              <a:t>=</a:t>
-            </a:r>
-            <a:r>
-              <a:rPr lang="en-US" altLang="zh-CN" sz="1403" dirty="0" smtClean="0">
-                <a:latin typeface="Times New Roman" pitchFamily="18" charset="0"/>
-                <a:cs typeface="Times New Roman" pitchFamily="18" charset="0"/>
-              </a:rPr>
-              <a:t> </a:t>
+              <a:t>selected</a:t>
+            </a:r>
+          </a:p>
+          <a:p>
+            <a:pPr>
+              <a:lnSpc>
+                <a:spcPts val="2100"/>
+              </a:lnSpc>
+              <a:tabLst>
+                <a:tab pos="749300" algn="l"/>
+                <a:tab pos="1092200" algn="l"/>
+                <a:tab pos="1130300" algn="l"/>
+                <a:tab pos="1663700" algn="l"/>
+              </a:tabLst>
+            </a:pPr>
+            <a:r>
+              <a:rPr lang="en-US" altLang="zh-CN" dirty="0" smtClean="0"/>
+              <a:t>			</a:t>
             </a:r>
             <a:r>
               <a:rPr lang="en-US" altLang="zh-CN" sz="1403" dirty="0" smtClean="0">
@@ -25791,22 +25928,14 @@
                 <a:latin typeface="Calibri" pitchFamily="18" charset="0"/>
                 <a:cs typeface="Calibri" pitchFamily="18" charset="0"/>
               </a:rPr>
-              <a:t>OpenMaya.MModelMessage.addCallback(OpenMaya.MModelMessage.kActiveListModified,</a:t>
-            </a:r>
-          </a:p>
-          <a:p>
-            <a:pPr>
-              <a:lnSpc>
-                <a:spcPts val="1600"/>
-              </a:lnSpc>
-              <a:tabLst>
-                <a:tab pos="215900" algn="l"/>
-                <a:tab pos="558800" algn="l"/>
-              </a:tabLst>
-            </a:pPr>
-            <a:r>
-              <a:rPr lang="en-US" altLang="zh-CN" dirty="0" smtClean="0"/>
-              <a:t>		</a:t>
+              <a:t>manipName</a:t>
+            </a:r>
+            <a:r>
+              <a:rPr lang="en-US" altLang="zh-CN" sz="1403" dirty="0" smtClean="0">
+                <a:latin typeface="Times New Roman" pitchFamily="18" charset="0"/>
+                <a:cs typeface="Times New Roman" pitchFamily="18" charset="0"/>
+              </a:rPr>
+              <a:t> </a:t>
             </a:r>
             <a:r>
               <a:rPr lang="en-US" altLang="zh-CN" sz="1403" dirty="0" smtClean="0">
@@ -25816,14 +25945,24 @@
                 <a:latin typeface="Calibri" pitchFamily="18" charset="0"/>
                 <a:cs typeface="Calibri" pitchFamily="18" charset="0"/>
               </a:rPr>
-              <a:t>updateManipulators,</a:t>
-            </a:r>
-            <a:r>
-              <a:rPr lang="en-US" altLang="zh-CN" sz="1403" dirty="0" smtClean="0">
-                <a:latin typeface="Times New Roman" pitchFamily="18" charset="0"/>
-                <a:cs typeface="Times New Roman" pitchFamily="18" charset="0"/>
-              </a:rPr>
-              <a:t>  </a:t>
+              <a:t>="moveManip"</a:t>
+            </a:r>
+          </a:p>
+          <a:p>
+            <a:pPr>
+              <a:lnSpc>
+                <a:spcPts val="2100"/>
+              </a:lnSpc>
+              <a:tabLst>
+                <a:tab pos="749300" algn="l"/>
+                <a:tab pos="1092200" algn="l"/>
+                <a:tab pos="1130300" algn="l"/>
+                <a:tab pos="1663700" algn="l"/>
+              </a:tabLst>
+            </a:pPr>
+            <a:r>
+              <a:rPr lang="en-US" altLang="zh-CN" dirty="0" smtClean="0"/>
+              <a:t>			</a:t>
             </a:r>
             <a:r>
               <a:rPr lang="en-US" altLang="zh-CN" sz="1403" dirty="0" smtClean="0">
@@ -25833,22 +25972,14 @@
                 <a:latin typeface="Calibri" pitchFamily="18" charset="0"/>
                 <a:cs typeface="Calibri" pitchFamily="18" charset="0"/>
               </a:rPr>
-              <a:t>self)</a:t>
-            </a:r>
-          </a:p>
-          <a:p>
-            <a:pPr>
-              <a:lnSpc>
-                <a:spcPts val="2100"/>
-              </a:lnSpc>
-              <a:tabLst>
-                <a:tab pos="215900" algn="l"/>
-                <a:tab pos="558800" algn="l"/>
-              </a:tabLst>
-            </a:pPr>
-            <a:r>
-              <a:rPr lang="en-US" altLang="zh-CN" dirty="0" smtClean="0"/>
-              <a:t>		</a:t>
+              <a:t>manipObject</a:t>
+            </a:r>
+            <a:r>
+              <a:rPr lang="en-US" altLang="zh-CN" sz="1403" dirty="0" smtClean="0">
+                <a:latin typeface="Times New Roman" pitchFamily="18" charset="0"/>
+                <a:cs typeface="Times New Roman" pitchFamily="18" charset="0"/>
+              </a:rPr>
+              <a:t> </a:t>
             </a:r>
             <a:r>
               <a:rPr lang="en-US" altLang="zh-CN" sz="1403" dirty="0" smtClean="0">
@@ -25858,38 +25989,14 @@
                 <a:latin typeface="Calibri" pitchFamily="18" charset="0"/>
                 <a:cs typeface="Calibri" pitchFamily="18" charset="0"/>
               </a:rPr>
-              <a:t>….</a:t>
-            </a:r>
-          </a:p>
-          <a:p>
-            <a:pPr>
-              <a:lnSpc>
-                <a:spcPts val="1000"/>
-              </a:lnSpc>
-            </a:pPr>
-            <a:endParaRPr lang="en-US" altLang="zh-CN" dirty="0" smtClean="0"/>
-          </a:p>
-          <a:p>
-            <a:pPr>
-              <a:lnSpc>
-                <a:spcPts val="1000"/>
-              </a:lnSpc>
-            </a:pPr>
-            <a:endParaRPr lang="en-US" altLang="zh-CN" dirty="0" smtClean="0"/>
-          </a:p>
-          <a:p>
-            <a:pPr>
-              <a:lnSpc>
-                <a:spcPts val="2300"/>
-              </a:lnSpc>
-              <a:tabLst>
-                <a:tab pos="215900" algn="l"/>
-                <a:tab pos="558800" algn="l"/>
-              </a:tabLst>
-            </a:pPr>
-            <a:r>
-              <a:rPr lang="en-US" altLang="zh-CN" dirty="0" smtClean="0"/>
-              <a:t>	</a:t>
+              <a:t>=</a:t>
+            </a:r>
+            <a:r>
+              <a:rPr lang="en-US" altLang="zh-CN" sz="1403" dirty="0" smtClean="0">
+                <a:latin typeface="Times New Roman" pitchFamily="18" charset="0"/>
+                <a:cs typeface="Times New Roman" pitchFamily="18" charset="0"/>
+              </a:rPr>
+              <a:t> </a:t>
             </a:r>
             <a:r>
               <a:rPr lang="en-US" altLang="zh-CN" sz="1403" dirty="0" smtClean="0">
@@ -25899,14 +26006,24 @@
                 <a:latin typeface="Calibri" pitchFamily="18" charset="0"/>
                 <a:cs typeface="Calibri" pitchFamily="18" charset="0"/>
               </a:rPr>
-              <a:t>def</a:t>
-            </a:r>
-            <a:r>
-              <a:rPr lang="en-US" altLang="zh-CN" sz="1403" dirty="0" smtClean="0">
-                <a:latin typeface="Times New Roman" pitchFamily="18" charset="0"/>
-                <a:cs typeface="Times New Roman" pitchFamily="18" charset="0"/>
-              </a:rPr>
-              <a:t> </a:t>
+              <a:t>OpenMaya.MObject()</a:t>
+            </a:r>
+          </a:p>
+          <a:p>
+            <a:pPr>
+              <a:lnSpc>
+                <a:spcPts val="2100"/>
+              </a:lnSpc>
+              <a:tabLst>
+                <a:tab pos="749300" algn="l"/>
+                <a:tab pos="1092200" algn="l"/>
+                <a:tab pos="1130300" algn="l"/>
+                <a:tab pos="1663700" algn="l"/>
+              </a:tabLst>
+            </a:pPr>
+            <a:r>
+              <a:rPr lang="en-US" altLang="zh-CN" dirty="0" smtClean="0"/>
+              <a:t>			</a:t>
             </a:r>
             <a:r>
               <a:rPr lang="en-US" altLang="zh-CN" sz="1403" dirty="0" smtClean="0">
@@ -25916,47 +26033,31 @@
                 <a:latin typeface="Calibri" pitchFamily="18" charset="0"/>
                 <a:cs typeface="Calibri" pitchFamily="18" charset="0"/>
               </a:rPr>
-              <a:t>toolOffCleanup(self):</a:t>
-            </a:r>
-          </a:p>
-          <a:p>
-            <a:pPr>
-              <a:lnSpc>
-                <a:spcPts val="2100"/>
-              </a:lnSpc>
-              <a:tabLst>
-                <a:tab pos="215900" algn="l"/>
-                <a:tab pos="558800" algn="l"/>
-              </a:tabLst>
-            </a:pPr>
-            <a:r>
-              <a:rPr lang="en-US" altLang="zh-CN" dirty="0" smtClean="0"/>
-              <a:t>		</a:t>
-            </a:r>
-            <a:r>
-              <a:rPr lang="en-US" altLang="zh-CN" sz="1406" dirty="0" smtClean="0">
+              <a:t>manipulator</a:t>
+            </a:r>
+            <a:r>
+              <a:rPr lang="en-US" altLang="zh-CN" sz="1403" dirty="0" smtClean="0">
+                <a:latin typeface="Times New Roman" pitchFamily="18" charset="0"/>
+                <a:cs typeface="Times New Roman" pitchFamily="18" charset="0"/>
+              </a:rPr>
+              <a:t> </a:t>
+            </a:r>
+            <a:r>
+              <a:rPr lang="en-US" altLang="zh-CN" sz="1403" dirty="0" smtClean="0">
                 <a:solidFill>
                   <a:srgbClr val="FFFF00"/>
                 </a:solidFill>
                 <a:latin typeface="Calibri" pitchFamily="18" charset="0"/>
                 <a:cs typeface="Calibri" pitchFamily="18" charset="0"/>
               </a:rPr>
-              <a:t>...</a:t>
-            </a:r>
-          </a:p>
-          <a:p>
-            <a:pPr>
-              <a:lnSpc>
-                <a:spcPts val="2100"/>
-              </a:lnSpc>
-              <a:tabLst>
-                <a:tab pos="215900" algn="l"/>
-                <a:tab pos="558800" algn="l"/>
-              </a:tabLst>
-            </a:pPr>
-            <a:r>
-              <a:rPr lang="en-US" altLang="zh-CN" dirty="0" smtClean="0"/>
-              <a:t>		</a:t>
+              <a:t>=</a:t>
+            </a:r>
+            <a:r>
+              <a:rPr lang="en-US" altLang="zh-CN" sz="1403" dirty="0" smtClean="0">
+                <a:latin typeface="Times New Roman" pitchFamily="18" charset="0"/>
+                <a:cs typeface="Times New Roman" pitchFamily="18" charset="0"/>
+              </a:rPr>
+              <a:t> </a:t>
             </a:r>
             <a:r>
               <a:rPr lang="en-US" altLang="zh-CN" sz="1403" dirty="0" smtClean="0">
@@ -25966,7 +26067,7 @@
                 <a:latin typeface="Calibri" pitchFamily="18" charset="0"/>
                 <a:cs typeface="Calibri" pitchFamily="18" charset="0"/>
               </a:rPr>
-              <a:t>OpenMaya.MModelMessage.removeCallback(id1)</a:t>
+              <a:t>OpenMayaMPx.MPxManipContainer.newManipulator(manipName,manipObject)</a:t>
             </a:r>
           </a:p>
           <a:p>
@@ -25975,13 +26076,191 @@
                 <a:spcPts val="2100"/>
               </a:lnSpc>
               <a:tabLst>
-                <a:tab pos="215900" algn="l"/>
-                <a:tab pos="558800" algn="l"/>
+                <a:tab pos="749300" algn="l"/>
+                <a:tab pos="1092200" algn="l"/>
+                <a:tab pos="1130300" algn="l"/>
+                <a:tab pos="1663700" algn="l"/>
               </a:tabLst>
             </a:pPr>
             <a:r>
               <a:rPr lang="en-US" altLang="zh-CN" dirty="0" smtClean="0"/>
-              <a:t>		</a:t>
+              <a:t>			</a:t>
+            </a:r>
+            <a:r>
+              <a:rPr lang="en-US" altLang="zh-CN" sz="1403" dirty="0" smtClean="0">
+                <a:solidFill>
+                  <a:srgbClr val="FFFF00"/>
+                </a:solidFill>
+                <a:latin typeface="Calibri" pitchFamily="18" charset="0"/>
+                <a:cs typeface="Calibri" pitchFamily="18" charset="0"/>
+              </a:rPr>
+              <a:t>...</a:t>
+            </a:r>
+          </a:p>
+          <a:p>
+            <a:pPr>
+              <a:lnSpc>
+                <a:spcPts val="2100"/>
+              </a:lnSpc>
+              <a:tabLst>
+                <a:tab pos="749300" algn="l"/>
+                <a:tab pos="1092200" algn="l"/>
+                <a:tab pos="1130300" algn="l"/>
+                <a:tab pos="1663700" algn="l"/>
+              </a:tabLst>
+            </a:pPr>
+            <a:r>
+              <a:rPr lang="en-US" altLang="zh-CN" dirty="0" smtClean="0"/>
+              <a:t>			</a:t>
+            </a:r>
+            <a:r>
+              <a:rPr lang="en-US" altLang="zh-CN" sz="1403" dirty="0" smtClean="0">
+                <a:solidFill>
+                  <a:srgbClr val="FFFF00"/>
+                </a:solidFill>
+                <a:latin typeface="Calibri" pitchFamily="18" charset="0"/>
+                <a:cs typeface="Calibri" pitchFamily="18" charset="0"/>
+              </a:rPr>
+              <a:t>if</a:t>
+            </a:r>
+            <a:r>
+              <a:rPr lang="en-US" altLang="zh-CN" sz="1403" dirty="0" smtClean="0">
+                <a:latin typeface="Times New Roman" pitchFamily="18" charset="0"/>
+                <a:cs typeface="Times New Roman" pitchFamily="18" charset="0"/>
+              </a:rPr>
+              <a:t> </a:t>
+            </a:r>
+            <a:r>
+              <a:rPr lang="en-US" altLang="zh-CN" sz="1403" dirty="0" smtClean="0">
+                <a:solidFill>
+                  <a:srgbClr val="FFFF00"/>
+                </a:solidFill>
+                <a:latin typeface="Calibri" pitchFamily="18" charset="0"/>
+                <a:cs typeface="Calibri" pitchFamily="18" charset="0"/>
+              </a:rPr>
+              <a:t>manipulator</a:t>
+            </a:r>
+            <a:r>
+              <a:rPr lang="en-US" altLang="zh-CN" sz="1403" dirty="0" smtClean="0">
+                <a:latin typeface="Times New Roman" pitchFamily="18" charset="0"/>
+                <a:cs typeface="Times New Roman" pitchFamily="18" charset="0"/>
+              </a:rPr>
+              <a:t> </a:t>
+            </a:r>
+            <a:r>
+              <a:rPr lang="en-US" altLang="zh-CN" sz="1403" dirty="0" smtClean="0">
+                <a:solidFill>
+                  <a:srgbClr val="FFFF00"/>
+                </a:solidFill>
+                <a:latin typeface="Calibri" pitchFamily="18" charset="0"/>
+                <a:cs typeface="Calibri" pitchFamily="18" charset="0"/>
+              </a:rPr>
+              <a:t>is</a:t>
+            </a:r>
+            <a:r>
+              <a:rPr lang="en-US" altLang="zh-CN" sz="1403" dirty="0" smtClean="0">
+                <a:latin typeface="Times New Roman" pitchFamily="18" charset="0"/>
+                <a:cs typeface="Times New Roman" pitchFamily="18" charset="0"/>
+              </a:rPr>
+              <a:t> </a:t>
+            </a:r>
+            <a:r>
+              <a:rPr lang="en-US" altLang="zh-CN" sz="1403" dirty="0" smtClean="0">
+                <a:solidFill>
+                  <a:srgbClr val="FFFF00"/>
+                </a:solidFill>
+                <a:latin typeface="Calibri" pitchFamily="18" charset="0"/>
+                <a:cs typeface="Calibri" pitchFamily="18" charset="0"/>
+              </a:rPr>
+              <a:t>not</a:t>
+            </a:r>
+            <a:r>
+              <a:rPr lang="en-US" altLang="zh-CN" sz="1403" dirty="0" smtClean="0">
+                <a:latin typeface="Times New Roman" pitchFamily="18" charset="0"/>
+                <a:cs typeface="Times New Roman" pitchFamily="18" charset="0"/>
+              </a:rPr>
+              <a:t> </a:t>
+            </a:r>
+            <a:r>
+              <a:rPr lang="en-US" altLang="zh-CN" sz="1403" dirty="0" smtClean="0">
+                <a:solidFill>
+                  <a:srgbClr val="FFFF00"/>
+                </a:solidFill>
+                <a:latin typeface="Calibri" pitchFamily="18" charset="0"/>
+                <a:cs typeface="Calibri" pitchFamily="18" charset="0"/>
+              </a:rPr>
+              <a:t>None:</a:t>
+            </a:r>
+          </a:p>
+          <a:p>
+            <a:pPr>
+              <a:lnSpc>
+                <a:spcPts val="2100"/>
+              </a:lnSpc>
+              <a:tabLst>
+                <a:tab pos="749300" algn="l"/>
+                <a:tab pos="1092200" algn="l"/>
+                <a:tab pos="1130300" algn="l"/>
+                <a:tab pos="1663700" algn="l"/>
+              </a:tabLst>
+            </a:pPr>
+            <a:r>
+              <a:rPr lang="en-US" altLang="zh-CN" dirty="0" smtClean="0"/>
+              <a:t>				</a:t>
+            </a:r>
+            <a:r>
+              <a:rPr lang="en-US" altLang="zh-CN" sz="1403" dirty="0" smtClean="0">
+                <a:solidFill>
+                  <a:srgbClr val="FFFF00"/>
+                </a:solidFill>
+                <a:latin typeface="Calibri" pitchFamily="18" charset="0"/>
+                <a:cs typeface="Calibri" pitchFamily="18" charset="0"/>
+              </a:rPr>
+              <a:t>clientData.addManipulator(manipObject)</a:t>
+            </a:r>
+          </a:p>
+          <a:p>
+            <a:pPr>
+              <a:lnSpc>
+                <a:spcPts val="2100"/>
+              </a:lnSpc>
+              <a:tabLst>
+                <a:tab pos="749300" algn="l"/>
+                <a:tab pos="1092200" algn="l"/>
+                <a:tab pos="1130300" algn="l"/>
+                <a:tab pos="1663700" algn="l"/>
+              </a:tabLst>
+            </a:pPr>
+            <a:r>
+              <a:rPr lang="en-US" altLang="zh-CN" dirty="0" smtClean="0"/>
+              <a:t>				</a:t>
+            </a:r>
+            <a:r>
+              <a:rPr lang="en-US" altLang="zh-CN" sz="1406" dirty="0" smtClean="0">
+                <a:solidFill>
+                  <a:srgbClr val="FFFF00"/>
+                </a:solidFill>
+                <a:latin typeface="Calibri" pitchFamily="18" charset="0"/>
+                <a:cs typeface="Calibri" pitchFamily="18" charset="0"/>
+              </a:rPr>
+              <a:t>manipulator.connectToDependNode(dependNode)</a:t>
+            </a:r>
+          </a:p>
+          <a:p>
+            <a:pPr>
+              <a:lnSpc>
+                <a:spcPts val="2100"/>
+              </a:lnSpc>
+              <a:tabLst>
+                <a:tab pos="749300" algn="l"/>
+                <a:tab pos="1092200" algn="l"/>
+                <a:tab pos="1130300" algn="l"/>
+                <a:tab pos="1663700" algn="l"/>
+              </a:tabLst>
+            </a:pPr>
+            <a:r>
+              <a:rPr lang="en-US" altLang="zh-CN" dirty="0" smtClean="0"/>
+              <a:t>			</a:t>
             </a:r>
             <a:r>
               <a:rPr lang="en-US" altLang="zh-CN" sz="1403" dirty="0" smtClean="0">
@@ -27162,1286 +27441,6 @@
         </p:nvSpPr>
         <p:spPr>
           <a:xfrm>
-            <a:off x="5029200" y="3124200"/>
-            <a:ext cx="3457575" cy="359155"/>
-          </a:xfrm>
-          <a:custGeom>
-            <a:avLst/>
-            <a:gdLst>
-              <a:gd name="connsiteX0" fmla="*/ 14287 w 3457575"/>
-              <a:gd name="connsiteY0" fmla="*/ 69405 h 359155"/>
-              <a:gd name="connsiteX1" fmla="*/ 69405 w 3457575"/>
-              <a:gd name="connsiteY1" fmla="*/ 14287 h 359155"/>
-              <a:gd name="connsiteX2" fmla="*/ 3388169 w 3457575"/>
-              <a:gd name="connsiteY2" fmla="*/ 14287 h 359155"/>
-              <a:gd name="connsiteX3" fmla="*/ 3443287 w 3457575"/>
-              <a:gd name="connsiteY3" fmla="*/ 69405 h 359155"/>
-              <a:gd name="connsiteX4" fmla="*/ 3443287 w 3457575"/>
-              <a:gd name="connsiteY4" fmla="*/ 289750 h 359155"/>
-              <a:gd name="connsiteX5" fmla="*/ 3388169 w 3457575"/>
-              <a:gd name="connsiteY5" fmla="*/ 344868 h 359155"/>
-              <a:gd name="connsiteX6" fmla="*/ 69405 w 3457575"/>
-              <a:gd name="connsiteY6" fmla="*/ 344868 h 359155"/>
-              <a:gd name="connsiteX7" fmla="*/ 14287 w 3457575"/>
-              <a:gd name="connsiteY7" fmla="*/ 289750 h 359155"/>
-              <a:gd name="connsiteX8" fmla="*/ 14287 w 3457575"/>
-              <a:gd name="connsiteY8" fmla="*/ 69405 h 359155"/>
-            </a:gdLst>
-            <a:ahLst/>
-            <a:cxnLst>
-              <a:cxn ang="0">
-                <a:pos x="connsiteX0" y="connsiteY0"/>
-              </a:cxn>
-              <a:cxn ang="1">
-                <a:pos x="connsiteX1" y="connsiteY1"/>
-              </a:cxn>
-              <a:cxn ang="2">
-                <a:pos x="connsiteX2" y="connsiteY2"/>
-              </a:cxn>
-              <a:cxn ang="3">
-                <a:pos x="connsiteX3" y="connsiteY3"/>
-              </a:cxn>
-              <a:cxn ang="4">
-                <a:pos x="connsiteX4" y="connsiteY4"/>
-              </a:cxn>
-              <a:cxn ang="5">
-                <a:pos x="connsiteX5" y="connsiteY5"/>
-              </a:cxn>
-              <a:cxn ang="6">
-                <a:pos x="connsiteX6" y="connsiteY6"/>
-              </a:cxn>
-              <a:cxn ang="7">
-                <a:pos x="connsiteX7" y="connsiteY7"/>
-              </a:cxn>
-              <a:cxn ang="8">
-                <a:pos x="connsiteX8" y="connsiteY8"/>
-              </a:cxn>
-            </a:cxnLst>
-            <a:rect l="l" t="t" r="r" b="b"/>
-            <a:pathLst>
-              <a:path w="3457575" h="359155">
-                <a:moveTo>
-                  <a:pt x="14287" y="69405"/>
-                </a:moveTo>
-                <a:cubicBezTo>
-                  <a:pt x="14287" y="38925"/>
-                  <a:pt x="38925" y="14287"/>
-                  <a:pt x="69405" y="14287"/>
-                </a:cubicBezTo>
-                <a:lnTo>
-                  <a:pt x="3388169" y="14287"/>
-                </a:lnTo>
-                <a:cubicBezTo>
-                  <a:pt x="3418649" y="14287"/>
-                  <a:pt x="3443287" y="38925"/>
-                  <a:pt x="3443287" y="69405"/>
-                </a:cubicBezTo>
-                <a:lnTo>
-                  <a:pt x="3443287" y="289750"/>
-                </a:lnTo>
-                <a:cubicBezTo>
-                  <a:pt x="3443287" y="320230"/>
-                  <a:pt x="3418649" y="344868"/>
-                  <a:pt x="3388169" y="344868"/>
-                </a:cubicBezTo>
-                <a:lnTo>
-                  <a:pt x="69405" y="344868"/>
-                </a:lnTo>
-                <a:cubicBezTo>
-                  <a:pt x="38925" y="344868"/>
-                  <a:pt x="14287" y="320230"/>
-                  <a:pt x="14287" y="289750"/>
-                </a:cubicBezTo>
-                <a:lnTo>
-                  <a:pt x="14287" y="69405"/>
-                </a:lnTo>
-              </a:path>
-            </a:pathLst>
-          </a:custGeom>
-          <a:solidFill>
-            <a:srgbClr val="000000">
-              <a:alpha val="0"/>
-            </a:srgbClr>
-          </a:solidFill>
-          <a:ln w="25400">
-            <a:solidFill>
-              <a:srgbClr val="EE5500">
-                <a:alpha val="100000"/>
-              </a:srgbClr>
-            </a:solidFill>
-            <a:prstDash val="solid"/>
-          </a:ln>
-        </p:spPr>
-        <p:style>
-          <a:lnRef idx="2">
-            <a:schemeClr val="accent1">
-              <a:shade val="50000"/>
-            </a:schemeClr>
-          </a:lnRef>
-          <a:fillRef idx="1">
-            <a:schemeClr val="accent1"/>
-          </a:fillRef>
-          <a:effectRef idx="0">
-            <a:schemeClr val="accent1"/>
-          </a:effectRef>
-          <a:fontRef idx="minor">
-            <a:schemeClr val="lt1"/>
-          </a:fontRef>
-        </p:style>
-        <p:txBody>
-          <a:bodyPr rtlCol="0" anchor="ctr"/>
-          <a:lstStyle/>
-          <a:p>
-            <a:pPr algn="ctr"/>
-            <a:endParaRPr lang="zh-CN" altLang="en-US"/>
-          </a:p>
-        </p:txBody>
-      </p:sp>
-      <p:sp>
-        <p:nvSpPr>
-          <p:cNvPr id="5" name="Freeform 3"/>
-          <p:cNvSpPr/>
-          <p:nvPr/>
-        </p:nvSpPr>
-        <p:spPr>
-          <a:xfrm>
-            <a:off x="2728912" y="3984245"/>
-            <a:ext cx="2390775" cy="359155"/>
-          </a:xfrm>
-          <a:custGeom>
-            <a:avLst/>
-            <a:gdLst>
-              <a:gd name="connsiteX0" fmla="*/ 14287 w 2390775"/>
-              <a:gd name="connsiteY0" fmla="*/ 69405 h 359155"/>
-              <a:gd name="connsiteX1" fmla="*/ 69405 w 2390775"/>
-              <a:gd name="connsiteY1" fmla="*/ 14287 h 359155"/>
-              <a:gd name="connsiteX2" fmla="*/ 2321369 w 2390775"/>
-              <a:gd name="connsiteY2" fmla="*/ 14287 h 359155"/>
-              <a:gd name="connsiteX3" fmla="*/ 2376487 w 2390775"/>
-              <a:gd name="connsiteY3" fmla="*/ 69405 h 359155"/>
-              <a:gd name="connsiteX4" fmla="*/ 2376487 w 2390775"/>
-              <a:gd name="connsiteY4" fmla="*/ 289750 h 359155"/>
-              <a:gd name="connsiteX5" fmla="*/ 2321369 w 2390775"/>
-              <a:gd name="connsiteY5" fmla="*/ 344868 h 359155"/>
-              <a:gd name="connsiteX6" fmla="*/ 69405 w 2390775"/>
-              <a:gd name="connsiteY6" fmla="*/ 344868 h 359155"/>
-              <a:gd name="connsiteX7" fmla="*/ 14287 w 2390775"/>
-              <a:gd name="connsiteY7" fmla="*/ 289750 h 359155"/>
-              <a:gd name="connsiteX8" fmla="*/ 14287 w 2390775"/>
-              <a:gd name="connsiteY8" fmla="*/ 69405 h 359155"/>
-            </a:gdLst>
-            <a:ahLst/>
-            <a:cxnLst>
-              <a:cxn ang="0">
-                <a:pos x="connsiteX0" y="connsiteY0"/>
-              </a:cxn>
-              <a:cxn ang="1">
-                <a:pos x="connsiteX1" y="connsiteY1"/>
-              </a:cxn>
-              <a:cxn ang="2">
-                <a:pos x="connsiteX2" y="connsiteY2"/>
-              </a:cxn>
-              <a:cxn ang="3">
-                <a:pos x="connsiteX3" y="connsiteY3"/>
-              </a:cxn>
-              <a:cxn ang="4">
-                <a:pos x="connsiteX4" y="connsiteY4"/>
-              </a:cxn>
-              <a:cxn ang="5">
-                <a:pos x="connsiteX5" y="connsiteY5"/>
-              </a:cxn>
-              <a:cxn ang="6">
-                <a:pos x="connsiteX6" y="connsiteY6"/>
-              </a:cxn>
-              <a:cxn ang="7">
-                <a:pos x="connsiteX7" y="connsiteY7"/>
-              </a:cxn>
-              <a:cxn ang="8">
-                <a:pos x="connsiteX8" y="connsiteY8"/>
-              </a:cxn>
-            </a:cxnLst>
-            <a:rect l="l" t="t" r="r" b="b"/>
-            <a:pathLst>
-              <a:path w="2390775" h="359155">
-                <a:moveTo>
-                  <a:pt x="14287" y="69405"/>
-                </a:moveTo>
-                <a:cubicBezTo>
-                  <a:pt x="14287" y="38925"/>
-                  <a:pt x="38925" y="14287"/>
-                  <a:pt x="69405" y="14287"/>
-                </a:cubicBezTo>
-                <a:lnTo>
-                  <a:pt x="2321369" y="14287"/>
-                </a:lnTo>
-                <a:cubicBezTo>
-                  <a:pt x="2351849" y="14287"/>
-                  <a:pt x="2376487" y="38925"/>
-                  <a:pt x="2376487" y="69405"/>
-                </a:cubicBezTo>
-                <a:lnTo>
-                  <a:pt x="2376487" y="289750"/>
-                </a:lnTo>
-                <a:cubicBezTo>
-                  <a:pt x="2376487" y="320230"/>
-                  <a:pt x="2351849" y="344868"/>
-                  <a:pt x="2321369" y="344868"/>
-                </a:cubicBezTo>
-                <a:lnTo>
-                  <a:pt x="69405" y="344868"/>
-                </a:lnTo>
-                <a:cubicBezTo>
-                  <a:pt x="38925" y="344868"/>
-                  <a:pt x="14287" y="320230"/>
-                  <a:pt x="14287" y="289750"/>
-                </a:cubicBezTo>
-                <a:lnTo>
-                  <a:pt x="14287" y="69405"/>
-                </a:lnTo>
-              </a:path>
-            </a:pathLst>
-          </a:custGeom>
-          <a:solidFill>
-            <a:srgbClr val="000000">
-              <a:alpha val="0"/>
-            </a:srgbClr>
-          </a:solidFill>
-          <a:ln w="25400">
-            <a:solidFill>
-              <a:srgbClr val="EE5500">
-                <a:alpha val="100000"/>
-              </a:srgbClr>
-            </a:solidFill>
-            <a:prstDash val="solid"/>
-          </a:ln>
-        </p:spPr>
-        <p:style>
-          <a:lnRef idx="2">
-            <a:schemeClr val="accent1">
-              <a:shade val="50000"/>
-            </a:schemeClr>
-          </a:lnRef>
-          <a:fillRef idx="1">
-            <a:schemeClr val="accent1"/>
-          </a:fillRef>
-          <a:effectRef idx="0">
-            <a:schemeClr val="accent1"/>
-          </a:effectRef>
-          <a:fontRef idx="minor">
-            <a:schemeClr val="lt1"/>
-          </a:fontRef>
-        </p:style>
-        <p:txBody>
-          <a:bodyPr rtlCol="0" anchor="ctr"/>
-          <a:lstStyle/>
-          <a:p>
-            <a:pPr algn="ctr"/>
-            <a:endParaRPr lang="zh-CN" altLang="en-US"/>
-          </a:p>
-        </p:txBody>
-      </p:sp>
-      <p:pic>
-        <p:nvPicPr>
-          <p:cNvPr id="6" name="Picture 3"/>
-          <p:cNvPicPr>
-            <a:picLocks noChangeAspect="1" noChangeArrowheads="1"/>
-          </p:cNvPicPr>
-          <p:nvPr/>
-        </p:nvPicPr>
-        <p:blipFill>
-          <a:blip r:embed="rId3"/>
-          <a:srcRect/>
-          <a:stretch>
-            <a:fillRect/>
-          </a:stretch>
-        </p:blipFill>
-        <p:spPr bwMode="auto">
-          <a:xfrm>
-            <a:off x="8534400" y="0"/>
-            <a:ext cx="609600" cy="6858000"/>
-          </a:xfrm>
-          <a:prstGeom prst="rect">
-            <a:avLst/>
-          </a:prstGeom>
-          <a:noFill/>
-        </p:spPr>
-      </p:pic>
-      <p:sp>
-        <p:nvSpPr>
-          <p:cNvPr id="2" name="TextBox 1"/>
-          <p:cNvSpPr txBox="1"/>
-          <p:nvPr/>
-        </p:nvSpPr>
-        <p:spPr>
-          <a:xfrm>
-            <a:off x="317500" y="6654800"/>
-            <a:ext cx="774700" cy="88900"/>
-          </a:xfrm>
-          <a:prstGeom prst="rect">
-            <a:avLst/>
-          </a:prstGeom>
-          <a:noFill/>
-        </p:spPr>
-        <p:txBody>
-          <a:bodyPr wrap="none" lIns="0" tIns="0" rIns="0" rtlCol="0">
-            <a:spAutoFit/>
-          </a:bodyPr>
-          <a:lstStyle/>
-          <a:p>
-            <a:pPr>
-              <a:lnSpc>
-                <a:spcPts val="700"/>
-              </a:lnSpc>
-              <a:tabLst/>
-            </a:pPr>
-            <a:r>
-              <a:rPr lang="en-US" altLang="zh-CN" sz="803" dirty="0" smtClean="0">
-                <a:solidFill>
-                  <a:srgbClr val="595959"/>
-                </a:solidFill>
-                <a:latin typeface="Times New Roman" pitchFamily="18" charset="0"/>
-                <a:cs typeface="Times New Roman" pitchFamily="18" charset="0"/>
-              </a:rPr>
-              <a:t>©</a:t>
-            </a:r>
-            <a:r>
-              <a:rPr lang="en-US" altLang="zh-CN" sz="803" dirty="0" smtClean="0">
-                <a:latin typeface="Times New Roman" pitchFamily="18" charset="0"/>
-                <a:cs typeface="Times New Roman" pitchFamily="18" charset="0"/>
-              </a:rPr>
-              <a:t> </a:t>
-            </a:r>
-            <a:r>
-              <a:rPr lang="en-US" altLang="zh-CN" sz="803" dirty="0" smtClean="0">
-                <a:solidFill>
-                  <a:srgbClr val="595959"/>
-                </a:solidFill>
-                <a:latin typeface="Times New Roman" pitchFamily="18" charset="0"/>
-                <a:cs typeface="Times New Roman" pitchFamily="18" charset="0"/>
-              </a:rPr>
-              <a:t>2009</a:t>
-            </a:r>
-            <a:r>
-              <a:rPr lang="en-US" altLang="zh-CN" sz="803" dirty="0" smtClean="0">
-                <a:latin typeface="Times New Roman" pitchFamily="18" charset="0"/>
-                <a:cs typeface="Times New Roman" pitchFamily="18" charset="0"/>
-              </a:rPr>
-              <a:t> </a:t>
-            </a:r>
-            <a:r>
-              <a:rPr lang="en-US" altLang="zh-CN" sz="803" dirty="0" smtClean="0">
-                <a:solidFill>
-                  <a:srgbClr val="595959"/>
-                </a:solidFill>
-                <a:latin typeface="Times New Roman" pitchFamily="18" charset="0"/>
-                <a:cs typeface="Times New Roman" pitchFamily="18" charset="0"/>
-              </a:rPr>
-              <a:t>Autodesk</a:t>
-            </a:r>
-          </a:p>
-        </p:txBody>
-      </p:sp>
-      <p:sp>
-        <p:nvSpPr>
-          <p:cNvPr id="7" name="TextBox 1"/>
-          <p:cNvSpPr txBox="1"/>
-          <p:nvPr/>
-        </p:nvSpPr>
-        <p:spPr>
-          <a:xfrm>
-            <a:off x="4572000" y="6654800"/>
-            <a:ext cx="101600" cy="88900"/>
-          </a:xfrm>
-          <a:prstGeom prst="rect">
-            <a:avLst/>
-          </a:prstGeom>
-          <a:noFill/>
-        </p:spPr>
-        <p:txBody>
-          <a:bodyPr wrap="none" lIns="0" tIns="0" rIns="0" rtlCol="0">
-            <a:spAutoFit/>
-          </a:bodyPr>
-          <a:lstStyle/>
-          <a:p>
-            <a:pPr>
-              <a:lnSpc>
-                <a:spcPts val="700"/>
-              </a:lnSpc>
-              <a:tabLst/>
-            </a:pPr>
-            <a:r>
-              <a:rPr lang="en-US" altLang="zh-CN" sz="803" dirty="0" smtClean="0">
-                <a:solidFill>
-                  <a:srgbClr val="595959"/>
-                </a:solidFill>
-                <a:latin typeface="Times New Roman" pitchFamily="18" charset="0"/>
-                <a:cs typeface="Times New Roman" pitchFamily="18" charset="0"/>
-              </a:rPr>
-              <a:t>30</a:t>
-            </a:r>
-          </a:p>
-        </p:txBody>
-      </p:sp>
-      <p:sp>
-        <p:nvSpPr>
-          <p:cNvPr id="8" name="TextBox 1"/>
-          <p:cNvSpPr txBox="1"/>
-          <p:nvPr/>
-        </p:nvSpPr>
-        <p:spPr>
-          <a:xfrm>
-            <a:off x="317500" y="660400"/>
-            <a:ext cx="8077200" cy="4267200"/>
-          </a:xfrm>
-          <a:prstGeom prst="rect">
-            <a:avLst/>
-          </a:prstGeom>
-          <a:noFill/>
-        </p:spPr>
-        <p:txBody>
-          <a:bodyPr wrap="none" lIns="0" tIns="0" rIns="0" rtlCol="0">
-            <a:spAutoFit/>
-          </a:bodyPr>
-          <a:lstStyle/>
-          <a:p>
-            <a:pPr>
-              <a:lnSpc>
-                <a:spcPts val="3600"/>
-              </a:lnSpc>
-              <a:tabLst>
-                <a:tab pos="749300" algn="l"/>
-                <a:tab pos="1092200" algn="l"/>
-                <a:tab pos="1130300" algn="l"/>
-                <a:tab pos="1663700" algn="l"/>
-              </a:tabLst>
-            </a:pPr>
-            <a:r>
-              <a:rPr lang="en-US" altLang="zh-CN" sz="3998" dirty="0" smtClean="0">
-                <a:solidFill>
-                  <a:srgbClr val="FFFFFF"/>
-                </a:solidFill>
-                <a:latin typeface="Times New Roman" pitchFamily="18" charset="0"/>
-                <a:cs typeface="Times New Roman" pitchFamily="18" charset="0"/>
-              </a:rPr>
-              <a:t>Example:</a:t>
-            </a:r>
-            <a:r>
-              <a:rPr lang="en-US" altLang="zh-CN" sz="3998" dirty="0" smtClean="0">
-                <a:latin typeface="Times New Roman" pitchFamily="18" charset="0"/>
-                <a:cs typeface="Times New Roman" pitchFamily="18" charset="0"/>
-              </a:rPr>
-              <a:t> </a:t>
-            </a:r>
-            <a:r>
-              <a:rPr lang="en-US" altLang="zh-CN" sz="3998" dirty="0" smtClean="0">
-                <a:solidFill>
-                  <a:srgbClr val="FFFFFF"/>
-                </a:solidFill>
-                <a:latin typeface="Times New Roman" pitchFamily="18" charset="0"/>
-                <a:cs typeface="Times New Roman" pitchFamily="18" charset="0"/>
-              </a:rPr>
-              <a:t>moveManip.py</a:t>
-            </a:r>
-            <a:r>
-              <a:rPr lang="en-US" altLang="zh-CN" sz="3998" dirty="0" smtClean="0">
-                <a:latin typeface="Times New Roman" pitchFamily="18" charset="0"/>
-                <a:cs typeface="Times New Roman" pitchFamily="18" charset="0"/>
-              </a:rPr>
-              <a:t> </a:t>
-            </a:r>
-            <a:r>
-              <a:rPr lang="en-US" altLang="zh-CN" sz="3998" dirty="0" smtClean="0">
-                <a:solidFill>
-                  <a:srgbClr val="FFFFFF"/>
-                </a:solidFill>
-                <a:latin typeface="Times New Roman" pitchFamily="18" charset="0"/>
-                <a:cs typeface="Times New Roman" pitchFamily="18" charset="0"/>
-              </a:rPr>
-              <a:t>(devkit)</a:t>
-            </a:r>
-          </a:p>
-          <a:p>
-            <a:pPr>
-              <a:lnSpc>
-                <a:spcPts val="1000"/>
-              </a:lnSpc>
-            </a:pPr>
-            <a:endParaRPr lang="en-US" altLang="zh-CN" dirty="0" smtClean="0"/>
-          </a:p>
-          <a:p>
-            <a:pPr>
-              <a:lnSpc>
-                <a:spcPts val="1000"/>
-              </a:lnSpc>
-            </a:pPr>
-            <a:endParaRPr lang="en-US" altLang="zh-CN" dirty="0" smtClean="0"/>
-          </a:p>
-          <a:p>
-            <a:pPr>
-              <a:lnSpc>
-                <a:spcPts val="1000"/>
-              </a:lnSpc>
-            </a:pPr>
-            <a:endParaRPr lang="en-US" altLang="zh-CN" dirty="0" smtClean="0"/>
-          </a:p>
-          <a:p>
-            <a:pPr>
-              <a:lnSpc>
-                <a:spcPts val="1000"/>
-              </a:lnSpc>
-            </a:pPr>
-            <a:endParaRPr lang="en-US" altLang="zh-CN" dirty="0" smtClean="0"/>
-          </a:p>
-          <a:p>
-            <a:pPr>
-              <a:lnSpc>
-                <a:spcPts val="1800"/>
-              </a:lnSpc>
-              <a:tabLst>
-                <a:tab pos="749300" algn="l"/>
-                <a:tab pos="1092200" algn="l"/>
-                <a:tab pos="1130300" algn="l"/>
-                <a:tab pos="1663700" algn="l"/>
-              </a:tabLst>
-            </a:pPr>
-            <a:r>
-              <a:rPr lang="en-US" altLang="zh-CN" dirty="0" smtClean="0"/>
-              <a:t>	</a:t>
-            </a:r>
-            <a:r>
-              <a:rPr lang="en-US" altLang="zh-CN" sz="1403" dirty="0" smtClean="0">
-                <a:solidFill>
-                  <a:srgbClr val="FFFF00"/>
-                </a:solidFill>
-                <a:latin typeface="Calibri" pitchFamily="18" charset="0"/>
-                <a:cs typeface="Calibri" pitchFamily="18" charset="0"/>
-              </a:rPr>
-              <a:t>def</a:t>
-            </a:r>
-            <a:r>
-              <a:rPr lang="en-US" altLang="zh-CN" sz="1403" dirty="0" smtClean="0">
-                <a:latin typeface="Times New Roman" pitchFamily="18" charset="0"/>
-                <a:cs typeface="Times New Roman" pitchFamily="18" charset="0"/>
-              </a:rPr>
-              <a:t> </a:t>
-            </a:r>
-            <a:r>
-              <a:rPr lang="en-US" altLang="zh-CN" sz="1403" dirty="0" smtClean="0">
-                <a:solidFill>
-                  <a:srgbClr val="FFFF00"/>
-                </a:solidFill>
-                <a:latin typeface="Calibri" pitchFamily="18" charset="0"/>
-                <a:cs typeface="Calibri" pitchFamily="18" charset="0"/>
-              </a:rPr>
-              <a:t>updateManipulators(data)</a:t>
-            </a:r>
-          </a:p>
-          <a:p>
-            <a:pPr>
-              <a:lnSpc>
-                <a:spcPts val="2100"/>
-              </a:lnSpc>
-              <a:tabLst>
-                <a:tab pos="749300" algn="l"/>
-                <a:tab pos="1092200" algn="l"/>
-                <a:tab pos="1130300" algn="l"/>
-                <a:tab pos="1663700" algn="l"/>
-              </a:tabLst>
-            </a:pPr>
-            <a:r>
-              <a:rPr lang="en-US" altLang="zh-CN" dirty="0" smtClean="0"/>
-              <a:t>		</a:t>
-            </a:r>
-            <a:r>
-              <a:rPr lang="en-US" altLang="zh-CN" sz="1406" dirty="0" smtClean="0">
-                <a:solidFill>
-                  <a:srgbClr val="FFFF00"/>
-                </a:solidFill>
-                <a:latin typeface="Calibri" pitchFamily="18" charset="0"/>
-                <a:cs typeface="Calibri" pitchFamily="18" charset="0"/>
-              </a:rPr>
-              <a:t>...</a:t>
-            </a:r>
-          </a:p>
-          <a:p>
-            <a:pPr>
-              <a:lnSpc>
-                <a:spcPts val="2100"/>
-              </a:lnSpc>
-              <a:tabLst>
-                <a:tab pos="749300" algn="l"/>
-                <a:tab pos="1092200" algn="l"/>
-                <a:tab pos="1130300" algn="l"/>
-                <a:tab pos="1663700" algn="l"/>
-              </a:tabLst>
-            </a:pPr>
-            <a:r>
-              <a:rPr lang="en-US" altLang="zh-CN" dirty="0" smtClean="0"/>
-              <a:t>			</a:t>
-            </a:r>
-            <a:r>
-              <a:rPr lang="en-US" altLang="zh-CN" sz="1403" dirty="0" smtClean="0">
-                <a:solidFill>
-                  <a:srgbClr val="FFFF00"/>
-                </a:solidFill>
-                <a:latin typeface="Calibri" pitchFamily="18" charset="0"/>
-                <a:cs typeface="Calibri" pitchFamily="18" charset="0"/>
-              </a:rPr>
-              <a:t>clientData.deleteManipulators()</a:t>
-            </a:r>
-            <a:r>
-              <a:rPr lang="en-US" altLang="zh-CN" sz="1403" dirty="0" smtClean="0">
-                <a:latin typeface="Times New Roman" pitchFamily="18" charset="0"/>
-                <a:cs typeface="Times New Roman" pitchFamily="18" charset="0"/>
-              </a:rPr>
-              <a:t>  </a:t>
-            </a:r>
-            <a:r>
-              <a:rPr lang="en-US" altLang="zh-CN" sz="1403" dirty="0" smtClean="0">
-                <a:solidFill>
-                  <a:srgbClr val="FFFF00"/>
-                </a:solidFill>
-                <a:latin typeface="Calibri" pitchFamily="18" charset="0"/>
-                <a:cs typeface="Calibri" pitchFamily="18" charset="0"/>
-              </a:rPr>
-              <a:t>...</a:t>
-            </a:r>
-          </a:p>
-          <a:p>
-            <a:pPr>
-              <a:lnSpc>
-                <a:spcPts val="2100"/>
-              </a:lnSpc>
-              <a:tabLst>
-                <a:tab pos="749300" algn="l"/>
-                <a:tab pos="1092200" algn="l"/>
-                <a:tab pos="1130300" algn="l"/>
-                <a:tab pos="1663700" algn="l"/>
-              </a:tabLst>
-            </a:pPr>
-            <a:r>
-              <a:rPr lang="en-US" altLang="zh-CN" dirty="0" smtClean="0"/>
-              <a:t>			</a:t>
-            </a:r>
-            <a:r>
-              <a:rPr lang="en-US" altLang="zh-CN" sz="1403" dirty="0" smtClean="0">
-                <a:solidFill>
-                  <a:srgbClr val="FFFF00"/>
-                </a:solidFill>
-                <a:latin typeface="Calibri" pitchFamily="18" charset="0"/>
-                <a:cs typeface="Calibri" pitchFamily="18" charset="0"/>
-              </a:rPr>
-              <a:t>#</a:t>
-            </a:r>
-            <a:r>
-              <a:rPr lang="en-US" altLang="zh-CN" sz="1403" dirty="0" smtClean="0">
-                <a:latin typeface="Times New Roman" pitchFamily="18" charset="0"/>
-                <a:cs typeface="Times New Roman" pitchFamily="18" charset="0"/>
-              </a:rPr>
-              <a:t> </a:t>
-            </a:r>
-            <a:r>
-              <a:rPr lang="en-US" altLang="zh-CN" sz="1403" dirty="0" smtClean="0">
-                <a:solidFill>
-                  <a:srgbClr val="FFFF00"/>
-                </a:solidFill>
-                <a:latin typeface="Calibri" pitchFamily="18" charset="0"/>
-                <a:cs typeface="Calibri" pitchFamily="18" charset="0"/>
-              </a:rPr>
-              <a:t>for</a:t>
-            </a:r>
-            <a:r>
-              <a:rPr lang="en-US" altLang="zh-CN" sz="1403" dirty="0" smtClean="0">
-                <a:latin typeface="Times New Roman" pitchFamily="18" charset="0"/>
-                <a:cs typeface="Times New Roman" pitchFamily="18" charset="0"/>
-              </a:rPr>
-              <a:t> </a:t>
-            </a:r>
-            <a:r>
-              <a:rPr lang="en-US" altLang="zh-CN" sz="1403" dirty="0" smtClean="0">
-                <a:solidFill>
-                  <a:srgbClr val="FFFF00"/>
-                </a:solidFill>
-                <a:latin typeface="Calibri" pitchFamily="18" charset="0"/>
-                <a:cs typeface="Calibri" pitchFamily="18" charset="0"/>
-              </a:rPr>
-              <a:t>each</a:t>
-            </a:r>
-            <a:r>
-              <a:rPr lang="en-US" altLang="zh-CN" sz="1403" dirty="0" smtClean="0">
-                <a:latin typeface="Times New Roman" pitchFamily="18" charset="0"/>
-                <a:cs typeface="Times New Roman" pitchFamily="18" charset="0"/>
-              </a:rPr>
-              <a:t> </a:t>
-            </a:r>
-            <a:r>
-              <a:rPr lang="en-US" altLang="zh-CN" sz="1403" dirty="0" smtClean="0">
-                <a:solidFill>
-                  <a:srgbClr val="FFFF00"/>
-                </a:solidFill>
-                <a:latin typeface="Calibri" pitchFamily="18" charset="0"/>
-                <a:cs typeface="Calibri" pitchFamily="18" charset="0"/>
-              </a:rPr>
-              <a:t>object</a:t>
-            </a:r>
-            <a:r>
-              <a:rPr lang="en-US" altLang="zh-CN" sz="1403" dirty="0" smtClean="0">
-                <a:latin typeface="Times New Roman" pitchFamily="18" charset="0"/>
-                <a:cs typeface="Times New Roman" pitchFamily="18" charset="0"/>
-              </a:rPr>
-              <a:t> </a:t>
-            </a:r>
-            <a:r>
-              <a:rPr lang="en-US" altLang="zh-CN" sz="1403" dirty="0" smtClean="0">
-                <a:solidFill>
-                  <a:srgbClr val="FFFF00"/>
-                </a:solidFill>
-                <a:latin typeface="Calibri" pitchFamily="18" charset="0"/>
-                <a:cs typeface="Calibri" pitchFamily="18" charset="0"/>
-              </a:rPr>
-              <a:t>selected</a:t>
-            </a:r>
-          </a:p>
-          <a:p>
-            <a:pPr>
-              <a:lnSpc>
-                <a:spcPts val="2100"/>
-              </a:lnSpc>
-              <a:tabLst>
-                <a:tab pos="749300" algn="l"/>
-                <a:tab pos="1092200" algn="l"/>
-                <a:tab pos="1130300" algn="l"/>
-                <a:tab pos="1663700" algn="l"/>
-              </a:tabLst>
-            </a:pPr>
-            <a:r>
-              <a:rPr lang="en-US" altLang="zh-CN" dirty="0" smtClean="0"/>
-              <a:t>			</a:t>
-            </a:r>
-            <a:r>
-              <a:rPr lang="en-US" altLang="zh-CN" sz="1403" dirty="0" smtClean="0">
-                <a:solidFill>
-                  <a:srgbClr val="FFFF00"/>
-                </a:solidFill>
-                <a:latin typeface="Calibri" pitchFamily="18" charset="0"/>
-                <a:cs typeface="Calibri" pitchFamily="18" charset="0"/>
-              </a:rPr>
-              <a:t>manipName</a:t>
-            </a:r>
-            <a:r>
-              <a:rPr lang="en-US" altLang="zh-CN" sz="1403" dirty="0" smtClean="0">
-                <a:latin typeface="Times New Roman" pitchFamily="18" charset="0"/>
-                <a:cs typeface="Times New Roman" pitchFamily="18" charset="0"/>
-              </a:rPr>
-              <a:t> </a:t>
-            </a:r>
-            <a:r>
-              <a:rPr lang="en-US" altLang="zh-CN" sz="1403" dirty="0" smtClean="0">
-                <a:solidFill>
-                  <a:srgbClr val="FFFF00"/>
-                </a:solidFill>
-                <a:latin typeface="Calibri" pitchFamily="18" charset="0"/>
-                <a:cs typeface="Calibri" pitchFamily="18" charset="0"/>
-              </a:rPr>
-              <a:t>="moveManip"</a:t>
-            </a:r>
-          </a:p>
-          <a:p>
-            <a:pPr>
-              <a:lnSpc>
-                <a:spcPts val="2100"/>
-              </a:lnSpc>
-              <a:tabLst>
-                <a:tab pos="749300" algn="l"/>
-                <a:tab pos="1092200" algn="l"/>
-                <a:tab pos="1130300" algn="l"/>
-                <a:tab pos="1663700" algn="l"/>
-              </a:tabLst>
-            </a:pPr>
-            <a:r>
-              <a:rPr lang="en-US" altLang="zh-CN" dirty="0" smtClean="0"/>
-              <a:t>			</a:t>
-            </a:r>
-            <a:r>
-              <a:rPr lang="en-US" altLang="zh-CN" sz="1403" dirty="0" smtClean="0">
-                <a:solidFill>
-                  <a:srgbClr val="FFFF00"/>
-                </a:solidFill>
-                <a:latin typeface="Calibri" pitchFamily="18" charset="0"/>
-                <a:cs typeface="Calibri" pitchFamily="18" charset="0"/>
-              </a:rPr>
-              <a:t>manipObject</a:t>
-            </a:r>
-            <a:r>
-              <a:rPr lang="en-US" altLang="zh-CN" sz="1403" dirty="0" smtClean="0">
-                <a:latin typeface="Times New Roman" pitchFamily="18" charset="0"/>
-                <a:cs typeface="Times New Roman" pitchFamily="18" charset="0"/>
-              </a:rPr>
-              <a:t> </a:t>
-            </a:r>
-            <a:r>
-              <a:rPr lang="en-US" altLang="zh-CN" sz="1403" dirty="0" smtClean="0">
-                <a:solidFill>
-                  <a:srgbClr val="FFFF00"/>
-                </a:solidFill>
-                <a:latin typeface="Calibri" pitchFamily="18" charset="0"/>
-                <a:cs typeface="Calibri" pitchFamily="18" charset="0"/>
-              </a:rPr>
-              <a:t>=</a:t>
-            </a:r>
-            <a:r>
-              <a:rPr lang="en-US" altLang="zh-CN" sz="1403" dirty="0" smtClean="0">
-                <a:latin typeface="Times New Roman" pitchFamily="18" charset="0"/>
-                <a:cs typeface="Times New Roman" pitchFamily="18" charset="0"/>
-              </a:rPr>
-              <a:t> </a:t>
-            </a:r>
-            <a:r>
-              <a:rPr lang="en-US" altLang="zh-CN" sz="1403" dirty="0" smtClean="0">
-                <a:solidFill>
-                  <a:srgbClr val="FFFF00"/>
-                </a:solidFill>
-                <a:latin typeface="Calibri" pitchFamily="18" charset="0"/>
-                <a:cs typeface="Calibri" pitchFamily="18" charset="0"/>
-              </a:rPr>
-              <a:t>OpenMaya.MObject()</a:t>
-            </a:r>
-          </a:p>
-          <a:p>
-            <a:pPr>
-              <a:lnSpc>
-                <a:spcPts val="2100"/>
-              </a:lnSpc>
-              <a:tabLst>
-                <a:tab pos="749300" algn="l"/>
-                <a:tab pos="1092200" algn="l"/>
-                <a:tab pos="1130300" algn="l"/>
-                <a:tab pos="1663700" algn="l"/>
-              </a:tabLst>
-            </a:pPr>
-            <a:r>
-              <a:rPr lang="en-US" altLang="zh-CN" dirty="0" smtClean="0"/>
-              <a:t>			</a:t>
-            </a:r>
-            <a:r>
-              <a:rPr lang="en-US" altLang="zh-CN" sz="1403" dirty="0" smtClean="0">
-                <a:solidFill>
-                  <a:srgbClr val="FFFF00"/>
-                </a:solidFill>
-                <a:latin typeface="Calibri" pitchFamily="18" charset="0"/>
-                <a:cs typeface="Calibri" pitchFamily="18" charset="0"/>
-              </a:rPr>
-              <a:t>manipulator</a:t>
-            </a:r>
-            <a:r>
-              <a:rPr lang="en-US" altLang="zh-CN" sz="1403" dirty="0" smtClean="0">
-                <a:latin typeface="Times New Roman" pitchFamily="18" charset="0"/>
-                <a:cs typeface="Times New Roman" pitchFamily="18" charset="0"/>
-              </a:rPr>
-              <a:t> </a:t>
-            </a:r>
-            <a:r>
-              <a:rPr lang="en-US" altLang="zh-CN" sz="1403" dirty="0" smtClean="0">
-                <a:solidFill>
-                  <a:srgbClr val="FFFF00"/>
-                </a:solidFill>
-                <a:latin typeface="Calibri" pitchFamily="18" charset="0"/>
-                <a:cs typeface="Calibri" pitchFamily="18" charset="0"/>
-              </a:rPr>
-              <a:t>=</a:t>
-            </a:r>
-            <a:r>
-              <a:rPr lang="en-US" altLang="zh-CN" sz="1403" dirty="0" smtClean="0">
-                <a:latin typeface="Times New Roman" pitchFamily="18" charset="0"/>
-                <a:cs typeface="Times New Roman" pitchFamily="18" charset="0"/>
-              </a:rPr>
-              <a:t> </a:t>
-            </a:r>
-            <a:r>
-              <a:rPr lang="en-US" altLang="zh-CN" sz="1403" dirty="0" smtClean="0">
-                <a:solidFill>
-                  <a:srgbClr val="FFFF00"/>
-                </a:solidFill>
-                <a:latin typeface="Calibri" pitchFamily="18" charset="0"/>
-                <a:cs typeface="Calibri" pitchFamily="18" charset="0"/>
-              </a:rPr>
-              <a:t>OpenMayaMPx.MPxManipContainer.newManipulator(manipName,manipObject)</a:t>
-            </a:r>
-          </a:p>
-          <a:p>
-            <a:pPr>
-              <a:lnSpc>
-                <a:spcPts val="2100"/>
-              </a:lnSpc>
-              <a:tabLst>
-                <a:tab pos="749300" algn="l"/>
-                <a:tab pos="1092200" algn="l"/>
-                <a:tab pos="1130300" algn="l"/>
-                <a:tab pos="1663700" algn="l"/>
-              </a:tabLst>
-            </a:pPr>
-            <a:r>
-              <a:rPr lang="en-US" altLang="zh-CN" dirty="0" smtClean="0"/>
-              <a:t>			</a:t>
-            </a:r>
-            <a:r>
-              <a:rPr lang="en-US" altLang="zh-CN" sz="1403" dirty="0" smtClean="0">
-                <a:solidFill>
-                  <a:srgbClr val="FFFF00"/>
-                </a:solidFill>
-                <a:latin typeface="Calibri" pitchFamily="18" charset="0"/>
-                <a:cs typeface="Calibri" pitchFamily="18" charset="0"/>
-              </a:rPr>
-              <a:t>...</a:t>
-            </a:r>
-            <a:endParaRPr lang="en-US" altLang="zh-CN" sz="1403" dirty="0" smtClean="0">
-              <a:solidFill>
-                <a:srgbClr val="FFFF00"/>
-              </a:solidFill>
-              <a:latin typeface="Calibri" pitchFamily="18" charset="0"/>
-              <a:cs typeface="Calibri" pitchFamily="18" charset="0"/>
-            </a:endParaRPr>
-          </a:p>
-          <a:p>
-            <a:pPr>
-              <a:lnSpc>
-                <a:spcPts val="2100"/>
-              </a:lnSpc>
-              <a:tabLst>
-                <a:tab pos="749300" algn="l"/>
-                <a:tab pos="1092200" algn="l"/>
-                <a:tab pos="1130300" algn="l"/>
-                <a:tab pos="1663700" algn="l"/>
-              </a:tabLst>
-            </a:pPr>
-            <a:r>
-              <a:rPr lang="en-US" altLang="zh-CN" dirty="0" smtClean="0"/>
-              <a:t>			</a:t>
-            </a:r>
-            <a:r>
-              <a:rPr lang="en-US" altLang="zh-CN" sz="1403" dirty="0" smtClean="0">
-                <a:solidFill>
-                  <a:srgbClr val="FFFF00"/>
-                </a:solidFill>
-                <a:latin typeface="Calibri" pitchFamily="18" charset="0"/>
-                <a:cs typeface="Calibri" pitchFamily="18" charset="0"/>
-              </a:rPr>
-              <a:t>if</a:t>
-            </a:r>
-            <a:r>
-              <a:rPr lang="en-US" altLang="zh-CN" sz="1403" dirty="0" smtClean="0">
-                <a:latin typeface="Times New Roman" pitchFamily="18" charset="0"/>
-                <a:cs typeface="Times New Roman" pitchFamily="18" charset="0"/>
-              </a:rPr>
-              <a:t> </a:t>
-            </a:r>
-            <a:r>
-              <a:rPr lang="en-US" altLang="zh-CN" sz="1403" dirty="0" smtClean="0">
-                <a:solidFill>
-                  <a:srgbClr val="FFFF00"/>
-                </a:solidFill>
-                <a:latin typeface="Calibri" pitchFamily="18" charset="0"/>
-                <a:cs typeface="Calibri" pitchFamily="18" charset="0"/>
-              </a:rPr>
-              <a:t>manipulator</a:t>
-            </a:r>
-            <a:r>
-              <a:rPr lang="en-US" altLang="zh-CN" sz="1403" dirty="0" smtClean="0">
-                <a:latin typeface="Times New Roman" pitchFamily="18" charset="0"/>
-                <a:cs typeface="Times New Roman" pitchFamily="18" charset="0"/>
-              </a:rPr>
-              <a:t> </a:t>
-            </a:r>
-            <a:r>
-              <a:rPr lang="en-US" altLang="zh-CN" sz="1403" dirty="0" smtClean="0">
-                <a:solidFill>
-                  <a:srgbClr val="FFFF00"/>
-                </a:solidFill>
-                <a:latin typeface="Calibri" pitchFamily="18" charset="0"/>
-                <a:cs typeface="Calibri" pitchFamily="18" charset="0"/>
-              </a:rPr>
-              <a:t>is</a:t>
-            </a:r>
-            <a:r>
-              <a:rPr lang="en-US" altLang="zh-CN" sz="1403" dirty="0" smtClean="0">
-                <a:latin typeface="Times New Roman" pitchFamily="18" charset="0"/>
-                <a:cs typeface="Times New Roman" pitchFamily="18" charset="0"/>
-              </a:rPr>
-              <a:t> </a:t>
-            </a:r>
-            <a:r>
-              <a:rPr lang="en-US" altLang="zh-CN" sz="1403" dirty="0" smtClean="0">
-                <a:solidFill>
-                  <a:srgbClr val="FFFF00"/>
-                </a:solidFill>
-                <a:latin typeface="Calibri" pitchFamily="18" charset="0"/>
-                <a:cs typeface="Calibri" pitchFamily="18" charset="0"/>
-              </a:rPr>
-              <a:t>not</a:t>
-            </a:r>
-            <a:r>
-              <a:rPr lang="en-US" altLang="zh-CN" sz="1403" dirty="0" smtClean="0">
-                <a:latin typeface="Times New Roman" pitchFamily="18" charset="0"/>
-                <a:cs typeface="Times New Roman" pitchFamily="18" charset="0"/>
-              </a:rPr>
-              <a:t> </a:t>
-            </a:r>
-            <a:r>
-              <a:rPr lang="en-US" altLang="zh-CN" sz="1403" dirty="0" smtClean="0">
-                <a:solidFill>
-                  <a:srgbClr val="FFFF00"/>
-                </a:solidFill>
-                <a:latin typeface="Calibri" pitchFamily="18" charset="0"/>
-                <a:cs typeface="Calibri" pitchFamily="18" charset="0"/>
-              </a:rPr>
-              <a:t>None:</a:t>
-            </a:r>
-          </a:p>
-          <a:p>
-            <a:pPr>
-              <a:lnSpc>
-                <a:spcPts val="2100"/>
-              </a:lnSpc>
-              <a:tabLst>
-                <a:tab pos="749300" algn="l"/>
-                <a:tab pos="1092200" algn="l"/>
-                <a:tab pos="1130300" algn="l"/>
-                <a:tab pos="1663700" algn="l"/>
-              </a:tabLst>
-            </a:pPr>
-            <a:r>
-              <a:rPr lang="en-US" altLang="zh-CN" dirty="0" smtClean="0"/>
-              <a:t>				</a:t>
-            </a:r>
-            <a:r>
-              <a:rPr lang="en-US" altLang="zh-CN" sz="1403" dirty="0" smtClean="0">
-                <a:solidFill>
-                  <a:srgbClr val="FFFF00"/>
-                </a:solidFill>
-                <a:latin typeface="Calibri" pitchFamily="18" charset="0"/>
-                <a:cs typeface="Calibri" pitchFamily="18" charset="0"/>
-              </a:rPr>
-              <a:t>clientData.addManipulator(manipObject)</a:t>
-            </a:r>
-          </a:p>
-          <a:p>
-            <a:pPr>
-              <a:lnSpc>
-                <a:spcPts val="2100"/>
-              </a:lnSpc>
-              <a:tabLst>
-                <a:tab pos="749300" algn="l"/>
-                <a:tab pos="1092200" algn="l"/>
-                <a:tab pos="1130300" algn="l"/>
-                <a:tab pos="1663700" algn="l"/>
-              </a:tabLst>
-            </a:pPr>
-            <a:r>
-              <a:rPr lang="en-US" altLang="zh-CN" dirty="0" smtClean="0"/>
-              <a:t>				</a:t>
-            </a:r>
-            <a:r>
-              <a:rPr lang="en-US" altLang="zh-CN" sz="1406" dirty="0" smtClean="0">
-                <a:solidFill>
-                  <a:srgbClr val="FFFF00"/>
-                </a:solidFill>
-                <a:latin typeface="Calibri" pitchFamily="18" charset="0"/>
-                <a:cs typeface="Calibri" pitchFamily="18" charset="0"/>
-              </a:rPr>
-              <a:t>manipulator.connectToDependNode(dependNode)</a:t>
-            </a:r>
-          </a:p>
-          <a:p>
-            <a:pPr>
-              <a:lnSpc>
-                <a:spcPts val="2100"/>
-              </a:lnSpc>
-              <a:tabLst>
-                <a:tab pos="749300" algn="l"/>
-                <a:tab pos="1092200" algn="l"/>
-                <a:tab pos="1130300" algn="l"/>
-                <a:tab pos="1663700" algn="l"/>
-              </a:tabLst>
-            </a:pPr>
-            <a:r>
-              <a:rPr lang="en-US" altLang="zh-CN" dirty="0" smtClean="0"/>
-              <a:t>			</a:t>
-            </a:r>
-            <a:r>
-              <a:rPr lang="en-US" altLang="zh-CN" sz="1403" dirty="0" smtClean="0">
-                <a:solidFill>
-                  <a:srgbClr val="FFFF00"/>
-                </a:solidFill>
-                <a:latin typeface="Calibri" pitchFamily="18" charset="0"/>
-                <a:cs typeface="Calibri" pitchFamily="18" charset="0"/>
-              </a:rPr>
-              <a:t>...</a:t>
-            </a:r>
-          </a:p>
-        </p:txBody>
-      </p:sp>
-    </p:spTree>
-  </p:cSld>
-  <p:clrMapOvr>
-    <a:masterClrMapping/>
-  </p:clrMapOvr>
-</p:sld>
-</file>
-
-<file path=ppt/slides/slide31.xml><?xml version="1.0" encoding="utf-8"?>
-<p:sld xmlns:a="http://schemas.openxmlformats.org/drawingml/2006/main" xmlns:r="http://schemas.openxmlformats.org/officeDocument/2006/relationships" xmlns:p="http://schemas.openxmlformats.org/presentationml/2006/main">
-  <p:cSld>
-    <p:spTree>
-      <p:nvGrpSpPr>
-        <p:cNvPr id="1" name=""/>
-        <p:cNvGrpSpPr/>
-        <p:nvPr/>
-      </p:nvGrpSpPr>
-      <p:grpSpPr>
-        <a:xfrm>
-          <a:off x="0" y="0"/>
-          <a:ext cx="0" cy="0"/>
-          <a:chOff x="0" y="0"/>
-          <a:chExt cx="0" cy="0"/>
-        </a:xfrm>
-      </p:grpSpPr>
-      <p:pic>
-        <p:nvPicPr>
-          <p:cNvPr id="1027" name="Picture 3"/>
-          <p:cNvPicPr>
-            <a:picLocks noChangeAspect="1" noChangeArrowheads="1"/>
-          </p:cNvPicPr>
-          <p:nvPr/>
-        </p:nvPicPr>
-        <p:blipFill>
-          <a:blip r:embed="rId2"/>
-          <a:srcRect/>
-          <a:stretch>
-            <a:fillRect/>
-          </a:stretch>
-        </p:blipFill>
-        <p:spPr bwMode="auto">
-          <a:xfrm>
-            <a:off x="0" y="0"/>
-            <a:ext cx="9144000" cy="6858000"/>
-          </a:xfrm>
-          <a:prstGeom prst="rect">
-            <a:avLst/>
-          </a:prstGeom>
-          <a:noFill/>
-        </p:spPr>
-      </p:pic>
-      <p:sp>
-        <p:nvSpPr>
-          <p:cNvPr id="4" name="Freeform 3"/>
-          <p:cNvSpPr/>
-          <p:nvPr/>
-        </p:nvSpPr>
-        <p:spPr>
-          <a:xfrm>
-            <a:off x="0" y="0"/>
-            <a:ext cx="9144000" cy="6858000"/>
-          </a:xfrm>
-          <a:custGeom>
-            <a:avLst/>
-            <a:gdLst>
-              <a:gd name="connsiteX0" fmla="*/ 0 w 9144000"/>
-              <a:gd name="connsiteY0" fmla="*/ 6858000 h 6858000"/>
-              <a:gd name="connsiteX1" fmla="*/ 9144000 w 9144000"/>
-              <a:gd name="connsiteY1" fmla="*/ 6858000 h 6858000"/>
-              <a:gd name="connsiteX2" fmla="*/ 9144000 w 9144000"/>
-              <a:gd name="connsiteY2" fmla="*/ 0 h 6858000"/>
-              <a:gd name="connsiteX3" fmla="*/ 0 w 9144000"/>
-              <a:gd name="connsiteY3" fmla="*/ 0 h 6858000"/>
-              <a:gd name="connsiteX4" fmla="*/ 0 w 9144000"/>
-              <a:gd name="connsiteY4" fmla="*/ 6858000 h 6858000"/>
-            </a:gdLst>
-            <a:ahLst/>
-            <a:cxnLst>
-              <a:cxn ang="0">
-                <a:pos x="connsiteX0" y="connsiteY0"/>
-              </a:cxn>
-              <a:cxn ang="1">
-                <a:pos x="connsiteX1" y="connsiteY1"/>
-              </a:cxn>
-              <a:cxn ang="2">
-                <a:pos x="connsiteX2" y="connsiteY2"/>
-              </a:cxn>
-              <a:cxn ang="3">
-                <a:pos x="connsiteX3" y="connsiteY3"/>
-              </a:cxn>
-              <a:cxn ang="4">
-                <a:pos x="connsiteX4" y="connsiteY4"/>
-              </a:cxn>
-            </a:cxnLst>
-            <a:rect l="l" t="t" r="r" b="b"/>
-            <a:pathLst>
-              <a:path w="9144000" h="6858000">
-                <a:moveTo>
-                  <a:pt x="0" y="6858000"/>
-                </a:moveTo>
-                <a:lnTo>
-                  <a:pt x="9144000" y="6858000"/>
-                </a:lnTo>
-                <a:lnTo>
-                  <a:pt x="9144000" y="0"/>
-                </a:lnTo>
-                <a:lnTo>
-                  <a:pt x="0" y="0"/>
-                </a:lnTo>
-                <a:lnTo>
-                  <a:pt x="0" y="6858000"/>
-                </a:lnTo>
-              </a:path>
-            </a:pathLst>
-          </a:custGeom>
-          <a:solidFill>
-            <a:srgbClr val="000000">
-              <a:alpha val="100000"/>
-            </a:srgbClr>
-          </a:solidFill>
-          <a:ln w="12700">
-            <a:solidFill>
-              <a:srgbClr val="000000">
-                <a:alpha val="0"/>
-              </a:srgbClr>
-            </a:solidFill>
-            <a:prstDash val="solid"/>
-          </a:ln>
-        </p:spPr>
-        <p:style>
-          <a:lnRef idx="2">
-            <a:schemeClr val="accent1">
-              <a:shade val="50000"/>
-            </a:schemeClr>
-          </a:lnRef>
-          <a:fillRef idx="1">
-            <a:schemeClr val="accent1"/>
-          </a:fillRef>
-          <a:effectRef idx="0">
-            <a:schemeClr val="accent1"/>
-          </a:effectRef>
-          <a:fontRef idx="minor">
-            <a:schemeClr val="lt1"/>
-          </a:fontRef>
-        </p:style>
-        <p:txBody>
-          <a:bodyPr rtlCol="0" anchor="ctr"/>
-          <a:lstStyle/>
-          <a:p>
-            <a:pPr algn="ctr"/>
-            <a:endParaRPr lang="zh-CN" altLang="en-US"/>
-          </a:p>
-        </p:txBody>
-      </p:sp>
-      <p:sp>
-        <p:nvSpPr>
-          <p:cNvPr id="3" name="Freeform 3"/>
-          <p:cNvSpPr/>
-          <p:nvPr/>
-        </p:nvSpPr>
-        <p:spPr>
-          <a:xfrm>
             <a:off x="311150" y="5343525"/>
             <a:ext cx="7997825" cy="1062037"/>
           </a:xfrm>
@@ -29312,7 +28311,7 @@
 </p:sld>
 </file>
 
-<file path=ppt/slides/slide32.xml><?xml version="1.0" encoding="utf-8"?>
+<file path=ppt/slides/slide31.xml><?xml version="1.0" encoding="utf-8"?>
 <p:sld xmlns:a="http://schemas.openxmlformats.org/drawingml/2006/main" xmlns:r="http://schemas.openxmlformats.org/officeDocument/2006/relationships" xmlns:p="http://schemas.openxmlformats.org/presentationml/2006/main">
   <p:cSld>
     <p:spTree>
